--- a/TDDExamples/Persentation/Test Driven Development.pptx
+++ b/TDDExamples/Persentation/Test Driven Development.pptx
@@ -5,7 +5,7 @@
     <p:sldMasterId id="2147483648" r:id="rId1"/>
   </p:sldMasterIdLst>
   <p:notesMasterIdLst>
-    <p:notesMasterId r:id="rId68"/>
+    <p:notesMasterId r:id="rId69"/>
   </p:notesMasterIdLst>
   <p:sldIdLst>
     <p:sldId id="318" r:id="rId2"/>
@@ -15,65 +15,66 @@
     <p:sldId id="346" r:id="rId6"/>
     <p:sldId id="258" r:id="rId7"/>
     <p:sldId id="347" r:id="rId8"/>
-    <p:sldId id="285" r:id="rId9"/>
-    <p:sldId id="275" r:id="rId10"/>
-    <p:sldId id="343" r:id="rId11"/>
-    <p:sldId id="319" r:id="rId12"/>
-    <p:sldId id="320" r:id="rId13"/>
-    <p:sldId id="321" r:id="rId14"/>
-    <p:sldId id="276" r:id="rId15"/>
-    <p:sldId id="281" r:id="rId16"/>
-    <p:sldId id="322" r:id="rId17"/>
-    <p:sldId id="323" r:id="rId18"/>
-    <p:sldId id="312" r:id="rId19"/>
-    <p:sldId id="313" r:id="rId20"/>
-    <p:sldId id="341" r:id="rId21"/>
-    <p:sldId id="325" r:id="rId22"/>
-    <p:sldId id="342" r:id="rId23"/>
-    <p:sldId id="277" r:id="rId24"/>
-    <p:sldId id="280" r:id="rId25"/>
-    <p:sldId id="290" r:id="rId26"/>
-    <p:sldId id="291" r:id="rId27"/>
-    <p:sldId id="278" r:id="rId28"/>
-    <p:sldId id="267" r:id="rId29"/>
-    <p:sldId id="309" r:id="rId30"/>
-    <p:sldId id="268" r:id="rId31"/>
-    <p:sldId id="284" r:id="rId32"/>
-    <p:sldId id="296" r:id="rId33"/>
-    <p:sldId id="297" r:id="rId34"/>
-    <p:sldId id="261" r:id="rId35"/>
-    <p:sldId id="262" r:id="rId36"/>
-    <p:sldId id="263" r:id="rId37"/>
-    <p:sldId id="279" r:id="rId38"/>
-    <p:sldId id="326" r:id="rId39"/>
-    <p:sldId id="327" r:id="rId40"/>
-    <p:sldId id="328" r:id="rId41"/>
-    <p:sldId id="329" r:id="rId42"/>
-    <p:sldId id="330" r:id="rId43"/>
-    <p:sldId id="331" r:id="rId44"/>
-    <p:sldId id="332" r:id="rId45"/>
-    <p:sldId id="333" r:id="rId46"/>
-    <p:sldId id="334" r:id="rId47"/>
-    <p:sldId id="335" r:id="rId48"/>
-    <p:sldId id="336" r:id="rId49"/>
-    <p:sldId id="282" r:id="rId50"/>
-    <p:sldId id="306" r:id="rId51"/>
-    <p:sldId id="272" r:id="rId52"/>
-    <p:sldId id="340" r:id="rId53"/>
-    <p:sldId id="302" r:id="rId54"/>
-    <p:sldId id="303" r:id="rId55"/>
-    <p:sldId id="304" r:id="rId56"/>
-    <p:sldId id="305" r:id="rId57"/>
-    <p:sldId id="314" r:id="rId58"/>
-    <p:sldId id="315" r:id="rId59"/>
-    <p:sldId id="301" r:id="rId60"/>
-    <p:sldId id="324" r:id="rId61"/>
-    <p:sldId id="338" r:id="rId62"/>
-    <p:sldId id="339" r:id="rId63"/>
-    <p:sldId id="308" r:id="rId64"/>
-    <p:sldId id="294" r:id="rId65"/>
-    <p:sldId id="295" r:id="rId66"/>
-    <p:sldId id="300" r:id="rId67"/>
+    <p:sldId id="348" r:id="rId9"/>
+    <p:sldId id="285" r:id="rId10"/>
+    <p:sldId id="275" r:id="rId11"/>
+    <p:sldId id="343" r:id="rId12"/>
+    <p:sldId id="319" r:id="rId13"/>
+    <p:sldId id="320" r:id="rId14"/>
+    <p:sldId id="321" r:id="rId15"/>
+    <p:sldId id="276" r:id="rId16"/>
+    <p:sldId id="281" r:id="rId17"/>
+    <p:sldId id="322" r:id="rId18"/>
+    <p:sldId id="323" r:id="rId19"/>
+    <p:sldId id="312" r:id="rId20"/>
+    <p:sldId id="313" r:id="rId21"/>
+    <p:sldId id="341" r:id="rId22"/>
+    <p:sldId id="325" r:id="rId23"/>
+    <p:sldId id="342" r:id="rId24"/>
+    <p:sldId id="277" r:id="rId25"/>
+    <p:sldId id="280" r:id="rId26"/>
+    <p:sldId id="290" r:id="rId27"/>
+    <p:sldId id="291" r:id="rId28"/>
+    <p:sldId id="278" r:id="rId29"/>
+    <p:sldId id="267" r:id="rId30"/>
+    <p:sldId id="309" r:id="rId31"/>
+    <p:sldId id="268" r:id="rId32"/>
+    <p:sldId id="284" r:id="rId33"/>
+    <p:sldId id="296" r:id="rId34"/>
+    <p:sldId id="297" r:id="rId35"/>
+    <p:sldId id="326" r:id="rId36"/>
+    <p:sldId id="327" r:id="rId37"/>
+    <p:sldId id="328" r:id="rId38"/>
+    <p:sldId id="329" r:id="rId39"/>
+    <p:sldId id="330" r:id="rId40"/>
+    <p:sldId id="331" r:id="rId41"/>
+    <p:sldId id="332" r:id="rId42"/>
+    <p:sldId id="333" r:id="rId43"/>
+    <p:sldId id="335" r:id="rId44"/>
+    <p:sldId id="334" r:id="rId45"/>
+    <p:sldId id="349" r:id="rId46"/>
+    <p:sldId id="350" r:id="rId47"/>
+    <p:sldId id="351" r:id="rId48"/>
+    <p:sldId id="352" r:id="rId49"/>
+    <p:sldId id="336" r:id="rId50"/>
+    <p:sldId id="282" r:id="rId51"/>
+    <p:sldId id="306" r:id="rId52"/>
+    <p:sldId id="272" r:id="rId53"/>
+    <p:sldId id="340" r:id="rId54"/>
+    <p:sldId id="302" r:id="rId55"/>
+    <p:sldId id="303" r:id="rId56"/>
+    <p:sldId id="304" r:id="rId57"/>
+    <p:sldId id="305" r:id="rId58"/>
+    <p:sldId id="314" r:id="rId59"/>
+    <p:sldId id="315" r:id="rId60"/>
+    <p:sldId id="301" r:id="rId61"/>
+    <p:sldId id="324" r:id="rId62"/>
+    <p:sldId id="338" r:id="rId63"/>
+    <p:sldId id="339" r:id="rId64"/>
+    <p:sldId id="308" r:id="rId65"/>
+    <p:sldId id="294" r:id="rId66"/>
+    <p:sldId id="295" r:id="rId67"/>
+    <p:sldId id="300" r:id="rId68"/>
   </p:sldIdLst>
   <p:sldSz cx="9144000" cy="6858000" type="screen4x3"/>
   <p:notesSz cx="6858000" cy="9144000"/>
@@ -472,11 +473,11 @@
           <c:showBubbleSize val="0"/>
         </c:dLbls>
         <c:smooth val="0"/>
-        <c:axId val="395385728"/>
-        <c:axId val="395383376"/>
+        <c:axId val="371561912"/>
+        <c:axId val="371561520"/>
       </c:lineChart>
       <c:catAx>
-        <c:axId val="395385728"/>
+        <c:axId val="371561912"/>
         <c:scaling>
           <c:orientation val="minMax"/>
         </c:scaling>
@@ -496,7 +497,7 @@
             <a:endParaRPr lang="en-US"/>
           </a:p>
         </c:txPr>
-        <c:crossAx val="395383376"/>
+        <c:crossAx val="371561520"/>
         <c:crosses val="autoZero"/>
         <c:auto val="1"/>
         <c:lblAlgn val="ctr"/>
@@ -504,7 +505,7 @@
         <c:noMultiLvlLbl val="0"/>
       </c:catAx>
       <c:valAx>
-        <c:axId val="395383376"/>
+        <c:axId val="371561520"/>
         <c:scaling>
           <c:orientation val="minMax"/>
         </c:scaling>
@@ -525,14 +526,13 @@
             <a:endParaRPr lang="en-US"/>
           </a:p>
         </c:txPr>
-        <c:crossAx val="395385728"/>
+        <c:crossAx val="371561912"/>
         <c:crosses val="autoZero"/>
         <c:crossBetween val="between"/>
       </c:valAx>
     </c:plotArea>
     <c:legend>
       <c:legendPos val="r"/>
-      <c:layout/>
       <c:overlay val="0"/>
       <c:txPr>
         <a:bodyPr/>
@@ -648,7 +648,7 @@
             <a:fld id="{90C5FEE4-6EAE-4C17-8DA3-C5B967DA9B18}" type="datetimeFigureOut">
               <a:rPr lang="en-US" smtClean="0"/>
               <a:pPr/>
-              <a:t>4/22/2018</a:t>
+              <a:t>4/23/2018</a:t>
             </a:fld>
             <a:endParaRPr lang="en-US"/>
           </a:p>
@@ -1444,7 +1444,7 @@
             <a:fld id="{5783D7AA-6A74-42C9-8D9C-C1060C84B8E4}" type="slidenum">
               <a:rPr lang="en-US" smtClean="0"/>
               <a:pPr/>
-              <a:t>28</a:t>
+              <a:t>29</a:t>
             </a:fld>
             <a:endParaRPr lang="en-US"/>
           </a:p>
@@ -1531,7 +1531,7 @@
             <a:fld id="{5783D7AA-6A74-42C9-8D9C-C1060C84B8E4}" type="slidenum">
               <a:rPr lang="en-US" smtClean="0"/>
               <a:pPr/>
-              <a:t>31</a:t>
+              <a:t>32</a:t>
             </a:fld>
             <a:endParaRPr lang="en-US"/>
           </a:p>
@@ -1618,7 +1618,7 @@
             <a:fld id="{5783D7AA-6A74-42C9-8D9C-C1060C84B8E4}" type="slidenum">
               <a:rPr lang="en-US" smtClean="0"/>
               <a:pPr/>
-              <a:t>33</a:t>
+              <a:t>34</a:t>
             </a:fld>
             <a:endParaRPr lang="en-US"/>
           </a:p>
@@ -1679,24 +1679,374 @@
         <p:spPr/>
         <p:txBody>
           <a:bodyPr>
-            <a:normAutofit/>
+            <a:normAutofit fontScale="92500" lnSpcReduction="20000"/>
           </a:bodyPr>
           <a:lstStyle/>
           <a:p>
             <a:r>
+              <a:rPr lang="en-US" sz="1200" b="1" i="0" u="none" strike="noStrike" kern="1200" baseline="0" dirty="0" smtClean="0">
+                <a:solidFill>
+                  <a:schemeClr val="tx1"/>
+                </a:solidFill>
+                <a:latin typeface="+mn-lt"/>
+                <a:ea typeface="+mn-ea"/>
+                <a:cs typeface="+mn-cs"/>
+              </a:rPr>
+              <a:t>Dependencies</a:t>
+            </a:r>
+          </a:p>
+          <a:p>
+            <a:r>
+              <a:rPr lang="en-US" sz="1200" b="0" i="0" u="none" strike="noStrike" kern="1200" baseline="0" dirty="0" smtClean="0">
+                <a:solidFill>
+                  <a:schemeClr val="tx1"/>
+                </a:solidFill>
+                <a:latin typeface="+mn-lt"/>
+                <a:ea typeface="+mn-ea"/>
+                <a:cs typeface="+mn-cs"/>
+              </a:rPr>
+              <a:t>Services that the object requires from its peers so it can perform its responsibilities.</a:t>
+            </a:r>
+          </a:p>
+          <a:p>
+            <a:r>
+              <a:rPr lang="en-US" sz="1200" b="0" i="0" u="none" strike="noStrike" kern="1200" baseline="0" dirty="0" smtClean="0">
+                <a:solidFill>
+                  <a:schemeClr val="tx1"/>
+                </a:solidFill>
+                <a:latin typeface="+mn-lt"/>
+                <a:ea typeface="+mn-ea"/>
+                <a:cs typeface="+mn-cs"/>
+              </a:rPr>
+              <a:t>The object cannot function without these services. It should not be</a:t>
+            </a:r>
+          </a:p>
+          <a:p>
+            <a:r>
+              <a:rPr lang="en-US" sz="1200" b="0" i="0" u="none" strike="noStrike" kern="1200" baseline="0" dirty="0" smtClean="0">
+                <a:solidFill>
+                  <a:schemeClr val="tx1"/>
+                </a:solidFill>
+                <a:latin typeface="+mn-lt"/>
+                <a:ea typeface="+mn-ea"/>
+                <a:cs typeface="+mn-cs"/>
+              </a:rPr>
+              <a:t>possible to create the object without them. For example, a graphics package</a:t>
+            </a:r>
+          </a:p>
+          <a:p>
+            <a:r>
+              <a:rPr lang="en-US" sz="1200" b="0" i="0" u="none" strike="noStrike" kern="1200" baseline="0" dirty="0" smtClean="0">
+                <a:solidFill>
+                  <a:schemeClr val="tx1"/>
+                </a:solidFill>
+                <a:latin typeface="+mn-lt"/>
+                <a:ea typeface="+mn-ea"/>
+                <a:cs typeface="+mn-cs"/>
+              </a:rPr>
+              <a:t>will need something like a screen or canvas to draw on—it doesn’t make</a:t>
+            </a:r>
+          </a:p>
+          <a:p>
+            <a:r>
+              <a:rPr lang="en-US" sz="1200" b="0" i="0" u="none" strike="noStrike" kern="1200" baseline="0" dirty="0" smtClean="0">
+                <a:solidFill>
+                  <a:schemeClr val="tx1"/>
+                </a:solidFill>
+                <a:latin typeface="+mn-lt"/>
+                <a:ea typeface="+mn-ea"/>
+                <a:cs typeface="+mn-cs"/>
+              </a:rPr>
+              <a:t>sense without one.</a:t>
+            </a:r>
+          </a:p>
+          <a:p>
+            <a:r>
+              <a:rPr lang="en-US" sz="1200" b="1" i="0" u="none" strike="noStrike" kern="1200" baseline="0" dirty="0" smtClean="0">
+                <a:solidFill>
+                  <a:schemeClr val="tx1"/>
+                </a:solidFill>
+                <a:latin typeface="+mn-lt"/>
+                <a:ea typeface="+mn-ea"/>
+                <a:cs typeface="+mn-cs"/>
+              </a:rPr>
+              <a:t>Notifications</a:t>
+            </a:r>
+          </a:p>
+          <a:p>
+            <a:r>
+              <a:rPr lang="en-US" sz="1200" b="0" i="0" u="none" strike="noStrike" kern="1200" baseline="0" dirty="0" smtClean="0">
+                <a:solidFill>
+                  <a:schemeClr val="tx1"/>
+                </a:solidFill>
+                <a:latin typeface="+mn-lt"/>
+                <a:ea typeface="+mn-ea"/>
+                <a:cs typeface="+mn-cs"/>
+              </a:rPr>
+              <a:t>Peers that need to be kept up to date with the object’s activity. The object</a:t>
+            </a:r>
+          </a:p>
+          <a:p>
+            <a:r>
+              <a:rPr lang="en-US" sz="1200" b="0" i="0" u="none" strike="noStrike" kern="1200" baseline="0" dirty="0" smtClean="0">
+                <a:solidFill>
+                  <a:schemeClr val="tx1"/>
+                </a:solidFill>
+                <a:latin typeface="+mn-lt"/>
+                <a:ea typeface="+mn-ea"/>
+                <a:cs typeface="+mn-cs"/>
+              </a:rPr>
+              <a:t>will notify interested peers whenever it changes state or performs a significant</a:t>
+            </a:r>
+          </a:p>
+          <a:p>
+            <a:r>
+              <a:rPr lang="en-US" sz="1200" b="0" i="0" u="none" strike="noStrike" kern="1200" baseline="0" dirty="0" smtClean="0">
+                <a:solidFill>
+                  <a:schemeClr val="tx1"/>
+                </a:solidFill>
+                <a:latin typeface="+mn-lt"/>
+                <a:ea typeface="+mn-ea"/>
+                <a:cs typeface="+mn-cs"/>
+              </a:rPr>
+              <a:t>action. Notifications are “fire and forget”; the object neither knows nor cares</a:t>
+            </a:r>
+          </a:p>
+          <a:p>
+            <a:r>
+              <a:rPr lang="en-US" sz="1200" b="0" i="0" u="none" strike="noStrike" kern="1200" baseline="0" dirty="0" smtClean="0">
+                <a:solidFill>
+                  <a:schemeClr val="tx1"/>
+                </a:solidFill>
+                <a:latin typeface="+mn-lt"/>
+                <a:ea typeface="+mn-ea"/>
+                <a:cs typeface="+mn-cs"/>
+              </a:rPr>
+              <a:t>which peers are listening. Notifications are so useful because they decouple</a:t>
+            </a:r>
+          </a:p>
+          <a:p>
+            <a:r>
+              <a:rPr lang="en-US" sz="1200" b="0" i="0" u="none" strike="noStrike" kern="1200" baseline="0" dirty="0" smtClean="0">
+                <a:solidFill>
+                  <a:schemeClr val="tx1"/>
+                </a:solidFill>
+                <a:latin typeface="+mn-lt"/>
+                <a:ea typeface="+mn-ea"/>
+                <a:cs typeface="+mn-cs"/>
+              </a:rPr>
+              <a:t>objects from each other. For example, in a user interface system, a button</a:t>
+            </a:r>
+          </a:p>
+          <a:p>
+            <a:r>
+              <a:rPr lang="en-US" sz="1200" b="0" i="0" u="none" strike="noStrike" kern="1200" baseline="0" dirty="0" smtClean="0">
+                <a:solidFill>
+                  <a:schemeClr val="tx1"/>
+                </a:solidFill>
+                <a:latin typeface="+mn-lt"/>
+                <a:ea typeface="+mn-ea"/>
+                <a:cs typeface="+mn-cs"/>
+              </a:rPr>
+              <a:t>component promises to notify any registered listeners when it’s clicked, but</a:t>
+            </a:r>
+          </a:p>
+          <a:p>
+            <a:r>
+              <a:rPr lang="en-US" sz="1200" b="0" i="0" u="none" strike="noStrike" kern="1200" baseline="0" dirty="0" smtClean="0">
+                <a:solidFill>
+                  <a:schemeClr val="tx1"/>
+                </a:solidFill>
+                <a:latin typeface="+mn-lt"/>
+                <a:ea typeface="+mn-ea"/>
+                <a:cs typeface="+mn-cs"/>
+              </a:rPr>
+              <a:t>does not know what those listeners will do. Similarly, the listeners expect to</a:t>
+            </a:r>
+          </a:p>
+          <a:p>
+            <a:r>
+              <a:rPr lang="en-US" sz="1200" b="0" i="0" u="none" strike="noStrike" kern="1200" baseline="0" dirty="0" smtClean="0">
+                <a:solidFill>
+                  <a:schemeClr val="tx1"/>
+                </a:solidFill>
+                <a:latin typeface="+mn-lt"/>
+                <a:ea typeface="+mn-ea"/>
+                <a:cs typeface="+mn-cs"/>
+              </a:rPr>
+              <a:t>be called but know nothing of the way the user interface dispatches its events.</a:t>
+            </a:r>
+          </a:p>
+          <a:p>
+            <a:r>
+              <a:rPr lang="en-US" sz="1200" b="1" i="0" u="none" strike="noStrike" kern="1200" baseline="0" dirty="0" smtClean="0">
+                <a:solidFill>
+                  <a:schemeClr val="tx1"/>
+                </a:solidFill>
+                <a:latin typeface="+mn-lt"/>
+                <a:ea typeface="+mn-ea"/>
+                <a:cs typeface="+mn-cs"/>
+              </a:rPr>
+              <a:t>Adjustments</a:t>
+            </a:r>
+          </a:p>
+          <a:p>
+            <a:r>
+              <a:rPr lang="en-US" sz="1200" b="0" i="0" u="none" strike="noStrike" kern="1200" baseline="0" dirty="0" smtClean="0">
+                <a:solidFill>
+                  <a:schemeClr val="tx1"/>
+                </a:solidFill>
+                <a:latin typeface="+mn-lt"/>
+                <a:ea typeface="+mn-ea"/>
+                <a:cs typeface="+mn-cs"/>
+              </a:rPr>
+              <a:t>Peers that adjust the object’s behavior to the wider needs of the system. This</a:t>
+            </a:r>
+          </a:p>
+          <a:p>
+            <a:r>
+              <a:rPr lang="en-US" sz="1200" b="0" i="0" u="none" strike="noStrike" kern="1200" baseline="0" dirty="0" smtClean="0">
+                <a:solidFill>
+                  <a:schemeClr val="tx1"/>
+                </a:solidFill>
+                <a:latin typeface="+mn-lt"/>
+                <a:ea typeface="+mn-ea"/>
+                <a:cs typeface="+mn-cs"/>
+              </a:rPr>
+              <a:t>includes policy objects that make decisions on the object’s behalf (the Strategy</a:t>
+            </a:r>
+          </a:p>
+          <a:p>
+            <a:r>
+              <a:rPr lang="en-US" sz="1200" b="0" i="0" u="none" strike="noStrike" kern="1200" baseline="0" dirty="0" smtClean="0">
+                <a:solidFill>
+                  <a:schemeClr val="tx1"/>
+                </a:solidFill>
+                <a:latin typeface="+mn-lt"/>
+                <a:ea typeface="+mn-ea"/>
+                <a:cs typeface="+mn-cs"/>
+              </a:rPr>
+              <a:t>pattern in [Gamma94]) and component parts of the object if it’s a composite.</a:t>
+            </a:r>
+          </a:p>
+          <a:p>
+            <a:r>
+              <a:rPr lang="en-US" sz="1200" b="0" i="0" u="none" strike="noStrike" kern="1200" baseline="0" dirty="0" smtClean="0">
+                <a:solidFill>
+                  <a:schemeClr val="tx1"/>
+                </a:solidFill>
+                <a:latin typeface="+mn-lt"/>
+                <a:ea typeface="+mn-ea"/>
+                <a:cs typeface="+mn-cs"/>
+              </a:rPr>
+              <a:t>For example, a Swing </a:t>
+            </a:r>
+            <a:r>
+              <a:rPr lang="en-US" sz="1200" b="0" i="0" u="none" strike="noStrike" kern="1200" baseline="0" dirty="0" err="1" smtClean="0">
+                <a:solidFill>
+                  <a:schemeClr val="tx1"/>
+                </a:solidFill>
+                <a:latin typeface="+mn-lt"/>
+                <a:ea typeface="+mn-ea"/>
+                <a:cs typeface="+mn-cs"/>
+              </a:rPr>
+              <a:t>JTable</a:t>
+            </a:r>
+            <a:r>
+              <a:rPr lang="en-US" sz="1200" b="0" i="0" u="none" strike="noStrike" kern="1200" baseline="0" dirty="0" smtClean="0">
+                <a:solidFill>
+                  <a:schemeClr val="tx1"/>
+                </a:solidFill>
+                <a:latin typeface="+mn-lt"/>
+                <a:ea typeface="+mn-ea"/>
+                <a:cs typeface="+mn-cs"/>
+              </a:rPr>
+              <a:t> will ask a </a:t>
+            </a:r>
+            <a:r>
+              <a:rPr lang="en-US" sz="1200" b="0" i="0" u="none" strike="noStrike" kern="1200" baseline="0" dirty="0" err="1" smtClean="0">
+                <a:solidFill>
+                  <a:schemeClr val="tx1"/>
+                </a:solidFill>
+                <a:latin typeface="+mn-lt"/>
+                <a:ea typeface="+mn-ea"/>
+                <a:cs typeface="+mn-cs"/>
+              </a:rPr>
+              <a:t>TableCellRenderer</a:t>
+            </a:r>
+            <a:r>
+              <a:rPr lang="en-US" sz="1200" b="0" i="0" u="none" strike="noStrike" kern="1200" baseline="0" dirty="0" smtClean="0">
+                <a:solidFill>
+                  <a:schemeClr val="tx1"/>
+                </a:solidFill>
+                <a:latin typeface="+mn-lt"/>
+                <a:ea typeface="+mn-ea"/>
+                <a:cs typeface="+mn-cs"/>
+              </a:rPr>
+              <a:t> to draw</a:t>
+            </a:r>
+          </a:p>
+          <a:p>
+            <a:r>
+              <a:rPr lang="en-US" sz="1200" b="0" i="0" u="none" strike="noStrike" kern="1200" baseline="0" dirty="0" smtClean="0">
+                <a:solidFill>
+                  <a:schemeClr val="tx1"/>
+                </a:solidFill>
+                <a:latin typeface="+mn-lt"/>
+                <a:ea typeface="+mn-ea"/>
+                <a:cs typeface="+mn-cs"/>
+              </a:rPr>
+              <a:t>a cell’s value, perhaps as RGB (Red, Green, Blue) values for a color. If we</a:t>
+            </a:r>
+          </a:p>
+          <a:p>
+            <a:r>
+              <a:rPr lang="en-US" sz="1200" b="0" i="0" u="none" strike="noStrike" kern="1200" baseline="0" dirty="0" smtClean="0">
+                <a:solidFill>
+                  <a:schemeClr val="tx1"/>
+                </a:solidFill>
+                <a:latin typeface="+mn-lt"/>
+                <a:ea typeface="+mn-ea"/>
+                <a:cs typeface="+mn-cs"/>
+              </a:rPr>
+              <a:t>change the renderer, the table will change its</a:t>
+            </a:r>
+          </a:p>
+          <a:p>
+            <a:endParaRPr lang="en-US" sz="1200" b="0" i="0" u="none" strike="noStrike" kern="1200" baseline="0" dirty="0" smtClean="0">
+              <a:solidFill>
+                <a:schemeClr val="tx1"/>
+              </a:solidFill>
+              <a:latin typeface="+mn-lt"/>
+              <a:ea typeface="+mn-ea"/>
+              <a:cs typeface="+mn-cs"/>
+            </a:endParaRPr>
+          </a:p>
+          <a:p>
+            <a:pPr marL="0" marR="0" lvl="0" indent="0" algn="l" defTabSz="914400" rtl="0" eaLnBrk="1" fontAlgn="auto" latinLnBrk="0" hangingPunct="1">
+              <a:lnSpc>
+                <a:spcPct val="100000"/>
+              </a:lnSpc>
+              <a:spcBef>
+                <a:spcPts val="0"/>
+              </a:spcBef>
+              <a:spcAft>
+                <a:spcPts val="0"/>
+              </a:spcAft>
+              <a:buClrTx/>
+              <a:buSzTx/>
+              <a:buFontTx/>
+              <a:buNone/>
+              <a:tabLst/>
+              <a:defRPr/>
+            </a:pPr>
+            <a:r>
               <a:rPr lang="en-US" dirty="0" smtClean="0"/>
-              <a:t>If test is not readable , it’s difficult to understand for new developer . We write test so that it fail in the future when something goes wrong so readability is very important  so that we can fix it easily</a:t>
-            </a:r>
-          </a:p>
-          <a:p>
-            <a:endParaRPr lang="en-US" dirty="0" smtClean="0"/>
-          </a:p>
-          <a:p>
-            <a:r>
-              <a:rPr lang="en-US" dirty="0" smtClean="0"/>
-              <a:t>Follow “Arrange , Act , Assert”</a:t>
-            </a:r>
-            <a:endParaRPr lang="en-GB" dirty="0"/>
+              <a:t>Tests that highlight an object’s neighbors help us to see whether they are peers, or should instead be internal to the target object. A test that is clumsy or unclear might be a hint that we’ve exposed too much implementation, and that we should rebalance the responsibilities between the object and its neighbors.</a:t>
+            </a:r>
+          </a:p>
+          <a:p>
+            <a:endParaRPr lang="en-US" dirty="0"/>
           </a:p>
         </p:txBody>
       </p:sp>
@@ -1718,7 +2068,7 @@
             <a:fld id="{5783D7AA-6A74-42C9-8D9C-C1060C84B8E4}" type="slidenum">
               <a:rPr lang="en-US" smtClean="0"/>
               <a:pPr/>
-              <a:t>34</a:t>
+              <a:t>35</a:t>
             </a:fld>
             <a:endParaRPr lang="en-US"/>
           </a:p>
@@ -1727,7 +2077,7 @@
     </p:spTree>
     <p:extLst>
       <p:ext uri="{BB962C8B-B14F-4D97-AF65-F5344CB8AC3E}">
-        <p14:creationId xmlns:p14="http://schemas.microsoft.com/office/powerpoint/2010/main" val="2366549250"/>
+        <p14:creationId xmlns:p14="http://schemas.microsoft.com/office/powerpoint/2010/main" val="875516299"/>
       </p:ext>
     </p:extLst>
   </p:cSld>
@@ -1778,374 +2128,13 @@
         </p:nvSpPr>
         <p:spPr/>
         <p:txBody>
-          <a:bodyPr>
-            <a:normAutofit fontScale="92500" lnSpcReduction="20000"/>
-          </a:bodyPr>
-          <a:lstStyle/>
-          <a:p>
-            <a:r>
-              <a:rPr lang="en-US" sz="1200" b="1" i="0" u="none" strike="noStrike" kern="1200" baseline="0" dirty="0" smtClean="0">
-                <a:solidFill>
-                  <a:schemeClr val="tx1"/>
-                </a:solidFill>
-                <a:latin typeface="+mn-lt"/>
-                <a:ea typeface="+mn-ea"/>
-                <a:cs typeface="+mn-cs"/>
-              </a:rPr>
-              <a:t>Dependencies</a:t>
-            </a:r>
-          </a:p>
-          <a:p>
-            <a:r>
-              <a:rPr lang="en-US" sz="1200" b="0" i="0" u="none" strike="noStrike" kern="1200" baseline="0" dirty="0" smtClean="0">
-                <a:solidFill>
-                  <a:schemeClr val="tx1"/>
-                </a:solidFill>
-                <a:latin typeface="+mn-lt"/>
-                <a:ea typeface="+mn-ea"/>
-                <a:cs typeface="+mn-cs"/>
-              </a:rPr>
-              <a:t>Services that the object requires from its peers so it can perform its responsibilities.</a:t>
-            </a:r>
-          </a:p>
-          <a:p>
-            <a:r>
-              <a:rPr lang="en-US" sz="1200" b="0" i="0" u="none" strike="noStrike" kern="1200" baseline="0" dirty="0" smtClean="0">
-                <a:solidFill>
-                  <a:schemeClr val="tx1"/>
-                </a:solidFill>
-                <a:latin typeface="+mn-lt"/>
-                <a:ea typeface="+mn-ea"/>
-                <a:cs typeface="+mn-cs"/>
-              </a:rPr>
-              <a:t>The object cannot function without these services. It should not be</a:t>
-            </a:r>
-          </a:p>
-          <a:p>
-            <a:r>
-              <a:rPr lang="en-US" sz="1200" b="0" i="0" u="none" strike="noStrike" kern="1200" baseline="0" dirty="0" smtClean="0">
-                <a:solidFill>
-                  <a:schemeClr val="tx1"/>
-                </a:solidFill>
-                <a:latin typeface="+mn-lt"/>
-                <a:ea typeface="+mn-ea"/>
-                <a:cs typeface="+mn-cs"/>
-              </a:rPr>
-              <a:t>possible to create the object without them. For example, a graphics package</a:t>
-            </a:r>
-          </a:p>
-          <a:p>
-            <a:r>
-              <a:rPr lang="en-US" sz="1200" b="0" i="0" u="none" strike="noStrike" kern="1200" baseline="0" dirty="0" smtClean="0">
-                <a:solidFill>
-                  <a:schemeClr val="tx1"/>
-                </a:solidFill>
-                <a:latin typeface="+mn-lt"/>
-                <a:ea typeface="+mn-ea"/>
-                <a:cs typeface="+mn-cs"/>
-              </a:rPr>
-              <a:t>will need something like a screen or canvas to draw on—it doesn’t make</a:t>
-            </a:r>
-          </a:p>
-          <a:p>
-            <a:r>
-              <a:rPr lang="en-US" sz="1200" b="0" i="0" u="none" strike="noStrike" kern="1200" baseline="0" dirty="0" smtClean="0">
-                <a:solidFill>
-                  <a:schemeClr val="tx1"/>
-                </a:solidFill>
-                <a:latin typeface="+mn-lt"/>
-                <a:ea typeface="+mn-ea"/>
-                <a:cs typeface="+mn-cs"/>
-              </a:rPr>
-              <a:t>sense without one.</a:t>
-            </a:r>
-          </a:p>
-          <a:p>
-            <a:r>
-              <a:rPr lang="en-US" sz="1200" b="1" i="0" u="none" strike="noStrike" kern="1200" baseline="0" dirty="0" smtClean="0">
-                <a:solidFill>
-                  <a:schemeClr val="tx1"/>
-                </a:solidFill>
-                <a:latin typeface="+mn-lt"/>
-                <a:ea typeface="+mn-ea"/>
-                <a:cs typeface="+mn-cs"/>
-              </a:rPr>
-              <a:t>Notifications</a:t>
-            </a:r>
-          </a:p>
-          <a:p>
-            <a:r>
-              <a:rPr lang="en-US" sz="1200" b="0" i="0" u="none" strike="noStrike" kern="1200" baseline="0" dirty="0" smtClean="0">
-                <a:solidFill>
-                  <a:schemeClr val="tx1"/>
-                </a:solidFill>
-                <a:latin typeface="+mn-lt"/>
-                <a:ea typeface="+mn-ea"/>
-                <a:cs typeface="+mn-cs"/>
-              </a:rPr>
-              <a:t>Peers that need to be kept up to date with the object’s activity. The object</a:t>
-            </a:r>
-          </a:p>
-          <a:p>
-            <a:r>
-              <a:rPr lang="en-US" sz="1200" b="0" i="0" u="none" strike="noStrike" kern="1200" baseline="0" dirty="0" smtClean="0">
-                <a:solidFill>
-                  <a:schemeClr val="tx1"/>
-                </a:solidFill>
-                <a:latin typeface="+mn-lt"/>
-                <a:ea typeface="+mn-ea"/>
-                <a:cs typeface="+mn-cs"/>
-              </a:rPr>
-              <a:t>will notify interested peers whenever it changes state or performs a significant</a:t>
-            </a:r>
-          </a:p>
-          <a:p>
-            <a:r>
-              <a:rPr lang="en-US" sz="1200" b="0" i="0" u="none" strike="noStrike" kern="1200" baseline="0" dirty="0" smtClean="0">
-                <a:solidFill>
-                  <a:schemeClr val="tx1"/>
-                </a:solidFill>
-                <a:latin typeface="+mn-lt"/>
-                <a:ea typeface="+mn-ea"/>
-                <a:cs typeface="+mn-cs"/>
-              </a:rPr>
-              <a:t>action. Notifications are “fire and forget”; the object neither knows nor cares</a:t>
-            </a:r>
-          </a:p>
-          <a:p>
-            <a:r>
-              <a:rPr lang="en-US" sz="1200" b="0" i="0" u="none" strike="noStrike" kern="1200" baseline="0" dirty="0" smtClean="0">
-                <a:solidFill>
-                  <a:schemeClr val="tx1"/>
-                </a:solidFill>
-                <a:latin typeface="+mn-lt"/>
-                <a:ea typeface="+mn-ea"/>
-                <a:cs typeface="+mn-cs"/>
-              </a:rPr>
-              <a:t>which peers are listening. Notifications are so useful because they decouple</a:t>
-            </a:r>
-          </a:p>
-          <a:p>
-            <a:r>
-              <a:rPr lang="en-US" sz="1200" b="0" i="0" u="none" strike="noStrike" kern="1200" baseline="0" dirty="0" smtClean="0">
-                <a:solidFill>
-                  <a:schemeClr val="tx1"/>
-                </a:solidFill>
-                <a:latin typeface="+mn-lt"/>
-                <a:ea typeface="+mn-ea"/>
-                <a:cs typeface="+mn-cs"/>
-              </a:rPr>
-              <a:t>objects from each other. For example, in a user interface system, a button</a:t>
-            </a:r>
-          </a:p>
-          <a:p>
-            <a:r>
-              <a:rPr lang="en-US" sz="1200" b="0" i="0" u="none" strike="noStrike" kern="1200" baseline="0" dirty="0" smtClean="0">
-                <a:solidFill>
-                  <a:schemeClr val="tx1"/>
-                </a:solidFill>
-                <a:latin typeface="+mn-lt"/>
-                <a:ea typeface="+mn-ea"/>
-                <a:cs typeface="+mn-cs"/>
-              </a:rPr>
-              <a:t>component promises to notify any registered listeners when it’s clicked, but</a:t>
-            </a:r>
-          </a:p>
-          <a:p>
-            <a:r>
-              <a:rPr lang="en-US" sz="1200" b="0" i="0" u="none" strike="noStrike" kern="1200" baseline="0" dirty="0" smtClean="0">
-                <a:solidFill>
-                  <a:schemeClr val="tx1"/>
-                </a:solidFill>
-                <a:latin typeface="+mn-lt"/>
-                <a:ea typeface="+mn-ea"/>
-                <a:cs typeface="+mn-cs"/>
-              </a:rPr>
-              <a:t>does not know what those listeners will do. Similarly, the listeners expect to</a:t>
-            </a:r>
-          </a:p>
-          <a:p>
-            <a:r>
-              <a:rPr lang="en-US" sz="1200" b="0" i="0" u="none" strike="noStrike" kern="1200" baseline="0" dirty="0" smtClean="0">
-                <a:solidFill>
-                  <a:schemeClr val="tx1"/>
-                </a:solidFill>
-                <a:latin typeface="+mn-lt"/>
-                <a:ea typeface="+mn-ea"/>
-                <a:cs typeface="+mn-cs"/>
-              </a:rPr>
-              <a:t>be called but know nothing of the way the user interface dispatches its events.</a:t>
-            </a:r>
-          </a:p>
-          <a:p>
-            <a:r>
-              <a:rPr lang="en-US" sz="1200" b="1" i="0" u="none" strike="noStrike" kern="1200" baseline="0" dirty="0" smtClean="0">
-                <a:solidFill>
-                  <a:schemeClr val="tx1"/>
-                </a:solidFill>
-                <a:latin typeface="+mn-lt"/>
-                <a:ea typeface="+mn-ea"/>
-                <a:cs typeface="+mn-cs"/>
-              </a:rPr>
-              <a:t>Adjustments</a:t>
-            </a:r>
-          </a:p>
-          <a:p>
-            <a:r>
-              <a:rPr lang="en-US" sz="1200" b="0" i="0" u="none" strike="noStrike" kern="1200" baseline="0" dirty="0" smtClean="0">
-                <a:solidFill>
-                  <a:schemeClr val="tx1"/>
-                </a:solidFill>
-                <a:latin typeface="+mn-lt"/>
-                <a:ea typeface="+mn-ea"/>
-                <a:cs typeface="+mn-cs"/>
-              </a:rPr>
-              <a:t>Peers that adjust the object’s behavior to the wider needs of the system. This</a:t>
-            </a:r>
-          </a:p>
-          <a:p>
-            <a:r>
-              <a:rPr lang="en-US" sz="1200" b="0" i="0" u="none" strike="noStrike" kern="1200" baseline="0" dirty="0" smtClean="0">
-                <a:solidFill>
-                  <a:schemeClr val="tx1"/>
-                </a:solidFill>
-                <a:latin typeface="+mn-lt"/>
-                <a:ea typeface="+mn-ea"/>
-                <a:cs typeface="+mn-cs"/>
-              </a:rPr>
-              <a:t>includes policy objects that make decisions on the object’s behalf (the Strategy</a:t>
-            </a:r>
-          </a:p>
-          <a:p>
-            <a:r>
-              <a:rPr lang="en-US" sz="1200" b="0" i="0" u="none" strike="noStrike" kern="1200" baseline="0" dirty="0" smtClean="0">
-                <a:solidFill>
-                  <a:schemeClr val="tx1"/>
-                </a:solidFill>
-                <a:latin typeface="+mn-lt"/>
-                <a:ea typeface="+mn-ea"/>
-                <a:cs typeface="+mn-cs"/>
-              </a:rPr>
-              <a:t>pattern in [Gamma94]) and component parts of the object if it’s a composite.</a:t>
-            </a:r>
-          </a:p>
-          <a:p>
-            <a:r>
-              <a:rPr lang="en-US" sz="1200" b="0" i="0" u="none" strike="noStrike" kern="1200" baseline="0" dirty="0" smtClean="0">
-                <a:solidFill>
-                  <a:schemeClr val="tx1"/>
-                </a:solidFill>
-                <a:latin typeface="+mn-lt"/>
-                <a:ea typeface="+mn-ea"/>
-                <a:cs typeface="+mn-cs"/>
-              </a:rPr>
-              <a:t>For example, a Swing </a:t>
-            </a:r>
-            <a:r>
-              <a:rPr lang="en-US" sz="1200" b="0" i="0" u="none" strike="noStrike" kern="1200" baseline="0" dirty="0" err="1" smtClean="0">
-                <a:solidFill>
-                  <a:schemeClr val="tx1"/>
-                </a:solidFill>
-                <a:latin typeface="+mn-lt"/>
-                <a:ea typeface="+mn-ea"/>
-                <a:cs typeface="+mn-cs"/>
-              </a:rPr>
-              <a:t>JTable</a:t>
-            </a:r>
-            <a:r>
-              <a:rPr lang="en-US" sz="1200" b="0" i="0" u="none" strike="noStrike" kern="1200" baseline="0" dirty="0" smtClean="0">
-                <a:solidFill>
-                  <a:schemeClr val="tx1"/>
-                </a:solidFill>
-                <a:latin typeface="+mn-lt"/>
-                <a:ea typeface="+mn-ea"/>
-                <a:cs typeface="+mn-cs"/>
-              </a:rPr>
-              <a:t> will ask a </a:t>
-            </a:r>
-            <a:r>
-              <a:rPr lang="en-US" sz="1200" b="0" i="0" u="none" strike="noStrike" kern="1200" baseline="0" dirty="0" err="1" smtClean="0">
-                <a:solidFill>
-                  <a:schemeClr val="tx1"/>
-                </a:solidFill>
-                <a:latin typeface="+mn-lt"/>
-                <a:ea typeface="+mn-ea"/>
-                <a:cs typeface="+mn-cs"/>
-              </a:rPr>
-              <a:t>TableCellRenderer</a:t>
-            </a:r>
-            <a:r>
-              <a:rPr lang="en-US" sz="1200" b="0" i="0" u="none" strike="noStrike" kern="1200" baseline="0" dirty="0" smtClean="0">
-                <a:solidFill>
-                  <a:schemeClr val="tx1"/>
-                </a:solidFill>
-                <a:latin typeface="+mn-lt"/>
-                <a:ea typeface="+mn-ea"/>
-                <a:cs typeface="+mn-cs"/>
-              </a:rPr>
-              <a:t> to draw</a:t>
-            </a:r>
-          </a:p>
-          <a:p>
-            <a:r>
-              <a:rPr lang="en-US" sz="1200" b="0" i="0" u="none" strike="noStrike" kern="1200" baseline="0" dirty="0" smtClean="0">
-                <a:solidFill>
-                  <a:schemeClr val="tx1"/>
-                </a:solidFill>
-                <a:latin typeface="+mn-lt"/>
-                <a:ea typeface="+mn-ea"/>
-                <a:cs typeface="+mn-cs"/>
-              </a:rPr>
-              <a:t>a cell’s value, perhaps as RGB (Red, Green, Blue) values for a color. If we</a:t>
-            </a:r>
-          </a:p>
-          <a:p>
-            <a:r>
-              <a:rPr lang="en-US" sz="1200" b="0" i="0" u="none" strike="noStrike" kern="1200" baseline="0" dirty="0" smtClean="0">
-                <a:solidFill>
-                  <a:schemeClr val="tx1"/>
-                </a:solidFill>
-                <a:latin typeface="+mn-lt"/>
-                <a:ea typeface="+mn-ea"/>
-                <a:cs typeface="+mn-cs"/>
-              </a:rPr>
-              <a:t>change the renderer, the table will change its</a:t>
-            </a:r>
-          </a:p>
-          <a:p>
-            <a:endParaRPr lang="en-US" sz="1200" b="0" i="0" u="none" strike="noStrike" kern="1200" baseline="0" dirty="0" smtClean="0">
-              <a:solidFill>
-                <a:schemeClr val="tx1"/>
-              </a:solidFill>
-              <a:latin typeface="+mn-lt"/>
-              <a:ea typeface="+mn-ea"/>
-              <a:cs typeface="+mn-cs"/>
-            </a:endParaRPr>
-          </a:p>
-          <a:p>
-            <a:pPr marL="0" marR="0" lvl="0" indent="0" algn="l" defTabSz="914400" rtl="0" eaLnBrk="1" fontAlgn="auto" latinLnBrk="0" hangingPunct="1">
-              <a:lnSpc>
-                <a:spcPct val="100000"/>
-              </a:lnSpc>
-              <a:spcBef>
-                <a:spcPts val="0"/>
-              </a:spcBef>
-              <a:spcAft>
-                <a:spcPts val="0"/>
-              </a:spcAft>
-              <a:buClrTx/>
-              <a:buSzTx/>
-              <a:buFontTx/>
-              <a:buNone/>
-              <a:tabLst/>
-              <a:defRPr/>
-            </a:pPr>
+          <a:bodyPr/>
+          <a:lstStyle/>
+          <a:p>
             <a:r>
               <a:rPr lang="en-US" dirty="0" smtClean="0"/>
-              <a:t>Tests that highlight an object’s neighbors help us to see whether they are peers, or should instead be internal to the target object. A test that is clumsy or unclear might be a hint that we’ve exposed too much implementation, and that we should rebalance the responsibilities between the object and its neighbors.</a:t>
-            </a:r>
-          </a:p>
-          <a:p>
+              <a:t>but with differences in style since the two types of code serve different purposes. Test code should describe what the production code does. That means that it tends to be concrete about the values it uses as examples of what results to expect, but abstract about how the code works</a:t>
+            </a:r>
             <a:endParaRPr lang="en-US" dirty="0"/>
           </a:p>
         </p:txBody>
@@ -2168,7 +2157,7 @@
             <a:fld id="{5783D7AA-6A74-42C9-8D9C-C1060C84B8E4}" type="slidenum">
               <a:rPr lang="en-US" smtClean="0"/>
               <a:pPr/>
-              <a:t>38</a:t>
+              <a:t>37</a:t>
             </a:fld>
             <a:endParaRPr lang="en-US"/>
           </a:p>
@@ -2177,7 +2166,7 @@
     </p:spTree>
     <p:extLst>
       <p:ext uri="{BB962C8B-B14F-4D97-AF65-F5344CB8AC3E}">
-        <p14:creationId xmlns:p14="http://schemas.microsoft.com/office/powerpoint/2010/main" val="875516299"/>
+        <p14:creationId xmlns:p14="http://schemas.microsoft.com/office/powerpoint/2010/main" val="600715934"/>
       </p:ext>
     </p:extLst>
   </p:cSld>
@@ -2235,9 +2224,18 @@
           <a:p>
             <a:r>
               <a:rPr lang="en-US" dirty="0" smtClean="0"/>
-              <a:t>Programmers generally love the plain activity of writing code, away from managers and deadlines and production bugs. When they’ve got over their shyness, most are delighted to show others how well they can actually write code, as well as to pick up tips and advice from them.</a:t>
-            </a:r>
-            <a:endParaRPr lang="en-US" dirty="0"/>
+              <a:t>If test is not readable , it’s difficult to understand for new developer . We write test so that it fail in the future when something goes wrong so readability is very important  so that we can fix it easily</a:t>
+            </a:r>
+          </a:p>
+          <a:p>
+            <a:endParaRPr lang="en-US" dirty="0" smtClean="0"/>
+          </a:p>
+          <a:p>
+            <a:r>
+              <a:rPr lang="en-US" dirty="0" smtClean="0"/>
+              <a:t>Follow “Arrange , Act , Assert”</a:t>
+            </a:r>
+            <a:endParaRPr lang="en-GB" dirty="0"/>
           </a:p>
         </p:txBody>
       </p:sp>
@@ -2256,10 +2254,10 @@
           <a:bodyPr/>
           <a:lstStyle/>
           <a:p>
-            <a:fld id="{EFCA71D1-CE0C-4064-B87C-35F7C27EC6FE}" type="slidenum">
+            <a:fld id="{5783D7AA-6A74-42C9-8D9C-C1060C84B8E4}" type="slidenum">
               <a:rPr lang="en-US" smtClean="0"/>
               <a:pPr/>
-              <a:t>54</a:t>
+              <a:t>45</a:t>
             </a:fld>
             <a:endParaRPr lang="en-US"/>
           </a:p>
@@ -2268,7 +2266,7 @@
     </p:spTree>
     <p:extLst>
       <p:ext uri="{BB962C8B-B14F-4D97-AF65-F5344CB8AC3E}">
-        <p14:creationId xmlns:p14="http://schemas.microsoft.com/office/powerpoint/2010/main" val="2447604922"/>
+        <p14:creationId xmlns:p14="http://schemas.microsoft.com/office/powerpoint/2010/main" val="1903401886"/>
       </p:ext>
     </p:extLst>
   </p:cSld>
@@ -2324,6 +2322,10 @@
           </a:bodyPr>
           <a:lstStyle/>
           <a:p>
+            <a:r>
+              <a:rPr lang="en-US" dirty="0" smtClean="0"/>
+              <a:t>Programmers generally love the plain activity of writing code, away from managers and deadlines and production bugs. When they’ve got over their shyness, most are delighted to show others how well they can actually write code, as well as to pick up tips and advice from them.</a:t>
+            </a:r>
             <a:endParaRPr lang="en-US" dirty="0"/>
           </a:p>
         </p:txBody>
@@ -2355,7 +2357,7 @@
     </p:spTree>
     <p:extLst>
       <p:ext uri="{BB962C8B-B14F-4D97-AF65-F5344CB8AC3E}">
-        <p14:creationId xmlns:p14="http://schemas.microsoft.com/office/powerpoint/2010/main" val="1386577929"/>
+        <p14:creationId xmlns:p14="http://schemas.microsoft.com/office/powerpoint/2010/main" val="2447604922"/>
       </p:ext>
     </p:extLst>
   </p:cSld>
@@ -2430,10 +2432,10 @@
           <a:bodyPr/>
           <a:lstStyle/>
           <a:p>
-            <a:fld id="{5783D7AA-6A74-42C9-8D9C-C1060C84B8E4}" type="slidenum">
+            <a:fld id="{EFCA71D1-CE0C-4064-B87C-35F7C27EC6FE}" type="slidenum">
               <a:rPr lang="en-US" smtClean="0"/>
               <a:pPr/>
-              <a:t>59</a:t>
+              <a:t>56</a:t>
             </a:fld>
             <a:endParaRPr lang="en-US"/>
           </a:p>
@@ -2442,7 +2444,7 @@
     </p:spTree>
     <p:extLst>
       <p:ext uri="{BB962C8B-B14F-4D97-AF65-F5344CB8AC3E}">
-        <p14:creationId xmlns:p14="http://schemas.microsoft.com/office/powerpoint/2010/main" val="2476281061"/>
+        <p14:creationId xmlns:p14="http://schemas.microsoft.com/office/powerpoint/2010/main" val="1386577929"/>
       </p:ext>
     </p:extLst>
   </p:cSld>
@@ -2493,7 +2495,9 @@
         </p:nvSpPr>
         <p:spPr/>
         <p:txBody>
-          <a:bodyPr/>
+          <a:bodyPr>
+            <a:normAutofit/>
+          </a:bodyPr>
           <a:lstStyle/>
           <a:p>
             <a:endParaRPr lang="en-US" dirty="0"/>
@@ -2527,7 +2531,7 @@
     </p:spTree>
     <p:extLst>
       <p:ext uri="{BB962C8B-B14F-4D97-AF65-F5344CB8AC3E}">
-        <p14:creationId xmlns:p14="http://schemas.microsoft.com/office/powerpoint/2010/main" val="2928389423"/>
+        <p14:creationId xmlns:p14="http://schemas.microsoft.com/office/powerpoint/2010/main" val="2476281061"/>
       </p:ext>
     </p:extLst>
   </p:cSld>
@@ -2578,57 +2582,9 @@
         </p:nvSpPr>
         <p:spPr/>
         <p:txBody>
-          <a:bodyPr>
-            <a:normAutofit/>
-          </a:bodyPr>
-          <a:lstStyle/>
-          <a:p>
-            <a:r>
-              <a:rPr lang="en-US" sz="1200" kern="1200" baseline="0" dirty="0" smtClean="0">
-                <a:solidFill>
-                  <a:schemeClr val="tx1"/>
-                </a:solidFill>
-                <a:latin typeface="+mn-lt"/>
-                <a:ea typeface="+mn-ea"/>
-                <a:cs typeface="+mn-cs"/>
-              </a:rPr>
-              <a:t>As depicted in Figure 1.5, there is an ROI for test automation and continuous integration after some up-front cost. Depending upon the complexity, </a:t>
-            </a:r>
-            <a:r>
-              <a:rPr lang="en-US" sz="1200" kern="1200" baseline="0" dirty="0" err="1" smtClean="0">
-                <a:solidFill>
-                  <a:schemeClr val="tx1"/>
-                </a:solidFill>
-                <a:latin typeface="+mn-lt"/>
-                <a:ea typeface="+mn-ea"/>
-                <a:cs typeface="+mn-cs"/>
-              </a:rPr>
-              <a:t>age,size</a:t>
-            </a:r>
-            <a:r>
-              <a:rPr lang="en-US" sz="1200" kern="1200" baseline="0" dirty="0" smtClean="0">
-                <a:solidFill>
-                  <a:schemeClr val="tx1"/>
-                </a:solidFill>
-                <a:latin typeface="+mn-lt"/>
-                <a:ea typeface="+mn-ea"/>
-                <a:cs typeface="+mn-cs"/>
-              </a:rPr>
-              <a:t>, and platform an application is built on, the costs to realize a return on investment for build and test automation in the development of the application are different. Over time, the execution of manual regression test suites</a:t>
-            </a:r>
-          </a:p>
-          <a:p>
-            <a:r>
-              <a:rPr lang="en-US" sz="1200" kern="1200" baseline="0" dirty="0" smtClean="0">
-                <a:solidFill>
-                  <a:schemeClr val="tx1"/>
-                </a:solidFill>
-                <a:latin typeface="+mn-lt"/>
-                <a:ea typeface="+mn-ea"/>
-                <a:cs typeface="+mn-cs"/>
-              </a:rPr>
-              <a:t>will take longer and slow down delivery. This slowdown may result in a reduction of testing to meet deadlines. This leads to a vicious cycle that accelerates the accumulation of software debt in the software that teams must deal with in the future.</a:t>
-            </a:r>
+          <a:bodyPr/>
+          <a:lstStyle/>
+          <a:p>
             <a:endParaRPr lang="en-US" dirty="0"/>
           </a:p>
         </p:txBody>
@@ -2651,7 +2607,7 @@
             <a:fld id="{5783D7AA-6A74-42C9-8D9C-C1060C84B8E4}" type="slidenum">
               <a:rPr lang="en-US" smtClean="0"/>
               <a:pPr/>
-              <a:t>63</a:t>
+              <a:t>61</a:t>
             </a:fld>
             <a:endParaRPr lang="en-US"/>
           </a:p>
@@ -2660,7 +2616,7 @@
     </p:spTree>
     <p:extLst>
       <p:ext uri="{BB962C8B-B14F-4D97-AF65-F5344CB8AC3E}">
-        <p14:creationId xmlns:p14="http://schemas.microsoft.com/office/powerpoint/2010/main" val="4095366777"/>
+        <p14:creationId xmlns:p14="http://schemas.microsoft.com/office/powerpoint/2010/main" val="2928389423"/>
       </p:ext>
     </p:extLst>
   </p:cSld>
@@ -2750,6 +2706,139 @@
     <p:extLst>
       <p:ext uri="{BB962C8B-B14F-4D97-AF65-F5344CB8AC3E}">
         <p14:creationId xmlns:p14="http://schemas.microsoft.com/office/powerpoint/2010/main" val="3675220651"/>
+      </p:ext>
+    </p:extLst>
+  </p:cSld>
+  <p:clrMapOvr>
+    <a:masterClrMapping/>
+  </p:clrMapOvr>
+</p:notes>
+</file>
+
+<file path=ppt/notesSlides/notesSlide20.xml><?xml version="1.0" encoding="utf-8"?>
+<p:notes xmlns:a="http://schemas.openxmlformats.org/drawingml/2006/main" xmlns:r="http://schemas.openxmlformats.org/officeDocument/2006/relationships" xmlns:p="http://schemas.openxmlformats.org/presentationml/2006/main">
+  <p:cSld>
+    <p:spTree>
+      <p:nvGrpSpPr>
+        <p:cNvPr id="1" name=""/>
+        <p:cNvGrpSpPr/>
+        <p:nvPr/>
+      </p:nvGrpSpPr>
+      <p:grpSpPr>
+        <a:xfrm>
+          <a:off x="0" y="0"/>
+          <a:ext cx="0" cy="0"/>
+          <a:chOff x="0" y="0"/>
+          <a:chExt cx="0" cy="0"/>
+        </a:xfrm>
+      </p:grpSpPr>
+      <p:sp>
+        <p:nvSpPr>
+          <p:cNvPr id="2" name="Slide Image Placeholder 1"/>
+          <p:cNvSpPr>
+            <a:spLocks noGrp="1" noRot="1" noChangeAspect="1"/>
+          </p:cNvSpPr>
+          <p:nvPr>
+            <p:ph type="sldImg"/>
+          </p:nvPr>
+        </p:nvSpPr>
+        <p:spPr/>
+      </p:sp>
+      <p:sp>
+        <p:nvSpPr>
+          <p:cNvPr id="3" name="Notes Placeholder 2"/>
+          <p:cNvSpPr>
+            <a:spLocks noGrp="1"/>
+          </p:cNvSpPr>
+          <p:nvPr>
+            <p:ph type="body" idx="1"/>
+          </p:nvPr>
+        </p:nvSpPr>
+        <p:spPr/>
+        <p:txBody>
+          <a:bodyPr>
+            <a:normAutofit/>
+          </a:bodyPr>
+          <a:lstStyle/>
+          <a:p>
+            <a:r>
+              <a:rPr lang="en-US" sz="1200" kern="1200" baseline="0" dirty="0" smtClean="0">
+                <a:solidFill>
+                  <a:schemeClr val="tx1"/>
+                </a:solidFill>
+                <a:latin typeface="+mn-lt"/>
+                <a:ea typeface="+mn-ea"/>
+                <a:cs typeface="+mn-cs"/>
+              </a:rPr>
+              <a:t>As depicted in Figure 1.5, there is an ROI for test automation and continuous integration after some up-front cost. Depending upon the complexity, </a:t>
+            </a:r>
+            <a:r>
+              <a:rPr lang="en-US" sz="1200" kern="1200" baseline="0" dirty="0" err="1" smtClean="0">
+                <a:solidFill>
+                  <a:schemeClr val="tx1"/>
+                </a:solidFill>
+                <a:latin typeface="+mn-lt"/>
+                <a:ea typeface="+mn-ea"/>
+                <a:cs typeface="+mn-cs"/>
+              </a:rPr>
+              <a:t>age,size</a:t>
+            </a:r>
+            <a:r>
+              <a:rPr lang="en-US" sz="1200" kern="1200" baseline="0" dirty="0" smtClean="0">
+                <a:solidFill>
+                  <a:schemeClr val="tx1"/>
+                </a:solidFill>
+                <a:latin typeface="+mn-lt"/>
+                <a:ea typeface="+mn-ea"/>
+                <a:cs typeface="+mn-cs"/>
+              </a:rPr>
+              <a:t>, and platform an application is built on, the costs to realize a return on investment for build and test automation in the development of the application are different. Over time, the execution of manual regression test suites</a:t>
+            </a:r>
+          </a:p>
+          <a:p>
+            <a:r>
+              <a:rPr lang="en-US" sz="1200" kern="1200" baseline="0" dirty="0" smtClean="0">
+                <a:solidFill>
+                  <a:schemeClr val="tx1"/>
+                </a:solidFill>
+                <a:latin typeface="+mn-lt"/>
+                <a:ea typeface="+mn-ea"/>
+                <a:cs typeface="+mn-cs"/>
+              </a:rPr>
+              <a:t>will take longer and slow down delivery. This slowdown may result in a reduction of testing to meet deadlines. This leads to a vicious cycle that accelerates the accumulation of software debt in the software that teams must deal with in the future.</a:t>
+            </a:r>
+            <a:endParaRPr lang="en-US" dirty="0"/>
+          </a:p>
+        </p:txBody>
+      </p:sp>
+      <p:sp>
+        <p:nvSpPr>
+          <p:cNvPr id="4" name="Slide Number Placeholder 3"/>
+          <p:cNvSpPr>
+            <a:spLocks noGrp="1"/>
+          </p:cNvSpPr>
+          <p:nvPr>
+            <p:ph type="sldNum" sz="quarter" idx="10"/>
+          </p:nvPr>
+        </p:nvSpPr>
+        <p:spPr/>
+        <p:txBody>
+          <a:bodyPr/>
+          <a:lstStyle/>
+          <a:p>
+            <a:fld id="{5783D7AA-6A74-42C9-8D9C-C1060C84B8E4}" type="slidenum">
+              <a:rPr lang="en-US" smtClean="0"/>
+              <a:pPr/>
+              <a:t>64</a:t>
+            </a:fld>
+            <a:endParaRPr lang="en-US"/>
+          </a:p>
+        </p:txBody>
+      </p:sp>
+    </p:spTree>
+    <p:extLst>
+      <p:ext uri="{BB962C8B-B14F-4D97-AF65-F5344CB8AC3E}">
+        <p14:creationId xmlns:p14="http://schemas.microsoft.com/office/powerpoint/2010/main" val="4095366777"/>
       </p:ext>
     </p:extLst>
   </p:cSld>
@@ -3097,7 +3186,7 @@
             <a:fld id="{5783D7AA-6A74-42C9-8D9C-C1060C84B8E4}" type="slidenum">
               <a:rPr lang="en-US" smtClean="0"/>
               <a:pPr/>
-              <a:t>9</a:t>
+              <a:t>10</a:t>
             </a:fld>
             <a:endParaRPr lang="en-US"/>
           </a:p>
@@ -3182,7 +3271,7 @@
             <a:fld id="{5783D7AA-6A74-42C9-8D9C-C1060C84B8E4}" type="slidenum">
               <a:rPr lang="en-US" smtClean="0"/>
               <a:pPr/>
-              <a:t>11</a:t>
+              <a:t>12</a:t>
             </a:fld>
             <a:endParaRPr lang="en-US"/>
           </a:p>
@@ -3333,7 +3422,7 @@
             <a:fld id="{5783D7AA-6A74-42C9-8D9C-C1060C84B8E4}" type="slidenum">
               <a:rPr lang="en-US" smtClean="0"/>
               <a:pPr/>
-              <a:t>13</a:t>
+              <a:t>14</a:t>
             </a:fld>
             <a:endParaRPr lang="en-US"/>
           </a:p>
@@ -3570,7 +3659,7 @@
             <a:fld id="{5783D7AA-6A74-42C9-8D9C-C1060C84B8E4}" type="slidenum">
               <a:rPr lang="en-US" smtClean="0"/>
               <a:pPr/>
-              <a:t>15</a:t>
+              <a:t>16</a:t>
             </a:fld>
             <a:endParaRPr lang="en-US"/>
           </a:p>
@@ -3657,7 +3746,7 @@
             <a:fld id="{5783D7AA-6A74-42C9-8D9C-C1060C84B8E4}" type="slidenum">
               <a:rPr lang="en-US" smtClean="0"/>
               <a:pPr/>
-              <a:t>18</a:t>
+              <a:t>19</a:t>
             </a:fld>
             <a:endParaRPr lang="en-US"/>
           </a:p>
@@ -3853,7 +3942,7 @@
             <a:fld id="{5783D7AA-6A74-42C9-8D9C-C1060C84B8E4}" type="slidenum">
               <a:rPr lang="en-US" smtClean="0"/>
               <a:pPr/>
-              <a:t>24</a:t>
+              <a:t>25</a:t>
             </a:fld>
             <a:endParaRPr lang="en-US"/>
           </a:p>
@@ -4053,7 +4142,7 @@
           <a:p>
             <a:fld id="{06AAFE58-F711-4215-8F93-2357D2CA4735}" type="datetime1">
               <a:rPr lang="en-US" smtClean="0"/>
-              <a:t>4/22/2018</a:t>
+              <a:t>4/23/2018</a:t>
             </a:fld>
             <a:endParaRPr lang="en-US"/>
           </a:p>
@@ -4219,7 +4308,7 @@
           <a:p>
             <a:fld id="{A682E6A9-183C-4DF5-BBCD-3AAE0B3C9677}" type="datetime1">
               <a:rPr lang="en-US" smtClean="0"/>
-              <a:t>4/22/2018</a:t>
+              <a:t>4/23/2018</a:t>
             </a:fld>
             <a:endParaRPr lang="en-US"/>
           </a:p>
@@ -4395,7 +4484,7 @@
           <a:p>
             <a:fld id="{8648ABF6-200E-4E71-BC2E-9131C982677E}" type="datetime1">
               <a:rPr lang="en-US" smtClean="0"/>
-              <a:t>4/22/2018</a:t>
+              <a:t>4/23/2018</a:t>
             </a:fld>
             <a:endParaRPr lang="en-US"/>
           </a:p>
@@ -4561,7 +4650,7 @@
           <a:p>
             <a:fld id="{07982073-8F56-417A-961E-4EFD4EDBA9D4}" type="datetime1">
               <a:rPr lang="en-US" smtClean="0"/>
-              <a:t>4/22/2018</a:t>
+              <a:t>4/23/2018</a:t>
             </a:fld>
             <a:endParaRPr lang="en-US"/>
           </a:p>
@@ -4803,7 +4892,7 @@
           <a:p>
             <a:fld id="{DBF1BB3E-F2E3-458B-914B-0758E27F086A}" type="datetime1">
               <a:rPr lang="en-US" smtClean="0"/>
-              <a:t>4/22/2018</a:t>
+              <a:t>4/23/2018</a:t>
             </a:fld>
             <a:endParaRPr lang="en-US"/>
           </a:p>
@@ -5087,7 +5176,7 @@
           <a:p>
             <a:fld id="{50CE78D4-9A58-4830-A320-6BF32989B196}" type="datetime1">
               <a:rPr lang="en-US" smtClean="0"/>
-              <a:t>4/22/2018</a:t>
+              <a:t>4/23/2018</a:t>
             </a:fld>
             <a:endParaRPr lang="en-US"/>
           </a:p>
@@ -5505,7 +5594,7 @@
           <a:p>
             <a:fld id="{DC505447-5F4F-40B1-8173-00F39720CBD0}" type="datetime1">
               <a:rPr lang="en-US" smtClean="0"/>
-              <a:t>4/22/2018</a:t>
+              <a:t>4/23/2018</a:t>
             </a:fld>
             <a:endParaRPr lang="en-US"/>
           </a:p>
@@ -5619,7 +5708,7 @@
           <a:p>
             <a:fld id="{64428C02-12EF-4B1D-8E55-852A5317CBA6}" type="datetime1">
               <a:rPr lang="en-US" smtClean="0"/>
-              <a:t>4/22/2018</a:t>
+              <a:t>4/23/2018</a:t>
             </a:fld>
             <a:endParaRPr lang="en-US"/>
           </a:p>
@@ -5710,7 +5799,7 @@
           <a:p>
             <a:fld id="{BEC34E74-6329-4D9A-8631-25E0711561D0}" type="datetime1">
               <a:rPr lang="en-US" smtClean="0"/>
-              <a:t>4/22/2018</a:t>
+              <a:t>4/23/2018</a:t>
             </a:fld>
             <a:endParaRPr lang="en-US"/>
           </a:p>
@@ -5983,7 +6072,7 @@
           <a:p>
             <a:fld id="{02CEED6D-2110-4755-A9B9-7930DDAAAA6C}" type="datetime1">
               <a:rPr lang="en-US" smtClean="0"/>
-              <a:t>4/22/2018</a:t>
+              <a:t>4/23/2018</a:t>
             </a:fld>
             <a:endParaRPr lang="en-US"/>
           </a:p>
@@ -6232,7 +6321,7 @@
           <a:p>
             <a:fld id="{301EA1EF-570B-44AF-B3D9-9343A640CC8C}" type="datetime1">
               <a:rPr lang="en-US" smtClean="0"/>
-              <a:t>4/22/2018</a:t>
+              <a:t>4/23/2018</a:t>
             </a:fld>
             <a:endParaRPr lang="en-US"/>
           </a:p>
@@ -6441,7 +6530,7 @@
           <a:p>
             <a:fld id="{FD6F17A9-77D6-4927-A3A4-3A0B07AED693}" type="datetime1">
               <a:rPr lang="en-US" smtClean="0"/>
-              <a:t>4/22/2018</a:t>
+              <a:t>4/23/2018</a:t>
             </a:fld>
             <a:endParaRPr lang="en-US"/>
           </a:p>
@@ -6980,25 +7069,6 @@
       </p:grpSpPr>
       <p:sp>
         <p:nvSpPr>
-          <p:cNvPr id="2" name="Title 1"/>
-          <p:cNvSpPr>
-            <a:spLocks noGrp="1"/>
-          </p:cNvSpPr>
-          <p:nvPr>
-            <p:ph type="title"/>
-          </p:nvPr>
-        </p:nvSpPr>
-        <p:spPr/>
-        <p:txBody>
-          <a:bodyPr/>
-          <a:lstStyle/>
-          <a:p>
-            <a:endParaRPr lang="en-US"/>
-          </a:p>
-        </p:txBody>
-      </p:sp>
-      <p:sp>
-        <p:nvSpPr>
           <p:cNvPr id="3" name="Content Placeholder 2"/>
           <p:cNvSpPr>
             <a:spLocks noGrp="1"/>
@@ -7007,35 +7077,71 @@
             <p:ph idx="1"/>
           </p:nvPr>
         </p:nvSpPr>
-        <p:spPr/>
-        <p:txBody>
-          <a:bodyPr/>
+        <p:spPr>
+          <a:xfrm>
+            <a:off x="457200" y="1143000"/>
+            <a:ext cx="8229600" cy="4983163"/>
+          </a:xfrm>
+        </p:spPr>
+        <p:txBody>
+          <a:bodyPr>
+            <a:normAutofit/>
+          </a:bodyPr>
           <a:lstStyle/>
           <a:p>
             <a:pPr marL="0" indent="0">
               <a:buNone/>
             </a:pPr>
             <a:r>
-              <a:rPr lang="en-US" dirty="0" smtClean="0"/>
-              <a:t>	</a:t>
+              <a:rPr lang="en-US" i="1" dirty="0" smtClean="0"/>
+              <a:t>TDD helps us to pay attention to the right   issue at the right time so we can make our 	design cleaner . We can refine our design as we learn.</a:t>
             </a:r>
           </a:p>
           <a:p>
             <a:pPr marL="0" indent="0">
               <a:buNone/>
             </a:pPr>
-            <a:r>
-              <a:rPr lang="en-US" dirty="0"/>
-              <a:t>	</a:t>
-            </a:r>
-            <a:r>
-              <a:rPr lang="en-US" dirty="0" smtClean="0"/>
-              <a:t>How </a:t>
-            </a:r>
-            <a:r>
-              <a:rPr lang="en-US" dirty="0"/>
-              <a:t>writing a Test First helps the design</a:t>
-            </a:r>
+            <a:endParaRPr lang="en-US" dirty="0" smtClean="0"/>
+          </a:p>
+          <a:p>
+            <a:pPr marL="0" indent="0">
+              <a:buNone/>
+            </a:pPr>
+            <a:r>
+              <a:rPr lang="en-US" i="1" dirty="0" smtClean="0"/>
+              <a:t>Significantly increase the flexibility of your system, allowing you to keep it clean.</a:t>
+            </a:r>
+          </a:p>
+          <a:p>
+            <a:pPr marL="0" indent="0">
+              <a:buNone/>
+            </a:pPr>
+            <a:endParaRPr lang="en-US" i="1" dirty="0" smtClean="0"/>
+          </a:p>
+          <a:p>
+            <a:pPr marL="0" indent="0">
+              <a:buNone/>
+            </a:pPr>
+            <a:r>
+              <a:rPr lang="en-US" i="1" dirty="0" smtClean="0"/>
+              <a:t>Create a system design that has extremely low coupling.</a:t>
+            </a:r>
+            <a:endParaRPr lang="en-US" dirty="0" smtClean="0"/>
+          </a:p>
+          <a:p>
+            <a:pPr marL="0" indent="0">
+              <a:buNone/>
+            </a:pPr>
+            <a:endParaRPr lang="en-US" i="1" dirty="0" smtClean="0"/>
+          </a:p>
+          <a:p>
+            <a:pPr marL="0" indent="0">
+              <a:buNone/>
+            </a:pPr>
+            <a:endParaRPr lang="en-US" dirty="0" smtClean="0"/>
+          </a:p>
+          <a:p>
+            <a:endParaRPr lang="en-GB" dirty="0"/>
           </a:p>
         </p:txBody>
       </p:sp>
@@ -7064,15 +7170,17 @@
         </p:txBody>
       </p:sp>
     </p:spTree>
-    <p:extLst>
-      <p:ext uri="{BB962C8B-B14F-4D97-AF65-F5344CB8AC3E}">
-        <p14:creationId xmlns:p14="http://schemas.microsoft.com/office/powerpoint/2010/main" val="1636541090"/>
-      </p:ext>
-    </p:extLst>
   </p:cSld>
   <p:clrMapOvr>
     <a:masterClrMapping/>
   </p:clrMapOvr>
+  <p:timing>
+    <p:tnLst>
+      <p:par>
+        <p:cTn id="1" dur="indefinite" restart="never" nodeType="tmRoot"/>
+      </p:par>
+    </p:tnLst>
+  </p:timing>
 </p:sld>
 </file>
 
@@ -7105,96 +7213,89 @@
         </p:nvSpPr>
         <p:spPr/>
         <p:txBody>
-          <a:bodyPr>
-            <a:normAutofit fontScale="90000"/>
-          </a:bodyPr>
-          <a:lstStyle/>
-          <a:p>
+          <a:bodyPr/>
+          <a:lstStyle/>
+          <a:p>
+            <a:endParaRPr lang="en-US"/>
+          </a:p>
+        </p:txBody>
+      </p:sp>
+      <p:sp>
+        <p:nvSpPr>
+          <p:cNvPr id="3" name="Content Placeholder 2"/>
+          <p:cNvSpPr>
+            <a:spLocks noGrp="1"/>
+          </p:cNvSpPr>
+          <p:nvPr>
+            <p:ph idx="1"/>
+          </p:nvPr>
+        </p:nvSpPr>
+        <p:spPr/>
+        <p:txBody>
+          <a:bodyPr/>
+          <a:lstStyle/>
+          <a:p>
+            <a:pPr marL="0" indent="0">
+              <a:buNone/>
+            </a:pPr>
+            <a:r>
+              <a:rPr lang="en-US" dirty="0" smtClean="0"/>
+              <a:t>	</a:t>
+            </a:r>
+          </a:p>
+          <a:p>
+            <a:pPr marL="0" indent="0">
+              <a:buNone/>
+            </a:pPr>
             <a:r>
               <a:rPr lang="en-US" dirty="0"/>
-              <a:t/>
-            </a:r>
-            <a:br>
+              <a:t>	</a:t>
+            </a:r>
+            <a:r>
+              <a:rPr lang="en-US" dirty="0" smtClean="0"/>
+              <a:t>How </a:t>
+            </a:r>
+            <a:r>
               <a:rPr lang="en-US" dirty="0"/>
-            </a:br>
-            <a:endParaRPr lang="en-US" dirty="0"/>
-          </a:p>
-        </p:txBody>
-      </p:sp>
-      <p:sp>
-        <p:nvSpPr>
-          <p:cNvPr id="3" name="Content Placeholder 2"/>
-          <p:cNvSpPr>
-            <a:spLocks noGrp="1"/>
-          </p:cNvSpPr>
-          <p:nvPr>
-            <p:ph idx="1"/>
-          </p:nvPr>
-        </p:nvSpPr>
-        <p:spPr/>
-        <p:txBody>
-          <a:bodyPr/>
-          <a:lstStyle/>
-          <a:p>
-            <a:pPr marL="0" indent="0">
-              <a:buNone/>
-            </a:pPr>
-            <a:r>
-              <a:rPr lang="en-US" dirty="0" smtClean="0"/>
-              <a:t>Starting </a:t>
-            </a:r>
-            <a:r>
-              <a:rPr lang="en-US" dirty="0"/>
-              <a:t>with a test means that we have to describe what we want to achieve before we consider how. </a:t>
-            </a:r>
-            <a:r>
-              <a:rPr lang="en-US" dirty="0" smtClean="0"/>
-              <a:t>This </a:t>
-            </a:r>
-            <a:r>
-              <a:rPr lang="en-US" dirty="0"/>
-              <a:t>focus helps us maintain the right level of abstraction for the target object. </a:t>
-            </a:r>
-            <a:endParaRPr lang="en-US" dirty="0" smtClean="0"/>
-          </a:p>
-          <a:p>
-            <a:pPr marL="0" indent="0">
-              <a:buNone/>
-            </a:pPr>
-            <a:endParaRPr lang="en-US" dirty="0" smtClean="0"/>
-          </a:p>
-          <a:p>
-            <a:pPr marL="0" indent="0">
-              <a:buNone/>
-            </a:pPr>
-            <a:r>
-              <a:rPr lang="en-US" dirty="0" smtClean="0"/>
-              <a:t>It </a:t>
-            </a:r>
-            <a:r>
-              <a:rPr lang="en-US" dirty="0"/>
-              <a:t>also helps us with information hiding as we have to decide what needs to be visible from outside the object. </a:t>
-            </a:r>
+              <a:t>writing a Test First helps the design</a:t>
+            </a:r>
+          </a:p>
+        </p:txBody>
+      </p:sp>
+      <p:sp>
+        <p:nvSpPr>
+          <p:cNvPr id="4" name="Slide Number Placeholder 3"/>
+          <p:cNvSpPr>
+            <a:spLocks noGrp="1"/>
+          </p:cNvSpPr>
+          <p:nvPr>
+            <p:ph type="sldNum" sz="quarter" idx="12"/>
+          </p:nvPr>
+        </p:nvSpPr>
+        <p:spPr/>
+        <p:txBody>
+          <a:bodyPr/>
+          <a:lstStyle/>
+          <a:p>
+            <a:fld id="{2387B7E2-7538-4163-9310-D5E6EE1BC12A}" type="slidenum">
+              <a:rPr lang="en-US" smtClean="0"/>
+              <a:pPr/>
+              <a:t>11</a:t>
+            </a:fld>
+            <a:endParaRPr lang="en-US"/>
           </a:p>
         </p:txBody>
       </p:sp>
     </p:spTree>
     <p:extLst>
       <p:ext uri="{BB962C8B-B14F-4D97-AF65-F5344CB8AC3E}">
-        <p14:creationId xmlns:p14="http://schemas.microsoft.com/office/powerpoint/2010/main" val="2870576730"/>
+        <p14:creationId xmlns:p14="http://schemas.microsoft.com/office/powerpoint/2010/main" val="1636541090"/>
       </p:ext>
     </p:extLst>
   </p:cSld>
   <p:clrMapOvr>
     <a:masterClrMapping/>
   </p:clrMapOvr>
-  <p:timing>
-    <p:tnLst>
-      <p:par>
-        <p:cTn id="1" dur="indefinite" restart="never" nodeType="tmRoot"/>
-      </p:par>
-    </p:tnLst>
-  </p:timing>
 </p:sld>
 </file>
 
@@ -7227,10 +7328,19 @@
         </p:nvSpPr>
         <p:spPr/>
         <p:txBody>
-          <a:bodyPr/>
-          <a:lstStyle/>
-          <a:p>
-            <a:endParaRPr lang="en-US"/>
+          <a:bodyPr>
+            <a:normAutofit fontScale="90000"/>
+          </a:bodyPr>
+          <a:lstStyle/>
+          <a:p>
+            <a:r>
+              <a:rPr lang="en-US" dirty="0"/>
+              <a:t/>
+            </a:r>
+            <a:br>
+              <a:rPr lang="en-US" dirty="0"/>
+            </a:br>
+            <a:endParaRPr lang="en-US" dirty="0"/>
           </a:p>
         </p:txBody>
       </p:sp>
@@ -7246,25 +7356,27 @@
         </p:nvSpPr>
         <p:spPr/>
         <p:txBody>
-          <a:bodyPr>
-            <a:normAutofit/>
-          </a:bodyPr>
+          <a:bodyPr/>
           <a:lstStyle/>
           <a:p>
             <a:pPr marL="0" indent="0">
               <a:buNone/>
             </a:pPr>
             <a:r>
+              <a:rPr lang="en-US" dirty="0" smtClean="0"/>
+              <a:t>Starting </a:t>
+            </a:r>
+            <a:r>
               <a:rPr lang="en-US" dirty="0"/>
-              <a:t>T</a:t>
+              <a:t>with a test means that we have to describe what we want to achieve before we consider how. </a:t>
             </a:r>
             <a:r>
               <a:rPr lang="en-US" dirty="0" smtClean="0"/>
-              <a:t>o </a:t>
+              <a:t>This </a:t>
             </a:r>
             <a:r>
               <a:rPr lang="en-US" dirty="0"/>
-              <a:t>keep unit tests understandable (and, so, maintainable), we have to limit their scope. </a:t>
+              <a:t>focus helps us maintain the right level of abstraction for the target object. </a:t>
             </a:r>
             <a:endParaRPr lang="en-US" dirty="0" smtClean="0"/>
           </a:p>
@@ -7280,37 +7392,19 @@
             </a:pPr>
             <a:r>
               <a:rPr lang="en-US" dirty="0" smtClean="0"/>
-              <a:t>Unit </a:t>
+              <a:t>It </a:t>
             </a:r>
             <a:r>
               <a:rPr lang="en-US" dirty="0"/>
-              <a:t>tests that are dozens of lines long, </a:t>
-            </a:r>
-            <a:r>
-              <a:rPr lang="en-US" dirty="0" smtClean="0"/>
-              <a:t>hiding the </a:t>
-            </a:r>
-            <a:r>
-              <a:rPr lang="en-US" dirty="0"/>
-              <a:t>point of the test somewhere in its setup. Such tests tell us that the component they’re testing is too large and needs breaking up into smaller components. </a:t>
-            </a:r>
-            <a:endParaRPr lang="en-US" dirty="0" smtClean="0"/>
-          </a:p>
-          <a:p>
-            <a:pPr marL="0" indent="0">
-              <a:buNone/>
-            </a:pPr>
-            <a:endParaRPr lang="en-US" dirty="0" smtClean="0"/>
-          </a:p>
-          <a:p>
-            <a:endParaRPr lang="en-US" dirty="0"/>
+              <a:t>also helps us with information hiding as we have to decide what needs to be visible from outside the object. </a:t>
+            </a:r>
           </a:p>
         </p:txBody>
       </p:sp>
     </p:spTree>
     <p:extLst>
       <p:ext uri="{BB962C8B-B14F-4D97-AF65-F5344CB8AC3E}">
-        <p14:creationId xmlns:p14="http://schemas.microsoft.com/office/powerpoint/2010/main" val="4068580765"/>
+        <p14:creationId xmlns:p14="http://schemas.microsoft.com/office/powerpoint/2010/main" val="2870576730"/>
       </p:ext>
     </p:extLst>
   </p:cSld>
@@ -7385,20 +7479,51 @@
             </a:pPr>
             <a:r>
               <a:rPr lang="en-US" dirty="0"/>
-              <a:t>To construct an object for a unit test, we have to pass its dependencies to </a:t>
+              <a:t>T</a:t>
             </a:r>
             <a:r>
               <a:rPr lang="en-US" dirty="0" smtClean="0"/>
-              <a:t>it which encourages </a:t>
+              <a:t>o </a:t>
             </a:r>
             <a:r>
               <a:rPr lang="en-US" dirty="0"/>
-              <a:t>context independence, since we have to be able to set up the target object’s environment before we can </a:t>
-            </a:r>
+              <a:t>keep unit tests understandable (and, so, maintainable), we have to limit their scope. </a:t>
+            </a:r>
+            <a:endParaRPr lang="en-US" dirty="0" smtClean="0"/>
+          </a:p>
+          <a:p>
+            <a:pPr marL="0" indent="0">
+              <a:buNone/>
+            </a:pPr>
+            <a:endParaRPr lang="en-US" dirty="0" smtClean="0"/>
+          </a:p>
+          <a:p>
+            <a:pPr marL="0" indent="0">
+              <a:buNone/>
+            </a:pPr>
             <a:r>
               <a:rPr lang="en-US" dirty="0" smtClean="0"/>
-              <a:t>unit-test. </a:t>
-            </a:r>
+              <a:t>Unit </a:t>
+            </a:r>
+            <a:r>
+              <a:rPr lang="en-US" dirty="0"/>
+              <a:t>tests that are dozens of lines long, </a:t>
+            </a:r>
+            <a:r>
+              <a:rPr lang="en-US" dirty="0" smtClean="0"/>
+              <a:t>hiding the </a:t>
+            </a:r>
+            <a:r>
+              <a:rPr lang="en-US" dirty="0"/>
+              <a:t>point of the test somewhere in its setup. Such tests tell us that the component they’re testing is too large and needs breaking up into smaller components. </a:t>
+            </a:r>
+            <a:endParaRPr lang="en-US" dirty="0" smtClean="0"/>
+          </a:p>
+          <a:p>
+            <a:pPr marL="0" indent="0">
+              <a:buNone/>
+            </a:pPr>
+            <a:endParaRPr lang="en-US" dirty="0" smtClean="0"/>
           </a:p>
           <a:p>
             <a:endParaRPr lang="en-US" dirty="0"/>
@@ -7408,7 +7533,7 @@
     </p:spTree>
     <p:extLst>
       <p:ext uri="{BB962C8B-B14F-4D97-AF65-F5344CB8AC3E}">
-        <p14:creationId xmlns:p14="http://schemas.microsoft.com/office/powerpoint/2010/main" val="1334679789"/>
+        <p14:creationId xmlns:p14="http://schemas.microsoft.com/office/powerpoint/2010/main" val="4068580765"/>
       </p:ext>
     </p:extLst>
   </p:cSld>
@@ -7457,91 +7582,58 @@
           <a:bodyPr/>
           <a:lstStyle/>
           <a:p>
+            <a:endParaRPr lang="en-US"/>
+          </a:p>
+        </p:txBody>
+      </p:sp>
+      <p:sp>
+        <p:nvSpPr>
+          <p:cNvPr id="3" name="Content Placeholder 2"/>
+          <p:cNvSpPr>
+            <a:spLocks noGrp="1"/>
+          </p:cNvSpPr>
+          <p:nvPr>
+            <p:ph idx="1"/>
+          </p:nvPr>
+        </p:nvSpPr>
+        <p:spPr/>
+        <p:txBody>
+          <a:bodyPr>
+            <a:normAutofit/>
+          </a:bodyPr>
+          <a:lstStyle/>
+          <a:p>
+            <a:pPr marL="0" indent="0">
+              <a:buNone/>
+            </a:pPr>
+            <a:r>
+              <a:rPr lang="en-US" dirty="0"/>
+              <a:t>To construct an object for a unit test, we have to pass its dependencies to </a:t>
+            </a:r>
             <a:r>
               <a:rPr lang="en-US" dirty="0" smtClean="0"/>
-              <a:t>Courage</a:t>
-            </a:r>
-            <a:endParaRPr lang="en-GB" dirty="0"/>
-          </a:p>
-        </p:txBody>
-      </p:sp>
-      <p:sp>
-        <p:nvSpPr>
-          <p:cNvPr id="3" name="Content Placeholder 2"/>
-          <p:cNvSpPr>
-            <a:spLocks noGrp="1"/>
-          </p:cNvSpPr>
-          <p:nvPr>
-            <p:ph idx="1"/>
-          </p:nvPr>
-        </p:nvSpPr>
-        <p:spPr/>
-        <p:txBody>
-          <a:bodyPr/>
-          <a:lstStyle/>
-          <a:p>
-            <a:pPr>
-              <a:buNone/>
-            </a:pPr>
+              <a:t>it which encourages </a:t>
+            </a:r>
+            <a:r>
+              <a:rPr lang="en-US" dirty="0"/>
+              <a:t>context independence, since we have to be able to set up the target object’s environment before we can </a:t>
+            </a:r>
             <a:r>
               <a:rPr lang="en-US" dirty="0" smtClean="0"/>
-              <a:t>   </a:t>
-            </a:r>
-          </a:p>
-          <a:p>
-            <a:endParaRPr lang="en-GB" dirty="0"/>
-          </a:p>
-        </p:txBody>
-      </p:sp>
-      <p:pic>
-        <p:nvPicPr>
-          <p:cNvPr id="5" name="Picture 4" descr="sumo-mismatch.jpg"/>
-          <p:cNvPicPr>
-            <a:picLocks noChangeAspect="1"/>
-          </p:cNvPicPr>
-          <p:nvPr/>
-        </p:nvPicPr>
-        <p:blipFill>
-          <a:blip r:embed="rId2" cstate="print"/>
-          <a:stretch>
-            <a:fillRect/>
-          </a:stretch>
-        </p:blipFill>
-        <p:spPr>
-          <a:xfrm>
-            <a:off x="0" y="1524000"/>
-            <a:ext cx="9144000" cy="5334000"/>
-          </a:xfrm>
-          <a:prstGeom prst="rect">
-            <a:avLst/>
-          </a:prstGeom>
-        </p:spPr>
-      </p:pic>
-      <p:sp>
-        <p:nvSpPr>
-          <p:cNvPr id="6" name="Slide Number Placeholder 5"/>
-          <p:cNvSpPr>
-            <a:spLocks noGrp="1"/>
-          </p:cNvSpPr>
-          <p:nvPr>
-            <p:ph type="sldNum" sz="quarter" idx="12"/>
-          </p:nvPr>
-        </p:nvSpPr>
-        <p:spPr/>
-        <p:txBody>
-          <a:bodyPr/>
-          <a:lstStyle/>
-          <a:p>
-            <a:fld id="{2387B7E2-7538-4163-9310-D5E6EE1BC12A}" type="slidenum">
-              <a:rPr lang="en-US" smtClean="0"/>
-              <a:pPr/>
-              <a:t>14</a:t>
-            </a:fld>
-            <a:endParaRPr lang="en-US"/>
+              <a:t>unit-test. </a:t>
+            </a:r>
+          </a:p>
+          <a:p>
+            <a:endParaRPr lang="en-US" dirty="0"/>
           </a:p>
         </p:txBody>
       </p:sp>
     </p:spTree>
+    <p:extLst>
+      <p:ext uri="{BB962C8B-B14F-4D97-AF65-F5344CB8AC3E}">
+        <p14:creationId xmlns:p14="http://schemas.microsoft.com/office/powerpoint/2010/main" val="1334679789"/>
+      </p:ext>
+    </p:extLst>
   </p:cSld>
   <p:clrMapOvr>
     <a:masterClrMapping/>
@@ -7575,6 +7667,29 @@
       </p:grpSpPr>
       <p:sp>
         <p:nvSpPr>
+          <p:cNvPr id="2" name="Title 1"/>
+          <p:cNvSpPr>
+            <a:spLocks noGrp="1"/>
+          </p:cNvSpPr>
+          <p:nvPr>
+            <p:ph type="title"/>
+          </p:nvPr>
+        </p:nvSpPr>
+        <p:spPr/>
+        <p:txBody>
+          <a:bodyPr/>
+          <a:lstStyle/>
+          <a:p>
+            <a:r>
+              <a:rPr lang="en-US" dirty="0" smtClean="0"/>
+              <a:t>Courage</a:t>
+            </a:r>
+            <a:endParaRPr lang="en-GB" dirty="0"/>
+          </a:p>
+        </p:txBody>
+      </p:sp>
+      <p:sp>
+        <p:nvSpPr>
           <p:cNvPr id="3" name="Content Placeholder 2"/>
           <p:cNvSpPr>
             <a:spLocks noGrp="1"/>
@@ -7595,32 +7710,39 @@
               <a:rPr lang="en-US" dirty="0" smtClean="0"/>
               <a:t>   </a:t>
             </a:r>
-            <a:r>
-              <a:rPr lang="en-US" i="1" dirty="0" smtClean="0"/>
-              <a:t>TDD enables to gain confidence in code over time . As test accumulate , we gain confidence in the behavior of the system.</a:t>
-            </a:r>
-          </a:p>
-          <a:p>
-            <a:pPr>
-              <a:buNone/>
-            </a:pPr>
-            <a:endParaRPr lang="en-US" i="1" dirty="0" smtClean="0"/>
-          </a:p>
-          <a:p>
-            <a:pPr>
-              <a:buNone/>
-            </a:pPr>
-            <a:r>
-              <a:rPr lang="en-GB" dirty="0" smtClean="0"/>
-              <a:t>	Fear of making change disappear</a:t>
-            </a:r>
-            <a:endParaRPr lang="en-GB" i="1" dirty="0"/>
-          </a:p>
-        </p:txBody>
-      </p:sp>
-      <p:sp>
-        <p:nvSpPr>
-          <p:cNvPr id="4" name="Slide Number Placeholder 3"/>
+          </a:p>
+          <a:p>
+            <a:endParaRPr lang="en-GB" dirty="0"/>
+          </a:p>
+        </p:txBody>
+      </p:sp>
+      <p:pic>
+        <p:nvPicPr>
+          <p:cNvPr id="5" name="Picture 4" descr="sumo-mismatch.jpg"/>
+          <p:cNvPicPr>
+            <a:picLocks noChangeAspect="1"/>
+          </p:cNvPicPr>
+          <p:nvPr/>
+        </p:nvPicPr>
+        <p:blipFill>
+          <a:blip r:embed="rId2" cstate="print"/>
+          <a:stretch>
+            <a:fillRect/>
+          </a:stretch>
+        </p:blipFill>
+        <p:spPr>
+          <a:xfrm>
+            <a:off x="0" y="1524000"/>
+            <a:ext cx="9144000" cy="5334000"/>
+          </a:xfrm>
+          <a:prstGeom prst="rect">
+            <a:avLst/>
+          </a:prstGeom>
+        </p:spPr>
+      </p:pic>
+      <p:sp>
+        <p:nvSpPr>
+          <p:cNvPr id="6" name="Slide Number Placeholder 5"/>
           <p:cNvSpPr>
             <a:spLocks noGrp="1"/>
           </p:cNvSpPr>
@@ -7676,25 +7798,6 @@
       </p:grpSpPr>
       <p:sp>
         <p:nvSpPr>
-          <p:cNvPr id="2" name="Title 1"/>
-          <p:cNvSpPr>
-            <a:spLocks noGrp="1"/>
-          </p:cNvSpPr>
-          <p:nvPr>
-            <p:ph type="title"/>
-          </p:nvPr>
-        </p:nvSpPr>
-        <p:spPr/>
-        <p:txBody>
-          <a:bodyPr/>
-          <a:lstStyle/>
-          <a:p>
-            <a:endParaRPr lang="en-US"/>
-          </a:p>
-        </p:txBody>
-      </p:sp>
-      <p:sp>
-        <p:nvSpPr>
           <p:cNvPr id="3" name="Content Placeholder 2"/>
           <p:cNvSpPr>
             <a:spLocks noGrp="1"/>
@@ -7705,98 +7808,36 @@
         </p:nvSpPr>
         <p:spPr/>
         <p:txBody>
-          <a:bodyPr>
-            <a:normAutofit fontScale="92500" lnSpcReduction="20000"/>
-          </a:bodyPr>
-          <a:lstStyle/>
-          <a:p>
-            <a:pPr marL="0" indent="0">
+          <a:bodyPr/>
+          <a:lstStyle/>
+          <a:p>
+            <a:pPr>
               <a:buNone/>
             </a:pPr>
             <a:r>
               <a:rPr lang="en-US" dirty="0" smtClean="0"/>
-              <a:t>If </a:t>
-            </a:r>
-            <a:r>
-              <a:rPr lang="en-US" dirty="0"/>
-              <a:t>we want to grow a </a:t>
-            </a:r>
-            <a:r>
-              <a:rPr lang="en-US" dirty="0" smtClean="0"/>
-              <a:t>system reliably </a:t>
-            </a:r>
-            <a:r>
-              <a:rPr lang="en-US" dirty="0"/>
-              <a:t>and to cope with the </a:t>
-            </a:r>
-            <a:r>
-              <a:rPr lang="en-US" i="1" dirty="0"/>
-              <a:t>unanticipated </a:t>
-            </a:r>
-            <a:r>
-              <a:rPr lang="en-US" dirty="0"/>
-              <a:t>changes that always happen. </a:t>
-            </a:r>
-            <a:r>
-              <a:rPr lang="en-US" dirty="0" smtClean="0"/>
-              <a:t>First, we </a:t>
-            </a:r>
-            <a:r>
-              <a:rPr lang="en-US" dirty="0"/>
-              <a:t>need constant testing to catch regression errors, so we can add new </a:t>
-            </a:r>
-            <a:r>
-              <a:rPr lang="en-US" dirty="0" smtClean="0"/>
-              <a:t>features without </a:t>
-            </a:r>
-            <a:r>
-              <a:rPr lang="en-US" dirty="0"/>
-              <a:t>breaking existing ones</a:t>
-            </a:r>
-            <a:r>
-              <a:rPr lang="en-US" dirty="0" smtClean="0"/>
-              <a:t>.</a:t>
-            </a:r>
-          </a:p>
-          <a:p>
-            <a:pPr marL="0" indent="0">
+              <a:t>   </a:t>
+            </a:r>
+            <a:r>
+              <a:rPr lang="en-US" i="1" dirty="0" smtClean="0"/>
+              <a:t>TDD enables to gain confidence in code over time . As test accumulate , we gain confidence in the behavior of the system.</a:t>
+            </a:r>
+          </a:p>
+          <a:p>
+            <a:pPr>
               <a:buNone/>
             </a:pPr>
-            <a:endParaRPr lang="en-US" dirty="0"/>
-          </a:p>
-          <a:p>
-            <a:pPr marL="0" indent="0">
+            <a:endParaRPr lang="en-US" i="1" dirty="0" smtClean="0"/>
+          </a:p>
+          <a:p>
+            <a:pPr>
               <a:buNone/>
             </a:pPr>
             <a:r>
-              <a:rPr lang="en-US" dirty="0"/>
-              <a:t>For systems of any interesting size, </a:t>
-            </a:r>
-            <a:r>
-              <a:rPr lang="en-US" dirty="0" smtClean="0"/>
-              <a:t>frequent manual </a:t>
-            </a:r>
-            <a:r>
-              <a:rPr lang="en-US" dirty="0"/>
-              <a:t>testing is just impractical, so we must automate testing as much as </a:t>
-            </a:r>
-            <a:r>
-              <a:rPr lang="en-US" dirty="0" smtClean="0"/>
-              <a:t>we can </a:t>
-            </a:r>
-            <a:r>
-              <a:rPr lang="en-US" dirty="0"/>
-              <a:t>to reduce the costs of building, deploying, and modifying versions of the</a:t>
-            </a:r>
-          </a:p>
-          <a:p>
-            <a:pPr marL="0" indent="0">
-              <a:buNone/>
-            </a:pPr>
-            <a:r>
-              <a:rPr lang="en-US" dirty="0"/>
-              <a:t>system.</a:t>
-            </a:r>
+              <a:rPr lang="en-GB" dirty="0" smtClean="0"/>
+              <a:t>	Fear of making change disappear</a:t>
+            </a:r>
+            <a:endParaRPr lang="en-GB" i="1" dirty="0"/>
           </a:p>
         </p:txBody>
       </p:sp>
@@ -7825,11 +7866,6 @@
         </p:txBody>
       </p:sp>
     </p:spTree>
-    <p:extLst>
-      <p:ext uri="{BB962C8B-B14F-4D97-AF65-F5344CB8AC3E}">
-        <p14:creationId xmlns:p14="http://schemas.microsoft.com/office/powerpoint/2010/main" val="1138841844"/>
-      </p:ext>
-    </p:extLst>
   </p:cSld>
   <p:clrMapOvr>
     <a:masterClrMapping/>
@@ -7902,66 +7938,78 @@
             </a:pPr>
             <a:r>
               <a:rPr lang="en-US" dirty="0" smtClean="0"/>
-              <a:t>In some development groups</a:t>
+              <a:t>If </a:t>
             </a:r>
             <a:r>
               <a:rPr lang="en-US" dirty="0"/>
-              <a:t>, writing automated tests is seen as not “real” work compared to </a:t>
+              <a:t>we want to grow a </a:t>
             </a:r>
             <a:r>
               <a:rPr lang="en-US" dirty="0" smtClean="0"/>
-              <a:t>adding features</a:t>
+              <a:t>system reliably </a:t>
             </a:r>
             <a:r>
               <a:rPr lang="en-US" dirty="0"/>
-              <a:t>, and boring as well. Most people do not do as well as they should </a:t>
+              <a:t>and to cope with the </a:t>
+            </a:r>
+            <a:r>
+              <a:rPr lang="en-US" i="1" dirty="0"/>
+              <a:t>unanticipated </a:t>
+            </a:r>
+            <a:r>
+              <a:rPr lang="en-US" dirty="0"/>
+              <a:t>changes that always happen. </a:t>
             </a:r>
             <a:r>
               <a:rPr lang="en-US" dirty="0" smtClean="0"/>
-              <a:t>at work </a:t>
+              <a:t>First, we </a:t>
             </a:r>
             <a:r>
               <a:rPr lang="en-US" dirty="0"/>
-              <a:t>they find uninspiring.</a:t>
+              <a:t>need constant testing to catch regression errors, so we can add new </a:t>
+            </a:r>
+            <a:r>
+              <a:rPr lang="en-US" dirty="0" smtClean="0"/>
+              <a:t>features without </a:t>
+            </a:r>
+            <a:r>
+              <a:rPr lang="en-US" dirty="0"/>
+              <a:t>breaking existing ones</a:t>
+            </a:r>
+            <a:r>
+              <a:rPr lang="en-US" dirty="0" smtClean="0"/>
+              <a:t>.</a:t>
             </a:r>
           </a:p>
           <a:p>
             <a:pPr marL="0" indent="0">
               <a:buNone/>
             </a:pPr>
-            <a:endParaRPr lang="en-US" i="1" dirty="0" smtClean="0"/>
+            <a:endParaRPr lang="en-US" dirty="0"/>
           </a:p>
           <a:p>
             <a:pPr marL="0" indent="0">
               <a:buNone/>
             </a:pPr>
             <a:r>
-              <a:rPr lang="en-US" i="1" dirty="0" smtClean="0"/>
-              <a:t>Test-Driven </a:t>
-            </a:r>
-            <a:r>
-              <a:rPr lang="en-US" i="1" dirty="0"/>
-              <a:t>Development </a:t>
-            </a:r>
-            <a:r>
               <a:rPr lang="en-US" dirty="0"/>
-              <a:t>(TDD) turns this situation on its head. We </a:t>
+              <a:t>For systems of any interesting size, </a:t>
             </a:r>
             <a:r>
               <a:rPr lang="en-US" dirty="0" smtClean="0"/>
-              <a:t>write our </a:t>
+              <a:t>frequent manual </a:t>
             </a:r>
             <a:r>
               <a:rPr lang="en-US" dirty="0"/>
-              <a:t>tests </a:t>
-            </a:r>
-            <a:r>
-              <a:rPr lang="en-US" i="1" dirty="0"/>
-              <a:t>before </a:t>
+              <a:t>testing is just impractical, so we must automate testing as much as </a:t>
+            </a:r>
+            <a:r>
+              <a:rPr lang="en-US" dirty="0" smtClean="0"/>
+              <a:t>we can </a:t>
             </a:r>
             <a:r>
               <a:rPr lang="en-US" dirty="0"/>
-              <a:t>we write the code. Instead of just using testing to verify our work</a:t>
+              <a:t>to reduce the costs of building, deploying, and modifying versions of the</a:t>
             </a:r>
           </a:p>
           <a:p>
@@ -7970,55 +8018,7 @@
             </a:pPr>
             <a:r>
               <a:rPr lang="en-US" dirty="0"/>
-              <a:t>a</a:t>
-            </a:r>
-            <a:r>
-              <a:rPr lang="en-US" dirty="0" smtClean="0"/>
-              <a:t>fter </a:t>
-            </a:r>
-            <a:r>
-              <a:rPr lang="en-US" dirty="0"/>
-              <a:t>it’s done, TDD turns testing into a </a:t>
-            </a:r>
-            <a:r>
-              <a:rPr lang="en-US" i="1" dirty="0"/>
-              <a:t>design </a:t>
-            </a:r>
-            <a:r>
-              <a:rPr lang="en-US" dirty="0"/>
-              <a:t>activity</a:t>
-            </a:r>
-            <a:r>
-              <a:rPr lang="en-US" dirty="0" smtClean="0"/>
-              <a:t>. </a:t>
-            </a:r>
-            <a:r>
-              <a:rPr lang="en-US" dirty="0"/>
-              <a:t>U</a:t>
-            </a:r>
-            <a:r>
-              <a:rPr lang="en-US" dirty="0" smtClean="0"/>
-              <a:t>se </a:t>
-            </a:r>
-            <a:r>
-              <a:rPr lang="en-US" dirty="0"/>
-              <a:t>the tests to </a:t>
-            </a:r>
-            <a:r>
-              <a:rPr lang="en-US" dirty="0" smtClean="0"/>
-              <a:t>clarify our </a:t>
-            </a:r>
-            <a:r>
-              <a:rPr lang="en-US" dirty="0"/>
-              <a:t>ideas about </a:t>
-            </a:r>
-            <a:r>
-              <a:rPr lang="en-US" i="1" dirty="0"/>
-              <a:t>what </a:t>
-            </a:r>
-            <a:r>
-              <a:rPr lang="en-US" dirty="0"/>
-              <a:t>we want the code to do.</a:t>
+              <a:t>system.</a:t>
             </a:r>
           </a:p>
         </p:txBody>
@@ -8050,7 +8050,7 @@
     </p:spTree>
     <p:extLst>
       <p:ext uri="{BB962C8B-B14F-4D97-AF65-F5344CB8AC3E}">
-        <p14:creationId xmlns:p14="http://schemas.microsoft.com/office/powerpoint/2010/main" val="448485692"/>
+        <p14:creationId xmlns:p14="http://schemas.microsoft.com/office/powerpoint/2010/main" val="1138841844"/>
       </p:ext>
     </p:extLst>
   </p:cSld>
@@ -8099,41 +8099,156 @@
           <a:bodyPr/>
           <a:lstStyle/>
           <a:p>
+            <a:endParaRPr lang="en-US"/>
+          </a:p>
+        </p:txBody>
+      </p:sp>
+      <p:sp>
+        <p:nvSpPr>
+          <p:cNvPr id="3" name="Content Placeholder 2"/>
+          <p:cNvSpPr>
+            <a:spLocks noGrp="1"/>
+          </p:cNvSpPr>
+          <p:nvPr>
+            <p:ph idx="1"/>
+          </p:nvPr>
+        </p:nvSpPr>
+        <p:spPr/>
+        <p:txBody>
+          <a:bodyPr>
+            <a:normAutofit fontScale="92500" lnSpcReduction="20000"/>
+          </a:bodyPr>
+          <a:lstStyle/>
+          <a:p>
+            <a:pPr marL="0" indent="0">
+              <a:buNone/>
+            </a:pPr>
             <a:r>
               <a:rPr lang="en-US" dirty="0" smtClean="0"/>
-              <a:t>Technical Debt</a:t>
-            </a:r>
-            <a:endParaRPr lang="en-US" dirty="0"/>
-          </a:p>
-        </p:txBody>
-      </p:sp>
-      <p:pic>
-        <p:nvPicPr>
-          <p:cNvPr id="4" name="Picture 3" descr="techdebt.jpg"/>
-          <p:cNvPicPr>
-            <a:picLocks noChangeAspect="1"/>
-          </p:cNvPicPr>
-          <p:nvPr/>
-        </p:nvPicPr>
-        <p:blipFill>
-          <a:blip r:embed="rId3"/>
-          <a:stretch>
-            <a:fillRect/>
-          </a:stretch>
-        </p:blipFill>
-        <p:spPr>
-          <a:xfrm>
-            <a:off x="0" y="1600201"/>
-            <a:ext cx="9144000" cy="5257800"/>
-          </a:xfrm>
-          <a:prstGeom prst="rect">
-            <a:avLst/>
-          </a:prstGeom>
-        </p:spPr>
-      </p:pic>
-      <p:sp>
-        <p:nvSpPr>
-          <p:cNvPr id="5" name="Slide Number Placeholder 4"/>
+              <a:t>In some development groups</a:t>
+            </a:r>
+            <a:r>
+              <a:rPr lang="en-US" dirty="0"/>
+              <a:t>, writing automated tests is seen as not “real” work compared to </a:t>
+            </a:r>
+            <a:r>
+              <a:rPr lang="en-US" dirty="0" smtClean="0"/>
+              <a:t>adding features</a:t>
+            </a:r>
+            <a:r>
+              <a:rPr lang="en-US" dirty="0"/>
+              <a:t>, and boring as well. Most people do not do as well as they should </a:t>
+            </a:r>
+            <a:r>
+              <a:rPr lang="en-US" dirty="0" smtClean="0"/>
+              <a:t>at work </a:t>
+            </a:r>
+            <a:r>
+              <a:rPr lang="en-US" dirty="0"/>
+              <a:t>they find uninspiring.</a:t>
+            </a:r>
+          </a:p>
+          <a:p>
+            <a:pPr marL="0" indent="0">
+              <a:buNone/>
+            </a:pPr>
+            <a:endParaRPr lang="en-US" i="1" dirty="0" smtClean="0"/>
+          </a:p>
+          <a:p>
+            <a:pPr marL="0" indent="0">
+              <a:buNone/>
+            </a:pPr>
+            <a:r>
+              <a:rPr lang="en-US" i="1" dirty="0" smtClean="0"/>
+              <a:t>Test-Driven </a:t>
+            </a:r>
+            <a:r>
+              <a:rPr lang="en-US" i="1" dirty="0"/>
+              <a:t>Development </a:t>
+            </a:r>
+            <a:r>
+              <a:rPr lang="en-US" dirty="0"/>
+              <a:t>(TDD) turns this situation on its head. We </a:t>
+            </a:r>
+            <a:r>
+              <a:rPr lang="en-US" dirty="0" smtClean="0"/>
+              <a:t>write our </a:t>
+            </a:r>
+            <a:r>
+              <a:rPr lang="en-US" dirty="0"/>
+              <a:t>tests </a:t>
+            </a:r>
+            <a:r>
+              <a:rPr lang="en-US" i="1" dirty="0"/>
+              <a:t>before </a:t>
+            </a:r>
+            <a:r>
+              <a:rPr lang="en-US" dirty="0"/>
+              <a:t>we write the code. Instead of just using testing to verify our work</a:t>
+            </a:r>
+          </a:p>
+          <a:p>
+            <a:pPr marL="0" indent="0">
+              <a:buNone/>
+            </a:pPr>
+            <a:r>
+              <a:rPr lang="en-US" dirty="0"/>
+              <a:t>a</a:t>
+            </a:r>
+            <a:r>
+              <a:rPr lang="en-US" dirty="0" smtClean="0"/>
+              <a:t>fter </a:t>
+            </a:r>
+            <a:r>
+              <a:rPr lang="en-US" dirty="0"/>
+              <a:t>it’s done, TDD turns testing into a </a:t>
+            </a:r>
+            <a:r>
+              <a:rPr lang="en-US" i="1" dirty="0"/>
+              <a:t>design </a:t>
+            </a:r>
+            <a:r>
+              <a:rPr lang="en-US" dirty="0"/>
+              <a:t>activity</a:t>
+            </a:r>
+            <a:r>
+              <a:rPr lang="en-US" dirty="0" smtClean="0"/>
+              <a:t>. </a:t>
+            </a:r>
+            <a:r>
+              <a:rPr lang="en-US" dirty="0"/>
+              <a:t>U</a:t>
+            </a:r>
+            <a:r>
+              <a:rPr lang="en-US" dirty="0" smtClean="0"/>
+              <a:t>se </a:t>
+            </a:r>
+            <a:r>
+              <a:rPr lang="en-US" dirty="0"/>
+              <a:t>the tests to </a:t>
+            </a:r>
+            <a:r>
+              <a:rPr lang="en-US" dirty="0" smtClean="0"/>
+              <a:t>clarify our </a:t>
+            </a:r>
+            <a:r>
+              <a:rPr lang="en-US" dirty="0"/>
+              <a:t>ideas about </a:t>
+            </a:r>
+            <a:r>
+              <a:rPr lang="en-US" i="1" dirty="0"/>
+              <a:t>what </a:t>
+            </a:r>
+            <a:r>
+              <a:rPr lang="en-US" dirty="0"/>
+              <a:t>we want the code to do.</a:t>
+            </a:r>
+          </a:p>
+        </p:txBody>
+      </p:sp>
+      <p:sp>
+        <p:nvSpPr>
+          <p:cNvPr id="4" name="Slide Number Placeholder 3"/>
           <p:cNvSpPr>
             <a:spLocks noGrp="1"/>
           </p:cNvSpPr>
@@ -8156,6 +8271,11 @@
         </p:txBody>
       </p:sp>
     </p:spTree>
+    <p:extLst>
+      <p:ext uri="{BB962C8B-B14F-4D97-AF65-F5344CB8AC3E}">
+        <p14:creationId xmlns:p14="http://schemas.microsoft.com/office/powerpoint/2010/main" val="448485692"/>
+      </p:ext>
+    </p:extLst>
   </p:cSld>
   <p:clrMapOvr>
     <a:masterClrMapping/>
@@ -8206,103 +8326,37 @@
               <a:rPr lang="en-US" dirty="0" smtClean="0"/>
               <a:t>Technical Debt</a:t>
             </a:r>
-            <a:endParaRPr lang="en-GB" dirty="0"/>
-          </a:p>
-        </p:txBody>
-      </p:sp>
-      <p:sp>
-        <p:nvSpPr>
-          <p:cNvPr id="3" name="Content Placeholder 2"/>
-          <p:cNvSpPr>
-            <a:spLocks noGrp="1"/>
-          </p:cNvSpPr>
-          <p:nvPr>
-            <p:ph idx="1"/>
-          </p:nvPr>
-        </p:nvSpPr>
-        <p:spPr/>
-        <p:txBody>
-          <a:bodyPr>
-            <a:normAutofit fontScale="77500" lnSpcReduction="20000"/>
-          </a:bodyPr>
-          <a:lstStyle/>
-          <a:p>
-            <a:pPr>
-              <a:buNone/>
-            </a:pPr>
-            <a:r>
-              <a:rPr lang="en-GB" dirty="0" smtClean="0"/>
-              <a:t>    Doing things the </a:t>
-            </a:r>
-            <a:r>
-              <a:rPr lang="en-GB" b="1" i="1" dirty="0" smtClean="0"/>
-              <a:t>quick and dirty </a:t>
-            </a:r>
-            <a:r>
-              <a:rPr lang="en-GB" dirty="0" smtClean="0"/>
-              <a:t>way sets us up with a technical debt, which is similar to a financial debt. </a:t>
-            </a:r>
-          </a:p>
-          <a:p>
-            <a:pPr>
-              <a:buNone/>
-            </a:pPr>
-            <a:endParaRPr lang="en-GB" dirty="0" smtClean="0"/>
-          </a:p>
-          <a:p>
-            <a:pPr>
-              <a:buNone/>
-            </a:pPr>
-            <a:r>
-              <a:rPr lang="en-GB" dirty="0" smtClean="0"/>
-              <a:t>	Like a financial debt, the technical debt incurs </a:t>
-            </a:r>
-            <a:r>
-              <a:rPr lang="en-GB" b="1" i="1" dirty="0" smtClean="0"/>
-              <a:t>interest</a:t>
-            </a:r>
-            <a:r>
-              <a:rPr lang="en-GB" dirty="0" smtClean="0"/>
-              <a:t> payments, which come in the form of the extra effort that we have to do in future development because of the </a:t>
-            </a:r>
-            <a:r>
-              <a:rPr lang="en-GB" b="1" i="1" dirty="0" smtClean="0"/>
-              <a:t>quick and dirty design choice</a:t>
-            </a:r>
-            <a:r>
-              <a:rPr lang="en-GB" dirty="0" smtClean="0"/>
-              <a:t>. </a:t>
-            </a:r>
-          </a:p>
-          <a:p>
-            <a:pPr>
-              <a:buNone/>
-            </a:pPr>
-            <a:endParaRPr lang="en-GB" dirty="0" smtClean="0"/>
-          </a:p>
-          <a:p>
-            <a:pPr>
-              <a:buNone/>
-            </a:pPr>
-            <a:r>
-              <a:rPr lang="en-GB" dirty="0" smtClean="0"/>
-              <a:t>	We can choose to continue paying the interest, or we can pay down the principal by </a:t>
-            </a:r>
-            <a:r>
-              <a:rPr lang="en-GB" b="1" i="1" dirty="0" smtClean="0"/>
-              <a:t>refactoring</a:t>
-            </a:r>
-            <a:r>
-              <a:rPr lang="en-GB" dirty="0" smtClean="0"/>
-              <a:t> the quick and dirty design into the better design. Although it costs to pay down the principal, we gain by reduced interest payments in the future.</a:t>
-            </a:r>
-            <a:endParaRPr lang="en-GB" dirty="0"/>
-          </a:p>
-        </p:txBody>
-      </p:sp>
-      <p:sp>
-        <p:nvSpPr>
-          <p:cNvPr id="4" name="Slide Number Placeholder 3"/>
+            <a:endParaRPr lang="en-US" dirty="0"/>
+          </a:p>
+        </p:txBody>
+      </p:sp>
+      <p:pic>
+        <p:nvPicPr>
+          <p:cNvPr id="4" name="Picture 3" descr="techdebt.jpg"/>
+          <p:cNvPicPr>
+            <a:picLocks noChangeAspect="1"/>
+          </p:cNvPicPr>
+          <p:nvPr/>
+        </p:nvPicPr>
+        <p:blipFill>
+          <a:blip r:embed="rId3"/>
+          <a:stretch>
+            <a:fillRect/>
+          </a:stretch>
+        </p:blipFill>
+        <p:spPr>
+          <a:xfrm>
+            <a:off x="0" y="1600201"/>
+            <a:ext cx="9144000" cy="5257800"/>
+          </a:xfrm>
+          <a:prstGeom prst="rect">
+            <a:avLst/>
+          </a:prstGeom>
+        </p:spPr>
+      </p:pic>
+      <p:sp>
+        <p:nvSpPr>
+          <p:cNvPr id="5" name="Slide Number Placeholder 4"/>
           <p:cNvSpPr>
             <a:spLocks noGrp="1"/>
           </p:cNvSpPr>
@@ -8906,10 +8960,100 @@
           <a:lstStyle/>
           <a:p>
             <a:r>
-              <a:rPr lang="en-US" b="1" dirty="0"/>
-              <a:t>External and Internal Quality</a:t>
-            </a:r>
-            <a:endParaRPr lang="en-US" dirty="0"/>
+              <a:rPr lang="en-US" dirty="0" smtClean="0"/>
+              <a:t>Technical Debt</a:t>
+            </a:r>
+            <a:endParaRPr lang="en-GB" dirty="0"/>
+          </a:p>
+        </p:txBody>
+      </p:sp>
+      <p:sp>
+        <p:nvSpPr>
+          <p:cNvPr id="3" name="Content Placeholder 2"/>
+          <p:cNvSpPr>
+            <a:spLocks noGrp="1"/>
+          </p:cNvSpPr>
+          <p:nvPr>
+            <p:ph idx="1"/>
+          </p:nvPr>
+        </p:nvSpPr>
+        <p:spPr/>
+        <p:txBody>
+          <a:bodyPr>
+            <a:normAutofit fontScale="77500" lnSpcReduction="20000"/>
+          </a:bodyPr>
+          <a:lstStyle/>
+          <a:p>
+            <a:pPr>
+              <a:buNone/>
+            </a:pPr>
+            <a:r>
+              <a:rPr lang="en-GB" dirty="0" smtClean="0"/>
+              <a:t>    Doing things the </a:t>
+            </a:r>
+            <a:r>
+              <a:rPr lang="en-GB" b="1" i="1" dirty="0" smtClean="0"/>
+              <a:t>quick and dirty </a:t>
+            </a:r>
+            <a:r>
+              <a:rPr lang="en-GB" dirty="0" smtClean="0"/>
+              <a:t>way sets us up with a technical debt, which is similar to a financial debt. </a:t>
+            </a:r>
+          </a:p>
+          <a:p>
+            <a:pPr>
+              <a:buNone/>
+            </a:pPr>
+            <a:endParaRPr lang="en-GB" dirty="0" smtClean="0"/>
+          </a:p>
+          <a:p>
+            <a:pPr>
+              <a:buNone/>
+            </a:pPr>
+            <a:r>
+              <a:rPr lang="en-GB" dirty="0" smtClean="0"/>
+              <a:t>	Like a financial debt, the technical debt incurs </a:t>
+            </a:r>
+            <a:r>
+              <a:rPr lang="en-GB" b="1" i="1" dirty="0" smtClean="0"/>
+              <a:t>interest</a:t>
+            </a:r>
+            <a:r>
+              <a:rPr lang="en-GB" dirty="0" smtClean="0"/>
+              <a:t> payments, which come in the form of the extra effort that we have to do in future development because of the </a:t>
+            </a:r>
+            <a:r>
+              <a:rPr lang="en-GB" b="1" i="1" dirty="0" smtClean="0"/>
+              <a:t>quick and dirty design choice</a:t>
+            </a:r>
+            <a:r>
+              <a:rPr lang="en-GB" dirty="0" smtClean="0"/>
+              <a:t>. </a:t>
+            </a:r>
+          </a:p>
+          <a:p>
+            <a:pPr>
+              <a:buNone/>
+            </a:pPr>
+            <a:endParaRPr lang="en-GB" dirty="0" smtClean="0"/>
+          </a:p>
+          <a:p>
+            <a:pPr>
+              <a:buNone/>
+            </a:pPr>
+            <a:r>
+              <a:rPr lang="en-GB" dirty="0" smtClean="0"/>
+              <a:t>	We can choose to continue paying the interest, or we can pay down the principal by </a:t>
+            </a:r>
+            <a:r>
+              <a:rPr lang="en-GB" b="1" i="1" dirty="0" smtClean="0"/>
+              <a:t>refactoring</a:t>
+            </a:r>
+            <a:r>
+              <a:rPr lang="en-GB" dirty="0" smtClean="0"/>
+              <a:t> the quick and dirty design into the better design. Although it costs to pay down the principal, we gain by reduced interest payments in the future.</a:t>
+            </a:r>
+            <a:endParaRPr lang="en-GB" dirty="0"/>
           </a:p>
         </p:txBody>
       </p:sp>
@@ -8932,6 +9076,85 @@
               <a:rPr lang="en-US" smtClean="0"/>
               <a:pPr/>
               <a:t>20</a:t>
+            </a:fld>
+            <a:endParaRPr lang="en-US"/>
+          </a:p>
+        </p:txBody>
+      </p:sp>
+    </p:spTree>
+  </p:cSld>
+  <p:clrMapOvr>
+    <a:masterClrMapping/>
+  </p:clrMapOvr>
+  <p:timing>
+    <p:tnLst>
+      <p:par>
+        <p:cTn id="1" dur="indefinite" restart="never" nodeType="tmRoot"/>
+      </p:par>
+    </p:tnLst>
+  </p:timing>
+</p:sld>
+</file>
+
+<file path=ppt/slides/slide21.xml><?xml version="1.0" encoding="utf-8"?>
+<p:sld xmlns:a="http://schemas.openxmlformats.org/drawingml/2006/main" xmlns:r="http://schemas.openxmlformats.org/officeDocument/2006/relationships" xmlns:p="http://schemas.openxmlformats.org/presentationml/2006/main">
+  <p:cSld>
+    <p:spTree>
+      <p:nvGrpSpPr>
+        <p:cNvPr id="1" name=""/>
+        <p:cNvGrpSpPr/>
+        <p:nvPr/>
+      </p:nvGrpSpPr>
+      <p:grpSpPr>
+        <a:xfrm>
+          <a:off x="0" y="0"/>
+          <a:ext cx="0" cy="0"/>
+          <a:chOff x="0" y="0"/>
+          <a:chExt cx="0" cy="0"/>
+        </a:xfrm>
+      </p:grpSpPr>
+      <p:sp>
+        <p:nvSpPr>
+          <p:cNvPr id="2" name="Title 1"/>
+          <p:cNvSpPr>
+            <a:spLocks noGrp="1"/>
+          </p:cNvSpPr>
+          <p:nvPr>
+            <p:ph type="title"/>
+          </p:nvPr>
+        </p:nvSpPr>
+        <p:spPr/>
+        <p:txBody>
+          <a:bodyPr/>
+          <a:lstStyle/>
+          <a:p>
+            <a:r>
+              <a:rPr lang="en-US" b="1" dirty="0"/>
+              <a:t>External and Internal Quality</a:t>
+            </a:r>
+            <a:endParaRPr lang="en-US" dirty="0"/>
+          </a:p>
+        </p:txBody>
+      </p:sp>
+      <p:sp>
+        <p:nvSpPr>
+          <p:cNvPr id="4" name="Slide Number Placeholder 3"/>
+          <p:cNvSpPr>
+            <a:spLocks noGrp="1"/>
+          </p:cNvSpPr>
+          <p:nvPr>
+            <p:ph type="sldNum" sz="quarter" idx="12"/>
+          </p:nvPr>
+        </p:nvSpPr>
+        <p:spPr/>
+        <p:txBody>
+          <a:bodyPr/>
+          <a:lstStyle/>
+          <a:p>
+            <a:fld id="{2387B7E2-7538-4163-9310-D5E6EE1BC12A}" type="slidenum">
+              <a:rPr lang="en-US" smtClean="0"/>
+              <a:pPr/>
+              <a:t>21</a:t>
             </a:fld>
             <a:endParaRPr lang="en-US"/>
           </a:p>
@@ -8987,171 +9210,6 @@
 </p:sld>
 </file>
 
-<file path=ppt/slides/slide21.xml><?xml version="1.0" encoding="utf-8"?>
-<p:sld xmlns:a="http://schemas.openxmlformats.org/drawingml/2006/main" xmlns:r="http://schemas.openxmlformats.org/officeDocument/2006/relationships" xmlns:p="http://schemas.openxmlformats.org/presentationml/2006/main">
-  <p:cSld>
-    <p:spTree>
-      <p:nvGrpSpPr>
-        <p:cNvPr id="1" name=""/>
-        <p:cNvGrpSpPr/>
-        <p:nvPr/>
-      </p:nvGrpSpPr>
-      <p:grpSpPr>
-        <a:xfrm>
-          <a:off x="0" y="0"/>
-          <a:ext cx="0" cy="0"/>
-          <a:chOff x="0" y="0"/>
-          <a:chExt cx="0" cy="0"/>
-        </a:xfrm>
-      </p:grpSpPr>
-      <p:sp>
-        <p:nvSpPr>
-          <p:cNvPr id="2" name="Title 1"/>
-          <p:cNvSpPr>
-            <a:spLocks noGrp="1"/>
-          </p:cNvSpPr>
-          <p:nvPr>
-            <p:ph type="title"/>
-          </p:nvPr>
-        </p:nvSpPr>
-        <p:spPr/>
-        <p:txBody>
-          <a:bodyPr/>
-          <a:lstStyle/>
-          <a:p>
-            <a:endParaRPr lang="en-US" dirty="0"/>
-          </a:p>
-        </p:txBody>
-      </p:sp>
-      <p:sp>
-        <p:nvSpPr>
-          <p:cNvPr id="3" name="Content Placeholder 2"/>
-          <p:cNvSpPr>
-            <a:spLocks noGrp="1"/>
-          </p:cNvSpPr>
-          <p:nvPr>
-            <p:ph idx="1"/>
-          </p:nvPr>
-        </p:nvSpPr>
-        <p:spPr/>
-        <p:txBody>
-          <a:bodyPr>
-            <a:normAutofit/>
-          </a:bodyPr>
-          <a:lstStyle/>
-          <a:p>
-            <a:pPr marL="0" indent="0">
-              <a:buNone/>
-            </a:pPr>
-            <a:r>
-              <a:rPr lang="en-US" i="1" dirty="0" smtClean="0"/>
-              <a:t>External </a:t>
-            </a:r>
-            <a:r>
-              <a:rPr lang="en-US" dirty="0" smtClean="0"/>
-              <a:t>quality is </a:t>
-            </a:r>
-            <a:r>
-              <a:rPr lang="en-US" dirty="0"/>
-              <a:t>how well the system meets the needs of its customers and users (is it </a:t>
-            </a:r>
-            <a:r>
-              <a:rPr lang="en-US" dirty="0" smtClean="0"/>
-              <a:t>functional, reliable, </a:t>
-            </a:r>
-            <a:r>
-              <a:rPr lang="en-US" dirty="0"/>
-              <a:t>available, responsive, etc.), </a:t>
-            </a:r>
-          </a:p>
-          <a:p>
-            <a:pPr marL="0" indent="0">
-              <a:buNone/>
-            </a:pPr>
-            <a:endParaRPr lang="en-US" dirty="0" smtClean="0"/>
-          </a:p>
-          <a:p>
-            <a:pPr marL="0" indent="0">
-              <a:buNone/>
-            </a:pPr>
-            <a:r>
-              <a:rPr lang="en-US" i="1" dirty="0" smtClean="0"/>
-              <a:t>Internal </a:t>
-            </a:r>
-            <a:r>
-              <a:rPr lang="en-US" dirty="0"/>
-              <a:t>quality is how well it meets </a:t>
-            </a:r>
-            <a:r>
-              <a:rPr lang="en-US" dirty="0" smtClean="0"/>
-              <a:t>the needs </a:t>
-            </a:r>
-            <a:r>
-              <a:rPr lang="en-US" dirty="0"/>
-              <a:t>of its developers and administrators (is it easy to understand, easy to change</a:t>
-            </a:r>
-            <a:r>
-              <a:rPr lang="en-US" dirty="0" smtClean="0"/>
-              <a:t>, etc</a:t>
-            </a:r>
-            <a:r>
-              <a:rPr lang="en-US" dirty="0"/>
-              <a:t>.). </a:t>
-            </a:r>
-            <a:endParaRPr lang="en-US" dirty="0" smtClean="0"/>
-          </a:p>
-          <a:p>
-            <a:pPr marL="0" indent="0">
-              <a:buNone/>
-            </a:pPr>
-            <a:endParaRPr lang="en-US" dirty="0"/>
-          </a:p>
-        </p:txBody>
-      </p:sp>
-      <p:sp>
-        <p:nvSpPr>
-          <p:cNvPr id="4" name="Slide Number Placeholder 3"/>
-          <p:cNvSpPr>
-            <a:spLocks noGrp="1"/>
-          </p:cNvSpPr>
-          <p:nvPr>
-            <p:ph type="sldNum" sz="quarter" idx="12"/>
-          </p:nvPr>
-        </p:nvSpPr>
-        <p:spPr/>
-        <p:txBody>
-          <a:bodyPr/>
-          <a:lstStyle/>
-          <a:p>
-            <a:fld id="{2387B7E2-7538-4163-9310-D5E6EE1BC12A}" type="slidenum">
-              <a:rPr lang="en-US" smtClean="0"/>
-              <a:pPr/>
-              <a:t>21</a:t>
-            </a:fld>
-            <a:endParaRPr lang="en-US"/>
-          </a:p>
-        </p:txBody>
-      </p:sp>
-    </p:spTree>
-    <p:extLst>
-      <p:ext uri="{BB962C8B-B14F-4D97-AF65-F5344CB8AC3E}">
-        <p14:creationId xmlns:p14="http://schemas.microsoft.com/office/powerpoint/2010/main" val="2352629706"/>
-      </p:ext>
-    </p:extLst>
-  </p:cSld>
-  <p:clrMapOvr>
-    <a:masterClrMapping/>
-  </p:clrMapOvr>
-  <p:timing>
-    <p:tnLst>
-      <p:par>
-        <p:cTn id="1" dur="indefinite" restart="never" nodeType="tmRoot"/>
-      </p:par>
-    </p:tnLst>
-  </p:timing>
-</p:sld>
-</file>
-
 <file path=ppt/slides/slide22.xml><?xml version="1.0" encoding="utf-8"?>
 <p:sld xmlns:a="http://schemas.openxmlformats.org/drawingml/2006/main" xmlns:r="http://schemas.openxmlformats.org/officeDocument/2006/relationships" xmlns:p="http://schemas.openxmlformats.org/presentationml/2006/main">
   <p:cSld>
@@ -9184,7 +9242,7 @@
           <a:bodyPr/>
           <a:lstStyle/>
           <a:p>
-            <a:endParaRPr lang="en-US"/>
+            <a:endParaRPr lang="en-US" dirty="0"/>
           </a:p>
         </p:txBody>
       </p:sp>
@@ -9209,50 +9267,66 @@
               <a:buNone/>
             </a:pPr>
             <a:r>
+              <a:rPr lang="en-US" i="1" dirty="0" smtClean="0"/>
+              <a:t>External </a:t>
+            </a:r>
+            <a:r>
               <a:rPr lang="en-US" dirty="0" smtClean="0"/>
-              <a:t>Maintaining </a:t>
+              <a:t>quality is </a:t>
             </a:r>
             <a:r>
               <a:rPr lang="en-US" dirty="0"/>
-              <a:t>internal quality </a:t>
+              <a:t>how well the system meets the needs of its customers and users (is it </a:t>
             </a:r>
             <a:r>
               <a:rPr lang="en-US" dirty="0" smtClean="0"/>
-              <a:t>allow </a:t>
+              <a:t>functional, reliable, </a:t>
             </a:r>
             <a:r>
               <a:rPr lang="en-US" dirty="0"/>
-              <a:t>us to modify the system’s behavior safely and predictably, because it minimizes the risk that a change will force major rework.</a:t>
+              <a:t>available, responsive, etc.), </a:t>
             </a:r>
           </a:p>
           <a:p>
             <a:pPr marL="0" indent="0">
               <a:buNone/>
             </a:pPr>
-            <a:endParaRPr lang="en-US" dirty="0"/>
+            <a:endParaRPr lang="en-US" dirty="0" smtClean="0"/>
           </a:p>
           <a:p>
             <a:pPr marL="0" indent="0">
               <a:buNone/>
             </a:pPr>
             <a:r>
-              <a:rPr lang="en-US" i="1" dirty="0"/>
-              <a:t>Writing </a:t>
+              <a:rPr lang="en-US" i="1" dirty="0" smtClean="0"/>
+              <a:t>Internal </a:t>
             </a:r>
             <a:r>
               <a:rPr lang="en-US" dirty="0"/>
-              <a:t>unit tests gives us a lot of feedback about the quality of our code, and </a:t>
-            </a:r>
-            <a:r>
-              <a:rPr lang="en-US" i="1" dirty="0"/>
-              <a:t>running </a:t>
+              <a:t>quality is how well it meets </a:t>
+            </a:r>
+            <a:r>
+              <a:rPr lang="en-US" dirty="0" smtClean="0"/>
+              <a:t>the needs </a:t>
             </a:r>
             <a:r>
               <a:rPr lang="en-US" dirty="0"/>
-              <a:t>them tells us that we haven’t broken any classes</a:t>
-            </a:r>
-          </a:p>
-          <a:p>
+              <a:t>of its developers and administrators (is it easy to understand, easy to change</a:t>
+            </a:r>
+            <a:r>
+              <a:rPr lang="en-US" dirty="0" smtClean="0"/>
+              <a:t>, etc</a:t>
+            </a:r>
+            <a:r>
+              <a:rPr lang="en-US" dirty="0"/>
+              <a:t>.). </a:t>
+            </a:r>
+            <a:endParaRPr lang="en-US" dirty="0" smtClean="0"/>
+          </a:p>
+          <a:p>
+            <a:pPr marL="0" indent="0">
+              <a:buNone/>
+            </a:pPr>
             <a:endParaRPr lang="en-US" dirty="0"/>
           </a:p>
         </p:txBody>
@@ -9284,7 +9358,7 @@
     </p:spTree>
     <p:extLst>
       <p:ext uri="{BB962C8B-B14F-4D97-AF65-F5344CB8AC3E}">
-        <p14:creationId xmlns:p14="http://schemas.microsoft.com/office/powerpoint/2010/main" val="2860146260"/>
+        <p14:creationId xmlns:p14="http://schemas.microsoft.com/office/powerpoint/2010/main" val="2352629706"/>
       </p:ext>
     </p:extLst>
   </p:cSld>
@@ -9333,40 +9407,82 @@
           <a:bodyPr/>
           <a:lstStyle/>
           <a:p>
+            <a:endParaRPr lang="en-US"/>
+          </a:p>
+        </p:txBody>
+      </p:sp>
+      <p:sp>
+        <p:nvSpPr>
+          <p:cNvPr id="3" name="Content Placeholder 2"/>
+          <p:cNvSpPr>
+            <a:spLocks noGrp="1"/>
+          </p:cNvSpPr>
+          <p:nvPr>
+            <p:ph idx="1"/>
+          </p:nvPr>
+        </p:nvSpPr>
+        <p:spPr/>
+        <p:txBody>
+          <a:bodyPr>
+            <a:normAutofit/>
+          </a:bodyPr>
+          <a:lstStyle/>
+          <a:p>
+            <a:pPr marL="0" indent="0">
+              <a:buNone/>
+            </a:pPr>
             <a:r>
               <a:rPr lang="en-US" dirty="0" smtClean="0"/>
-              <a:t>Documentation</a:t>
-            </a:r>
-            <a:endParaRPr lang="en-GB" dirty="0"/>
-          </a:p>
-        </p:txBody>
-      </p:sp>
-      <p:pic>
-        <p:nvPicPr>
-          <p:cNvPr id="4" name="Content Placeholder 3" descr="doc.jpg"/>
-          <p:cNvPicPr>
-            <a:picLocks noGrp="1" noChangeAspect="1"/>
-          </p:cNvPicPr>
-          <p:nvPr>
-            <p:ph idx="1"/>
-          </p:nvPr>
-        </p:nvPicPr>
-        <p:blipFill>
-          <a:blip r:embed="rId2" cstate="print"/>
-          <a:stretch>
-            <a:fillRect/>
-          </a:stretch>
-        </p:blipFill>
-        <p:spPr>
-          <a:xfrm>
-            <a:off x="1981200" y="1371600"/>
-            <a:ext cx="5943600" cy="5257800"/>
-          </a:xfrm>
-        </p:spPr>
-      </p:pic>
-      <p:sp>
-        <p:nvSpPr>
-          <p:cNvPr id="5" name="Slide Number Placeholder 4"/>
+              <a:t>Maintaining </a:t>
+            </a:r>
+            <a:r>
+              <a:rPr lang="en-US" dirty="0"/>
+              <a:t>internal quality </a:t>
+            </a:r>
+            <a:r>
+              <a:rPr lang="en-US" dirty="0" smtClean="0"/>
+              <a:t>allow </a:t>
+            </a:r>
+            <a:r>
+              <a:rPr lang="en-US" dirty="0"/>
+              <a:t>us to modify the system’s behavior safely and predictably, because it minimizes the risk that a change will force major rework.</a:t>
+            </a:r>
+          </a:p>
+          <a:p>
+            <a:pPr marL="0" indent="0">
+              <a:buNone/>
+            </a:pPr>
+            <a:endParaRPr lang="en-US" dirty="0"/>
+          </a:p>
+          <a:p>
+            <a:pPr marL="0" indent="0">
+              <a:buNone/>
+            </a:pPr>
+            <a:r>
+              <a:rPr lang="en-US" i="1" dirty="0"/>
+              <a:t>Writing </a:t>
+            </a:r>
+            <a:r>
+              <a:rPr lang="en-US" dirty="0"/>
+              <a:t>unit tests gives us a lot of feedback about the quality of our code, and </a:t>
+            </a:r>
+            <a:r>
+              <a:rPr lang="en-US" i="1" dirty="0"/>
+              <a:t>running </a:t>
+            </a:r>
+            <a:r>
+              <a:rPr lang="en-US" dirty="0"/>
+              <a:t>them tells us that we haven’t broken any classes</a:t>
+            </a:r>
+          </a:p>
+          <a:p>
+            <a:endParaRPr lang="en-US" dirty="0"/>
+          </a:p>
+        </p:txBody>
+      </p:sp>
+      <p:sp>
+        <p:nvSpPr>
+          <p:cNvPr id="4" name="Slide Number Placeholder 3"/>
           <p:cNvSpPr>
             <a:spLocks noGrp="1"/>
           </p:cNvSpPr>
@@ -9389,6 +9505,11 @@
         </p:txBody>
       </p:sp>
     </p:spTree>
+    <p:extLst>
+      <p:ext uri="{BB962C8B-B14F-4D97-AF65-F5344CB8AC3E}">
+        <p14:creationId xmlns:p14="http://schemas.microsoft.com/office/powerpoint/2010/main" val="2860146260"/>
+      </p:ext>
+    </p:extLst>
   </p:cSld>
   <p:clrMapOvr>
     <a:masterClrMapping/>
@@ -9422,53 +9543,53 @@
       </p:grpSpPr>
       <p:sp>
         <p:nvSpPr>
-          <p:cNvPr id="3" name="Content Placeholder 2"/>
-          <p:cNvSpPr>
-            <a:spLocks noGrp="1"/>
-          </p:cNvSpPr>
+          <p:cNvPr id="2" name="Title 1"/>
+          <p:cNvSpPr>
+            <a:spLocks noGrp="1"/>
+          </p:cNvSpPr>
+          <p:nvPr>
+            <p:ph type="title"/>
+          </p:nvPr>
+        </p:nvSpPr>
+        <p:spPr/>
+        <p:txBody>
+          <a:bodyPr/>
+          <a:lstStyle/>
+          <a:p>
+            <a:r>
+              <a:rPr lang="en-US" dirty="0" smtClean="0"/>
+              <a:t>Documentation</a:t>
+            </a:r>
+            <a:endParaRPr lang="en-GB" dirty="0"/>
+          </a:p>
+        </p:txBody>
+      </p:sp>
+      <p:pic>
+        <p:nvPicPr>
+          <p:cNvPr id="4" name="Content Placeholder 3" descr="doc.jpg"/>
+          <p:cNvPicPr>
+            <a:picLocks noGrp="1" noChangeAspect="1"/>
+          </p:cNvPicPr>
           <p:nvPr>
             <p:ph idx="1"/>
           </p:nvPr>
-        </p:nvSpPr>
-        <p:spPr/>
-        <p:txBody>
-          <a:bodyPr/>
-          <a:lstStyle/>
-          <a:p>
-            <a:pPr>
-              <a:buNone/>
-            </a:pPr>
-            <a:r>
-              <a:rPr lang="en-US" i="1" dirty="0" smtClean="0"/>
-              <a:t>   Create a suite of documents that fully describe the low level behavior of the system .</a:t>
-            </a:r>
-          </a:p>
-          <a:p>
-            <a:pPr>
-              <a:buNone/>
-            </a:pPr>
-            <a:r>
-              <a:rPr lang="en-US" i="1" dirty="0" smtClean="0"/>
-              <a:t>   </a:t>
-            </a:r>
-          </a:p>
-          <a:p>
-            <a:pPr>
-              <a:buNone/>
-            </a:pPr>
-            <a:r>
-              <a:rPr lang="en-US" i="1" dirty="0" smtClean="0"/>
-              <a:t>    Low level documentation that  executes</a:t>
-            </a:r>
-          </a:p>
-          <a:p>
-            <a:endParaRPr lang="en-GB" dirty="0"/>
-          </a:p>
-        </p:txBody>
-      </p:sp>
-      <p:sp>
-        <p:nvSpPr>
-          <p:cNvPr id="4" name="Slide Number Placeholder 3"/>
+        </p:nvPicPr>
+        <p:blipFill>
+          <a:blip r:embed="rId2" cstate="print"/>
+          <a:stretch>
+            <a:fillRect/>
+          </a:stretch>
+        </p:blipFill>
+        <p:spPr>
+          <a:xfrm>
+            <a:off x="1981200" y="1371600"/>
+            <a:ext cx="5943600" cy="5257800"/>
+          </a:xfrm>
+        </p:spPr>
+      </p:pic>
+      <p:sp>
+        <p:nvSpPr>
+          <p:cNvPr id="5" name="Slide Number Placeholder 4"/>
           <p:cNvSpPr>
             <a:spLocks noGrp="1"/>
           </p:cNvSpPr>
@@ -9524,54 +9645,53 @@
       </p:grpSpPr>
       <p:sp>
         <p:nvSpPr>
-          <p:cNvPr id="2" name="Title 1"/>
-          <p:cNvSpPr>
-            <a:spLocks noGrp="1"/>
-          </p:cNvSpPr>
-          <p:nvPr>
-            <p:ph type="title"/>
-          </p:nvPr>
-        </p:nvSpPr>
-        <p:spPr/>
-        <p:txBody>
-          <a:bodyPr/>
-          <a:lstStyle/>
-          <a:p>
-            <a:r>
-              <a:rPr lang="en-US" dirty="0" smtClean="0"/>
-              <a:t>Continuous Integration</a:t>
-            </a:r>
-            <a:endParaRPr lang="en-US" dirty="0"/>
-          </a:p>
-        </p:txBody>
-      </p:sp>
-      <p:pic>
-        <p:nvPicPr>
-          <p:cNvPr id="4" name="Picture 3" descr="continuous_integration.jpg"/>
-          <p:cNvPicPr>
-            <a:picLocks noChangeAspect="1"/>
-          </p:cNvPicPr>
-          <p:nvPr/>
-        </p:nvPicPr>
-        <p:blipFill>
-          <a:blip r:embed="rId2"/>
-          <a:stretch>
-            <a:fillRect/>
-          </a:stretch>
-        </p:blipFill>
-        <p:spPr>
-          <a:xfrm>
-            <a:off x="304800" y="1524001"/>
-            <a:ext cx="8458200" cy="4953000"/>
-          </a:xfrm>
-          <a:prstGeom prst="rect">
-            <a:avLst/>
-          </a:prstGeom>
-        </p:spPr>
-      </p:pic>
-      <p:sp>
-        <p:nvSpPr>
-          <p:cNvPr id="5" name="Slide Number Placeholder 4"/>
+          <p:cNvPr id="3" name="Content Placeholder 2"/>
+          <p:cNvSpPr>
+            <a:spLocks noGrp="1"/>
+          </p:cNvSpPr>
+          <p:nvPr>
+            <p:ph idx="1"/>
+          </p:nvPr>
+        </p:nvSpPr>
+        <p:spPr/>
+        <p:txBody>
+          <a:bodyPr/>
+          <a:lstStyle/>
+          <a:p>
+            <a:pPr>
+              <a:buNone/>
+            </a:pPr>
+            <a:r>
+              <a:rPr lang="en-US" i="1" dirty="0" smtClean="0"/>
+              <a:t>   Create a suite of documents that fully describe the low level behavior of the system .</a:t>
+            </a:r>
+          </a:p>
+          <a:p>
+            <a:pPr>
+              <a:buNone/>
+            </a:pPr>
+            <a:r>
+              <a:rPr lang="en-US" i="1" dirty="0" smtClean="0"/>
+              <a:t>   </a:t>
+            </a:r>
+          </a:p>
+          <a:p>
+            <a:pPr>
+              <a:buNone/>
+            </a:pPr>
+            <a:r>
+              <a:rPr lang="en-US" i="1" dirty="0" smtClean="0"/>
+              <a:t>    Low level documentation that  executes</a:t>
+            </a:r>
+          </a:p>
+          <a:p>
+            <a:endParaRPr lang="en-GB" dirty="0"/>
+          </a:p>
+        </p:txBody>
+      </p:sp>
+      <p:sp>
+        <p:nvSpPr>
+          <p:cNvPr id="4" name="Slide Number Placeholder 3"/>
           <p:cNvSpPr>
             <a:spLocks noGrp="1"/>
           </p:cNvSpPr>
@@ -9640,77 +9760,41 @@
           <a:bodyPr/>
           <a:lstStyle/>
           <a:p>
-            <a:endParaRPr lang="en-US"/>
-          </a:p>
-        </p:txBody>
-      </p:sp>
-      <p:sp>
-        <p:nvSpPr>
-          <p:cNvPr id="3" name="Content Placeholder 2"/>
-          <p:cNvSpPr>
-            <a:spLocks noGrp="1"/>
-          </p:cNvSpPr>
-          <p:nvPr>
-            <p:ph idx="1"/>
-          </p:nvPr>
-        </p:nvSpPr>
-        <p:spPr/>
-        <p:txBody>
-          <a:bodyPr>
-            <a:normAutofit fontScale="92500" lnSpcReduction="20000"/>
-          </a:bodyPr>
-          <a:lstStyle/>
-          <a:p>
-            <a:pPr>
-              <a:buNone/>
-            </a:pPr>
-            <a:r>
-              <a:rPr lang="en-US" i="1" dirty="0" smtClean="0"/>
-              <a:t>	Continuous Integration is a software development practice where members of a team integrate their work frequently</a:t>
-            </a:r>
-          </a:p>
-          <a:p>
-            <a:pPr>
-              <a:buNone/>
-            </a:pPr>
-            <a:r>
-              <a:rPr lang="en-US" i="1" dirty="0" smtClean="0"/>
-              <a:t>	</a:t>
-            </a:r>
-          </a:p>
-          <a:p>
-            <a:pPr>
-              <a:buNone/>
-            </a:pPr>
-            <a:r>
-              <a:rPr lang="en-US" i="1" dirty="0" smtClean="0"/>
-              <a:t>	each person integrates at least daily - leading to multiple integrations per day. </a:t>
-            </a:r>
-          </a:p>
-          <a:p>
-            <a:pPr>
-              <a:buNone/>
-            </a:pPr>
-            <a:r>
-              <a:rPr lang="en-US" i="1" dirty="0" smtClean="0"/>
-              <a:t>	</a:t>
-            </a:r>
-          </a:p>
-          <a:p>
-            <a:pPr>
-              <a:buNone/>
-            </a:pPr>
-            <a:r>
-              <a:rPr lang="en-US" i="1" dirty="0" smtClean="0"/>
-              <a:t>	Each integration is verified by an automated build (including test) to detect integration errors as quickly as possible. 	</a:t>
+            <a:r>
+              <a:rPr lang="en-US" dirty="0" smtClean="0"/>
+              <a:t>Continuous Integration</a:t>
             </a:r>
             <a:endParaRPr lang="en-US" dirty="0"/>
           </a:p>
         </p:txBody>
       </p:sp>
-      <p:sp>
-        <p:nvSpPr>
-          <p:cNvPr id="4" name="Slide Number Placeholder 3"/>
+      <p:pic>
+        <p:nvPicPr>
+          <p:cNvPr id="4" name="Picture 3" descr="continuous_integration.jpg"/>
+          <p:cNvPicPr>
+            <a:picLocks noChangeAspect="1"/>
+          </p:cNvPicPr>
+          <p:nvPr/>
+        </p:nvPicPr>
+        <p:blipFill>
+          <a:blip r:embed="rId2"/>
+          <a:stretch>
+            <a:fillRect/>
+          </a:stretch>
+        </p:blipFill>
+        <p:spPr>
+          <a:xfrm>
+            <a:off x="304800" y="1524001"/>
+            <a:ext cx="8458200" cy="4953000"/>
+          </a:xfrm>
+          <a:prstGeom prst="rect">
+            <a:avLst/>
+          </a:prstGeom>
+        </p:spPr>
+      </p:pic>
+      <p:sp>
+        <p:nvSpPr>
+          <p:cNvPr id="5" name="Slide Number Placeholder 4"/>
           <p:cNvSpPr>
             <a:spLocks noGrp="1"/>
           </p:cNvSpPr>
@@ -9774,50 +9858,82 @@
             <p:ph type="title"/>
           </p:nvPr>
         </p:nvSpPr>
-        <p:spPr>
-          <a:xfrm>
-            <a:off x="304800" y="0"/>
-            <a:ext cx="8229600" cy="914400"/>
-          </a:xfrm>
-        </p:spPr>
-        <p:txBody>
-          <a:bodyPr/>
-          <a:lstStyle/>
-          <a:p>
-            <a:r>
-              <a:rPr lang="en-US" dirty="0" smtClean="0"/>
-              <a:t>Continuous Delivery</a:t>
-            </a:r>
-            <a:endParaRPr lang="en-GB" dirty="0"/>
-          </a:p>
-        </p:txBody>
-      </p:sp>
-      <p:pic>
-        <p:nvPicPr>
-          <p:cNvPr id="4" name="Content Placeholder 3" descr="continousdel1.jpg"/>
-          <p:cNvPicPr>
-            <a:picLocks noGrp="1" noChangeAspect="1"/>
-          </p:cNvPicPr>
+        <p:spPr/>
+        <p:txBody>
+          <a:bodyPr/>
+          <a:lstStyle/>
+          <a:p>
+            <a:endParaRPr lang="en-US"/>
+          </a:p>
+        </p:txBody>
+      </p:sp>
+      <p:sp>
+        <p:nvSpPr>
+          <p:cNvPr id="3" name="Content Placeholder 2"/>
+          <p:cNvSpPr>
+            <a:spLocks noGrp="1"/>
+          </p:cNvSpPr>
           <p:nvPr>
             <p:ph idx="1"/>
           </p:nvPr>
-        </p:nvPicPr>
-        <p:blipFill>
-          <a:blip r:embed="rId2" cstate="print"/>
-          <a:stretch>
-            <a:fillRect/>
-          </a:stretch>
-        </p:blipFill>
-        <p:spPr>
-          <a:xfrm>
-            <a:off x="0" y="1158240"/>
-            <a:ext cx="9144000" cy="5715000"/>
-          </a:xfrm>
-        </p:spPr>
-      </p:pic>
-      <p:sp>
-        <p:nvSpPr>
-          <p:cNvPr id="5" name="Slide Number Placeholder 4"/>
+        </p:nvSpPr>
+        <p:spPr/>
+        <p:txBody>
+          <a:bodyPr>
+            <a:normAutofit fontScale="92500" lnSpcReduction="20000"/>
+          </a:bodyPr>
+          <a:lstStyle/>
+          <a:p>
+            <a:pPr>
+              <a:buNone/>
+            </a:pPr>
+            <a:r>
+              <a:rPr lang="en-US" i="1" dirty="0" smtClean="0"/>
+              <a:t>	Continuous Integration is a software development practice where members of a team integrate their work frequently</a:t>
+            </a:r>
+          </a:p>
+          <a:p>
+            <a:pPr>
+              <a:buNone/>
+            </a:pPr>
+            <a:r>
+              <a:rPr lang="en-US" i="1" dirty="0" smtClean="0"/>
+              <a:t>	</a:t>
+            </a:r>
+          </a:p>
+          <a:p>
+            <a:pPr>
+              <a:buNone/>
+            </a:pPr>
+            <a:r>
+              <a:rPr lang="en-US" i="1" dirty="0" smtClean="0"/>
+              <a:t>	each person integrates at least daily - leading to multiple integrations per day. </a:t>
+            </a:r>
+          </a:p>
+          <a:p>
+            <a:pPr>
+              <a:buNone/>
+            </a:pPr>
+            <a:r>
+              <a:rPr lang="en-US" i="1" dirty="0" smtClean="0"/>
+              <a:t>	</a:t>
+            </a:r>
+          </a:p>
+          <a:p>
+            <a:pPr>
+              <a:buNone/>
+            </a:pPr>
+            <a:r>
+              <a:rPr lang="en-US" i="1" dirty="0" smtClean="0"/>
+              <a:t>	Each integration is verified by an automated build (including test) to detect integration errors as quickly as possible. 	</a:t>
+            </a:r>
+            <a:endParaRPr lang="en-US" dirty="0"/>
+          </a:p>
+        </p:txBody>
+      </p:sp>
+      <p:sp>
+        <p:nvSpPr>
+          <p:cNvPr id="4" name="Slide Number Placeholder 3"/>
           <p:cNvSpPr>
             <a:spLocks noGrp="1"/>
           </p:cNvSpPr>
@@ -9881,136 +9997,50 @@
             <p:ph type="title"/>
           </p:nvPr>
         </p:nvSpPr>
-        <p:spPr/>
+        <p:spPr>
+          <a:xfrm>
+            <a:off x="304800" y="0"/>
+            <a:ext cx="8229600" cy="914400"/>
+          </a:xfrm>
+        </p:spPr>
         <p:txBody>
           <a:bodyPr/>
           <a:lstStyle/>
           <a:p>
             <a:r>
               <a:rPr lang="en-US" dirty="0" smtClean="0"/>
-              <a:t>What is continuous delivery ? </a:t>
+              <a:t>Continuous Delivery</a:t>
             </a:r>
             <a:endParaRPr lang="en-GB" dirty="0"/>
           </a:p>
         </p:txBody>
       </p:sp>
-      <p:sp>
-        <p:nvSpPr>
-          <p:cNvPr id="3" name="Content Placeholder 2"/>
-          <p:cNvSpPr>
-            <a:spLocks noGrp="1"/>
-          </p:cNvSpPr>
+      <p:pic>
+        <p:nvPicPr>
+          <p:cNvPr id="4" name="Content Placeholder 3" descr="continousdel1.jpg"/>
+          <p:cNvPicPr>
+            <a:picLocks noGrp="1" noChangeAspect="1"/>
+          </p:cNvPicPr>
           <p:nvPr>
             <p:ph idx="1"/>
           </p:nvPr>
-        </p:nvSpPr>
-        <p:spPr/>
-        <p:txBody>
-          <a:bodyPr/>
-          <a:lstStyle/>
-          <a:p>
-            <a:endParaRPr lang="en-US" dirty="0" smtClean="0"/>
-          </a:p>
-          <a:p>
-            <a:pPr>
-              <a:buNone/>
-            </a:pPr>
-            <a:r>
-              <a:rPr lang="en-US" dirty="0" smtClean="0"/>
-              <a:t>   </a:t>
-            </a:r>
-          </a:p>
-          <a:p>
-            <a:pPr>
-              <a:buNone/>
-            </a:pPr>
-            <a:r>
-              <a:rPr lang="en-US" dirty="0" smtClean="0"/>
-              <a:t>   </a:t>
-            </a:r>
-            <a:r>
-              <a:rPr lang="en-US" b="1" dirty="0" smtClean="0"/>
-              <a:t>reduce</a:t>
-            </a:r>
-            <a:r>
-              <a:rPr lang="en-US" dirty="0" smtClean="0"/>
-              <a:t> the </a:t>
-            </a:r>
-            <a:r>
-              <a:rPr lang="en-US" b="1" dirty="0" smtClean="0"/>
-              <a:t>cost</a:t>
-            </a:r>
-            <a:r>
-              <a:rPr lang="en-US" dirty="0" smtClean="0"/>
-              <a:t> , </a:t>
-            </a:r>
-            <a:r>
-              <a:rPr lang="en-US" b="1" dirty="0" smtClean="0"/>
-              <a:t>time</a:t>
-            </a:r>
-            <a:r>
-              <a:rPr lang="en-US" dirty="0" smtClean="0"/>
-              <a:t> , </a:t>
-            </a:r>
-            <a:r>
-              <a:rPr lang="en-US" b="1" dirty="0" smtClean="0"/>
-              <a:t>and risk </a:t>
-            </a:r>
-            <a:r>
-              <a:rPr lang="en-US" dirty="0" smtClean="0"/>
-              <a:t>of </a:t>
-            </a:r>
-          </a:p>
-          <a:p>
-            <a:pPr>
-              <a:buNone/>
-            </a:pPr>
-            <a:r>
-              <a:rPr lang="en-US" dirty="0" smtClean="0"/>
-              <a:t>   delivering </a:t>
-            </a:r>
-            <a:r>
-              <a:rPr lang="en-US" b="1" dirty="0" smtClean="0"/>
-              <a:t>incremental changes </a:t>
-            </a:r>
-          </a:p>
-          <a:p>
-            <a:pPr>
-              <a:buNone/>
-            </a:pPr>
-            <a:r>
-              <a:rPr lang="en-US" b="1" dirty="0" smtClean="0"/>
-              <a:t>   </a:t>
-            </a:r>
-            <a:r>
-              <a:rPr lang="en-US" dirty="0" smtClean="0"/>
-              <a:t>to users</a:t>
-            </a:r>
-          </a:p>
-          <a:p>
-            <a:pPr>
-              <a:buNone/>
-            </a:pPr>
-            <a:r>
-              <a:rPr lang="en-US" dirty="0" smtClean="0"/>
-              <a:t>	</a:t>
-            </a:r>
-          </a:p>
-          <a:p>
-            <a:pPr>
-              <a:buNone/>
-            </a:pPr>
-            <a:r>
-              <a:rPr lang="en-US" dirty="0" smtClean="0"/>
-              <a:t>	every requirement is a hypothesis</a:t>
-            </a:r>
-            <a:endParaRPr lang="en-GB" dirty="0"/>
-          </a:p>
-        </p:txBody>
-      </p:sp>
-      <p:sp>
-        <p:nvSpPr>
-          <p:cNvPr id="4" name="Slide Number Placeholder 3"/>
+        </p:nvPicPr>
+        <p:blipFill>
+          <a:blip r:embed="rId2" cstate="print"/>
+          <a:stretch>
+            <a:fillRect/>
+          </a:stretch>
+        </p:blipFill>
+        <p:spPr>
+          <a:xfrm>
+            <a:off x="0" y="1158240"/>
+            <a:ext cx="9144000" cy="5715000"/>
+          </a:xfrm>
+        </p:spPr>
+      </p:pic>
+      <p:sp>
+        <p:nvSpPr>
+          <p:cNvPr id="5" name="Slide Number Placeholder 4"/>
           <p:cNvSpPr>
             <a:spLocks noGrp="1"/>
           </p:cNvSpPr>
@@ -10079,7 +10109,11 @@
           <a:bodyPr/>
           <a:lstStyle/>
           <a:p>
-            <a:endParaRPr lang="en-US"/>
+            <a:r>
+              <a:rPr lang="en-US" dirty="0" smtClean="0"/>
+              <a:t>What is continuous delivery ? </a:t>
+            </a:r>
+            <a:endParaRPr lang="en-GB" dirty="0"/>
           </a:p>
         </p:txBody>
       </p:sp>
@@ -10098,34 +10132,102 @@
           <a:bodyPr/>
           <a:lstStyle/>
           <a:p>
+            <a:endParaRPr lang="en-US" dirty="0" smtClean="0"/>
+          </a:p>
+          <a:p>
+            <a:pPr>
+              <a:buNone/>
+            </a:pPr>
             <a:r>
               <a:rPr lang="en-US" dirty="0" smtClean="0"/>
-              <a:t>Software always production ready</a:t>
-            </a:r>
-          </a:p>
-          <a:p>
-            <a:pPr lvl="1"/>
+              <a:t>   </a:t>
+            </a:r>
+          </a:p>
+          <a:p>
+            <a:pPr>
+              <a:buNone/>
+            </a:pPr>
             <a:r>
               <a:rPr lang="en-US" dirty="0" smtClean="0"/>
-              <a:t> release tied to business needs , not IT constraints</a:t>
-            </a:r>
-          </a:p>
-          <a:p>
-            <a:endParaRPr lang="en-US" dirty="0" smtClean="0"/>
-          </a:p>
-          <a:p>
+              <a:t>   </a:t>
+            </a:r>
+            <a:r>
+              <a:rPr lang="en-US" b="1" dirty="0" smtClean="0"/>
+              <a:t>reduce</a:t>
+            </a:r>
             <a:r>
               <a:rPr lang="en-US" dirty="0" smtClean="0"/>
-              <a:t>Minimize the lead time from idea to live</a:t>
-            </a:r>
-          </a:p>
-          <a:p>
-            <a:pPr lvl="1"/>
+              <a:t> the </a:t>
+            </a:r>
+            <a:r>
+              <a:rPr lang="en-US" b="1" dirty="0" smtClean="0"/>
+              <a:t>cost</a:t>
+            </a:r>
             <a:r>
               <a:rPr lang="en-US" dirty="0" smtClean="0"/>
-              <a:t>Concept to cash</a:t>
-            </a:r>
-            <a:endParaRPr lang="en-US" dirty="0"/>
+              <a:t> , </a:t>
+            </a:r>
+            <a:r>
+              <a:rPr lang="en-US" b="1" dirty="0" smtClean="0"/>
+              <a:t>time</a:t>
+            </a:r>
+            <a:r>
+              <a:rPr lang="en-US" dirty="0" smtClean="0"/>
+              <a:t> , </a:t>
+            </a:r>
+            <a:r>
+              <a:rPr lang="en-US" b="1" dirty="0" smtClean="0"/>
+              <a:t>and risk </a:t>
+            </a:r>
+            <a:r>
+              <a:rPr lang="en-US" dirty="0" smtClean="0"/>
+              <a:t>of </a:t>
+            </a:r>
+          </a:p>
+          <a:p>
+            <a:pPr>
+              <a:buNone/>
+            </a:pPr>
+            <a:r>
+              <a:rPr lang="en-US" dirty="0" smtClean="0"/>
+              <a:t>   delivering </a:t>
+            </a:r>
+            <a:r>
+              <a:rPr lang="en-US" b="1" dirty="0" smtClean="0"/>
+              <a:t>incremental changes </a:t>
+            </a:r>
+          </a:p>
+          <a:p>
+            <a:pPr>
+              <a:buNone/>
+            </a:pPr>
+            <a:r>
+              <a:rPr lang="en-US" b="1" dirty="0" smtClean="0"/>
+              <a:t>   </a:t>
+            </a:r>
+            <a:r>
+              <a:rPr lang="en-US" dirty="0" smtClean="0"/>
+              <a:t>to users</a:t>
+            </a:r>
+          </a:p>
+          <a:p>
+            <a:pPr>
+              <a:buNone/>
+            </a:pPr>
+            <a:r>
+              <a:rPr lang="en-US" dirty="0" smtClean="0"/>
+              <a:t>	</a:t>
+            </a:r>
+          </a:p>
+          <a:p>
+            <a:pPr>
+              <a:buNone/>
+            </a:pPr>
+            <a:r>
+              <a:rPr lang="en-US" dirty="0" smtClean="0"/>
+              <a:t>	every requirement is a hypothesis</a:t>
+            </a:r>
+            <a:endParaRPr lang="en-GB" dirty="0"/>
           </a:p>
         </p:txBody>
       </p:sp>
@@ -10336,6 +10438,127 @@
           <a:bodyPr/>
           <a:lstStyle/>
           <a:p>
+            <a:endParaRPr lang="en-US"/>
+          </a:p>
+        </p:txBody>
+      </p:sp>
+      <p:sp>
+        <p:nvSpPr>
+          <p:cNvPr id="3" name="Content Placeholder 2"/>
+          <p:cNvSpPr>
+            <a:spLocks noGrp="1"/>
+          </p:cNvSpPr>
+          <p:nvPr>
+            <p:ph idx="1"/>
+          </p:nvPr>
+        </p:nvSpPr>
+        <p:spPr/>
+        <p:txBody>
+          <a:bodyPr/>
+          <a:lstStyle/>
+          <a:p>
+            <a:r>
+              <a:rPr lang="en-US" dirty="0" smtClean="0"/>
+              <a:t>Software always production ready</a:t>
+            </a:r>
+          </a:p>
+          <a:p>
+            <a:pPr lvl="1"/>
+            <a:r>
+              <a:rPr lang="en-US" dirty="0" smtClean="0"/>
+              <a:t> release tied to business needs , not IT constraints</a:t>
+            </a:r>
+          </a:p>
+          <a:p>
+            <a:endParaRPr lang="en-US" dirty="0" smtClean="0"/>
+          </a:p>
+          <a:p>
+            <a:r>
+              <a:rPr lang="en-US" dirty="0" smtClean="0"/>
+              <a:t>Minimize the lead time from idea to live</a:t>
+            </a:r>
+          </a:p>
+          <a:p>
+            <a:pPr lvl="1"/>
+            <a:r>
+              <a:rPr lang="en-US" dirty="0" smtClean="0"/>
+              <a:t>Concept to cash</a:t>
+            </a:r>
+            <a:endParaRPr lang="en-US" dirty="0"/>
+          </a:p>
+        </p:txBody>
+      </p:sp>
+      <p:sp>
+        <p:nvSpPr>
+          <p:cNvPr id="4" name="Slide Number Placeholder 3"/>
+          <p:cNvSpPr>
+            <a:spLocks noGrp="1"/>
+          </p:cNvSpPr>
+          <p:nvPr>
+            <p:ph type="sldNum" sz="quarter" idx="12"/>
+          </p:nvPr>
+        </p:nvSpPr>
+        <p:spPr/>
+        <p:txBody>
+          <a:bodyPr/>
+          <a:lstStyle/>
+          <a:p>
+            <a:fld id="{2387B7E2-7538-4163-9310-D5E6EE1BC12A}" type="slidenum">
+              <a:rPr lang="en-US" smtClean="0"/>
+              <a:pPr/>
+              <a:t>30</a:t>
+            </a:fld>
+            <a:endParaRPr lang="en-US"/>
+          </a:p>
+        </p:txBody>
+      </p:sp>
+    </p:spTree>
+  </p:cSld>
+  <p:clrMapOvr>
+    <a:masterClrMapping/>
+  </p:clrMapOvr>
+  <p:timing>
+    <p:tnLst>
+      <p:par>
+        <p:cTn id="1" dur="indefinite" restart="never" nodeType="tmRoot"/>
+      </p:par>
+    </p:tnLst>
+  </p:timing>
+</p:sld>
+</file>
+
+<file path=ppt/slides/slide31.xml><?xml version="1.0" encoding="utf-8"?>
+<p:sld xmlns:a="http://schemas.openxmlformats.org/drawingml/2006/main" xmlns:r="http://schemas.openxmlformats.org/officeDocument/2006/relationships" xmlns:p="http://schemas.openxmlformats.org/presentationml/2006/main">
+  <p:cSld>
+    <p:spTree>
+      <p:nvGrpSpPr>
+        <p:cNvPr id="1" name=""/>
+        <p:cNvGrpSpPr/>
+        <p:nvPr/>
+      </p:nvGrpSpPr>
+      <p:grpSpPr>
+        <a:xfrm>
+          <a:off x="0" y="0"/>
+          <a:ext cx="0" cy="0"/>
+          <a:chOff x="0" y="0"/>
+          <a:chExt cx="0" cy="0"/>
+        </a:xfrm>
+      </p:grpSpPr>
+      <p:sp>
+        <p:nvSpPr>
+          <p:cNvPr id="2" name="Title 1"/>
+          <p:cNvSpPr>
+            <a:spLocks noGrp="1"/>
+          </p:cNvSpPr>
+          <p:nvPr>
+            <p:ph type="title"/>
+          </p:nvPr>
+        </p:nvSpPr>
+        <p:spPr/>
+        <p:txBody>
+          <a:bodyPr/>
+          <a:lstStyle/>
+          <a:p>
             <a:endParaRPr lang="en-GB"/>
           </a:p>
         </p:txBody>
@@ -10384,7 +10607,7 @@
             <a:fld id="{2387B7E2-7538-4163-9310-D5E6EE1BC12A}" type="slidenum">
               <a:rPr lang="en-US" smtClean="0"/>
               <a:pPr/>
-              <a:t>30</a:t>
+              <a:t>31</a:t>
             </a:fld>
             <a:endParaRPr lang="en-US"/>
           </a:p>
@@ -10405,7 +10628,7 @@
 </p:sld>
 </file>
 
-<file path=ppt/slides/slide31.xml><?xml version="1.0" encoding="utf-8"?>
+<file path=ppt/slides/slide32.xml><?xml version="1.0" encoding="utf-8"?>
 <p:sld xmlns:a="http://schemas.openxmlformats.org/drawingml/2006/main" xmlns:r="http://schemas.openxmlformats.org/officeDocument/2006/relationships" xmlns:p="http://schemas.openxmlformats.org/presentationml/2006/main">
   <p:cSld>
     <p:spTree>
@@ -10647,121 +10870,6 @@
             <a:fld id="{2387B7E2-7538-4163-9310-D5E6EE1BC12A}" type="slidenum">
               <a:rPr lang="en-US" smtClean="0"/>
               <a:pPr/>
-              <a:t>31</a:t>
-            </a:fld>
-            <a:endParaRPr lang="en-US"/>
-          </a:p>
-        </p:txBody>
-      </p:sp>
-    </p:spTree>
-  </p:cSld>
-  <p:clrMapOvr>
-    <a:masterClrMapping/>
-  </p:clrMapOvr>
-  <p:timing>
-    <p:tnLst>
-      <p:par>
-        <p:cTn id="1" dur="indefinite" restart="never" nodeType="tmRoot"/>
-      </p:par>
-    </p:tnLst>
-  </p:timing>
-</p:sld>
-</file>
-
-<file path=ppt/slides/slide32.xml><?xml version="1.0" encoding="utf-8"?>
-<p:sld xmlns:a="http://schemas.openxmlformats.org/drawingml/2006/main" xmlns:r="http://schemas.openxmlformats.org/officeDocument/2006/relationships" xmlns:p="http://schemas.openxmlformats.org/presentationml/2006/main">
-  <p:cSld>
-    <p:spTree>
-      <p:nvGrpSpPr>
-        <p:cNvPr id="1" name=""/>
-        <p:cNvGrpSpPr/>
-        <p:nvPr/>
-      </p:nvGrpSpPr>
-      <p:grpSpPr>
-        <a:xfrm>
-          <a:off x="0" y="0"/>
-          <a:ext cx="0" cy="0"/>
-          <a:chOff x="0" y="0"/>
-          <a:chExt cx="0" cy="0"/>
-        </a:xfrm>
-      </p:grpSpPr>
-      <p:sp>
-        <p:nvSpPr>
-          <p:cNvPr id="2" name="Title 1"/>
-          <p:cNvSpPr>
-            <a:spLocks noGrp="1"/>
-          </p:cNvSpPr>
-          <p:nvPr>
-            <p:ph type="title"/>
-          </p:nvPr>
-        </p:nvSpPr>
-        <p:spPr/>
-        <p:txBody>
-          <a:bodyPr/>
-          <a:lstStyle/>
-          <a:p>
-            <a:endParaRPr lang="en-US"/>
-          </a:p>
-        </p:txBody>
-      </p:sp>
-      <p:sp>
-        <p:nvSpPr>
-          <p:cNvPr id="3" name="Content Placeholder 2"/>
-          <p:cNvSpPr>
-            <a:spLocks noGrp="1"/>
-          </p:cNvSpPr>
-          <p:nvPr>
-            <p:ph idx="1"/>
-          </p:nvPr>
-        </p:nvSpPr>
-        <p:spPr/>
-        <p:txBody>
-          <a:bodyPr/>
-          <a:lstStyle/>
-          <a:p>
-            <a:pPr lvl="2">
-              <a:buNone/>
-            </a:pPr>
-            <a:endParaRPr lang="en-US" sz="4000" dirty="0" smtClean="0"/>
-          </a:p>
-          <a:p>
-            <a:pPr lvl="2">
-              <a:buNone/>
-            </a:pPr>
-            <a:endParaRPr lang="en-US" sz="4000" dirty="0" smtClean="0"/>
-          </a:p>
-          <a:p>
-            <a:pPr marL="0" lvl="2">
-              <a:buNone/>
-            </a:pPr>
-            <a:r>
-              <a:rPr lang="en-US" sz="4000" dirty="0" smtClean="0"/>
-              <a:t>      Test Driven Development Principle</a:t>
-            </a:r>
-          </a:p>
-          <a:p>
-            <a:endParaRPr lang="en-US" dirty="0"/>
-          </a:p>
-        </p:txBody>
-      </p:sp>
-      <p:sp>
-        <p:nvSpPr>
-          <p:cNvPr id="4" name="Slide Number Placeholder 3"/>
-          <p:cNvSpPr>
-            <a:spLocks noGrp="1"/>
-          </p:cNvSpPr>
-          <p:nvPr>
-            <p:ph type="sldNum" sz="quarter" idx="12"/>
-          </p:nvPr>
-        </p:nvSpPr>
-        <p:spPr/>
-        <p:txBody>
-          <a:bodyPr/>
-          <a:lstStyle/>
-          <a:p>
-            <a:fld id="{2387B7E2-7538-4163-9310-D5E6EE1BC12A}" type="slidenum">
-              <a:rPr lang="en-US" smtClean="0"/>
-              <a:pPr/>
               <a:t>32</a:t>
             </a:fld>
             <a:endParaRPr lang="en-US"/>
@@ -10812,26 +10920,10 @@
         </p:nvSpPr>
         <p:spPr/>
         <p:txBody>
-          <a:bodyPr>
-            <a:normAutofit fontScale="90000"/>
-          </a:bodyPr>
-          <a:lstStyle/>
-          <a:p>
-            <a:r>
-              <a:rPr lang="en-US" dirty="0" smtClean="0"/>
-              <a:t/>
-            </a:r>
-            <a:br>
-              <a:rPr lang="en-US" dirty="0" smtClean="0"/>
-            </a:br>
-            <a:r>
-              <a:rPr lang="en-US" dirty="0" smtClean="0"/>
-              <a:t>TDD Mantra    </a:t>
-            </a:r>
-            <a:br>
-              <a:rPr lang="en-US" dirty="0" smtClean="0"/>
-            </a:br>
-            <a:endParaRPr lang="en-US" dirty="0"/>
+          <a:bodyPr/>
+          <a:lstStyle/>
+          <a:p>
+            <a:endParaRPr lang="en-US"/>
           </a:p>
         </p:txBody>
       </p:sp>
@@ -10845,80 +10937,32 @@
             <p:ph idx="1"/>
           </p:nvPr>
         </p:nvSpPr>
-        <p:spPr>
-          <a:xfrm>
-            <a:off x="381000" y="1600200"/>
-            <a:ext cx="8534400" cy="4525963"/>
-          </a:xfrm>
-        </p:spPr>
-        <p:txBody>
-          <a:bodyPr/>
-          <a:lstStyle/>
-          <a:p>
-            <a:pPr marL="0" indent="0">
+        <p:spPr/>
+        <p:txBody>
+          <a:bodyPr/>
+          <a:lstStyle/>
+          <a:p>
+            <a:pPr lvl="2">
               <a:buNone/>
             </a:pPr>
-            <a:r>
-              <a:rPr lang="en-US" dirty="0" smtClean="0">
-                <a:solidFill>
-                  <a:srgbClr val="FF0000"/>
-                </a:solidFill>
-              </a:rPr>
-              <a:t>Red</a:t>
-            </a:r>
-            <a:r>
-              <a:rPr lang="en-US" dirty="0" smtClean="0"/>
-              <a:t> – Write a little test that does not work , and  perhaps does not even compile first.</a:t>
-            </a:r>
-          </a:p>
-          <a:p>
-            <a:pPr marL="0" indent="0">
+            <a:endParaRPr lang="en-US" sz="4000" dirty="0" smtClean="0"/>
+          </a:p>
+          <a:p>
+            <a:pPr lvl="2">
               <a:buNone/>
             </a:pPr>
-            <a:endParaRPr lang="en-US" dirty="0" smtClean="0"/>
-          </a:p>
-          <a:p>
-            <a:pPr marL="0" indent="0">
+            <a:endParaRPr lang="en-US" sz="4000" dirty="0" smtClean="0"/>
+          </a:p>
+          <a:p>
+            <a:pPr marL="0" lvl="2">
               <a:buNone/>
             </a:pPr>
             <a:r>
-              <a:rPr lang="en-US" dirty="0" smtClean="0">
-                <a:solidFill>
-                  <a:srgbClr val="00B050"/>
-                </a:solidFill>
-              </a:rPr>
-              <a:t>Green</a:t>
-            </a:r>
-            <a:r>
-              <a:rPr lang="en-US" dirty="0" smtClean="0"/>
-              <a:t> – Make the test work quickly , committing whatever sins necessary in the process.</a:t>
-            </a:r>
-          </a:p>
-          <a:p>
-            <a:pPr marL="0" indent="0">
-              <a:buNone/>
-            </a:pPr>
-            <a:endParaRPr lang="en-US" dirty="0" smtClean="0"/>
-          </a:p>
-          <a:p>
-            <a:pPr marL="0" indent="0">
-              <a:buNone/>
-            </a:pPr>
-            <a:r>
-              <a:rPr lang="en-US" dirty="0" err="1" smtClean="0">
-                <a:solidFill>
-                  <a:schemeClr val="tx2">
-                    <a:lumMod val="60000"/>
-                    <a:lumOff val="40000"/>
-                  </a:schemeClr>
-                </a:solidFill>
-              </a:rPr>
-              <a:t>Refactor</a:t>
-            </a:r>
-            <a:r>
-              <a:rPr lang="en-US" dirty="0" smtClean="0"/>
-              <a:t> – Eliminate all of the duplication created in merely getting the test to work.</a:t>
-            </a:r>
+              <a:rPr lang="en-US" sz="4000" dirty="0" smtClean="0"/>
+              <a:t>      Test Driven Development Principle</a:t>
+            </a:r>
+          </a:p>
+          <a:p>
             <a:endParaRPr lang="en-US" dirty="0"/>
           </a:p>
         </p:txBody>
@@ -10998,7 +11042,14 @@
           <a:p>
             <a:r>
               <a:rPr lang="en-US" dirty="0" smtClean="0"/>
-              <a:t>Keeping Test Clean</a:t>
+              <a:t/>
+            </a:r>
+            <a:br>
+              <a:rPr lang="en-US" dirty="0" smtClean="0"/>
+            </a:br>
+            <a:r>
+              <a:rPr lang="en-US" dirty="0" smtClean="0"/>
+              <a:t>TDD Mantra    </a:t>
             </a:r>
             <a:br>
               <a:rPr lang="en-US" dirty="0" smtClean="0"/>
@@ -11017,52 +11068,80 @@
             <p:ph idx="1"/>
           </p:nvPr>
         </p:nvSpPr>
-        <p:spPr/>
-        <p:txBody>
-          <a:bodyPr>
-            <a:normAutofit/>
-          </a:bodyPr>
-          <a:lstStyle/>
-          <a:p>
-            <a:pPr marL="0" lvl="1" indent="0">
+        <p:spPr>
+          <a:xfrm>
+            <a:off x="381000" y="1600200"/>
+            <a:ext cx="8534400" cy="4525963"/>
+          </a:xfrm>
+        </p:spPr>
+        <p:txBody>
+          <a:bodyPr/>
+          <a:lstStyle/>
+          <a:p>
+            <a:pPr marL="0" indent="0">
               <a:buNone/>
             </a:pPr>
             <a:r>
+              <a:rPr lang="en-US" dirty="0" smtClean="0">
+                <a:solidFill>
+                  <a:srgbClr val="FF0000"/>
+                </a:solidFill>
+              </a:rPr>
+              <a:t>Red</a:t>
+            </a:r>
+            <a:r>
               <a:rPr lang="en-US" dirty="0" smtClean="0"/>
-              <a:t>Test code is just as important as production code. It is not second class citizen.</a:t>
-            </a:r>
-          </a:p>
-          <a:p>
-            <a:pPr marL="0" lvl="1" indent="0">
+              <a:t> – Write a little test that does not work , and  perhaps does not even compile first.</a:t>
+            </a:r>
+          </a:p>
+          <a:p>
+            <a:pPr marL="0" indent="0">
               <a:buNone/>
             </a:pPr>
             <a:endParaRPr lang="en-US" dirty="0" smtClean="0"/>
           </a:p>
           <a:p>
-            <a:pPr marL="0" lvl="1" indent="0">
+            <a:pPr marL="0" indent="0">
               <a:buNone/>
             </a:pPr>
             <a:r>
-              <a:rPr lang="en-US" sz="3200" b="1" u="sng" dirty="0" smtClean="0"/>
-              <a:t>What makes test clean </a:t>
-            </a:r>
-          </a:p>
-          <a:p>
-            <a:pPr marL="0" lvl="1" indent="0">
+              <a:rPr lang="en-US" dirty="0" smtClean="0">
+                <a:solidFill>
+                  <a:srgbClr val="00B050"/>
+                </a:solidFill>
+              </a:rPr>
+              <a:t>Green</a:t>
+            </a:r>
+            <a:r>
+              <a:rPr lang="en-US" dirty="0" smtClean="0"/>
+              <a:t> – Make the test work quickly , committing whatever sins necessary in the process.</a:t>
+            </a:r>
+          </a:p>
+          <a:p>
+            <a:pPr marL="0" indent="0">
               <a:buNone/>
             </a:pPr>
             <a:endParaRPr lang="en-US" dirty="0" smtClean="0"/>
           </a:p>
           <a:p>
-            <a:pPr marL="0" lvl="1" indent="0">
+            <a:pPr marL="0" indent="0">
               <a:buNone/>
             </a:pPr>
             <a:r>
+              <a:rPr lang="en-US" dirty="0" err="1" smtClean="0">
+                <a:solidFill>
+                  <a:schemeClr val="tx2">
+                    <a:lumMod val="60000"/>
+                    <a:lumOff val="40000"/>
+                  </a:schemeClr>
+                </a:solidFill>
+              </a:rPr>
+              <a:t>Refactor</a:t>
+            </a:r>
+            <a:r>
               <a:rPr lang="en-US" dirty="0" smtClean="0"/>
-              <a:t>Readability ,  Clarity , simplicity and density of                  expression</a:t>
-            </a:r>
-          </a:p>
-          <a:p>
+              <a:t> – Eliminate all of the duplication created in merely getting the test to work.</a:t>
+            </a:r>
             <a:endParaRPr lang="en-US" dirty="0"/>
           </a:p>
         </p:txBody>
@@ -11133,12 +11212,7 @@
             <p:ph type="title"/>
           </p:nvPr>
         </p:nvSpPr>
-        <p:spPr>
-          <a:xfrm>
-            <a:off x="457200" y="274638"/>
-            <a:ext cx="8229600" cy="792162"/>
-          </a:xfrm>
-        </p:spPr>
+        <p:spPr/>
         <p:txBody>
           <a:bodyPr>
             <a:normAutofit fontScale="90000"/>
@@ -11146,11 +11220,11 @@
           <a:lstStyle/>
           <a:p>
             <a:r>
-              <a:rPr lang="en-US" dirty="0" smtClean="0"/>
-              <a:t>F.I.R.S.T</a:t>
+              <a:rPr lang="en-US" dirty="0"/>
+              <a:t>TDD with mock objects</a:t>
             </a:r>
             <a:br>
-              <a:rPr lang="en-US" dirty="0" smtClean="0"/>
+              <a:rPr lang="en-US" dirty="0"/>
             </a:br>
             <a:endParaRPr lang="en-US" dirty="0"/>
           </a:p>
@@ -11166,142 +11240,70 @@
             <p:ph idx="1"/>
           </p:nvPr>
         </p:nvSpPr>
-        <p:spPr>
-          <a:xfrm>
-            <a:off x="381000" y="1219200"/>
-            <a:ext cx="8229600" cy="5638800"/>
-          </a:xfrm>
-        </p:spPr>
+        <p:spPr/>
         <p:txBody>
           <a:bodyPr>
-            <a:noAutofit/>
+            <a:normAutofit/>
           </a:bodyPr>
           <a:lstStyle/>
           <a:p>
-            <a:pPr>
+            <a:pPr marL="0" indent="0">
               <a:buNone/>
             </a:pPr>
             <a:r>
-              <a:rPr lang="en-US" sz="1900" b="1" i="1" u="sng" dirty="0" smtClean="0"/>
-              <a:t>Fast </a:t>
-            </a:r>
-          </a:p>
-          <a:p>
-            <a:pPr>
+              <a:rPr lang="en-US" dirty="0" smtClean="0"/>
+              <a:t>TDD </a:t>
+            </a:r>
+            <a:r>
+              <a:rPr lang="en-US" dirty="0"/>
+              <a:t>with mock objects </a:t>
+            </a:r>
+            <a:r>
+              <a:rPr lang="en-US" dirty="0" smtClean="0"/>
+              <a:t>encourages </a:t>
+            </a:r>
+            <a:r>
+              <a:rPr lang="en-US" dirty="0"/>
+              <a:t>information hiding. We should mock an object’s peers—its dependencies, notifications, and </a:t>
+            </a:r>
+            <a:r>
+              <a:rPr lang="en-US" dirty="0" smtClean="0"/>
+              <a:t>adjustments but not it’s internals .</a:t>
+            </a:r>
+          </a:p>
+          <a:p>
+            <a:pPr marL="0" indent="0">
               <a:buNone/>
             </a:pPr>
-            <a:r>
-              <a:rPr lang="en-US" sz="1900" b="1" dirty="0" smtClean="0"/>
-              <a:t>    </a:t>
-            </a:r>
-            <a:r>
-              <a:rPr lang="en-US" sz="1900" dirty="0" smtClean="0"/>
-              <a:t>Tests should be fast. They should run quickly. </a:t>
-            </a:r>
-          </a:p>
-          <a:p>
-            <a:pPr>
+            <a:endParaRPr lang="en-US" dirty="0"/>
+          </a:p>
+          <a:p>
+            <a:pPr marL="0" indent="0">
               <a:buNone/>
             </a:pPr>
-            <a:endParaRPr lang="en-US" sz="1900" dirty="0" smtClean="0"/>
-          </a:p>
-          <a:p>
-            <a:pPr>
+            <a:endParaRPr lang="en-US" dirty="0"/>
+          </a:p>
+          <a:p>
+            <a:pPr marL="0" indent="0">
               <a:buNone/>
             </a:pPr>
-            <a:r>
-              <a:rPr lang="en-US" sz="1900" dirty="0" smtClean="0"/>
-              <a:t>	When tests run slow, you won’t want to run them frequently. If you don’t run them frequently, you won’t find problems early enough to fix them easily. You won’t feel as free to clean up the code. Eventually the code will begin to rot.</a:t>
-            </a:r>
-          </a:p>
-          <a:p>
-            <a:pPr>
-              <a:buNone/>
-            </a:pPr>
-            <a:endParaRPr lang="en-US" sz="1900" dirty="0" smtClean="0"/>
-          </a:p>
-          <a:p>
-            <a:pPr>
-              <a:buNone/>
-            </a:pPr>
-            <a:r>
-              <a:rPr lang="en-US" sz="1900" b="1" i="1" u="sng" dirty="0" smtClean="0"/>
-              <a:t>Independent </a:t>
-            </a:r>
-          </a:p>
-          <a:p>
-            <a:pPr>
-              <a:buNone/>
-            </a:pPr>
-            <a:r>
-              <a:rPr lang="en-US" sz="1900" b="1" dirty="0" smtClean="0"/>
-              <a:t>     </a:t>
-            </a:r>
-            <a:r>
-              <a:rPr lang="en-US" sz="1900" dirty="0" smtClean="0"/>
-              <a:t>Tests should not depend on each other. </a:t>
-            </a:r>
-          </a:p>
-          <a:p>
-            <a:pPr>
-              <a:buNone/>
-            </a:pPr>
-            <a:r>
-              <a:rPr lang="en-US" sz="1900" dirty="0" smtClean="0"/>
-              <a:t>	</a:t>
-            </a:r>
-          </a:p>
-          <a:p>
-            <a:pPr>
-              <a:buNone/>
-            </a:pPr>
-            <a:r>
-              <a:rPr lang="en-US" sz="1900" dirty="0" smtClean="0"/>
-              <a:t>	One test should not set up the conditions for the next test. You should be able to run each test independently and run the tests in any order you like. </a:t>
-            </a:r>
-          </a:p>
-          <a:p>
-            <a:pPr>
-              <a:buNone/>
-            </a:pPr>
-            <a:endParaRPr lang="en-US" sz="1900" dirty="0" smtClean="0"/>
-          </a:p>
-          <a:p>
-            <a:pPr>
-              <a:buNone/>
-            </a:pPr>
-            <a:r>
-              <a:rPr lang="en-US" sz="1900" dirty="0" smtClean="0"/>
-              <a:t>	When tests depend on each other, then the first one to fail causes a cascade of downstream failures, making diagnosis difficult and hiding downstream defects.</a:t>
-            </a:r>
-          </a:p>
-        </p:txBody>
-      </p:sp>
-      <p:sp>
-        <p:nvSpPr>
-          <p:cNvPr id="4" name="Slide Number Placeholder 3"/>
-          <p:cNvSpPr>
-            <a:spLocks noGrp="1"/>
-          </p:cNvSpPr>
-          <p:nvPr>
-            <p:ph type="sldNum" sz="quarter" idx="12"/>
-          </p:nvPr>
-        </p:nvSpPr>
-        <p:spPr/>
-        <p:txBody>
-          <a:bodyPr/>
-          <a:lstStyle/>
-          <a:p>
-            <a:fld id="{2387B7E2-7538-4163-9310-D5E6EE1BC12A}" type="slidenum">
-              <a:rPr lang="en-US" smtClean="0"/>
-              <a:pPr/>
-              <a:t>35</a:t>
-            </a:fld>
-            <a:endParaRPr lang="en-US"/>
+            <a:endParaRPr lang="en-US" dirty="0">
+              <a:solidFill>
+                <a:srgbClr val="FF0000"/>
+              </a:solidFill>
+            </a:endParaRPr>
+          </a:p>
+          <a:p>
+            <a:endParaRPr lang="en-US" dirty="0"/>
           </a:p>
         </p:txBody>
       </p:sp>
     </p:spTree>
+    <p:extLst>
+      <p:ext uri="{BB962C8B-B14F-4D97-AF65-F5344CB8AC3E}">
+        <p14:creationId xmlns:p14="http://schemas.microsoft.com/office/powerpoint/2010/main" val="2572250048"/>
+      </p:ext>
+    </p:extLst>
   </p:cSld>
   <p:clrMapOvr>
     <a:masterClrMapping/>
@@ -11335,6 +11337,34 @@
       </p:grpSpPr>
       <p:sp>
         <p:nvSpPr>
+          <p:cNvPr id="2" name="Title 1"/>
+          <p:cNvSpPr>
+            <a:spLocks noGrp="1"/>
+          </p:cNvSpPr>
+          <p:nvPr>
+            <p:ph type="title"/>
+          </p:nvPr>
+        </p:nvSpPr>
+        <p:spPr/>
+        <p:txBody>
+          <a:bodyPr>
+            <a:normAutofit fontScale="90000"/>
+          </a:bodyPr>
+          <a:lstStyle/>
+          <a:p>
+            <a:r>
+              <a:rPr lang="en-US" dirty="0"/>
+              <a:t>Building on third party code</a:t>
+            </a:r>
+            <a:br>
+              <a:rPr lang="en-US" dirty="0"/>
+            </a:br>
+            <a:endParaRPr lang="en-US" dirty="0"/>
+          </a:p>
+        </p:txBody>
+      </p:sp>
+      <p:sp>
+        <p:nvSpPr>
           <p:cNvPr id="3" name="Content Placeholder 2"/>
           <p:cNvSpPr>
             <a:spLocks noGrp="1"/>
@@ -11343,134 +11373,112 @@
             <p:ph idx="1"/>
           </p:nvPr>
         </p:nvSpPr>
-        <p:spPr>
-          <a:xfrm>
-            <a:off x="609600" y="228600"/>
-            <a:ext cx="7772400" cy="6248400"/>
-          </a:xfrm>
-        </p:spPr>
+        <p:spPr/>
         <p:txBody>
           <a:bodyPr>
-            <a:noAutofit/>
+            <a:normAutofit fontScale="70000" lnSpcReduction="20000"/>
           </a:bodyPr>
           <a:lstStyle/>
           <a:p>
-            <a:pPr>
-              <a:lnSpc>
-                <a:spcPct val="80000"/>
-              </a:lnSpc>
+            <a:pPr marL="0" indent="0">
               <a:buNone/>
             </a:pPr>
             <a:r>
-              <a:rPr lang="en-US" sz="1900" b="1" i="1" u="sng" dirty="0" smtClean="0"/>
-              <a:t>Repeatable </a:t>
-            </a:r>
-            <a:endParaRPr lang="en-US" sz="1900" dirty="0" smtClean="0"/>
+              <a:rPr lang="en-US" dirty="0" smtClean="0"/>
+              <a:t>Providing </a:t>
+            </a:r>
+            <a:r>
+              <a:rPr lang="en-US" dirty="0"/>
+              <a:t>mock implementations of third-party types is of limited use when unit-testing the objects that call them. </a:t>
+            </a:r>
+            <a:r>
+              <a:rPr lang="en-US" dirty="0" smtClean="0"/>
+              <a:t>Tests </a:t>
+            </a:r>
+            <a:r>
+              <a:rPr lang="en-US" dirty="0"/>
+              <a:t>that mock external libraries often need to be complex to get the code into the right state for the functionality we need to </a:t>
+            </a:r>
+            <a:r>
+              <a:rPr lang="en-US" dirty="0" smtClean="0"/>
+              <a:t>exercise.</a:t>
+            </a:r>
           </a:p>
           <a:p>
             <a:pPr marL="0" indent="0">
               <a:buNone/>
             </a:pPr>
-            <a:r>
-              <a:rPr lang="en-US" sz="1900" dirty="0" smtClean="0"/>
-              <a:t>Tests should be repeatable in any environment. You should be able to run the tests in the production environment, in the QA environment, without a network.</a:t>
-            </a:r>
+            <a:endParaRPr lang="en-US" dirty="0"/>
           </a:p>
           <a:p>
             <a:pPr marL="0" indent="0">
               <a:buNone/>
             </a:pPr>
-            <a:endParaRPr lang="en-US" sz="1900" dirty="0" smtClean="0"/>
+            <a:r>
+              <a:rPr lang="en-US" dirty="0"/>
+              <a:t>Write an Adapter Layer </a:t>
+            </a:r>
+            <a:r>
+              <a:rPr lang="en-US" dirty="0" smtClean="0"/>
+              <a:t>.We </a:t>
+            </a:r>
+            <a:r>
+              <a:rPr lang="en-US" dirty="0"/>
+              <a:t>keep this layer as thin as possible, to minimize the amount of potentially brittle and </a:t>
+            </a:r>
+            <a:r>
+              <a:rPr lang="en-US" dirty="0" err="1"/>
+              <a:t>hardto</a:t>
+            </a:r>
+            <a:r>
+              <a:rPr lang="en-US" dirty="0"/>
+              <a:t>-test code. </a:t>
+            </a:r>
+            <a:endParaRPr lang="en-US" dirty="0" smtClean="0"/>
           </a:p>
           <a:p>
             <a:pPr marL="0" indent="0">
               <a:buNone/>
             </a:pPr>
-            <a:r>
-              <a:rPr lang="en-US" sz="1900" dirty="0" smtClean="0"/>
-              <a:t> If your tests aren’t repeatable in any environment, then you’ll always have an excuse for why they fail. You’ll also find yourself unable  to run the tests when the environment isn’t available.</a:t>
-            </a:r>
-          </a:p>
-          <a:p>
-            <a:pPr>
-              <a:lnSpc>
-                <a:spcPct val="80000"/>
-              </a:lnSpc>
+            <a:endParaRPr lang="en-US" dirty="0"/>
+          </a:p>
+          <a:p>
+            <a:pPr marL="0" indent="0">
               <a:buNone/>
             </a:pPr>
-            <a:endParaRPr lang="en-US" sz="1900" b="1" i="1" u="sng" dirty="0" smtClean="0"/>
-          </a:p>
-          <a:p>
-            <a:pPr>
-              <a:lnSpc>
-                <a:spcPct val="80000"/>
-              </a:lnSpc>
+            <a:r>
+              <a:rPr lang="en-US" dirty="0" smtClean="0"/>
+              <a:t>We </a:t>
+            </a:r>
+            <a:r>
+              <a:rPr lang="en-US" dirty="0"/>
+              <a:t>test these adapters with focused integration tests to confirm our understanding of how the third-party API works. There will be relatively few integration tests compared to the number of unit tests, so they should not get in the way of the build even if they’re not as fast as the in-memory unit tests</a:t>
+            </a:r>
+            <a:r>
+              <a:rPr lang="en-US" dirty="0" smtClean="0"/>
+              <a:t>.</a:t>
+            </a:r>
+          </a:p>
+          <a:p>
+            <a:pPr marL="0" indent="0">
               <a:buNone/>
             </a:pPr>
-            <a:r>
-              <a:rPr lang="en-US" sz="1900" b="1" i="1" u="sng" dirty="0" smtClean="0"/>
-              <a:t>Self-Validating </a:t>
-            </a:r>
+            <a:endParaRPr lang="en-US" dirty="0"/>
           </a:p>
           <a:p>
             <a:pPr marL="0" indent="0">
               <a:buNone/>
             </a:pPr>
-            <a:r>
-              <a:rPr lang="en-US" sz="1900" dirty="0" smtClean="0"/>
-              <a:t>The tests should have a </a:t>
-            </a:r>
-            <a:r>
-              <a:rPr lang="en-US" sz="1900" dirty="0" err="1" smtClean="0"/>
-              <a:t>boolean</a:t>
-            </a:r>
-            <a:r>
-              <a:rPr lang="en-US" sz="1900" dirty="0" smtClean="0"/>
-              <a:t> output. Either they pass or fail. </a:t>
-            </a:r>
-          </a:p>
-          <a:p>
-            <a:pPr marL="0" indent="0">
-              <a:buNone/>
-            </a:pPr>
-            <a:endParaRPr lang="en-US" sz="1900" dirty="0" smtClean="0"/>
-          </a:p>
-          <a:p>
-            <a:pPr marL="0" indent="0">
-              <a:buNone/>
-            </a:pPr>
-            <a:r>
-              <a:rPr lang="en-US" sz="1900" dirty="0" smtClean="0"/>
-              <a:t>You should not have to read through a log file to tell whether the tests pass. If the tests aren’t self-validating, then failure can become subjective and running the tests can require a long manual evaluation.</a:t>
-            </a:r>
-          </a:p>
-        </p:txBody>
-      </p:sp>
-      <p:sp>
-        <p:nvSpPr>
-          <p:cNvPr id="4" name="Slide Number Placeholder 3"/>
-          <p:cNvSpPr>
-            <a:spLocks noGrp="1"/>
-          </p:cNvSpPr>
-          <p:nvPr>
-            <p:ph type="sldNum" sz="quarter" idx="12"/>
-          </p:nvPr>
-        </p:nvSpPr>
-        <p:spPr/>
-        <p:txBody>
-          <a:bodyPr/>
-          <a:lstStyle/>
-          <a:p>
-            <a:fld id="{2387B7E2-7538-4163-9310-D5E6EE1BC12A}" type="slidenum">
-              <a:rPr lang="en-US" smtClean="0"/>
-              <a:pPr/>
-              <a:t>36</a:t>
-            </a:fld>
-            <a:endParaRPr lang="en-US"/>
+            <a:endParaRPr lang="en-US" dirty="0"/>
           </a:p>
         </p:txBody>
       </p:sp>
     </p:spTree>
+    <p:extLst>
+      <p:ext uri="{BB962C8B-B14F-4D97-AF65-F5344CB8AC3E}">
+        <p14:creationId xmlns:p14="http://schemas.microsoft.com/office/powerpoint/2010/main" val="3638604738"/>
+      </p:ext>
+    </p:extLst>
   </p:cSld>
   <p:clrMapOvr>
     <a:masterClrMapping/>
@@ -11504,6 +11512,29 @@
       </p:grpSpPr>
       <p:sp>
         <p:nvSpPr>
+          <p:cNvPr id="2" name="Title 1"/>
+          <p:cNvSpPr>
+            <a:spLocks noGrp="1"/>
+          </p:cNvSpPr>
+          <p:nvPr>
+            <p:ph type="title"/>
+          </p:nvPr>
+        </p:nvSpPr>
+        <p:spPr/>
+        <p:txBody>
+          <a:bodyPr/>
+          <a:lstStyle/>
+          <a:p>
+            <a:r>
+              <a:rPr lang="en-US" dirty="0" smtClean="0"/>
+              <a:t>Test Readability</a:t>
+            </a:r>
+            <a:endParaRPr lang="en-US" dirty="0"/>
+          </a:p>
+        </p:txBody>
+      </p:sp>
+      <p:sp>
+        <p:nvSpPr>
           <p:cNvPr id="3" name="Content Placeholder 2"/>
           <p:cNvSpPr>
             <a:spLocks noGrp="1"/>
@@ -11512,93 +11543,66 @@
             <p:ph idx="1"/>
           </p:nvPr>
         </p:nvSpPr>
-        <p:spPr>
-          <a:xfrm>
-            <a:off x="457200" y="1066800"/>
-            <a:ext cx="8229600" cy="5257800"/>
-          </a:xfrm>
-        </p:spPr>
-        <p:txBody>
-          <a:bodyPr/>
-          <a:lstStyle/>
-          <a:p>
-            <a:pPr>
-              <a:buNone/>
-            </a:pPr>
-            <a:r>
-              <a:rPr lang="en-US" sz="2500" b="1" i="1" u="sng" dirty="0" smtClean="0"/>
-              <a:t>Timely </a:t>
-            </a:r>
-          </a:p>
-          <a:p>
-            <a:pPr>
-              <a:buNone/>
-            </a:pPr>
+        <p:spPr/>
+        <p:txBody>
+          <a:bodyPr>
+            <a:normAutofit fontScale="85000" lnSpcReduction="20000"/>
+          </a:bodyPr>
+          <a:lstStyle/>
+          <a:p>
             <a:r>
               <a:rPr lang="en-US" dirty="0" smtClean="0"/>
-              <a:t>	</a:t>
-            </a:r>
-            <a:r>
-              <a:rPr lang="en-US" sz="2500" dirty="0" smtClean="0"/>
-              <a:t>The tests need to be written in a timely fashion. Unit tests should be written just before the production code that makes them pass.</a:t>
-            </a:r>
-          </a:p>
-          <a:p>
-            <a:pPr>
-              <a:buNone/>
-            </a:pPr>
-            <a:endParaRPr lang="en-US" sz="2500" dirty="0" smtClean="0"/>
-          </a:p>
-          <a:p>
-            <a:pPr>
-              <a:buNone/>
-            </a:pPr>
-            <a:r>
-              <a:rPr lang="en-US" sz="2500" dirty="0" smtClean="0"/>
-              <a:t>	 If you write tests after the production code, then you may find the production code to be hard to test. You may decide that some production code is too hard to test. You may not design the production code to be testable.</a:t>
-            </a:r>
-          </a:p>
-          <a:p>
-            <a:endParaRPr lang="en-GB" dirty="0"/>
-          </a:p>
-        </p:txBody>
-      </p:sp>
-      <p:sp>
-        <p:nvSpPr>
-          <p:cNvPr id="4" name="Slide Number Placeholder 3"/>
-          <p:cNvSpPr>
-            <a:spLocks noGrp="1"/>
-          </p:cNvSpPr>
-          <p:nvPr>
-            <p:ph type="sldNum" sz="quarter" idx="12"/>
-          </p:nvPr>
-        </p:nvSpPr>
-        <p:spPr/>
-        <p:txBody>
-          <a:bodyPr/>
-          <a:lstStyle/>
-          <a:p>
-            <a:fld id="{2387B7E2-7538-4163-9310-D5E6EE1BC12A}" type="slidenum">
-              <a:rPr lang="en-US" smtClean="0"/>
-              <a:pPr/>
-              <a:t>37</a:t>
-            </a:fld>
-            <a:endParaRPr lang="en-US"/>
+              <a:t>Teams that adopt TDD usually see an early boost in productivity because the tests let them add features with confidence and catch errors immediately. </a:t>
+            </a:r>
+            <a:endParaRPr lang="en-US" dirty="0" smtClean="0"/>
+          </a:p>
+          <a:p>
+            <a:endParaRPr lang="en-US" dirty="0"/>
+          </a:p>
+          <a:p>
+            <a:r>
+              <a:rPr lang="en-US" dirty="0" smtClean="0"/>
+              <a:t>For </a:t>
+            </a:r>
+            <a:r>
+              <a:rPr lang="en-US" dirty="0" smtClean="0"/>
+              <a:t>some teams, the pace then slows down as the tests themselves become a maintenance burden. For TDD to be sustainable, the tests must do more than verify the behavior of the code; they must also express that behavior clearly—they must be readable</a:t>
+            </a:r>
+          </a:p>
+          <a:p>
+            <a:endParaRPr lang="en-US" dirty="0"/>
+          </a:p>
+          <a:p>
+            <a:r>
+              <a:rPr lang="en-US" dirty="0" smtClean="0"/>
+              <a:t>We should </a:t>
+            </a:r>
+            <a:r>
+              <a:rPr lang="en-US" dirty="0" smtClean="0"/>
+              <a:t>take as much care about writing our test code as about production </a:t>
+            </a:r>
+            <a:r>
+              <a:rPr lang="en-US" dirty="0" smtClean="0"/>
+              <a:t>code</a:t>
+            </a:r>
+            <a:r>
+              <a:rPr lang="en-US" dirty="0"/>
+              <a:t>.</a:t>
+            </a:r>
+            <a:endParaRPr lang="en-US" dirty="0"/>
           </a:p>
         </p:txBody>
       </p:sp>
     </p:spTree>
+    <p:extLst>
+      <p:ext uri="{BB962C8B-B14F-4D97-AF65-F5344CB8AC3E}">
+        <p14:creationId xmlns:p14="http://schemas.microsoft.com/office/powerpoint/2010/main" val="1725782227"/>
+      </p:ext>
+    </p:extLst>
   </p:cSld>
   <p:clrMapOvr>
     <a:masterClrMapping/>
   </p:clrMapOvr>
-  <p:timing>
-    <p:tnLst>
-      <p:par>
-        <p:cTn id="1" dur="indefinite" restart="never" nodeType="tmRoot"/>
-      </p:par>
-    </p:tnLst>
-  </p:timing>
 </p:sld>
 </file>
 
@@ -11631,111 +11635,53 @@
         </p:nvSpPr>
         <p:spPr/>
         <p:txBody>
-          <a:bodyPr>
-            <a:normAutofit fontScale="90000"/>
-          </a:bodyPr>
-          <a:lstStyle/>
-          <a:p>
-            <a:r>
-              <a:rPr lang="en-US" dirty="0"/>
-              <a:t>TDD with mock objects</a:t>
-            </a:r>
-            <a:br>
-              <a:rPr lang="en-US" dirty="0"/>
-            </a:br>
+          <a:bodyPr/>
+          <a:lstStyle/>
+          <a:p>
+            <a:r>
+              <a:rPr lang="en-US" dirty="0" smtClean="0"/>
+              <a:t>Code Example</a:t>
+            </a:r>
             <a:endParaRPr lang="en-US" dirty="0"/>
           </a:p>
         </p:txBody>
       </p:sp>
-      <p:sp>
-        <p:nvSpPr>
-          <p:cNvPr id="3" name="Content Placeholder 2"/>
-          <p:cNvSpPr>
-            <a:spLocks noGrp="1"/>
-          </p:cNvSpPr>
+      <p:pic>
+        <p:nvPicPr>
+          <p:cNvPr id="4" name="Content Placeholder 3"/>
+          <p:cNvPicPr>
+            <a:picLocks noGrp="1" noChangeAspect="1"/>
+          </p:cNvPicPr>
           <p:nvPr>
             <p:ph idx="1"/>
           </p:nvPr>
-        </p:nvSpPr>
-        <p:spPr/>
-        <p:txBody>
-          <a:bodyPr>
-            <a:normAutofit/>
-          </a:bodyPr>
-          <a:lstStyle/>
-          <a:p>
-            <a:pPr marL="0" indent="0">
-              <a:buNone/>
-            </a:pPr>
-            <a:r>
-              <a:rPr lang="en-US" dirty="0"/>
-              <a:t>TDD with mock objects </a:t>
-            </a:r>
-            <a:r>
-              <a:rPr lang="en-US" dirty="0" smtClean="0"/>
-              <a:t>encourages </a:t>
-            </a:r>
-            <a:r>
-              <a:rPr lang="en-US" dirty="0"/>
-              <a:t>information hiding. We should mock an object’s peers—its dependencies, notifications, and </a:t>
-            </a:r>
-            <a:r>
-              <a:rPr lang="en-US" dirty="0" smtClean="0"/>
-              <a:t>adjustments but not it’s internals .</a:t>
-            </a:r>
-          </a:p>
-          <a:p>
-            <a:pPr marL="0" indent="0">
-              <a:buNone/>
-            </a:pPr>
-            <a:endParaRPr lang="en-US" dirty="0"/>
-          </a:p>
-          <a:p>
-            <a:pPr marL="0" indent="0">
-              <a:buNone/>
-            </a:pPr>
-            <a:endParaRPr lang="en-US" dirty="0"/>
-          </a:p>
-          <a:p>
-            <a:pPr marL="0" indent="0">
-              <a:buNone/>
-            </a:pPr>
-            <a:r>
-              <a:rPr lang="en-US" dirty="0" smtClean="0">
-                <a:solidFill>
-                  <a:srgbClr val="FF0000"/>
-                </a:solidFill>
-              </a:rPr>
-              <a:t>Develop code example : Done</a:t>
-            </a:r>
-            <a:endParaRPr lang="en-US" dirty="0">
-              <a:solidFill>
-                <a:srgbClr val="FF0000"/>
-              </a:solidFill>
-            </a:endParaRPr>
-          </a:p>
-          <a:p>
-            <a:endParaRPr lang="en-US" dirty="0"/>
-          </a:p>
-        </p:txBody>
-      </p:sp>
+        </p:nvPicPr>
+        <p:blipFill>
+          <a:blip r:embed="rId2"/>
+          <a:stretch>
+            <a:fillRect/>
+          </a:stretch>
+        </p:blipFill>
+        <p:spPr>
+          <a:xfrm>
+            <a:off x="532494" y="2133600"/>
+            <a:ext cx="8154306" cy="3733800"/>
+          </a:xfrm>
+          <a:prstGeom prst="rect">
+            <a:avLst/>
+          </a:prstGeom>
+        </p:spPr>
+      </p:pic>
     </p:spTree>
     <p:extLst>
       <p:ext uri="{BB962C8B-B14F-4D97-AF65-F5344CB8AC3E}">
-        <p14:creationId xmlns:p14="http://schemas.microsoft.com/office/powerpoint/2010/main" val="2572250048"/>
+        <p14:creationId xmlns:p14="http://schemas.microsoft.com/office/powerpoint/2010/main" val="1814519576"/>
       </p:ext>
     </p:extLst>
   </p:cSld>
   <p:clrMapOvr>
     <a:masterClrMapping/>
   </p:clrMapOvr>
-  <p:timing>
-    <p:tnLst>
-      <p:par>
-        <p:cTn id="1" dur="indefinite" restart="never" nodeType="tmRoot"/>
-      </p:par>
-    </p:tnLst>
-  </p:timing>
 </p:sld>
 </file>
 
@@ -11768,61 +11714,36 @@
         </p:nvSpPr>
         <p:spPr/>
         <p:txBody>
+          <a:bodyPr/>
+          <a:lstStyle/>
+          <a:p>
+            <a:endParaRPr lang="en-US"/>
+          </a:p>
+        </p:txBody>
+      </p:sp>
+      <p:sp>
+        <p:nvSpPr>
+          <p:cNvPr id="3" name="Content Placeholder 2"/>
+          <p:cNvSpPr>
+            <a:spLocks noGrp="1"/>
+          </p:cNvSpPr>
+          <p:nvPr>
+            <p:ph idx="1"/>
+          </p:nvPr>
+        </p:nvSpPr>
+        <p:spPr/>
+        <p:txBody>
           <a:bodyPr>
-            <a:normAutofit fontScale="90000"/>
+            <a:normAutofit lnSpcReduction="10000"/>
           </a:bodyPr>
           <a:lstStyle/>
           <a:p>
-            <a:r>
-              <a:rPr lang="en-US" dirty="0"/>
-              <a:t>Building on third party code</a:t>
-            </a:r>
-            <a:br>
-              <a:rPr lang="en-US" dirty="0"/>
-            </a:br>
-            <a:endParaRPr lang="en-US" dirty="0"/>
-          </a:p>
-        </p:txBody>
-      </p:sp>
-      <p:sp>
-        <p:nvSpPr>
-          <p:cNvPr id="3" name="Content Placeholder 2"/>
-          <p:cNvSpPr>
-            <a:spLocks noGrp="1"/>
-          </p:cNvSpPr>
-          <p:nvPr>
-            <p:ph idx="1"/>
-          </p:nvPr>
-        </p:nvSpPr>
-        <p:spPr/>
-        <p:txBody>
-          <a:bodyPr>
-            <a:normAutofit fontScale="70000" lnSpcReduction="20000"/>
-          </a:bodyPr>
-          <a:lstStyle/>
-          <a:p>
             <a:pPr marL="0" indent="0">
               <a:buNone/>
             </a:pPr>
             <a:r>
               <a:rPr lang="en-US" dirty="0" smtClean="0"/>
-              <a:t>Providing </a:t>
-            </a:r>
-            <a:r>
-              <a:rPr lang="en-US" dirty="0"/>
-              <a:t>mock implementations of third-party types is of limited use when unit-testing the objects that call them. </a:t>
-            </a:r>
-            <a:r>
-              <a:rPr lang="en-US" dirty="0" smtClean="0"/>
-              <a:t>Tests </a:t>
-            </a:r>
-            <a:r>
-              <a:rPr lang="en-US" dirty="0"/>
-              <a:t>that mock external libraries often need to be complex to get the code into the right state for the functionality we need to </a:t>
-            </a:r>
-            <a:r>
-              <a:rPr lang="en-US" dirty="0" smtClean="0"/>
-              <a:t>exercise.</a:t>
+              <a:t>such names duplicate the information a developer could get just by looking at the target class; they break the “Don’t Repeat Yourself” principle [Hunt99]. </a:t>
             </a:r>
           </a:p>
           <a:p>
@@ -11836,78 +11757,17 @@
               <a:buNone/>
             </a:pPr>
             <a:r>
-              <a:rPr lang="en-US" dirty="0"/>
-              <a:t>Write an Adapter Layer </a:t>
-            </a:r>
-            <a:r>
               <a:rPr lang="en-US" dirty="0" smtClean="0"/>
-              <a:t>.We </a:t>
-            </a:r>
-            <a:r>
-              <a:rPr lang="en-US" dirty="0"/>
-              <a:t>keep this layer as thin as possible, to minimize the amount of potentially brittle and </a:t>
-            </a:r>
-            <a:r>
-              <a:rPr lang="en-US" dirty="0" err="1"/>
-              <a:t>hardto</a:t>
-            </a:r>
-            <a:r>
-              <a:rPr lang="en-US" dirty="0"/>
-              <a:t>-test code. </a:t>
-            </a:r>
-            <a:endParaRPr lang="en-US" dirty="0" smtClean="0"/>
-          </a:p>
-          <a:p>
-            <a:pPr marL="0" indent="0">
-              <a:buNone/>
-            </a:pPr>
-            <a:endParaRPr lang="en-US" dirty="0"/>
-          </a:p>
-          <a:p>
-            <a:pPr marL="0" indent="0">
-              <a:buNone/>
-            </a:pPr>
+              <a:t>We don’t need to know that </a:t>
+            </a:r>
+            <a:r>
+              <a:rPr lang="en-US" dirty="0" err="1" smtClean="0"/>
+              <a:t>TargetObject</a:t>
+            </a:r>
             <a:r>
               <a:rPr lang="en-US" dirty="0" smtClean="0"/>
-              <a:t>We </a:t>
-            </a:r>
-            <a:r>
-              <a:rPr lang="en-US" dirty="0"/>
-              <a:t>test these adapters with focused integration tests to confirm our understanding of how the third-party API works. There will be relatively few integration tests compared to the number of unit tests, so they should not get in the way of the build even if they’re not as fast as the in-memory unit tests</a:t>
-            </a:r>
-            <a:r>
-              <a:rPr lang="en-US" dirty="0" smtClean="0"/>
-              <a:t>.</a:t>
-            </a:r>
-          </a:p>
-          <a:p>
-            <a:pPr marL="0" indent="0">
-              <a:buNone/>
-            </a:pPr>
-            <a:endParaRPr lang="en-US" dirty="0"/>
-          </a:p>
-          <a:p>
-            <a:pPr marL="0" indent="0">
-              <a:buNone/>
-            </a:pPr>
-            <a:r>
-              <a:rPr lang="en-US" dirty="0" smtClean="0">
-                <a:solidFill>
-                  <a:srgbClr val="FF0000"/>
-                </a:solidFill>
-              </a:rPr>
-              <a:t>Develop code example for adapter pattern : Done</a:t>
-            </a:r>
-            <a:endParaRPr lang="en-US" dirty="0">
-              <a:solidFill>
-                <a:srgbClr val="FF0000"/>
-              </a:solidFill>
-            </a:endParaRPr>
-          </a:p>
-          <a:p>
-            <a:pPr marL="0" indent="0">
-              <a:buNone/>
-            </a:pPr>
+              <a:t> has a choose() method—we need to know what the object does in different situations, what the method is for.</a:t>
+            </a:r>
             <a:endParaRPr lang="en-US" dirty="0"/>
           </a:p>
         </p:txBody>
@@ -11915,20 +11775,13 @@
     </p:spTree>
     <p:extLst>
       <p:ext uri="{BB962C8B-B14F-4D97-AF65-F5344CB8AC3E}">
-        <p14:creationId xmlns:p14="http://schemas.microsoft.com/office/powerpoint/2010/main" val="3638604738"/>
+        <p14:creationId xmlns:p14="http://schemas.microsoft.com/office/powerpoint/2010/main" val="3306560360"/>
       </p:ext>
     </p:extLst>
   </p:cSld>
   <p:clrMapOvr>
     <a:masterClrMapping/>
   </p:clrMapOvr>
-  <p:timing>
-    <p:tnLst>
-      <p:par>
-        <p:cTn id="1" dur="indefinite" restart="never" nodeType="tmRoot"/>
-      </p:par>
-    </p:tnLst>
-  </p:timing>
 </p:sld>
 </file>
 
@@ -12107,272 +11960,6 @@
           <a:bodyPr/>
           <a:lstStyle/>
           <a:p>
-            <a:r>
-              <a:rPr lang="en-US" dirty="0" smtClean="0"/>
-              <a:t>Test Readability</a:t>
-            </a:r>
-            <a:endParaRPr lang="en-US" dirty="0"/>
-          </a:p>
-        </p:txBody>
-      </p:sp>
-      <p:sp>
-        <p:nvSpPr>
-          <p:cNvPr id="3" name="Content Placeholder 2"/>
-          <p:cNvSpPr>
-            <a:spLocks noGrp="1"/>
-          </p:cNvSpPr>
-          <p:nvPr>
-            <p:ph idx="1"/>
-          </p:nvPr>
-        </p:nvSpPr>
-        <p:spPr/>
-        <p:txBody>
-          <a:bodyPr>
-            <a:normAutofit fontScale="70000" lnSpcReduction="20000"/>
-          </a:bodyPr>
-          <a:lstStyle/>
-          <a:p>
-            <a:r>
-              <a:rPr lang="en-US" dirty="0" smtClean="0"/>
-              <a:t>Teams that adopt TDD usually see an early boost in productivity because the tests let them add features with confidence and catch errors immediately. For some teams, the pace then slows down as the tests themselves become a maintenance burden. For TDD to be sustainable, the tests must do more than verify the behavior of the code; they must also express that behavior clearly—they must be readable</a:t>
-            </a:r>
-          </a:p>
-          <a:p>
-            <a:endParaRPr lang="en-US" dirty="0"/>
-          </a:p>
-          <a:p>
-            <a:r>
-              <a:rPr lang="en-US" dirty="0" smtClean="0"/>
-              <a:t>We take as much care about writing our test code as about production code, but with differences in style since the two types of code serve different purposes. Test code should describe what the production code does. That means that it tends to be concrete about the values it uses as examples of what results to expect, but abstract about how the code works. </a:t>
-            </a:r>
-            <a:endParaRPr lang="en-US" dirty="0"/>
-          </a:p>
-        </p:txBody>
-      </p:sp>
-    </p:spTree>
-    <p:extLst>
-      <p:ext uri="{BB962C8B-B14F-4D97-AF65-F5344CB8AC3E}">
-        <p14:creationId xmlns:p14="http://schemas.microsoft.com/office/powerpoint/2010/main" val="1725782227"/>
-      </p:ext>
-    </p:extLst>
-  </p:cSld>
-  <p:clrMapOvr>
-    <a:masterClrMapping/>
-  </p:clrMapOvr>
-</p:sld>
-</file>
-
-<file path=ppt/slides/slide41.xml><?xml version="1.0" encoding="utf-8"?>
-<p:sld xmlns:a="http://schemas.openxmlformats.org/drawingml/2006/main" xmlns:r="http://schemas.openxmlformats.org/officeDocument/2006/relationships" xmlns:p="http://schemas.openxmlformats.org/presentationml/2006/main">
-  <p:cSld>
-    <p:spTree>
-      <p:nvGrpSpPr>
-        <p:cNvPr id="1" name=""/>
-        <p:cNvGrpSpPr/>
-        <p:nvPr/>
-      </p:nvGrpSpPr>
-      <p:grpSpPr>
-        <a:xfrm>
-          <a:off x="0" y="0"/>
-          <a:ext cx="0" cy="0"/>
-          <a:chOff x="0" y="0"/>
-          <a:chExt cx="0" cy="0"/>
-        </a:xfrm>
-      </p:grpSpPr>
-      <p:sp>
-        <p:nvSpPr>
-          <p:cNvPr id="2" name="Title 1"/>
-          <p:cNvSpPr>
-            <a:spLocks noGrp="1"/>
-          </p:cNvSpPr>
-          <p:nvPr>
-            <p:ph type="title"/>
-          </p:nvPr>
-        </p:nvSpPr>
-        <p:spPr/>
-        <p:txBody>
-          <a:bodyPr/>
-          <a:lstStyle/>
-          <a:p>
-            <a:r>
-              <a:rPr lang="en-US" dirty="0" smtClean="0"/>
-              <a:t>Code Example</a:t>
-            </a:r>
-            <a:endParaRPr lang="en-US" dirty="0"/>
-          </a:p>
-        </p:txBody>
-      </p:sp>
-      <p:pic>
-        <p:nvPicPr>
-          <p:cNvPr id="4" name="Content Placeholder 3"/>
-          <p:cNvPicPr>
-            <a:picLocks noGrp="1" noChangeAspect="1"/>
-          </p:cNvPicPr>
-          <p:nvPr>
-            <p:ph idx="1"/>
-          </p:nvPr>
-        </p:nvPicPr>
-        <p:blipFill>
-          <a:blip r:embed="rId2"/>
-          <a:stretch>
-            <a:fillRect/>
-          </a:stretch>
-        </p:blipFill>
-        <p:spPr>
-          <a:xfrm>
-            <a:off x="532494" y="2133600"/>
-            <a:ext cx="8154306" cy="3733800"/>
-          </a:xfrm>
-          <a:prstGeom prst="rect">
-            <a:avLst/>
-          </a:prstGeom>
-        </p:spPr>
-      </p:pic>
-    </p:spTree>
-    <p:extLst>
-      <p:ext uri="{BB962C8B-B14F-4D97-AF65-F5344CB8AC3E}">
-        <p14:creationId xmlns:p14="http://schemas.microsoft.com/office/powerpoint/2010/main" val="1814519576"/>
-      </p:ext>
-    </p:extLst>
-  </p:cSld>
-  <p:clrMapOvr>
-    <a:masterClrMapping/>
-  </p:clrMapOvr>
-</p:sld>
-</file>
-
-<file path=ppt/slides/slide42.xml><?xml version="1.0" encoding="utf-8"?>
-<p:sld xmlns:a="http://schemas.openxmlformats.org/drawingml/2006/main" xmlns:r="http://schemas.openxmlformats.org/officeDocument/2006/relationships" xmlns:p="http://schemas.openxmlformats.org/presentationml/2006/main">
-  <p:cSld>
-    <p:spTree>
-      <p:nvGrpSpPr>
-        <p:cNvPr id="1" name=""/>
-        <p:cNvGrpSpPr/>
-        <p:nvPr/>
-      </p:nvGrpSpPr>
-      <p:grpSpPr>
-        <a:xfrm>
-          <a:off x="0" y="0"/>
-          <a:ext cx="0" cy="0"/>
-          <a:chOff x="0" y="0"/>
-          <a:chExt cx="0" cy="0"/>
-        </a:xfrm>
-      </p:grpSpPr>
-      <p:sp>
-        <p:nvSpPr>
-          <p:cNvPr id="2" name="Title 1"/>
-          <p:cNvSpPr>
-            <a:spLocks noGrp="1"/>
-          </p:cNvSpPr>
-          <p:nvPr>
-            <p:ph type="title"/>
-          </p:nvPr>
-        </p:nvSpPr>
-        <p:spPr/>
-        <p:txBody>
-          <a:bodyPr/>
-          <a:lstStyle/>
-          <a:p>
-            <a:endParaRPr lang="en-US"/>
-          </a:p>
-        </p:txBody>
-      </p:sp>
-      <p:sp>
-        <p:nvSpPr>
-          <p:cNvPr id="3" name="Content Placeholder 2"/>
-          <p:cNvSpPr>
-            <a:spLocks noGrp="1"/>
-          </p:cNvSpPr>
-          <p:nvPr>
-            <p:ph idx="1"/>
-          </p:nvPr>
-        </p:nvSpPr>
-        <p:spPr/>
-        <p:txBody>
-          <a:bodyPr>
-            <a:normAutofit lnSpcReduction="10000"/>
-          </a:bodyPr>
-          <a:lstStyle/>
-          <a:p>
-            <a:pPr marL="0" indent="0">
-              <a:buNone/>
-            </a:pPr>
-            <a:r>
-              <a:rPr lang="en-US" dirty="0" smtClean="0"/>
-              <a:t>such names duplicate the information a developer could get just by looking at the target class; they break the “Don’t Repeat Yourself” principle [Hunt99]. </a:t>
-            </a:r>
-          </a:p>
-          <a:p>
-            <a:pPr marL="0" indent="0">
-              <a:buNone/>
-            </a:pPr>
-            <a:endParaRPr lang="en-US" dirty="0"/>
-          </a:p>
-          <a:p>
-            <a:pPr marL="0" indent="0">
-              <a:buNone/>
-            </a:pPr>
-            <a:r>
-              <a:rPr lang="en-US" dirty="0" smtClean="0"/>
-              <a:t>We don’t need to know that </a:t>
-            </a:r>
-            <a:r>
-              <a:rPr lang="en-US" dirty="0" err="1" smtClean="0"/>
-              <a:t>TargetObject</a:t>
-            </a:r>
-            <a:r>
-              <a:rPr lang="en-US" dirty="0" smtClean="0"/>
-              <a:t> has a choose() method—we need to know what the object does in different situations, what the method is for.</a:t>
-            </a:r>
-            <a:endParaRPr lang="en-US" dirty="0"/>
-          </a:p>
-        </p:txBody>
-      </p:sp>
-    </p:spTree>
-    <p:extLst>
-      <p:ext uri="{BB962C8B-B14F-4D97-AF65-F5344CB8AC3E}">
-        <p14:creationId xmlns:p14="http://schemas.microsoft.com/office/powerpoint/2010/main" val="3306560360"/>
-      </p:ext>
-    </p:extLst>
-  </p:cSld>
-  <p:clrMapOvr>
-    <a:masterClrMapping/>
-  </p:clrMapOvr>
-</p:sld>
-</file>
-
-<file path=ppt/slides/slide43.xml><?xml version="1.0" encoding="utf-8"?>
-<p:sld xmlns:a="http://schemas.openxmlformats.org/drawingml/2006/main" xmlns:r="http://schemas.openxmlformats.org/officeDocument/2006/relationships" xmlns:p="http://schemas.openxmlformats.org/presentationml/2006/main">
-  <p:cSld>
-    <p:spTree>
-      <p:nvGrpSpPr>
-        <p:cNvPr id="1" name=""/>
-        <p:cNvGrpSpPr/>
-        <p:nvPr/>
-      </p:nvGrpSpPr>
-      <p:grpSpPr>
-        <a:xfrm>
-          <a:off x="0" y="0"/>
-          <a:ext cx="0" cy="0"/>
-          <a:chOff x="0" y="0"/>
-          <a:chExt cx="0" cy="0"/>
-        </a:xfrm>
-      </p:grpSpPr>
-      <p:sp>
-        <p:nvSpPr>
-          <p:cNvPr id="2" name="Title 1"/>
-          <p:cNvSpPr>
-            <a:spLocks noGrp="1"/>
-          </p:cNvSpPr>
-          <p:nvPr>
-            <p:ph type="title"/>
-          </p:nvPr>
-        </p:nvSpPr>
-        <p:spPr/>
-        <p:txBody>
-          <a:bodyPr/>
-          <a:lstStyle/>
-          <a:p>
             <a:endParaRPr lang="en-US"/>
           </a:p>
         </p:txBody>
@@ -12466,7 +12053,7 @@
 </p:sld>
 </file>
 
-<file path=ppt/slides/slide44.xml><?xml version="1.0" encoding="utf-8"?>
+<file path=ppt/slides/slide41.xml><?xml version="1.0" encoding="utf-8"?>
 <p:sld xmlns:a="http://schemas.openxmlformats.org/drawingml/2006/main" xmlns:r="http://schemas.openxmlformats.org/officeDocument/2006/relationships" xmlns:p="http://schemas.openxmlformats.org/presentationml/2006/main">
   <p:cSld>
     <p:spTree>
@@ -12541,6 +12128,297 @@
 </p:sld>
 </file>
 
+<file path=ppt/slides/slide42.xml><?xml version="1.0" encoding="utf-8"?>
+<p:sld xmlns:a="http://schemas.openxmlformats.org/drawingml/2006/main" xmlns:r="http://schemas.openxmlformats.org/officeDocument/2006/relationships" xmlns:p="http://schemas.openxmlformats.org/presentationml/2006/main">
+  <p:cSld>
+    <p:spTree>
+      <p:nvGrpSpPr>
+        <p:cNvPr id="1" name=""/>
+        <p:cNvGrpSpPr/>
+        <p:nvPr/>
+      </p:nvGrpSpPr>
+      <p:grpSpPr>
+        <a:xfrm>
+          <a:off x="0" y="0"/>
+          <a:ext cx="0" cy="0"/>
+          <a:chOff x="0" y="0"/>
+          <a:chExt cx="0" cy="0"/>
+        </a:xfrm>
+      </p:grpSpPr>
+      <p:sp>
+        <p:nvSpPr>
+          <p:cNvPr id="2" name="Title 1"/>
+          <p:cNvSpPr>
+            <a:spLocks noGrp="1"/>
+          </p:cNvSpPr>
+          <p:nvPr>
+            <p:ph type="title"/>
+          </p:nvPr>
+        </p:nvSpPr>
+        <p:spPr/>
+        <p:txBody>
+          <a:bodyPr/>
+          <a:lstStyle/>
+          <a:p>
+            <a:endParaRPr lang="en-US"/>
+          </a:p>
+        </p:txBody>
+      </p:sp>
+      <p:sp>
+        <p:nvSpPr>
+          <p:cNvPr id="3" name="Content Placeholder 2"/>
+          <p:cNvSpPr>
+            <a:spLocks noGrp="1"/>
+          </p:cNvSpPr>
+          <p:nvPr>
+            <p:ph idx="1"/>
+          </p:nvPr>
+        </p:nvSpPr>
+        <p:spPr/>
+        <p:txBody>
+          <a:bodyPr/>
+          <a:lstStyle/>
+          <a:p>
+            <a:pPr marL="0" indent="0">
+              <a:buNone/>
+            </a:pPr>
+            <a:r>
+              <a:rPr lang="en-US" dirty="0" smtClean="0"/>
+              <a:t>These names can be as long as we like because they’re only called through reflection—we never have to type them in to call them. </a:t>
+            </a:r>
+          </a:p>
+          <a:p>
+            <a:pPr marL="0" indent="0">
+              <a:buNone/>
+            </a:pPr>
+            <a:endParaRPr lang="en-US" dirty="0"/>
+          </a:p>
+          <a:p>
+            <a:pPr marL="0" indent="0">
+              <a:buNone/>
+            </a:pPr>
+            <a:r>
+              <a:rPr lang="en-US" dirty="0" smtClean="0"/>
+              <a:t>The point of the convention is to encourage the developer to think in terms of what the target object does, not what it is.</a:t>
+            </a:r>
+            <a:endParaRPr lang="en-US" dirty="0"/>
+          </a:p>
+        </p:txBody>
+      </p:sp>
+    </p:spTree>
+    <p:extLst>
+      <p:ext uri="{BB962C8B-B14F-4D97-AF65-F5344CB8AC3E}">
+        <p14:creationId xmlns:p14="http://schemas.microsoft.com/office/powerpoint/2010/main" val="3336563957"/>
+      </p:ext>
+    </p:extLst>
+  </p:cSld>
+  <p:clrMapOvr>
+    <a:masterClrMapping/>
+  </p:clrMapOvr>
+</p:sld>
+</file>
+
+<file path=ppt/slides/slide43.xml><?xml version="1.0" encoding="utf-8"?>
+<p:sld xmlns:a="http://schemas.openxmlformats.org/drawingml/2006/main" xmlns:r="http://schemas.openxmlformats.org/officeDocument/2006/relationships" xmlns:p="http://schemas.openxmlformats.org/presentationml/2006/main">
+  <p:cSld>
+    <p:spTree>
+      <p:nvGrpSpPr>
+        <p:cNvPr id="1" name=""/>
+        <p:cNvGrpSpPr/>
+        <p:nvPr/>
+      </p:nvGrpSpPr>
+      <p:grpSpPr>
+        <a:xfrm>
+          <a:off x="0" y="0"/>
+          <a:ext cx="0" cy="0"/>
+          <a:chOff x="0" y="0"/>
+          <a:chExt cx="0" cy="0"/>
+        </a:xfrm>
+      </p:grpSpPr>
+      <p:sp>
+        <p:nvSpPr>
+          <p:cNvPr id="2" name="Title 1"/>
+          <p:cNvSpPr>
+            <a:spLocks noGrp="1"/>
+          </p:cNvSpPr>
+          <p:nvPr>
+            <p:ph type="title"/>
+          </p:nvPr>
+        </p:nvSpPr>
+        <p:spPr/>
+        <p:txBody>
+          <a:bodyPr/>
+          <a:lstStyle/>
+          <a:p>
+            <a:r>
+              <a:rPr lang="en-US" dirty="0" smtClean="0"/>
+              <a:t>Use Structure to share</a:t>
+            </a:r>
+            <a:endParaRPr lang="en-US" dirty="0"/>
+          </a:p>
+        </p:txBody>
+      </p:sp>
+      <p:sp>
+        <p:nvSpPr>
+          <p:cNvPr id="3" name="Content Placeholder 2"/>
+          <p:cNvSpPr>
+            <a:spLocks noGrp="1"/>
+          </p:cNvSpPr>
+          <p:nvPr>
+            <p:ph idx="1"/>
+          </p:nvPr>
+        </p:nvSpPr>
+        <p:spPr/>
+        <p:txBody>
+          <a:bodyPr/>
+          <a:lstStyle/>
+          <a:p>
+            <a:pPr marL="0" indent="0">
+              <a:buNone/>
+            </a:pPr>
+            <a:r>
+              <a:rPr lang="en-US" dirty="0" smtClean="0"/>
+              <a:t>We also extract common features into methods that can be shared between tests for setting up values, tearing down state, making assertions, and occasionally triggering the </a:t>
+            </a:r>
+            <a:r>
+              <a:rPr lang="en-US" dirty="0" smtClean="0"/>
+              <a:t>event.</a:t>
+            </a:r>
+            <a:endParaRPr lang="en-US" dirty="0" smtClean="0"/>
+          </a:p>
+          <a:p>
+            <a:pPr marL="0" indent="0">
+              <a:buNone/>
+            </a:pPr>
+            <a:endParaRPr lang="en-US" dirty="0"/>
+          </a:p>
+        </p:txBody>
+      </p:sp>
+    </p:spTree>
+    <p:extLst>
+      <p:ext uri="{BB962C8B-B14F-4D97-AF65-F5344CB8AC3E}">
+        <p14:creationId xmlns:p14="http://schemas.microsoft.com/office/powerpoint/2010/main" val="1820980957"/>
+      </p:ext>
+    </p:extLst>
+  </p:cSld>
+  <p:clrMapOvr>
+    <a:masterClrMapping/>
+  </p:clrMapOvr>
+</p:sld>
+</file>
+
+<file path=ppt/slides/slide44.xml><?xml version="1.0" encoding="utf-8"?>
+<p:sld xmlns:a="http://schemas.openxmlformats.org/drawingml/2006/main" xmlns:r="http://schemas.openxmlformats.org/officeDocument/2006/relationships" xmlns:p="http://schemas.openxmlformats.org/presentationml/2006/main">
+  <p:cSld>
+    <p:spTree>
+      <p:nvGrpSpPr>
+        <p:cNvPr id="1" name=""/>
+        <p:cNvGrpSpPr/>
+        <p:nvPr/>
+      </p:nvGrpSpPr>
+      <p:grpSpPr>
+        <a:xfrm>
+          <a:off x="0" y="0"/>
+          <a:ext cx="0" cy="0"/>
+          <a:chOff x="0" y="0"/>
+          <a:chExt cx="0" cy="0"/>
+        </a:xfrm>
+      </p:grpSpPr>
+      <p:sp>
+        <p:nvSpPr>
+          <p:cNvPr id="2" name="Title 1"/>
+          <p:cNvSpPr>
+            <a:spLocks noGrp="1"/>
+          </p:cNvSpPr>
+          <p:nvPr>
+            <p:ph type="title"/>
+          </p:nvPr>
+        </p:nvSpPr>
+        <p:spPr/>
+        <p:txBody>
+          <a:bodyPr/>
+          <a:lstStyle/>
+          <a:p>
+            <a:r>
+              <a:rPr lang="en-US" dirty="0" smtClean="0"/>
+              <a:t>Test Structure</a:t>
+            </a:r>
+            <a:endParaRPr lang="en-US" dirty="0"/>
+          </a:p>
+        </p:txBody>
+      </p:sp>
+      <p:sp>
+        <p:nvSpPr>
+          <p:cNvPr id="3" name="Content Placeholder 2"/>
+          <p:cNvSpPr>
+            <a:spLocks noGrp="1"/>
+          </p:cNvSpPr>
+          <p:nvPr>
+            <p:ph idx="1"/>
+          </p:nvPr>
+        </p:nvSpPr>
+        <p:spPr/>
+        <p:txBody>
+          <a:bodyPr>
+            <a:normAutofit/>
+          </a:bodyPr>
+          <a:lstStyle/>
+          <a:p>
+            <a:pPr marL="0" indent="0">
+              <a:buNone/>
+            </a:pPr>
+            <a:r>
+              <a:rPr lang="en-US" dirty="0" smtClean="0"/>
+              <a:t>1. Setup: prepare the context of the test, the environment in which the target code will run; </a:t>
+            </a:r>
+          </a:p>
+          <a:p>
+            <a:pPr marL="0" indent="0">
+              <a:buNone/>
+            </a:pPr>
+            <a:r>
+              <a:rPr lang="en-US" dirty="0" smtClean="0"/>
+              <a:t>2. Execute: call the target code, triggering the tested behavior; </a:t>
+            </a:r>
+          </a:p>
+          <a:p>
+            <a:pPr marL="0" indent="0">
+              <a:buNone/>
+            </a:pPr>
+            <a:r>
+              <a:rPr lang="en-US" dirty="0" smtClean="0"/>
+              <a:t>3. Verify: check for a visible effect that we expect from the behavior; and, </a:t>
+            </a:r>
+          </a:p>
+          <a:p>
+            <a:pPr marL="0" indent="0">
+              <a:buNone/>
+            </a:pPr>
+            <a:r>
+              <a:rPr lang="en-US" dirty="0" smtClean="0"/>
+              <a:t>4. Teardown: clean up any leftover state that might corrupt other tests</a:t>
+            </a:r>
+            <a:r>
+              <a:rPr lang="en-US" dirty="0" smtClean="0"/>
+              <a:t>.</a:t>
+            </a:r>
+            <a:endParaRPr lang="en-US" dirty="0" smtClean="0"/>
+          </a:p>
+        </p:txBody>
+      </p:sp>
+    </p:spTree>
+    <p:extLst>
+      <p:ext uri="{BB962C8B-B14F-4D97-AF65-F5344CB8AC3E}">
+        <p14:creationId xmlns:p14="http://schemas.microsoft.com/office/powerpoint/2010/main" val="1151330143"/>
+      </p:ext>
+    </p:extLst>
+  </p:cSld>
+  <p:clrMapOvr>
+    <a:masterClrMapping/>
+  </p:clrMapOvr>
+</p:sld>
+</file>
+
 <file path=ppt/slides/slide45.xml><?xml version="1.0" encoding="utf-8"?>
 <p:sld xmlns:a="http://schemas.openxmlformats.org/drawingml/2006/main" xmlns:r="http://schemas.openxmlformats.org/officeDocument/2006/relationships" xmlns:p="http://schemas.openxmlformats.org/presentationml/2006/main">
   <p:cSld>
@@ -12570,64 +12448,123 @@
         </p:nvSpPr>
         <p:spPr/>
         <p:txBody>
-          <a:bodyPr/>
-          <a:lstStyle/>
-          <a:p>
+          <a:bodyPr>
+            <a:normAutofit fontScale="90000"/>
+          </a:bodyPr>
+          <a:lstStyle/>
+          <a:p>
+            <a:r>
+              <a:rPr lang="en-US" dirty="0" smtClean="0"/>
+              <a:t>Keeping Test Clean</a:t>
+            </a:r>
+            <a:br>
+              <a:rPr lang="en-US" dirty="0" smtClean="0"/>
+            </a:br>
+            <a:endParaRPr lang="en-US" dirty="0"/>
+          </a:p>
+        </p:txBody>
+      </p:sp>
+      <p:sp>
+        <p:nvSpPr>
+          <p:cNvPr id="3" name="Content Placeholder 2"/>
+          <p:cNvSpPr>
+            <a:spLocks noGrp="1"/>
+          </p:cNvSpPr>
+          <p:nvPr>
+            <p:ph idx="1"/>
+          </p:nvPr>
+        </p:nvSpPr>
+        <p:spPr/>
+        <p:txBody>
+          <a:bodyPr>
+            <a:normAutofit/>
+          </a:bodyPr>
+          <a:lstStyle/>
+          <a:p>
+            <a:pPr marL="0" lvl="1" indent="0">
+              <a:buNone/>
+            </a:pPr>
+            <a:r>
+              <a:rPr lang="en-US" dirty="0" smtClean="0"/>
+              <a:t>Test code is just as important as production code. It is not second class citizen.</a:t>
+            </a:r>
+          </a:p>
+          <a:p>
+            <a:pPr marL="0" lvl="1" indent="0">
+              <a:buNone/>
+            </a:pPr>
+            <a:endParaRPr lang="en-US" dirty="0" smtClean="0"/>
+          </a:p>
+          <a:p>
+            <a:pPr marL="0" lvl="1" indent="0">
+              <a:buNone/>
+            </a:pPr>
+            <a:r>
+              <a:rPr lang="en-US" sz="3200" b="1" u="sng" dirty="0" smtClean="0"/>
+              <a:t>What makes test clean </a:t>
+            </a:r>
+          </a:p>
+          <a:p>
+            <a:pPr marL="0" lvl="1" indent="0">
+              <a:buNone/>
+            </a:pPr>
+            <a:endParaRPr lang="en-US" dirty="0" smtClean="0"/>
+          </a:p>
+          <a:p>
+            <a:pPr marL="0" lvl="1" indent="0">
+              <a:buNone/>
+            </a:pPr>
+            <a:r>
+              <a:rPr lang="en-US" dirty="0" smtClean="0"/>
+              <a:t>Readability ,  Clarity , simplicity and density of                  expression</a:t>
+            </a:r>
+          </a:p>
+          <a:p>
+            <a:endParaRPr lang="en-US" dirty="0"/>
+          </a:p>
+        </p:txBody>
+      </p:sp>
+      <p:sp>
+        <p:nvSpPr>
+          <p:cNvPr id="4" name="Slide Number Placeholder 3"/>
+          <p:cNvSpPr>
+            <a:spLocks noGrp="1"/>
+          </p:cNvSpPr>
+          <p:nvPr>
+            <p:ph type="sldNum" sz="quarter" idx="12"/>
+          </p:nvPr>
+        </p:nvSpPr>
+        <p:spPr/>
+        <p:txBody>
+          <a:bodyPr/>
+          <a:lstStyle/>
+          <a:p>
+            <a:fld id="{2387B7E2-7538-4163-9310-D5E6EE1BC12A}" type="slidenum">
+              <a:rPr lang="en-US" smtClean="0"/>
+              <a:pPr/>
+              <a:t>45</a:t>
+            </a:fld>
             <a:endParaRPr lang="en-US"/>
-          </a:p>
-        </p:txBody>
-      </p:sp>
-      <p:sp>
-        <p:nvSpPr>
-          <p:cNvPr id="3" name="Content Placeholder 2"/>
-          <p:cNvSpPr>
-            <a:spLocks noGrp="1"/>
-          </p:cNvSpPr>
-          <p:nvPr>
-            <p:ph idx="1"/>
-          </p:nvPr>
-        </p:nvSpPr>
-        <p:spPr/>
-        <p:txBody>
-          <a:bodyPr/>
-          <a:lstStyle/>
-          <a:p>
-            <a:pPr marL="0" indent="0">
-              <a:buNone/>
-            </a:pPr>
-            <a:r>
-              <a:rPr lang="en-US" dirty="0" smtClean="0"/>
-              <a:t>These names can be as long as we like because they’re only called through reflection—we never have to type them in to call them. </a:t>
-            </a:r>
-          </a:p>
-          <a:p>
-            <a:pPr marL="0" indent="0">
-              <a:buNone/>
-            </a:pPr>
-            <a:endParaRPr lang="en-US" dirty="0"/>
-          </a:p>
-          <a:p>
-            <a:pPr marL="0" indent="0">
-              <a:buNone/>
-            </a:pPr>
-            <a:r>
-              <a:rPr lang="en-US" dirty="0" smtClean="0"/>
-              <a:t>The point of the convention is to encourage the developer to think in terms of what the target object does, not what it is.</a:t>
-            </a:r>
-            <a:endParaRPr lang="en-US" dirty="0"/>
           </a:p>
         </p:txBody>
       </p:sp>
     </p:spTree>
     <p:extLst>
       <p:ext uri="{BB962C8B-B14F-4D97-AF65-F5344CB8AC3E}">
-        <p14:creationId xmlns:p14="http://schemas.microsoft.com/office/powerpoint/2010/main" val="3336563957"/>
+        <p14:creationId xmlns:p14="http://schemas.microsoft.com/office/powerpoint/2010/main" val="3069588640"/>
       </p:ext>
     </p:extLst>
   </p:cSld>
   <p:clrMapOvr>
     <a:masterClrMapping/>
   </p:clrMapOvr>
+  <p:timing>
+    <p:tnLst>
+      <p:par>
+        <p:cTn id="1" dur="indefinite" restart="never" nodeType="tmRoot"/>
+      </p:par>
+    </p:tnLst>
+  </p:timing>
 </p:sld>
 </file>
 
@@ -12658,15 +12595,25 @@
             <p:ph type="title"/>
           </p:nvPr>
         </p:nvSpPr>
-        <p:spPr/>
-        <p:txBody>
-          <a:bodyPr/>
+        <p:spPr>
+          <a:xfrm>
+            <a:off x="457200" y="274638"/>
+            <a:ext cx="8229600" cy="792162"/>
+          </a:xfrm>
+        </p:spPr>
+        <p:txBody>
+          <a:bodyPr>
+            <a:normAutofit fontScale="90000"/>
+          </a:bodyPr>
           <a:lstStyle/>
           <a:p>
             <a:r>
               <a:rPr lang="en-US" dirty="0" smtClean="0"/>
-              <a:t>Test Structure</a:t>
-            </a:r>
+              <a:t>F.I.R.S.T</a:t>
+            </a:r>
+            <a:br>
+              <a:rPr lang="en-US" dirty="0" smtClean="0"/>
+            </a:br>
             <a:endParaRPr lang="en-US" dirty="0"/>
           </a:p>
         </p:txBody>
@@ -12681,78 +12628,158 @@
             <p:ph idx="1"/>
           </p:nvPr>
         </p:nvSpPr>
-        <p:spPr/>
+        <p:spPr>
+          <a:xfrm>
+            <a:off x="381000" y="1219200"/>
+            <a:ext cx="8229600" cy="5638800"/>
+          </a:xfrm>
+        </p:spPr>
         <p:txBody>
           <a:bodyPr>
-            <a:normAutofit lnSpcReduction="10000"/>
+            <a:noAutofit/>
           </a:bodyPr>
           <a:lstStyle/>
           <a:p>
-            <a:pPr marL="0" indent="0">
+            <a:pPr>
               <a:buNone/>
             </a:pPr>
             <a:r>
-              <a:rPr lang="en-US" dirty="0" smtClean="0"/>
-              <a:t>1. Setup: prepare the context of the test, the environment in which the target code will run; </a:t>
-            </a:r>
-          </a:p>
-          <a:p>
-            <a:pPr marL="0" indent="0">
+              <a:rPr lang="en-US" sz="1900" b="1" i="1" u="sng" dirty="0" smtClean="0"/>
+              <a:t>Fast </a:t>
+            </a:r>
+          </a:p>
+          <a:p>
+            <a:pPr>
               <a:buNone/>
             </a:pPr>
             <a:r>
-              <a:rPr lang="en-US" dirty="0" smtClean="0"/>
-              <a:t>2. Execute: call the target code, triggering the tested behavior; </a:t>
-            </a:r>
-          </a:p>
-          <a:p>
-            <a:pPr marL="0" indent="0">
+              <a:rPr lang="en-US" sz="1900" b="1" dirty="0" smtClean="0"/>
+              <a:t>    </a:t>
+            </a:r>
+            <a:r>
+              <a:rPr lang="en-US" sz="1900" dirty="0" smtClean="0"/>
+              <a:t>Tests should be fast. They should run quickly. </a:t>
+            </a:r>
+          </a:p>
+          <a:p>
+            <a:pPr>
               <a:buNone/>
             </a:pPr>
-            <a:r>
-              <a:rPr lang="en-US" dirty="0" smtClean="0"/>
-              <a:t>3. Verify: check for a visible effect that we expect from the behavior; and, </a:t>
-            </a:r>
-          </a:p>
-          <a:p>
-            <a:pPr marL="0" indent="0">
+            <a:endParaRPr lang="en-US" sz="1900" dirty="0" smtClean="0"/>
+          </a:p>
+          <a:p>
+            <a:pPr>
               <a:buNone/>
             </a:pPr>
             <a:r>
-              <a:rPr lang="en-US" dirty="0" smtClean="0"/>
-              <a:t>4. Teardown: clean up any leftover state that might corrupt other tests.</a:t>
-            </a:r>
-          </a:p>
-          <a:p>
-            <a:pPr marL="0" indent="0">
+              <a:rPr lang="en-US" sz="1900" dirty="0" smtClean="0"/>
+              <a:t>	When tests run slow, you won’t want to run them frequently. If you don’t run them frequently, you won’t find problems early enough to fix them easily. You won’t feel as free to clean up the code. Eventually the code will begin to rot.</a:t>
+            </a:r>
+          </a:p>
+          <a:p>
+            <a:pPr>
               <a:buNone/>
             </a:pPr>
-            <a:r>
-              <a:rPr lang="en-US" dirty="0" smtClean="0">
-                <a:solidFill>
-                  <a:srgbClr val="FF0000"/>
-                </a:solidFill>
-              </a:rPr>
-              <a:t>Develop code example : Done</a:t>
-            </a:r>
-            <a:endParaRPr lang="en-US" dirty="0">
-              <a:solidFill>
-                <a:srgbClr val="FF0000"/>
-              </a:solidFill>
-            </a:endParaRPr>
+            <a:endParaRPr lang="en-US" sz="1900" dirty="0" smtClean="0"/>
+          </a:p>
+          <a:p>
+            <a:pPr>
+              <a:buNone/>
+            </a:pPr>
+            <a:r>
+              <a:rPr lang="en-US" sz="1900" b="1" i="1" u="sng" dirty="0" smtClean="0"/>
+              <a:t>Independent </a:t>
+            </a:r>
+          </a:p>
+          <a:p>
+            <a:pPr>
+              <a:buNone/>
+            </a:pPr>
+            <a:r>
+              <a:rPr lang="en-US" sz="1900" b="1" dirty="0" smtClean="0"/>
+              <a:t>     </a:t>
+            </a:r>
+            <a:r>
+              <a:rPr lang="en-US" sz="1900" dirty="0" smtClean="0"/>
+              <a:t>Tests should not depend on each other. </a:t>
+            </a:r>
+          </a:p>
+          <a:p>
+            <a:pPr>
+              <a:buNone/>
+            </a:pPr>
+            <a:r>
+              <a:rPr lang="en-US" sz="1900" dirty="0" smtClean="0"/>
+              <a:t>	</a:t>
+            </a:r>
+          </a:p>
+          <a:p>
+            <a:pPr>
+              <a:buNone/>
+            </a:pPr>
+            <a:r>
+              <a:rPr lang="en-US" sz="1900" dirty="0" smtClean="0"/>
+              <a:t>	One test should not set up the conditions for the next test. You should be able to run each test independently and run the tests in any order you like. </a:t>
+            </a:r>
+          </a:p>
+          <a:p>
+            <a:pPr>
+              <a:buNone/>
+            </a:pPr>
+            <a:endParaRPr lang="en-US" sz="1900" dirty="0" smtClean="0"/>
+          </a:p>
+          <a:p>
+            <a:pPr>
+              <a:buNone/>
+            </a:pPr>
+            <a:r>
+              <a:rPr lang="en-US" sz="1900" dirty="0" smtClean="0"/>
+              <a:t>	When tests depend on each other, then the first one to fail causes a cascade of downstream failures, making diagnosis difficult and hiding downstream defects.</a:t>
+            </a:r>
+          </a:p>
+        </p:txBody>
+      </p:sp>
+      <p:sp>
+        <p:nvSpPr>
+          <p:cNvPr id="4" name="Slide Number Placeholder 3"/>
+          <p:cNvSpPr>
+            <a:spLocks noGrp="1"/>
+          </p:cNvSpPr>
+          <p:nvPr>
+            <p:ph type="sldNum" sz="quarter" idx="12"/>
+          </p:nvPr>
+        </p:nvSpPr>
+        <p:spPr/>
+        <p:txBody>
+          <a:bodyPr/>
+          <a:lstStyle/>
+          <a:p>
+            <a:fld id="{2387B7E2-7538-4163-9310-D5E6EE1BC12A}" type="slidenum">
+              <a:rPr lang="en-US" smtClean="0"/>
+              <a:pPr/>
+              <a:t>46</a:t>
+            </a:fld>
+            <a:endParaRPr lang="en-US"/>
           </a:p>
         </p:txBody>
       </p:sp>
     </p:spTree>
     <p:extLst>
       <p:ext uri="{BB962C8B-B14F-4D97-AF65-F5344CB8AC3E}">
-        <p14:creationId xmlns:p14="http://schemas.microsoft.com/office/powerpoint/2010/main" val="1151330143"/>
+        <p14:creationId xmlns:p14="http://schemas.microsoft.com/office/powerpoint/2010/main" val="4129828669"/>
       </p:ext>
     </p:extLst>
   </p:cSld>
   <p:clrMapOvr>
     <a:masterClrMapping/>
   </p:clrMapOvr>
+  <p:timing>
+    <p:tnLst>
+      <p:par>
+        <p:cTn id="1" dur="indefinite" restart="never" nodeType="tmRoot"/>
+      </p:par>
+    </p:tnLst>
+  </p:timing>
 </p:sld>
 </file>
 
@@ -12775,29 +12802,6 @@
       </p:grpSpPr>
       <p:sp>
         <p:nvSpPr>
-          <p:cNvPr id="2" name="Title 1"/>
-          <p:cNvSpPr>
-            <a:spLocks noGrp="1"/>
-          </p:cNvSpPr>
-          <p:nvPr>
-            <p:ph type="title"/>
-          </p:nvPr>
-        </p:nvSpPr>
-        <p:spPr/>
-        <p:txBody>
-          <a:bodyPr/>
-          <a:lstStyle/>
-          <a:p>
-            <a:r>
-              <a:rPr lang="en-US" dirty="0" smtClean="0"/>
-              <a:t>Use Structure to share</a:t>
-            </a:r>
-            <a:endParaRPr lang="en-US" dirty="0"/>
-          </a:p>
-        </p:txBody>
-      </p:sp>
-      <p:sp>
-        <p:nvSpPr>
           <p:cNvPr id="3" name="Content Placeholder 2"/>
           <p:cNvSpPr>
             <a:spLocks noGrp="1"/>
@@ -12806,55 +12810,150 @@
             <p:ph idx="1"/>
           </p:nvPr>
         </p:nvSpPr>
-        <p:spPr/>
-        <p:txBody>
-          <a:bodyPr/>
-          <a:lstStyle/>
+        <p:spPr>
+          <a:xfrm>
+            <a:off x="609600" y="228600"/>
+            <a:ext cx="7772400" cy="6248400"/>
+          </a:xfrm>
+        </p:spPr>
+        <p:txBody>
+          <a:bodyPr>
+            <a:noAutofit/>
+          </a:bodyPr>
+          <a:lstStyle/>
+          <a:p>
+            <a:pPr>
+              <a:lnSpc>
+                <a:spcPct val="80000"/>
+              </a:lnSpc>
+              <a:buNone/>
+            </a:pPr>
+            <a:r>
+              <a:rPr lang="en-US" sz="1900" b="1" i="1" u="sng" dirty="0" smtClean="0"/>
+              <a:t>Repeatable </a:t>
+            </a:r>
+            <a:endParaRPr lang="en-US" sz="1900" dirty="0" smtClean="0"/>
+          </a:p>
           <a:p>
             <a:pPr marL="0" indent="0">
               <a:buNone/>
             </a:pPr>
             <a:r>
-              <a:rPr lang="en-US" dirty="0" smtClean="0"/>
-              <a:t>We also extract common features into methods that can be shared between tests for setting up values, tearing down state, making assertions, and occasionally triggering the event</a:t>
+              <a:rPr lang="en-US" sz="1900" dirty="0" smtClean="0"/>
+              <a:t>Tests should be repeatable in any environment. You should be able to run the tests in the production environment, in the QA environment, without a network.</a:t>
             </a:r>
           </a:p>
           <a:p>
             <a:pPr marL="0" indent="0">
               <a:buNone/>
             </a:pPr>
-            <a:endParaRPr lang="en-US" dirty="0"/>
+            <a:endParaRPr lang="en-US" sz="1900" dirty="0" smtClean="0"/>
           </a:p>
           <a:p>
             <a:pPr marL="0" indent="0">
               <a:buNone/>
             </a:pPr>
             <a:r>
-              <a:rPr lang="en-US" dirty="0" smtClean="0">
-                <a:solidFill>
-                  <a:srgbClr val="FF0000"/>
-                </a:solidFill>
-              </a:rPr>
-              <a:t>Develop code example for a domain specific assert</a:t>
-            </a:r>
-            <a:endParaRPr lang="en-US" dirty="0">
-              <a:solidFill>
-                <a:srgbClr val="FF0000"/>
-              </a:solidFill>
-            </a:endParaRPr>
+              <a:rPr lang="en-US" sz="1900" dirty="0" smtClean="0"/>
+              <a:t> If your tests aren’t repeatable in any environment, then you’ll always have an excuse for why they fail. You’ll also find yourself unable  to run the tests when the environment isn’t available.</a:t>
+            </a:r>
+          </a:p>
+          <a:p>
+            <a:pPr>
+              <a:lnSpc>
+                <a:spcPct val="80000"/>
+              </a:lnSpc>
+              <a:buNone/>
+            </a:pPr>
+            <a:endParaRPr lang="en-US" sz="1900" b="1" i="1" u="sng" dirty="0" smtClean="0"/>
+          </a:p>
+          <a:p>
+            <a:pPr>
+              <a:lnSpc>
+                <a:spcPct val="80000"/>
+              </a:lnSpc>
+              <a:buNone/>
+            </a:pPr>
+            <a:r>
+              <a:rPr lang="en-US" sz="1900" b="1" i="1" u="sng" dirty="0" smtClean="0"/>
+              <a:t>Self-Validating </a:t>
+            </a:r>
+          </a:p>
+          <a:p>
+            <a:pPr marL="0" indent="0">
+              <a:buNone/>
+            </a:pPr>
+            <a:r>
+              <a:rPr lang="en-US" sz="1900" dirty="0" smtClean="0"/>
+              <a:t>The tests should have a </a:t>
+            </a:r>
+            <a:r>
+              <a:rPr lang="en-US" sz="1900" dirty="0" err="1" smtClean="0"/>
+              <a:t>boolean</a:t>
+            </a:r>
+            <a:r>
+              <a:rPr lang="en-US" sz="1900" dirty="0" smtClean="0"/>
+              <a:t> output. Either they pass or fail. </a:t>
+            </a:r>
+          </a:p>
+          <a:p>
+            <a:pPr marL="0" indent="0">
+              <a:buNone/>
+            </a:pPr>
+            <a:endParaRPr lang="en-US" sz="1900" dirty="0" smtClean="0"/>
+          </a:p>
+          <a:p>
+            <a:pPr marL="0" indent="0">
+              <a:buNone/>
+            </a:pPr>
+            <a:r>
+              <a:rPr lang="en-US" sz="1900" dirty="0" smtClean="0"/>
+              <a:t>You should not have to read through a log file to tell whether the tests pass. If the tests aren’t self-validating, then failure can become subjective and running the tests can require a long manual evaluation.</a:t>
+            </a:r>
+          </a:p>
+        </p:txBody>
+      </p:sp>
+      <p:sp>
+        <p:nvSpPr>
+          <p:cNvPr id="4" name="Slide Number Placeholder 3"/>
+          <p:cNvSpPr>
+            <a:spLocks noGrp="1"/>
+          </p:cNvSpPr>
+          <p:nvPr>
+            <p:ph type="sldNum" sz="quarter" idx="12"/>
+          </p:nvPr>
+        </p:nvSpPr>
+        <p:spPr/>
+        <p:txBody>
+          <a:bodyPr/>
+          <a:lstStyle/>
+          <a:p>
+            <a:fld id="{2387B7E2-7538-4163-9310-D5E6EE1BC12A}" type="slidenum">
+              <a:rPr lang="en-US" smtClean="0"/>
+              <a:pPr/>
+              <a:t>47</a:t>
+            </a:fld>
+            <a:endParaRPr lang="en-US"/>
           </a:p>
         </p:txBody>
       </p:sp>
     </p:spTree>
     <p:extLst>
       <p:ext uri="{BB962C8B-B14F-4D97-AF65-F5344CB8AC3E}">
-        <p14:creationId xmlns:p14="http://schemas.microsoft.com/office/powerpoint/2010/main" val="1820980957"/>
+        <p14:creationId xmlns:p14="http://schemas.microsoft.com/office/powerpoint/2010/main" val="2320597189"/>
       </p:ext>
     </p:extLst>
   </p:cSld>
   <p:clrMapOvr>
     <a:masterClrMapping/>
   </p:clrMapOvr>
+  <p:timing>
+    <p:tnLst>
+      <p:par>
+        <p:cTn id="1" dur="indefinite" restart="never" nodeType="tmRoot"/>
+      </p:par>
+    </p:tnLst>
+  </p:timing>
 </p:sld>
 </file>
 
@@ -12877,100 +12976,62 @@
       </p:grpSpPr>
       <p:sp>
         <p:nvSpPr>
-          <p:cNvPr id="2" name="Title 1"/>
-          <p:cNvSpPr>
-            <a:spLocks noGrp="1"/>
-          </p:cNvSpPr>
-          <p:nvPr>
-            <p:ph type="title"/>
-          </p:nvPr>
-        </p:nvSpPr>
-        <p:spPr/>
-        <p:txBody>
-          <a:bodyPr/>
-          <a:lstStyle/>
-          <a:p>
+          <p:cNvPr id="3" name="Content Placeholder 2"/>
+          <p:cNvSpPr>
+            <a:spLocks noGrp="1"/>
+          </p:cNvSpPr>
+          <p:nvPr>
+            <p:ph idx="1"/>
+          </p:nvPr>
+        </p:nvSpPr>
+        <p:spPr>
+          <a:xfrm>
+            <a:off x="457200" y="1066800"/>
+            <a:ext cx="8229600" cy="5257800"/>
+          </a:xfrm>
+        </p:spPr>
+        <p:txBody>
+          <a:bodyPr/>
+          <a:lstStyle/>
+          <a:p>
+            <a:pPr>
+              <a:buNone/>
+            </a:pPr>
+            <a:r>
+              <a:rPr lang="en-US" sz="2500" b="1" i="1" u="sng" dirty="0" smtClean="0"/>
+              <a:t>Timely </a:t>
+            </a:r>
+          </a:p>
+          <a:p>
+            <a:pPr>
+              <a:buNone/>
+            </a:pPr>
             <a:r>
               <a:rPr lang="en-US" dirty="0" smtClean="0"/>
-              <a:t>Common test smells</a:t>
-            </a:r>
-            <a:endParaRPr lang="en-US" dirty="0"/>
-          </a:p>
-        </p:txBody>
-      </p:sp>
-      <p:sp>
-        <p:nvSpPr>
-          <p:cNvPr id="3" name="Content Placeholder 2"/>
-          <p:cNvSpPr>
-            <a:spLocks noGrp="1"/>
-          </p:cNvSpPr>
-          <p:nvPr>
-            <p:ph idx="1"/>
-          </p:nvPr>
-        </p:nvSpPr>
-        <p:spPr/>
-        <p:txBody>
-          <a:bodyPr/>
-          <a:lstStyle/>
-          <a:p>
-            <a:r>
-              <a:rPr lang="en-US" b="1" dirty="0" smtClean="0"/>
-              <a:t>Hard-to-Test Code</a:t>
-            </a:r>
-          </a:p>
-          <a:p>
-            <a:r>
-              <a:rPr lang="en-US" b="1" dirty="0"/>
-              <a:t>Fragile Test</a:t>
-            </a:r>
-          </a:p>
-          <a:p>
-            <a:r>
-              <a:rPr lang="en-US" b="1" dirty="0"/>
-              <a:t>Test Code </a:t>
-            </a:r>
-            <a:r>
-              <a:rPr lang="en-US" b="1" dirty="0" smtClean="0"/>
-              <a:t>Duplication</a:t>
-            </a:r>
-          </a:p>
-          <a:p>
-            <a:r>
-              <a:rPr lang="en-US" b="1" dirty="0"/>
-              <a:t>Slow </a:t>
-            </a:r>
-            <a:r>
-              <a:rPr lang="en-US" b="1" dirty="0" smtClean="0"/>
-              <a:t>Tests</a:t>
-            </a:r>
-          </a:p>
-          <a:p>
-            <a:r>
-              <a:rPr lang="en-US" b="1" dirty="0"/>
-              <a:t>Erratic </a:t>
-            </a:r>
-            <a:r>
-              <a:rPr lang="en-US" b="1" dirty="0" smtClean="0"/>
-              <a:t>Test</a:t>
-            </a:r>
-          </a:p>
-          <a:p>
-            <a:r>
-              <a:rPr lang="en-US" b="1" dirty="0"/>
-              <a:t>Conditional Test Logic</a:t>
-            </a:r>
-          </a:p>
-          <a:p>
-            <a:endParaRPr lang="en-US" b="1" dirty="0" smtClean="0"/>
-          </a:p>
-          <a:p>
-            <a:endParaRPr lang="en-US" b="1" dirty="0" smtClean="0"/>
-          </a:p>
-          <a:p>
-            <a:endParaRPr lang="en-US" b="1" dirty="0" smtClean="0"/>
-          </a:p>
-          <a:p>
-            <a:endParaRPr lang="en-US" dirty="0"/>
+              <a:t>	</a:t>
+            </a:r>
+            <a:r>
+              <a:rPr lang="en-US" sz="2500" dirty="0" smtClean="0"/>
+              <a:t>The tests need to be written in a timely fashion. Unit tests should be written just before the production code that makes them pass.</a:t>
+            </a:r>
+          </a:p>
+          <a:p>
+            <a:pPr>
+              <a:buNone/>
+            </a:pPr>
+            <a:endParaRPr lang="en-US" sz="2500" dirty="0" smtClean="0"/>
+          </a:p>
+          <a:p>
+            <a:pPr>
+              <a:buNone/>
+            </a:pPr>
+            <a:r>
+              <a:rPr lang="en-US" sz="2500" dirty="0" smtClean="0"/>
+              <a:t>	 If you write tests after the production code, then you may find the production code to be hard to test. You may decide that some production code is too hard to test. You may not design the production code to be testable.</a:t>
+            </a:r>
+          </a:p>
+          <a:p>
+            <a:endParaRPr lang="en-GB" dirty="0"/>
           </a:p>
         </p:txBody>
       </p:sp>
@@ -13001,13 +13062,20 @@
     </p:spTree>
     <p:extLst>
       <p:ext uri="{BB962C8B-B14F-4D97-AF65-F5344CB8AC3E}">
-        <p14:creationId xmlns:p14="http://schemas.microsoft.com/office/powerpoint/2010/main" val="3764183905"/>
+        <p14:creationId xmlns:p14="http://schemas.microsoft.com/office/powerpoint/2010/main" val="2829465321"/>
       </p:ext>
     </p:extLst>
   </p:cSld>
   <p:clrMapOvr>
     <a:masterClrMapping/>
   </p:clrMapOvr>
+  <p:timing>
+    <p:tnLst>
+      <p:par>
+        <p:cTn id="1" dur="indefinite" restart="never" nodeType="tmRoot"/>
+      </p:par>
+    </p:tnLst>
+  </p:timing>
 </p:sld>
 </file>
 
@@ -13045,41 +13113,85 @@
           <a:p>
             <a:r>
               <a:rPr lang="en-US" dirty="0" smtClean="0"/>
-              <a:t>Tools</a:t>
-            </a:r>
-            <a:endParaRPr lang="en-GB" dirty="0"/>
-          </a:p>
-        </p:txBody>
-      </p:sp>
-      <p:pic>
-        <p:nvPicPr>
-          <p:cNvPr id="4" name="Picture 2" descr="http://infrastructuretesting.files.wordpress.com/2013/02/swiss-knife.jpg"/>
-          <p:cNvPicPr>
-            <a:picLocks noChangeAspect="1" noChangeArrowheads="1"/>
-          </p:cNvPicPr>
-          <p:nvPr/>
-        </p:nvPicPr>
-        <p:blipFill>
-          <a:blip r:embed="rId2" cstate="print"/>
-          <a:srcRect/>
-          <a:stretch>
-            <a:fillRect/>
-          </a:stretch>
-        </p:blipFill>
-        <p:spPr bwMode="auto">
-          <a:xfrm>
-            <a:off x="1066800" y="1600200"/>
-            <a:ext cx="6629400" cy="4572000"/>
-          </a:xfrm>
-          <a:prstGeom prst="rect">
-            <a:avLst/>
-          </a:prstGeom>
-          <a:noFill/>
-        </p:spPr>
-      </p:pic>
-      <p:sp>
-        <p:nvSpPr>
-          <p:cNvPr id="5" name="Slide Number Placeholder 4"/>
+              <a:t>Common test smells</a:t>
+            </a:r>
+            <a:endParaRPr lang="en-US" dirty="0"/>
+          </a:p>
+        </p:txBody>
+      </p:sp>
+      <p:sp>
+        <p:nvSpPr>
+          <p:cNvPr id="3" name="Content Placeholder 2"/>
+          <p:cNvSpPr>
+            <a:spLocks noGrp="1"/>
+          </p:cNvSpPr>
+          <p:nvPr>
+            <p:ph idx="1"/>
+          </p:nvPr>
+        </p:nvSpPr>
+        <p:spPr/>
+        <p:txBody>
+          <a:bodyPr/>
+          <a:lstStyle/>
+          <a:p>
+            <a:r>
+              <a:rPr lang="en-US" b="1" dirty="0" smtClean="0"/>
+              <a:t>Hard-to-Test Code</a:t>
+            </a:r>
+          </a:p>
+          <a:p>
+            <a:r>
+              <a:rPr lang="en-US" b="1" dirty="0"/>
+              <a:t>Fragile Test</a:t>
+            </a:r>
+          </a:p>
+          <a:p>
+            <a:r>
+              <a:rPr lang="en-US" b="1" dirty="0"/>
+              <a:t>Test Code </a:t>
+            </a:r>
+            <a:r>
+              <a:rPr lang="en-US" b="1" dirty="0" smtClean="0"/>
+              <a:t>Duplication</a:t>
+            </a:r>
+          </a:p>
+          <a:p>
+            <a:r>
+              <a:rPr lang="en-US" b="1" dirty="0"/>
+              <a:t>Slow </a:t>
+            </a:r>
+            <a:r>
+              <a:rPr lang="en-US" b="1" dirty="0" smtClean="0"/>
+              <a:t>Tests</a:t>
+            </a:r>
+          </a:p>
+          <a:p>
+            <a:r>
+              <a:rPr lang="en-US" b="1" smtClean="0"/>
+              <a:t>Conditional </a:t>
+            </a:r>
+            <a:r>
+              <a:rPr lang="en-US" b="1" dirty="0"/>
+              <a:t>Test Logic</a:t>
+            </a:r>
+          </a:p>
+          <a:p>
+            <a:endParaRPr lang="en-US" b="1" dirty="0" smtClean="0"/>
+          </a:p>
+          <a:p>
+            <a:endParaRPr lang="en-US" b="1" dirty="0" smtClean="0"/>
+          </a:p>
+          <a:p>
+            <a:endParaRPr lang="en-US" b="1" dirty="0" smtClean="0"/>
+          </a:p>
+          <a:p>
+            <a:endParaRPr lang="en-US" dirty="0"/>
+          </a:p>
+        </p:txBody>
+      </p:sp>
+      <p:sp>
+        <p:nvSpPr>
+          <p:cNvPr id="4" name="Slide Number Placeholder 3"/>
           <p:cNvSpPr>
             <a:spLocks noGrp="1"/>
           </p:cNvSpPr>
@@ -13102,17 +13214,15 @@
         </p:txBody>
       </p:sp>
     </p:spTree>
+    <p:extLst>
+      <p:ext uri="{BB962C8B-B14F-4D97-AF65-F5344CB8AC3E}">
+        <p14:creationId xmlns:p14="http://schemas.microsoft.com/office/powerpoint/2010/main" val="3764183905"/>
+      </p:ext>
+    </p:extLst>
   </p:cSld>
   <p:clrMapOvr>
     <a:masterClrMapping/>
   </p:clrMapOvr>
-  <p:timing>
-    <p:tnLst>
-      <p:par>
-        <p:cTn id="1" dur="indefinite" restart="never" nodeType="tmRoot"/>
-      </p:par>
-    </p:tnLst>
-  </p:timing>
 </p:sld>
 </file>
 
@@ -13489,85 +13599,43 @@
           <a:bodyPr/>
           <a:lstStyle/>
           <a:p>
-            <a:endParaRPr lang="en-US"/>
-          </a:p>
-        </p:txBody>
-      </p:sp>
-      <p:sp>
-        <p:nvSpPr>
-          <p:cNvPr id="3" name="Content Placeholder 2"/>
-          <p:cNvSpPr>
-            <a:spLocks noGrp="1"/>
-          </p:cNvSpPr>
-          <p:nvPr>
-            <p:ph idx="1"/>
-          </p:nvPr>
-        </p:nvSpPr>
-        <p:spPr/>
-        <p:txBody>
-          <a:bodyPr>
-            <a:normAutofit lnSpcReduction="10000"/>
-          </a:bodyPr>
-          <a:lstStyle/>
-          <a:p>
             <a:r>
               <a:rPr lang="en-US" dirty="0" smtClean="0"/>
-              <a:t>Visual Studio </a:t>
-            </a:r>
-          </a:p>
-          <a:p>
-            <a:r>
-              <a:rPr lang="en-US" dirty="0" err="1" smtClean="0"/>
-              <a:t>Resharper</a:t>
-            </a:r>
-            <a:endParaRPr lang="en-US" dirty="0" smtClean="0"/>
-          </a:p>
-          <a:p>
-            <a:r>
-              <a:rPr lang="en-US" dirty="0" err="1" smtClean="0"/>
-              <a:t>Xunit</a:t>
-            </a:r>
-            <a:endParaRPr lang="en-US" dirty="0" smtClean="0"/>
-          </a:p>
-          <a:p>
-            <a:r>
-              <a:rPr lang="en-US" dirty="0" err="1" smtClean="0"/>
-              <a:t>Moq</a:t>
-            </a:r>
-            <a:endParaRPr lang="en-US" dirty="0" smtClean="0"/>
-          </a:p>
-          <a:p>
-            <a:r>
-              <a:rPr lang="en-US" dirty="0" err="1" smtClean="0"/>
-              <a:t>Nsubstitiute</a:t>
-            </a:r>
-            <a:endParaRPr lang="en-US" dirty="0" smtClean="0"/>
-          </a:p>
-          <a:p>
-            <a:r>
-              <a:rPr lang="en-US" dirty="0" err="1" smtClean="0"/>
-              <a:t>RhinoMock</a:t>
-            </a:r>
-            <a:endParaRPr lang="en-US" dirty="0" smtClean="0"/>
-          </a:p>
-          <a:p>
-            <a:r>
-              <a:rPr lang="en-US" dirty="0" smtClean="0"/>
-              <a:t>Fitness</a:t>
-            </a:r>
-          </a:p>
-          <a:p>
-            <a:r>
-              <a:rPr lang="en-US" dirty="0" err="1" smtClean="0"/>
-              <a:t>Specflow</a:t>
-            </a:r>
-            <a:endParaRPr lang="en-US" dirty="0"/>
-          </a:p>
-        </p:txBody>
-      </p:sp>
-      <p:sp>
-        <p:nvSpPr>
-          <p:cNvPr id="4" name="Slide Number Placeholder 3"/>
+              <a:t>Tools</a:t>
+            </a:r>
+            <a:endParaRPr lang="en-GB" dirty="0"/>
+          </a:p>
+        </p:txBody>
+      </p:sp>
+      <p:pic>
+        <p:nvPicPr>
+          <p:cNvPr id="4" name="Picture 2" descr="http://infrastructuretesting.files.wordpress.com/2013/02/swiss-knife.jpg"/>
+          <p:cNvPicPr>
+            <a:picLocks noChangeAspect="1" noChangeArrowheads="1"/>
+          </p:cNvPicPr>
+          <p:nvPr/>
+        </p:nvPicPr>
+        <p:blipFill>
+          <a:blip r:embed="rId2" cstate="print"/>
+          <a:srcRect/>
+          <a:stretch>
+            <a:fillRect/>
+          </a:stretch>
+        </p:blipFill>
+        <p:spPr bwMode="auto">
+          <a:xfrm>
+            <a:off x="1066800" y="1600200"/>
+            <a:ext cx="6629400" cy="4572000"/>
+          </a:xfrm>
+          <a:prstGeom prst="rect">
+            <a:avLst/>
+          </a:prstGeom>
+          <a:noFill/>
+        </p:spPr>
+      </p:pic>
+      <p:sp>
+        <p:nvSpPr>
+          <p:cNvPr id="5" name="Slide Number Placeholder 4"/>
           <p:cNvSpPr>
             <a:spLocks noGrp="1"/>
           </p:cNvSpPr>
@@ -13631,50 +13699,90 @@
             <p:ph type="title"/>
           </p:nvPr>
         </p:nvSpPr>
-        <p:spPr>
-          <a:xfrm>
-            <a:off x="457200" y="0"/>
-            <a:ext cx="8229600" cy="1143000"/>
-          </a:xfrm>
-        </p:spPr>
-        <p:txBody>
-          <a:bodyPr/>
+        <p:spPr/>
+        <p:txBody>
+          <a:bodyPr/>
+          <a:lstStyle/>
+          <a:p>
+            <a:endParaRPr lang="en-US"/>
+          </a:p>
+        </p:txBody>
+      </p:sp>
+      <p:sp>
+        <p:nvSpPr>
+          <p:cNvPr id="3" name="Content Placeholder 2"/>
+          <p:cNvSpPr>
+            <a:spLocks noGrp="1"/>
+          </p:cNvSpPr>
+          <p:nvPr>
+            <p:ph idx="1"/>
+          </p:nvPr>
+        </p:nvSpPr>
+        <p:spPr/>
+        <p:txBody>
+          <a:bodyPr>
+            <a:normAutofit lnSpcReduction="10000"/>
+          </a:bodyPr>
           <a:lstStyle/>
           <a:p>
             <a:r>
               <a:rPr lang="en-US" dirty="0" smtClean="0"/>
-              <a:t>Just do it!</a:t>
-            </a:r>
-            <a:endParaRPr lang="en-GB" dirty="0"/>
-          </a:p>
-        </p:txBody>
-      </p:sp>
-      <p:pic>
-        <p:nvPicPr>
-          <p:cNvPr id="4" name="Content Placeholder 3" descr="skydive.jpg"/>
-          <p:cNvPicPr>
-            <a:picLocks noGrp="1" noChangeAspect="1"/>
-          </p:cNvPicPr>
-          <p:nvPr>
-            <p:ph idx="1"/>
-          </p:nvPr>
-        </p:nvPicPr>
-        <p:blipFill>
-          <a:blip r:embed="rId2" cstate="print"/>
-          <a:stretch>
-            <a:fillRect/>
-          </a:stretch>
-        </p:blipFill>
-        <p:spPr>
-          <a:xfrm>
-            <a:off x="0" y="914400"/>
-            <a:ext cx="9143999" cy="5943600"/>
-          </a:xfrm>
-        </p:spPr>
-      </p:pic>
-      <p:sp>
-        <p:nvSpPr>
-          <p:cNvPr id="5" name="Slide Number Placeholder 4"/>
+              <a:t>Visual Studio </a:t>
+            </a:r>
+          </a:p>
+          <a:p>
+            <a:r>
+              <a:rPr lang="en-US" dirty="0" err="1" smtClean="0"/>
+              <a:t>Resharper</a:t>
+            </a:r>
+            <a:endParaRPr lang="en-US" dirty="0" smtClean="0"/>
+          </a:p>
+          <a:p>
+            <a:r>
+              <a:rPr lang="en-US" dirty="0" err="1" smtClean="0"/>
+              <a:t>Xunit</a:t>
+            </a:r>
+            <a:endParaRPr lang="en-US" dirty="0" smtClean="0"/>
+          </a:p>
+          <a:p>
+            <a:r>
+              <a:rPr lang="en-US" dirty="0" err="1" smtClean="0"/>
+              <a:t>Moq</a:t>
+            </a:r>
+            <a:endParaRPr lang="en-US" dirty="0" smtClean="0"/>
+          </a:p>
+          <a:p>
+            <a:r>
+              <a:rPr lang="en-US" dirty="0" err="1" smtClean="0"/>
+              <a:t>Nsubstitiute</a:t>
+            </a:r>
+            <a:endParaRPr lang="en-US" dirty="0" smtClean="0"/>
+          </a:p>
+          <a:p>
+            <a:r>
+              <a:rPr lang="en-US" dirty="0" err="1" smtClean="0"/>
+              <a:t>RhinoMock</a:t>
+            </a:r>
+            <a:endParaRPr lang="en-US" dirty="0" smtClean="0"/>
+          </a:p>
+          <a:p>
+            <a:r>
+              <a:rPr lang="en-US" dirty="0" smtClean="0"/>
+              <a:t>Fitness</a:t>
+            </a:r>
+          </a:p>
+          <a:p>
+            <a:r>
+              <a:rPr lang="en-US" dirty="0" err="1" smtClean="0"/>
+              <a:t>Specflow</a:t>
+            </a:r>
+            <a:endParaRPr lang="en-US" dirty="0"/>
+          </a:p>
+        </p:txBody>
+      </p:sp>
+      <p:sp>
+        <p:nvSpPr>
+          <p:cNvPr id="4" name="Slide Number Placeholder 3"/>
           <p:cNvSpPr>
             <a:spLocks noGrp="1"/>
           </p:cNvSpPr>
@@ -13738,79 +13846,50 @@
             <p:ph type="title"/>
           </p:nvPr>
         </p:nvSpPr>
-        <p:spPr/>
-        <p:txBody>
-          <a:bodyPr/>
-          <a:lstStyle/>
-          <a:p>
-            <a:r>
-              <a:rPr lang="en-US" b="1" dirty="0"/>
-              <a:t>Some clarifications about TDD</a:t>
-            </a:r>
-            <a:endParaRPr lang="en-US" dirty="0"/>
-          </a:p>
-        </p:txBody>
-      </p:sp>
-      <p:sp>
-        <p:nvSpPr>
-          <p:cNvPr id="3" name="Content Placeholder 2"/>
-          <p:cNvSpPr>
-            <a:spLocks noGrp="1"/>
-          </p:cNvSpPr>
+        <p:spPr>
+          <a:xfrm>
+            <a:off x="457200" y="0"/>
+            <a:ext cx="8229600" cy="1143000"/>
+          </a:xfrm>
+        </p:spPr>
+        <p:txBody>
+          <a:bodyPr/>
+          <a:lstStyle/>
+          <a:p>
+            <a:r>
+              <a:rPr lang="en-US" dirty="0" smtClean="0"/>
+              <a:t>Just do it!</a:t>
+            </a:r>
+            <a:endParaRPr lang="en-GB" dirty="0"/>
+          </a:p>
+        </p:txBody>
+      </p:sp>
+      <p:pic>
+        <p:nvPicPr>
+          <p:cNvPr id="4" name="Content Placeholder 3" descr="skydive.jpg"/>
+          <p:cNvPicPr>
+            <a:picLocks noGrp="1" noChangeAspect="1"/>
+          </p:cNvPicPr>
           <p:nvPr>
             <p:ph idx="1"/>
           </p:nvPr>
-        </p:nvSpPr>
-        <p:spPr/>
-        <p:txBody>
-          <a:bodyPr>
-            <a:normAutofit fontScale="92500"/>
-          </a:bodyPr>
-          <a:lstStyle/>
-          <a:p>
-            <a:r>
-              <a:rPr lang="en-US" dirty="0" smtClean="0"/>
-              <a:t>TDD </a:t>
-            </a:r>
-            <a:r>
-              <a:rPr lang="en-US" dirty="0"/>
-              <a:t>is neither about "Testing" nor about "Design".</a:t>
-            </a:r>
-          </a:p>
-          <a:p>
-            <a:r>
-              <a:rPr lang="en-US" dirty="0"/>
-              <a:t>TDD does not mean "write some of the tests, then build a system that passes the tests.</a:t>
-            </a:r>
-          </a:p>
-          <a:p>
-            <a:r>
-              <a:rPr lang="en-US" dirty="0"/>
-              <a:t>TDD does not mean "do lots of Testing."</a:t>
-            </a:r>
-          </a:p>
-          <a:p>
-            <a:pPr marL="0" indent="0">
-              <a:buNone/>
-            </a:pPr>
-            <a:r>
-              <a:rPr lang="en-US" dirty="0"/>
-              <a:t>Test-Driven development is a process of developing and running automated test before actual development of the application. Hence, TDD sometimes also called as </a:t>
-            </a:r>
-            <a:r>
-              <a:rPr lang="en-US" b="1" dirty="0"/>
-              <a:t>Test First Development.</a:t>
-            </a:r>
-            <a:endParaRPr lang="en-US" dirty="0"/>
-          </a:p>
-          <a:p>
-            <a:endParaRPr lang="en-US" dirty="0"/>
-          </a:p>
-        </p:txBody>
-      </p:sp>
-      <p:sp>
-        <p:nvSpPr>
-          <p:cNvPr id="4" name="Slide Number Placeholder 3"/>
+        </p:nvPicPr>
+        <p:blipFill>
+          <a:blip r:embed="rId2" cstate="print"/>
+          <a:stretch>
+            <a:fillRect/>
+          </a:stretch>
+        </p:blipFill>
+        <p:spPr>
+          <a:xfrm>
+            <a:off x="0" y="914400"/>
+            <a:ext cx="9143999" cy="5943600"/>
+          </a:xfrm>
+        </p:spPr>
+      </p:pic>
+      <p:sp>
+        <p:nvSpPr>
+          <p:cNvPr id="5" name="Slide Number Placeholder 4"/>
           <p:cNvSpPr>
             <a:spLocks noGrp="1"/>
           </p:cNvSpPr>
@@ -13833,15 +13912,17 @@
         </p:txBody>
       </p:sp>
     </p:spTree>
-    <p:extLst>
-      <p:ext uri="{BB962C8B-B14F-4D97-AF65-F5344CB8AC3E}">
-        <p14:creationId xmlns:p14="http://schemas.microsoft.com/office/powerpoint/2010/main" val="3393187502"/>
-      </p:ext>
-    </p:extLst>
   </p:cSld>
   <p:clrMapOvr>
     <a:masterClrMapping/>
   </p:clrMapOvr>
+  <p:timing>
+    <p:tnLst>
+      <p:par>
+        <p:cTn id="1" dur="indefinite" restart="never" nodeType="tmRoot"/>
+      </p:par>
+    </p:tnLst>
+  </p:timing>
 </p:sld>
 </file>
 
@@ -13869,38 +13950,76 @@
             <a:spLocks noGrp="1"/>
           </p:cNvSpPr>
           <p:nvPr>
-            <p:ph type="ctrTitle"/>
-          </p:nvPr>
-        </p:nvSpPr>
-        <p:spPr/>
-        <p:txBody>
-          <a:bodyPr/>
+            <p:ph type="title"/>
+          </p:nvPr>
+        </p:nvSpPr>
+        <p:spPr/>
+        <p:txBody>
+          <a:bodyPr/>
+          <a:lstStyle/>
+          <a:p>
+            <a:r>
+              <a:rPr lang="en-US" b="1" dirty="0"/>
+              <a:t>Some clarifications about TDD</a:t>
+            </a:r>
+            <a:endParaRPr lang="en-US" dirty="0"/>
+          </a:p>
+        </p:txBody>
+      </p:sp>
+      <p:sp>
+        <p:nvSpPr>
+          <p:cNvPr id="3" name="Content Placeholder 2"/>
+          <p:cNvSpPr>
+            <a:spLocks noGrp="1"/>
+          </p:cNvSpPr>
+          <p:nvPr>
+            <p:ph idx="1"/>
+          </p:nvPr>
+        </p:nvSpPr>
+        <p:spPr/>
+        <p:txBody>
+          <a:bodyPr>
+            <a:normAutofit fontScale="92500"/>
+          </a:bodyPr>
           <a:lstStyle/>
           <a:p>
             <a:r>
               <a:rPr lang="en-US" dirty="0" smtClean="0"/>
-              <a:t>Coding Dojo</a:t>
+              <a:t>TDD </a:t>
+            </a:r>
+            <a:r>
+              <a:rPr lang="en-US" dirty="0"/>
+              <a:t>is neither about "Testing" nor about "Design".</a:t>
+            </a:r>
+          </a:p>
+          <a:p>
+            <a:r>
+              <a:rPr lang="en-US" dirty="0"/>
+              <a:t>TDD does not mean "write some of the tests, then build a system that passes the tests.</a:t>
+            </a:r>
+          </a:p>
+          <a:p>
+            <a:r>
+              <a:rPr lang="en-US" dirty="0"/>
+              <a:t>TDD does not mean "do lots of Testing."</a:t>
+            </a:r>
+          </a:p>
+          <a:p>
+            <a:pPr marL="0" indent="0">
+              <a:buNone/>
+            </a:pPr>
+            <a:r>
+              <a:rPr lang="en-US" dirty="0"/>
+              <a:t>Test-Driven development is a process of developing and running automated test before actual development of the application. Hence, TDD sometimes also called as </a:t>
+            </a:r>
+            <a:r>
+              <a:rPr lang="en-US" b="1" dirty="0"/>
+              <a:t>Test First Development.</a:t>
             </a:r>
             <a:endParaRPr lang="en-US" dirty="0"/>
           </a:p>
-        </p:txBody>
-      </p:sp>
-      <p:sp>
-        <p:nvSpPr>
-          <p:cNvPr id="3" name="Subtitle 2"/>
-          <p:cNvSpPr>
-            <a:spLocks noGrp="1"/>
-          </p:cNvSpPr>
-          <p:nvPr>
-            <p:ph type="subTitle" idx="1"/>
-          </p:nvPr>
-        </p:nvSpPr>
-        <p:spPr/>
-        <p:txBody>
-          <a:bodyPr/>
-          <a:lstStyle/>
-          <a:p>
-            <a:endParaRPr lang="en-US"/>
+          <a:p>
+            <a:endParaRPr lang="en-US" dirty="0"/>
           </a:p>
         </p:txBody>
       </p:sp>
@@ -13929,17 +14048,15 @@
         </p:txBody>
       </p:sp>
     </p:spTree>
+    <p:extLst>
+      <p:ext uri="{BB962C8B-B14F-4D97-AF65-F5344CB8AC3E}">
+        <p14:creationId xmlns:p14="http://schemas.microsoft.com/office/powerpoint/2010/main" val="3393187502"/>
+      </p:ext>
+    </p:extLst>
   </p:cSld>
   <p:clrMapOvr>
     <a:masterClrMapping/>
   </p:clrMapOvr>
-  <p:timing>
-    <p:tnLst>
-      <p:par>
-        <p:cTn id="1" dur="indefinite" restart="never" nodeType="tmRoot"/>
-      </p:par>
-    </p:tnLst>
-  </p:timing>
 </p:sld>
 </file>
 
@@ -13967,7 +14084,7 @@
             <a:spLocks noGrp="1"/>
           </p:cNvSpPr>
           <p:nvPr>
-            <p:ph type="title"/>
+            <p:ph type="ctrTitle"/>
           </p:nvPr>
         </p:nvSpPr>
         <p:spPr/>
@@ -13977,7 +14094,7 @@
           <a:p>
             <a:r>
               <a:rPr lang="en-US" dirty="0" smtClean="0"/>
-              <a:t>What is coding dojo</a:t>
+              <a:t>Coding Dojo</a:t>
             </a:r>
             <a:endParaRPr lang="en-US" dirty="0"/>
           </a:p>
@@ -13985,44 +14102,20 @@
       </p:sp>
       <p:sp>
         <p:nvSpPr>
-          <p:cNvPr id="3" name="Content Placeholder 2"/>
-          <p:cNvSpPr>
-            <a:spLocks noGrp="1"/>
-          </p:cNvSpPr>
-          <p:nvPr>
-            <p:ph idx="1"/>
-          </p:nvPr>
-        </p:nvSpPr>
-        <p:spPr/>
-        <p:txBody>
-          <a:bodyPr>
-            <a:normAutofit/>
-          </a:bodyPr>
-          <a:lstStyle/>
-          <a:p>
-            <a:pPr>
-              <a:buNone/>
-            </a:pPr>
-            <a:r>
-              <a:rPr lang="en-US" dirty="0" smtClean="0"/>
-              <a:t>	A Coding Dojo is a meeting where a bunch of coders get together, code, learn, and have fun</a:t>
-            </a:r>
-          </a:p>
-          <a:p>
-            <a:pPr>
-              <a:buNone/>
-            </a:pPr>
-            <a:endParaRPr lang="en-US" dirty="0" smtClean="0"/>
-          </a:p>
-          <a:p>
-            <a:pPr>
-              <a:buNone/>
-            </a:pPr>
-            <a:r>
-              <a:rPr lang="en-US" dirty="0" smtClean="0"/>
-              <a:t>	The real point of going to a dojo is to improve your skills</a:t>
-            </a:r>
-            <a:endParaRPr lang="en-US" dirty="0"/>
+          <p:cNvPr id="3" name="Subtitle 2"/>
+          <p:cNvSpPr>
+            <a:spLocks noGrp="1"/>
+          </p:cNvSpPr>
+          <p:nvPr>
+            <p:ph type="subTitle" idx="1"/>
+          </p:nvPr>
+        </p:nvSpPr>
+        <p:spPr/>
+        <p:txBody>
+          <a:bodyPr/>
+          <a:lstStyle/>
+          <a:p>
+            <a:endParaRPr lang="en-US"/>
           </a:p>
         </p:txBody>
       </p:sp>
@@ -14097,7 +14190,11 @@
           <a:bodyPr/>
           <a:lstStyle/>
           <a:p>
-            <a:endParaRPr lang="en-US"/>
+            <a:r>
+              <a:rPr lang="en-US" dirty="0" smtClean="0"/>
+              <a:t>What is coding dojo</a:t>
+            </a:r>
+            <a:endParaRPr lang="en-US" dirty="0"/>
           </a:p>
         </p:txBody>
       </p:sp>
@@ -14113,12 +14210,32 @@
         </p:nvSpPr>
         <p:spPr/>
         <p:txBody>
-          <a:bodyPr/>
-          <a:lstStyle/>
-          <a:p>
+          <a:bodyPr>
+            <a:normAutofit/>
+          </a:bodyPr>
+          <a:lstStyle/>
+          <a:p>
+            <a:pPr>
+              <a:buNone/>
+            </a:pPr>
             <a:r>
               <a:rPr lang="en-US" dirty="0" smtClean="0"/>
-              <a:t>http://www.meetup.com/OsloCodingDojo/photos/1237021/#21061984</a:t>
+              <a:t>	A Coding Dojo is a meeting where a bunch of coders get together, code, learn, and have fun</a:t>
+            </a:r>
+          </a:p>
+          <a:p>
+            <a:pPr>
+              <a:buNone/>
+            </a:pPr>
+            <a:endParaRPr lang="en-US" dirty="0" smtClean="0"/>
+          </a:p>
+          <a:p>
+            <a:pPr>
+              <a:buNone/>
+            </a:pPr>
+            <a:r>
+              <a:rPr lang="en-US" dirty="0" smtClean="0"/>
+              <a:t>	The real point of going to a dojo is to improve your skills</a:t>
             </a:r>
             <a:endParaRPr lang="en-US" dirty="0"/>
           </a:p>
@@ -14182,6 +14299,25 @@
       </p:grpSpPr>
       <p:sp>
         <p:nvSpPr>
+          <p:cNvPr id="2" name="Title 1"/>
+          <p:cNvSpPr>
+            <a:spLocks noGrp="1"/>
+          </p:cNvSpPr>
+          <p:nvPr>
+            <p:ph type="title"/>
+          </p:nvPr>
+        </p:nvSpPr>
+        <p:spPr/>
+        <p:txBody>
+          <a:bodyPr/>
+          <a:lstStyle/>
+          <a:p>
+            <a:endParaRPr lang="en-US"/>
+          </a:p>
+        </p:txBody>
+      </p:sp>
+      <p:sp>
+        <p:nvSpPr>
           <p:cNvPr id="3" name="Content Placeholder 2"/>
           <p:cNvSpPr>
             <a:spLocks noGrp="1"/>
@@ -14195,33 +14331,11 @@
           <a:bodyPr/>
           <a:lstStyle/>
           <a:p>
-            <a:pPr>
-              <a:buNone/>
-            </a:pPr>
             <a:r>
               <a:rPr lang="en-US" dirty="0" smtClean="0"/>
-              <a:t>			</a:t>
-            </a:r>
-          </a:p>
-          <a:p>
-            <a:pPr>
-              <a:buNone/>
-            </a:pPr>
-            <a:endParaRPr lang="en-US" dirty="0" smtClean="0"/>
-          </a:p>
-          <a:p>
-            <a:pPr>
-              <a:buNone/>
-            </a:pPr>
-            <a:r>
-              <a:rPr lang="en-US" dirty="0" smtClean="0"/>
-              <a:t>				</a:t>
-            </a:r>
-            <a:r>
-              <a:rPr lang="en-US" sz="4800" dirty="0" smtClean="0"/>
-              <a:t>Demo!</a:t>
-            </a:r>
-            <a:endParaRPr lang="en-US" sz="4800" dirty="0"/>
+              <a:t>http://www.meetup.com/OsloCodingDojo/photos/1237021/#21061984</a:t>
+            </a:r>
+            <a:endParaRPr lang="en-US" dirty="0"/>
           </a:p>
         </p:txBody>
       </p:sp>
@@ -14283,25 +14397,6 @@
       </p:grpSpPr>
       <p:sp>
         <p:nvSpPr>
-          <p:cNvPr id="2" name="Title 1"/>
-          <p:cNvSpPr>
-            <a:spLocks noGrp="1"/>
-          </p:cNvSpPr>
-          <p:nvPr>
-            <p:ph type="title"/>
-          </p:nvPr>
-        </p:nvSpPr>
-        <p:spPr/>
-        <p:txBody>
-          <a:bodyPr/>
-          <a:lstStyle/>
-          <a:p>
-            <a:endParaRPr lang="en-US"/>
-          </a:p>
-        </p:txBody>
-      </p:sp>
-      <p:sp>
-        <p:nvSpPr>
           <p:cNvPr id="3" name="Content Placeholder 2"/>
           <p:cNvSpPr>
             <a:spLocks noGrp="1"/>
@@ -14320,7 +14415,7 @@
             </a:pPr>
             <a:r>
               <a:rPr lang="en-US" dirty="0" smtClean="0"/>
-              <a:t>	</a:t>
+              <a:t>			</a:t>
             </a:r>
           </a:p>
           <a:p>
@@ -14333,17 +14428,15 @@
             <a:pPr>
               <a:buNone/>
             </a:pPr>
-            <a:endParaRPr lang="en-US" dirty="0" smtClean="0"/>
-          </a:p>
-          <a:p>
-            <a:pPr>
-              <a:buNone/>
-            </a:pPr>
             <a:r>
               <a:rPr lang="en-US" dirty="0" smtClean="0"/>
-              <a:t>	Convert Arabic number to Roman Number</a:t>
-            </a:r>
-            <a:endParaRPr lang="en-US" dirty="0"/>
+              <a:t>				</a:t>
+            </a:r>
+            <a:r>
+              <a:rPr lang="en-US" sz="4800" dirty="0" smtClean="0"/>
+              <a:t>Demo!</a:t>
+            </a:r>
+            <a:endParaRPr lang="en-US" sz="4800" dirty="0"/>
           </a:p>
         </p:txBody>
       </p:sp>
@@ -14418,68 +14511,52 @@
           <a:bodyPr/>
           <a:lstStyle/>
           <a:p>
+            <a:endParaRPr lang="en-US"/>
+          </a:p>
+        </p:txBody>
+      </p:sp>
+      <p:sp>
+        <p:nvSpPr>
+          <p:cNvPr id="3" name="Content Placeholder 2"/>
+          <p:cNvSpPr>
+            <a:spLocks noGrp="1"/>
+          </p:cNvSpPr>
+          <p:nvPr>
+            <p:ph idx="1"/>
+          </p:nvPr>
+        </p:nvSpPr>
+        <p:spPr/>
+        <p:txBody>
+          <a:bodyPr/>
+          <a:lstStyle/>
+          <a:p>
+            <a:pPr>
+              <a:buNone/>
+            </a:pPr>
             <a:r>
               <a:rPr lang="en-US" dirty="0" smtClean="0"/>
-              <a:t>Rules</a:t>
-            </a:r>
-            <a:endParaRPr lang="en-US" dirty="0"/>
-          </a:p>
-        </p:txBody>
-      </p:sp>
-      <p:sp>
-        <p:nvSpPr>
-          <p:cNvPr id="3" name="Content Placeholder 2"/>
-          <p:cNvSpPr>
-            <a:spLocks noGrp="1"/>
-          </p:cNvSpPr>
-          <p:nvPr>
-            <p:ph idx="1"/>
-          </p:nvPr>
-        </p:nvSpPr>
-        <p:spPr/>
-        <p:txBody>
-          <a:bodyPr/>
-          <a:lstStyle/>
-          <a:p>
+              <a:t>	</a:t>
+            </a:r>
+          </a:p>
+          <a:p>
+            <a:pPr>
+              <a:buNone/>
+            </a:pPr>
+            <a:endParaRPr lang="en-US" dirty="0" smtClean="0"/>
+          </a:p>
+          <a:p>
+            <a:pPr>
+              <a:buNone/>
+            </a:pPr>
+            <a:endParaRPr lang="en-US" dirty="0" smtClean="0"/>
+          </a:p>
+          <a:p>
+            <a:pPr>
+              <a:buNone/>
+            </a:pPr>
             <a:r>
               <a:rPr lang="en-US" dirty="0" smtClean="0"/>
-              <a:t>Write test before writing any production code</a:t>
-            </a:r>
-          </a:p>
-          <a:p>
-            <a:r>
-              <a:rPr lang="en-US" dirty="0" smtClean="0"/>
-              <a:t>Everyone must work in pair</a:t>
-            </a:r>
-          </a:p>
-          <a:p>
-            <a:r>
-              <a:rPr lang="en-US" dirty="0" smtClean="0"/>
-              <a:t>One person should write one failing test and other should make  that test pass by writing as  minimum code as possible</a:t>
-            </a:r>
-          </a:p>
-          <a:p>
-            <a:r>
-              <a:rPr lang="en-US" dirty="0" err="1" smtClean="0"/>
-              <a:t>Refcator</a:t>
-            </a:r>
-            <a:r>
-              <a:rPr lang="en-US" dirty="0" smtClean="0"/>
-              <a:t> code when necessary . You can only </a:t>
-            </a:r>
-            <a:r>
-              <a:rPr lang="en-US" dirty="0" err="1" smtClean="0"/>
-              <a:t>refactor</a:t>
-            </a:r>
-            <a:r>
-              <a:rPr lang="en-US" dirty="0" smtClean="0"/>
-              <a:t> code when all tests are in green</a:t>
-            </a:r>
-          </a:p>
-          <a:p>
-            <a:r>
-              <a:rPr lang="en-US" dirty="0" smtClean="0"/>
-              <a:t>Write elegant code</a:t>
+              <a:t>	Convert Arabic number to Roman Number</a:t>
             </a:r>
             <a:endParaRPr lang="en-US" dirty="0"/>
           </a:p>
@@ -14556,13 +14633,76 @@
           <a:bodyPr/>
           <a:lstStyle/>
           <a:p>
+            <a:r>
+              <a:rPr lang="en-US" dirty="0" smtClean="0"/>
+              <a:t>Rules</a:t>
+            </a:r>
             <a:endParaRPr lang="en-US" dirty="0"/>
           </a:p>
         </p:txBody>
       </p:sp>
       <p:sp>
         <p:nvSpPr>
-          <p:cNvPr id="5" name="Slide Number Placeholder 4"/>
+          <p:cNvPr id="3" name="Content Placeholder 2"/>
+          <p:cNvSpPr>
+            <a:spLocks noGrp="1"/>
+          </p:cNvSpPr>
+          <p:nvPr>
+            <p:ph idx="1"/>
+          </p:nvPr>
+        </p:nvSpPr>
+        <p:spPr/>
+        <p:txBody>
+          <a:bodyPr/>
+          <a:lstStyle/>
+          <a:p>
+            <a:r>
+              <a:rPr lang="en-US" dirty="0" smtClean="0"/>
+              <a:t>Write test before writing any production code</a:t>
+            </a:r>
+          </a:p>
+          <a:p>
+            <a:r>
+              <a:rPr lang="en-US" dirty="0" smtClean="0"/>
+              <a:t>Everyone must work in pair</a:t>
+            </a:r>
+          </a:p>
+          <a:p>
+            <a:r>
+              <a:rPr lang="en-US" dirty="0" smtClean="0"/>
+              <a:t>One person should write one failing test and other should make  that test pass by writing as  minimum code as possible</a:t>
+            </a:r>
+          </a:p>
+          <a:p>
+            <a:r>
+              <a:rPr lang="en-US" dirty="0" err="1" smtClean="0"/>
+              <a:t>Refcator</a:t>
+            </a:r>
+            <a:r>
+              <a:rPr lang="en-US" dirty="0" smtClean="0"/>
+              <a:t> code when necessary . You can only </a:t>
+            </a:r>
+            <a:r>
+              <a:rPr lang="en-US" dirty="0" err="1" smtClean="0"/>
+              <a:t>refactor</a:t>
+            </a:r>
+            <a:r>
+              <a:rPr lang="en-US" dirty="0" smtClean="0"/>
+              <a:t> code when all tests are in green</a:t>
+            </a:r>
+          </a:p>
+          <a:p>
+            <a:r>
+              <a:rPr lang="en-US" dirty="0" smtClean="0"/>
+              <a:t>Write elegant code</a:t>
+            </a:r>
+            <a:endParaRPr lang="en-US" dirty="0"/>
+          </a:p>
+        </p:txBody>
+      </p:sp>
+      <p:sp>
+        <p:nvSpPr>
+          <p:cNvPr id="4" name="Slide Number Placeholder 3"/>
           <p:cNvSpPr>
             <a:spLocks noGrp="1"/>
           </p:cNvSpPr>
@@ -14579,6 +14719,170 @@
               <a:rPr lang="en-US" smtClean="0"/>
               <a:pPr/>
               <a:t>59</a:t>
+            </a:fld>
+            <a:endParaRPr lang="en-US"/>
+          </a:p>
+        </p:txBody>
+      </p:sp>
+    </p:spTree>
+  </p:cSld>
+  <p:clrMapOvr>
+    <a:masterClrMapping/>
+  </p:clrMapOvr>
+  <p:timing>
+    <p:tnLst>
+      <p:par>
+        <p:cTn id="1" dur="indefinite" restart="never" nodeType="tmRoot"/>
+      </p:par>
+    </p:tnLst>
+  </p:timing>
+</p:sld>
+</file>
+
+<file path=ppt/slides/slide6.xml><?xml version="1.0" encoding="utf-8"?>
+<p:sld xmlns:a="http://schemas.openxmlformats.org/drawingml/2006/main" xmlns:r="http://schemas.openxmlformats.org/officeDocument/2006/relationships" xmlns:p="http://schemas.openxmlformats.org/presentationml/2006/main">
+  <p:cSld>
+    <p:spTree>
+      <p:nvGrpSpPr>
+        <p:cNvPr id="1" name=""/>
+        <p:cNvGrpSpPr/>
+        <p:nvPr/>
+      </p:nvGrpSpPr>
+      <p:grpSpPr>
+        <a:xfrm>
+          <a:off x="0" y="0"/>
+          <a:ext cx="0" cy="0"/>
+          <a:chOff x="0" y="0"/>
+          <a:chExt cx="0" cy="0"/>
+        </a:xfrm>
+      </p:grpSpPr>
+      <p:sp>
+        <p:nvSpPr>
+          <p:cNvPr id="3" name="Content Placeholder 2"/>
+          <p:cNvSpPr>
+            <a:spLocks noGrp="1"/>
+          </p:cNvSpPr>
+          <p:nvPr>
+            <p:ph idx="1"/>
+          </p:nvPr>
+        </p:nvSpPr>
+        <p:spPr>
+          <a:xfrm>
+            <a:off x="457200" y="2667000"/>
+            <a:ext cx="8229600" cy="1295400"/>
+          </a:xfrm>
+        </p:spPr>
+        <p:txBody>
+          <a:bodyPr/>
+          <a:lstStyle/>
+          <a:p>
+            <a:pPr>
+              <a:buNone/>
+            </a:pPr>
+            <a:r>
+              <a:rPr lang="en-US" dirty="0" smtClean="0"/>
+              <a:t>		Why Test Driven Development</a:t>
+            </a:r>
+          </a:p>
+          <a:p>
+            <a:endParaRPr lang="en-US" dirty="0" smtClean="0"/>
+          </a:p>
+        </p:txBody>
+      </p:sp>
+      <p:sp>
+        <p:nvSpPr>
+          <p:cNvPr id="4" name="Slide Number Placeholder 3"/>
+          <p:cNvSpPr>
+            <a:spLocks noGrp="1"/>
+          </p:cNvSpPr>
+          <p:nvPr>
+            <p:ph type="sldNum" sz="quarter" idx="12"/>
+          </p:nvPr>
+        </p:nvSpPr>
+        <p:spPr/>
+        <p:txBody>
+          <a:bodyPr/>
+          <a:lstStyle/>
+          <a:p>
+            <a:fld id="{2387B7E2-7538-4163-9310-D5E6EE1BC12A}" type="slidenum">
+              <a:rPr lang="en-US" smtClean="0"/>
+              <a:pPr/>
+              <a:t>6</a:t>
+            </a:fld>
+            <a:endParaRPr lang="en-US"/>
+          </a:p>
+        </p:txBody>
+      </p:sp>
+    </p:spTree>
+  </p:cSld>
+  <p:clrMapOvr>
+    <a:masterClrMapping/>
+  </p:clrMapOvr>
+  <p:timing>
+    <p:tnLst>
+      <p:par>
+        <p:cTn id="1" dur="indefinite" restart="never" nodeType="tmRoot"/>
+      </p:par>
+    </p:tnLst>
+  </p:timing>
+</p:sld>
+</file>
+
+<file path=ppt/slides/slide60.xml><?xml version="1.0" encoding="utf-8"?>
+<p:sld xmlns:a="http://schemas.openxmlformats.org/drawingml/2006/main" xmlns:r="http://schemas.openxmlformats.org/officeDocument/2006/relationships" xmlns:p="http://schemas.openxmlformats.org/presentationml/2006/main">
+  <p:cSld>
+    <p:spTree>
+      <p:nvGrpSpPr>
+        <p:cNvPr id="1" name=""/>
+        <p:cNvGrpSpPr/>
+        <p:nvPr/>
+      </p:nvGrpSpPr>
+      <p:grpSpPr>
+        <a:xfrm>
+          <a:off x="0" y="0"/>
+          <a:ext cx="0" cy="0"/>
+          <a:chOff x="0" y="0"/>
+          <a:chExt cx="0" cy="0"/>
+        </a:xfrm>
+      </p:grpSpPr>
+      <p:sp>
+        <p:nvSpPr>
+          <p:cNvPr id="2" name="Title 1"/>
+          <p:cNvSpPr>
+            <a:spLocks noGrp="1"/>
+          </p:cNvSpPr>
+          <p:nvPr>
+            <p:ph type="title"/>
+          </p:nvPr>
+        </p:nvSpPr>
+        <p:spPr/>
+        <p:txBody>
+          <a:bodyPr/>
+          <a:lstStyle/>
+          <a:p>
+            <a:endParaRPr lang="en-US" dirty="0"/>
+          </a:p>
+        </p:txBody>
+      </p:sp>
+      <p:sp>
+        <p:nvSpPr>
+          <p:cNvPr id="5" name="Slide Number Placeholder 4"/>
+          <p:cNvSpPr>
+            <a:spLocks noGrp="1"/>
+          </p:cNvSpPr>
+          <p:nvPr>
+            <p:ph type="sldNum" sz="quarter" idx="12"/>
+          </p:nvPr>
+        </p:nvSpPr>
+        <p:spPr/>
+        <p:txBody>
+          <a:bodyPr/>
+          <a:lstStyle/>
+          <a:p>
+            <a:fld id="{2387B7E2-7538-4163-9310-D5E6EE1BC12A}" type="slidenum">
+              <a:rPr lang="en-US" smtClean="0"/>
+              <a:pPr/>
+              <a:t>60</a:t>
             </a:fld>
             <a:endParaRPr lang="en-US"/>
           </a:p>
@@ -14623,187 +14927,6 @@
 </p:sld>
 </file>
 
-<file path=ppt/slides/slide6.xml><?xml version="1.0" encoding="utf-8"?>
-<p:sld xmlns:a="http://schemas.openxmlformats.org/drawingml/2006/main" xmlns:r="http://schemas.openxmlformats.org/officeDocument/2006/relationships" xmlns:p="http://schemas.openxmlformats.org/presentationml/2006/main">
-  <p:cSld>
-    <p:spTree>
-      <p:nvGrpSpPr>
-        <p:cNvPr id="1" name=""/>
-        <p:cNvGrpSpPr/>
-        <p:nvPr/>
-      </p:nvGrpSpPr>
-      <p:grpSpPr>
-        <a:xfrm>
-          <a:off x="0" y="0"/>
-          <a:ext cx="0" cy="0"/>
-          <a:chOff x="0" y="0"/>
-          <a:chExt cx="0" cy="0"/>
-        </a:xfrm>
-      </p:grpSpPr>
-      <p:sp>
-        <p:nvSpPr>
-          <p:cNvPr id="3" name="Content Placeholder 2"/>
-          <p:cNvSpPr>
-            <a:spLocks noGrp="1"/>
-          </p:cNvSpPr>
-          <p:nvPr>
-            <p:ph idx="1"/>
-          </p:nvPr>
-        </p:nvSpPr>
-        <p:spPr>
-          <a:xfrm>
-            <a:off x="457200" y="2667000"/>
-            <a:ext cx="8229600" cy="1295400"/>
-          </a:xfrm>
-        </p:spPr>
-        <p:txBody>
-          <a:bodyPr/>
-          <a:lstStyle/>
-          <a:p>
-            <a:pPr>
-              <a:buNone/>
-            </a:pPr>
-            <a:r>
-              <a:rPr lang="en-US" dirty="0" smtClean="0"/>
-              <a:t>		Why Test Driven Development</a:t>
-            </a:r>
-          </a:p>
-          <a:p>
-            <a:endParaRPr lang="en-US" dirty="0" smtClean="0"/>
-          </a:p>
-        </p:txBody>
-      </p:sp>
-      <p:sp>
-        <p:nvSpPr>
-          <p:cNvPr id="4" name="Slide Number Placeholder 3"/>
-          <p:cNvSpPr>
-            <a:spLocks noGrp="1"/>
-          </p:cNvSpPr>
-          <p:nvPr>
-            <p:ph type="sldNum" sz="quarter" idx="12"/>
-          </p:nvPr>
-        </p:nvSpPr>
-        <p:spPr/>
-        <p:txBody>
-          <a:bodyPr/>
-          <a:lstStyle/>
-          <a:p>
-            <a:fld id="{2387B7E2-7538-4163-9310-D5E6EE1BC12A}" type="slidenum">
-              <a:rPr lang="en-US" smtClean="0"/>
-              <a:pPr/>
-              <a:t>6</a:t>
-            </a:fld>
-            <a:endParaRPr lang="en-US"/>
-          </a:p>
-        </p:txBody>
-      </p:sp>
-    </p:spTree>
-  </p:cSld>
-  <p:clrMapOvr>
-    <a:masterClrMapping/>
-  </p:clrMapOvr>
-  <p:timing>
-    <p:tnLst>
-      <p:par>
-        <p:cTn id="1" dur="indefinite" restart="never" nodeType="tmRoot"/>
-      </p:par>
-    </p:tnLst>
-  </p:timing>
-</p:sld>
-</file>
-
-<file path=ppt/slides/slide60.xml><?xml version="1.0" encoding="utf-8"?>
-<p:sld xmlns:a="http://schemas.openxmlformats.org/drawingml/2006/main" xmlns:r="http://schemas.openxmlformats.org/officeDocument/2006/relationships" xmlns:p="http://schemas.openxmlformats.org/presentationml/2006/main">
-  <p:cSld>
-    <p:spTree>
-      <p:nvGrpSpPr>
-        <p:cNvPr id="1" name=""/>
-        <p:cNvGrpSpPr/>
-        <p:nvPr/>
-      </p:nvGrpSpPr>
-      <p:grpSpPr>
-        <a:xfrm>
-          <a:off x="0" y="0"/>
-          <a:ext cx="0" cy="0"/>
-          <a:chOff x="0" y="0"/>
-          <a:chExt cx="0" cy="0"/>
-        </a:xfrm>
-      </p:grpSpPr>
-      <p:sp>
-        <p:nvSpPr>
-          <p:cNvPr id="2" name="Title 1"/>
-          <p:cNvSpPr>
-            <a:spLocks noGrp="1"/>
-          </p:cNvSpPr>
-          <p:nvPr>
-            <p:ph type="title"/>
-          </p:nvPr>
-        </p:nvSpPr>
-        <p:spPr/>
-        <p:txBody>
-          <a:bodyPr/>
-          <a:lstStyle/>
-          <a:p>
-            <a:endParaRPr lang="en-US"/>
-          </a:p>
-        </p:txBody>
-      </p:sp>
-      <p:sp>
-        <p:nvSpPr>
-          <p:cNvPr id="3" name="Content Placeholder 2"/>
-          <p:cNvSpPr>
-            <a:spLocks noGrp="1"/>
-          </p:cNvSpPr>
-          <p:nvPr>
-            <p:ph idx="1"/>
-          </p:nvPr>
-        </p:nvSpPr>
-        <p:spPr/>
-        <p:txBody>
-          <a:bodyPr/>
-          <a:lstStyle/>
-          <a:p>
-            <a:endParaRPr lang="en-US" dirty="0"/>
-          </a:p>
-        </p:txBody>
-      </p:sp>
-      <p:sp>
-        <p:nvSpPr>
-          <p:cNvPr id="4" name="Slide Number Placeholder 3"/>
-          <p:cNvSpPr>
-            <a:spLocks noGrp="1"/>
-          </p:cNvSpPr>
-          <p:nvPr>
-            <p:ph type="sldNum" sz="quarter" idx="12"/>
-          </p:nvPr>
-        </p:nvSpPr>
-        <p:spPr/>
-        <p:txBody>
-          <a:bodyPr/>
-          <a:lstStyle/>
-          <a:p>
-            <a:fld id="{2387B7E2-7538-4163-9310-D5E6EE1BC12A}" type="slidenum">
-              <a:rPr lang="en-US" smtClean="0"/>
-              <a:pPr/>
-              <a:t>60</a:t>
-            </a:fld>
-            <a:endParaRPr lang="en-US"/>
-          </a:p>
-        </p:txBody>
-      </p:sp>
-    </p:spTree>
-    <p:extLst>
-      <p:ext uri="{BB962C8B-B14F-4D97-AF65-F5344CB8AC3E}">
-        <p14:creationId xmlns:p14="http://schemas.microsoft.com/office/powerpoint/2010/main" val="3773539113"/>
-      </p:ext>
-    </p:extLst>
-  </p:cSld>
-  <p:clrMapOvr>
-    <a:masterClrMapping/>
-  </p:clrMapOvr>
-</p:sld>
-</file>
-
 <file path=ppt/slides/slide61.xml><?xml version="1.0" encoding="utf-8"?>
 <p:sld xmlns:a="http://schemas.openxmlformats.org/drawingml/2006/main" xmlns:r="http://schemas.openxmlformats.org/officeDocument/2006/relationships" xmlns:p="http://schemas.openxmlformats.org/presentationml/2006/main">
   <p:cSld>
@@ -14836,10 +14959,7 @@
           <a:bodyPr/>
           <a:lstStyle/>
           <a:p>
-            <a:r>
-              <a:rPr lang="en-US" dirty="0"/>
-              <a:t>What makes an app hard to test?</a:t>
-            </a:r>
+            <a:endParaRPr lang="en-US"/>
           </a:p>
         </p:txBody>
       </p:sp>
@@ -14858,59 +14978,7 @@
           <a:bodyPr/>
           <a:lstStyle/>
           <a:p>
-            <a:pPr marL="0" indent="0">
-              <a:buNone/>
-            </a:pPr>
-            <a:r>
-              <a:rPr lang="en-US" dirty="0" smtClean="0"/>
-              <a:t>• </a:t>
-            </a:r>
-            <a:r>
-              <a:rPr lang="en-US" dirty="0"/>
-              <a:t>Tightly coupled </a:t>
-            </a:r>
-            <a:endParaRPr lang="en-US" dirty="0" smtClean="0"/>
-          </a:p>
-          <a:p>
-            <a:pPr marL="0" indent="0">
-              <a:buNone/>
-            </a:pPr>
-            <a:r>
-              <a:rPr lang="en-US" dirty="0" smtClean="0"/>
-              <a:t>•Hidden </a:t>
-            </a:r>
-            <a:r>
-              <a:rPr lang="en-US" dirty="0"/>
-              <a:t>or embedded dependencies </a:t>
-            </a:r>
-            <a:endParaRPr lang="en-US" dirty="0" smtClean="0"/>
-          </a:p>
-          <a:p>
-            <a:pPr marL="0" indent="0">
-              <a:buNone/>
-            </a:pPr>
-            <a:r>
-              <a:rPr lang="en-US" dirty="0" smtClean="0"/>
-              <a:t>• </a:t>
-            </a:r>
-            <a:r>
-              <a:rPr lang="en-US" dirty="0"/>
-              <a:t>Required data &amp; databases </a:t>
-            </a:r>
-            <a:endParaRPr lang="en-US" dirty="0" smtClean="0"/>
-          </a:p>
-          <a:p>
-            <a:pPr marL="0" indent="0">
-              <a:buNone/>
-            </a:pPr>
-            <a:r>
-              <a:rPr lang="en-US" dirty="0" smtClean="0"/>
-              <a:t>• </a:t>
-            </a:r>
-            <a:r>
-              <a:rPr lang="en-US" dirty="0"/>
-              <a:t>Insane amounts of setup code for the test</a:t>
-            </a:r>
+            <a:endParaRPr lang="en-US" dirty="0"/>
           </a:p>
         </p:txBody>
       </p:sp>
@@ -14941,7 +15009,7 @@
     </p:spTree>
     <p:extLst>
       <p:ext uri="{BB962C8B-B14F-4D97-AF65-F5344CB8AC3E}">
-        <p14:creationId xmlns:p14="http://schemas.microsoft.com/office/powerpoint/2010/main" val="1153089013"/>
+        <p14:creationId xmlns:p14="http://schemas.microsoft.com/office/powerpoint/2010/main" val="3773539113"/>
       </p:ext>
     </p:extLst>
   </p:cSld>
@@ -14985,7 +15053,7 @@
           <a:p>
             <a:r>
               <a:rPr lang="en-US" dirty="0"/>
-              <a:t>Design Patterns</a:t>
+              <a:t>What makes an app hard to test?</a:t>
             </a:r>
           </a:p>
         </p:txBody>
@@ -15002,9 +15070,7 @@
         </p:nvSpPr>
         <p:spPr/>
         <p:txBody>
-          <a:bodyPr>
-            <a:normAutofit lnSpcReduction="10000"/>
-          </a:bodyPr>
+          <a:bodyPr/>
           <a:lstStyle/>
           <a:p>
             <a:pPr marL="0" indent="0">
@@ -15012,11 +15078,11 @@
             </a:pPr>
             <a:r>
               <a:rPr lang="en-US" dirty="0" smtClean="0"/>
-              <a:t>Dependency </a:t>
+              <a:t>• </a:t>
             </a:r>
             <a:r>
               <a:rPr lang="en-US" dirty="0"/>
-              <a:t>Injection • </a:t>
+              <a:t>Tightly coupled </a:t>
             </a:r>
             <a:endParaRPr lang="en-US" dirty="0" smtClean="0"/>
           </a:p>
@@ -15026,17 +15092,40 @@
             </a:pPr>
             <a:r>
               <a:rPr lang="en-US" dirty="0" smtClean="0"/>
-              <a:t>Repository </a:t>
+              <a:t>•Hidden </a:t>
             </a:r>
             <a:r>
               <a:rPr lang="en-US" dirty="0"/>
-              <a:t>• Data Access • Adapter • Single-Responsibility Principle • Keeps tedious, bug-prone code contained • Strategy • Encapsulates algorithms &amp; business logic • Model-View-Controller • Isolates User Interface Implementation from the User Interface Logic • Testable User Interfaces • Model-View-</a:t>
-            </a:r>
-            <a:r>
-              <a:rPr lang="en-US" dirty="0" err="1"/>
-              <a:t>ViewModel</a:t>
-            </a:r>
-            <a:endParaRPr lang="en-US" dirty="0"/>
+              <a:t>or embedded dependencies </a:t>
+            </a:r>
+            <a:endParaRPr lang="en-US" dirty="0" smtClean="0"/>
+          </a:p>
+          <a:p>
+            <a:pPr marL="0" indent="0">
+              <a:buNone/>
+            </a:pPr>
+            <a:r>
+              <a:rPr lang="en-US" dirty="0" smtClean="0"/>
+              <a:t>• </a:t>
+            </a:r>
+            <a:r>
+              <a:rPr lang="en-US" dirty="0"/>
+              <a:t>Required data &amp; databases </a:t>
+            </a:r>
+            <a:endParaRPr lang="en-US" dirty="0" smtClean="0"/>
+          </a:p>
+          <a:p>
+            <a:pPr marL="0" indent="0">
+              <a:buNone/>
+            </a:pPr>
+            <a:r>
+              <a:rPr lang="en-US" dirty="0" smtClean="0"/>
+              <a:t>• </a:t>
+            </a:r>
+            <a:r>
+              <a:rPr lang="en-US" dirty="0"/>
+              <a:t>Insane amounts of setup code for the test</a:t>
+            </a:r>
           </a:p>
         </p:txBody>
       </p:sp>
@@ -15067,7 +15156,7 @@
     </p:spTree>
     <p:extLst>
       <p:ext uri="{BB962C8B-B14F-4D97-AF65-F5344CB8AC3E}">
-        <p14:creationId xmlns:p14="http://schemas.microsoft.com/office/powerpoint/2010/main" val="986758428"/>
+        <p14:creationId xmlns:p14="http://schemas.microsoft.com/office/powerpoint/2010/main" val="1153089013"/>
       </p:ext>
     </p:extLst>
   </p:cSld>
@@ -15109,6 +15198,132 @@
           <a:bodyPr/>
           <a:lstStyle/>
           <a:p>
+            <a:r>
+              <a:rPr lang="en-US" dirty="0"/>
+              <a:t>Design Patterns</a:t>
+            </a:r>
+          </a:p>
+        </p:txBody>
+      </p:sp>
+      <p:sp>
+        <p:nvSpPr>
+          <p:cNvPr id="3" name="Content Placeholder 2"/>
+          <p:cNvSpPr>
+            <a:spLocks noGrp="1"/>
+          </p:cNvSpPr>
+          <p:nvPr>
+            <p:ph idx="1"/>
+          </p:nvPr>
+        </p:nvSpPr>
+        <p:spPr/>
+        <p:txBody>
+          <a:bodyPr>
+            <a:normAutofit lnSpcReduction="10000"/>
+          </a:bodyPr>
+          <a:lstStyle/>
+          <a:p>
+            <a:pPr marL="0" indent="0">
+              <a:buNone/>
+            </a:pPr>
+            <a:r>
+              <a:rPr lang="en-US" dirty="0" smtClean="0"/>
+              <a:t>Dependency </a:t>
+            </a:r>
+            <a:r>
+              <a:rPr lang="en-US" dirty="0"/>
+              <a:t>Injection • </a:t>
+            </a:r>
+            <a:endParaRPr lang="en-US" dirty="0" smtClean="0"/>
+          </a:p>
+          <a:p>
+            <a:pPr marL="0" indent="0">
+              <a:buNone/>
+            </a:pPr>
+            <a:r>
+              <a:rPr lang="en-US" dirty="0" smtClean="0"/>
+              <a:t>Repository </a:t>
+            </a:r>
+            <a:r>
+              <a:rPr lang="en-US" dirty="0"/>
+              <a:t>• Data Access • Adapter • Single-Responsibility Principle • Keeps tedious, bug-prone code contained • Strategy • Encapsulates algorithms &amp; business logic • Model-View-Controller • Isolates User Interface Implementation from the User Interface Logic • Testable User Interfaces • Model-View-</a:t>
+            </a:r>
+            <a:r>
+              <a:rPr lang="en-US" dirty="0" err="1"/>
+              <a:t>ViewModel</a:t>
+            </a:r>
+            <a:endParaRPr lang="en-US" dirty="0"/>
+          </a:p>
+        </p:txBody>
+      </p:sp>
+      <p:sp>
+        <p:nvSpPr>
+          <p:cNvPr id="4" name="Slide Number Placeholder 3"/>
+          <p:cNvSpPr>
+            <a:spLocks noGrp="1"/>
+          </p:cNvSpPr>
+          <p:nvPr>
+            <p:ph type="sldNum" sz="quarter" idx="12"/>
+          </p:nvPr>
+        </p:nvSpPr>
+        <p:spPr/>
+        <p:txBody>
+          <a:bodyPr/>
+          <a:lstStyle/>
+          <a:p>
+            <a:fld id="{2387B7E2-7538-4163-9310-D5E6EE1BC12A}" type="slidenum">
+              <a:rPr lang="en-US" smtClean="0"/>
+              <a:pPr/>
+              <a:t>63</a:t>
+            </a:fld>
+            <a:endParaRPr lang="en-US"/>
+          </a:p>
+        </p:txBody>
+      </p:sp>
+    </p:spTree>
+    <p:extLst>
+      <p:ext uri="{BB962C8B-B14F-4D97-AF65-F5344CB8AC3E}">
+        <p14:creationId xmlns:p14="http://schemas.microsoft.com/office/powerpoint/2010/main" val="986758428"/>
+      </p:ext>
+    </p:extLst>
+  </p:cSld>
+  <p:clrMapOvr>
+    <a:masterClrMapping/>
+  </p:clrMapOvr>
+</p:sld>
+</file>
+
+<file path=ppt/slides/slide64.xml><?xml version="1.0" encoding="utf-8"?>
+<p:sld xmlns:a="http://schemas.openxmlformats.org/drawingml/2006/main" xmlns:r="http://schemas.openxmlformats.org/officeDocument/2006/relationships" xmlns:p="http://schemas.openxmlformats.org/presentationml/2006/main">
+  <p:cSld>
+    <p:spTree>
+      <p:nvGrpSpPr>
+        <p:cNvPr id="1" name=""/>
+        <p:cNvGrpSpPr/>
+        <p:nvPr/>
+      </p:nvGrpSpPr>
+      <p:grpSpPr>
+        <a:xfrm>
+          <a:off x="0" y="0"/>
+          <a:ext cx="0" cy="0"/>
+          <a:chOff x="0" y="0"/>
+          <a:chExt cx="0" cy="0"/>
+        </a:xfrm>
+      </p:grpSpPr>
+      <p:sp>
+        <p:nvSpPr>
+          <p:cNvPr id="2" name="Title 1"/>
+          <p:cNvSpPr>
+            <a:spLocks noGrp="1"/>
+          </p:cNvSpPr>
+          <p:nvPr>
+            <p:ph type="title"/>
+          </p:nvPr>
+        </p:nvSpPr>
+        <p:spPr/>
+        <p:txBody>
+          <a:bodyPr/>
+          <a:lstStyle/>
+          <a:p>
             <a:endParaRPr lang="en-US"/>
           </a:p>
         </p:txBody>
@@ -15140,187 +15355,6 @@
       <p:sp>
         <p:nvSpPr>
           <p:cNvPr id="5" name="Slide Number Placeholder 4"/>
-          <p:cNvSpPr>
-            <a:spLocks noGrp="1"/>
-          </p:cNvSpPr>
-          <p:nvPr>
-            <p:ph type="sldNum" sz="quarter" idx="12"/>
-          </p:nvPr>
-        </p:nvSpPr>
-        <p:spPr/>
-        <p:txBody>
-          <a:bodyPr/>
-          <a:lstStyle/>
-          <a:p>
-            <a:fld id="{2387B7E2-7538-4163-9310-D5E6EE1BC12A}" type="slidenum">
-              <a:rPr lang="en-US" smtClean="0"/>
-              <a:pPr/>
-              <a:t>63</a:t>
-            </a:fld>
-            <a:endParaRPr lang="en-US"/>
-          </a:p>
-        </p:txBody>
-      </p:sp>
-    </p:spTree>
-  </p:cSld>
-  <p:clrMapOvr>
-    <a:masterClrMapping/>
-  </p:clrMapOvr>
-  <p:timing>
-    <p:tnLst>
-      <p:par>
-        <p:cTn id="1" dur="indefinite" restart="never" nodeType="tmRoot"/>
-      </p:par>
-    </p:tnLst>
-  </p:timing>
-</p:sld>
-</file>
-
-<file path=ppt/slides/slide64.xml><?xml version="1.0" encoding="utf-8"?>
-<p:sld xmlns:a="http://schemas.openxmlformats.org/drawingml/2006/main" xmlns:r="http://schemas.openxmlformats.org/officeDocument/2006/relationships" xmlns:p="http://schemas.openxmlformats.org/presentationml/2006/main">
-  <p:cSld>
-    <p:spTree>
-      <p:nvGrpSpPr>
-        <p:cNvPr id="1" name=""/>
-        <p:cNvGrpSpPr/>
-        <p:nvPr/>
-      </p:nvGrpSpPr>
-      <p:grpSpPr>
-        <a:xfrm>
-          <a:off x="0" y="0"/>
-          <a:ext cx="0" cy="0"/>
-          <a:chOff x="0" y="0"/>
-          <a:chExt cx="0" cy="0"/>
-        </a:xfrm>
-      </p:grpSpPr>
-      <p:sp>
-        <p:nvSpPr>
-          <p:cNvPr id="2" name="Title 1"/>
-          <p:cNvSpPr>
-            <a:spLocks noGrp="1"/>
-          </p:cNvSpPr>
-          <p:nvPr>
-            <p:ph type="title"/>
-          </p:nvPr>
-        </p:nvSpPr>
-        <p:spPr/>
-        <p:txBody>
-          <a:bodyPr/>
-          <a:lstStyle/>
-          <a:p>
-            <a:endParaRPr lang="en-US"/>
-          </a:p>
-        </p:txBody>
-      </p:sp>
-      <p:sp>
-        <p:nvSpPr>
-          <p:cNvPr id="3" name="Content Placeholder 2"/>
-          <p:cNvSpPr>
-            <a:spLocks noGrp="1"/>
-          </p:cNvSpPr>
-          <p:nvPr>
-            <p:ph idx="1"/>
-          </p:nvPr>
-        </p:nvSpPr>
-        <p:spPr/>
-        <p:txBody>
-          <a:bodyPr>
-            <a:normAutofit fontScale="70000" lnSpcReduction="20000"/>
-          </a:bodyPr>
-          <a:lstStyle/>
-          <a:p>
-            <a:pPr fontAlgn="base">
-              <a:buNone/>
-            </a:pPr>
-            <a:r>
-              <a:rPr lang="en-US" dirty="0" smtClean="0"/>
-              <a:t>	</a:t>
-            </a:r>
-          </a:p>
-          <a:p>
-            <a:pPr fontAlgn="base">
-              <a:buNone/>
-            </a:pPr>
-            <a:r>
-              <a:rPr lang="en-US" dirty="0" smtClean="0"/>
-              <a:t>	You get immediate feedback on if your code is working, so you can find bugs faster</a:t>
-            </a:r>
-          </a:p>
-          <a:p>
-            <a:pPr fontAlgn="base">
-              <a:buNone/>
-            </a:pPr>
-            <a:r>
-              <a:rPr lang="en-US" dirty="0" smtClean="0"/>
-              <a:t>	</a:t>
-            </a:r>
-          </a:p>
-          <a:p>
-            <a:pPr fontAlgn="base">
-              <a:buNone/>
-            </a:pPr>
-            <a:r>
-              <a:rPr lang="en-US" dirty="0" smtClean="0"/>
-              <a:t>	You get feedback on design</a:t>
-            </a:r>
-          </a:p>
-          <a:p>
-            <a:pPr fontAlgn="base"/>
-            <a:endParaRPr lang="en-US" dirty="0" smtClean="0"/>
-          </a:p>
-          <a:p>
-            <a:pPr fontAlgn="base">
-              <a:buNone/>
-            </a:pPr>
-            <a:r>
-              <a:rPr lang="en-US" dirty="0" smtClean="0"/>
-              <a:t>	You gain confidence to </a:t>
-            </a:r>
-            <a:r>
-              <a:rPr lang="en-US" dirty="0" err="1" smtClean="0"/>
-              <a:t>refactor</a:t>
-            </a:r>
-            <a:r>
-              <a:rPr lang="en-US" dirty="0" smtClean="0"/>
-              <a:t> existing code, which means you can clean up code without worrying what it might break</a:t>
-            </a:r>
-          </a:p>
-          <a:p>
-            <a:pPr fontAlgn="base"/>
-            <a:endParaRPr lang="en-US" dirty="0" smtClean="0"/>
-          </a:p>
-          <a:p>
-            <a:pPr fontAlgn="base">
-              <a:buNone/>
-            </a:pPr>
-            <a:r>
-              <a:rPr lang="en-US" dirty="0" smtClean="0"/>
-              <a:t>	At the end you have a suite of regression tests that can be run during automated builds to give you greater confidence that your codebase is solid</a:t>
-            </a:r>
-          </a:p>
-          <a:p>
-            <a:pPr fontAlgn="base">
-              <a:buNone/>
-            </a:pPr>
-            <a:endParaRPr lang="en-US" dirty="0" smtClean="0"/>
-          </a:p>
-          <a:p>
-            <a:pPr fontAlgn="base">
-              <a:buNone/>
-            </a:pPr>
-            <a:r>
-              <a:rPr lang="en-US" dirty="0" smtClean="0"/>
-              <a:t>	Reduce technical debt</a:t>
-            </a:r>
-          </a:p>
-          <a:p>
-            <a:endParaRPr lang="en-US" dirty="0"/>
-          </a:p>
-        </p:txBody>
-      </p:sp>
-      <p:sp>
-        <p:nvSpPr>
-          <p:cNvPr id="4" name="Slide Number Placeholder 3"/>
           <p:cNvSpPr>
             <a:spLocks noGrp="1"/>
           </p:cNvSpPr>
@@ -15374,6 +15408,187 @@
           <a:chExt cx="0" cy="0"/>
         </a:xfrm>
       </p:grpSpPr>
+      <p:sp>
+        <p:nvSpPr>
+          <p:cNvPr id="2" name="Title 1"/>
+          <p:cNvSpPr>
+            <a:spLocks noGrp="1"/>
+          </p:cNvSpPr>
+          <p:nvPr>
+            <p:ph type="title"/>
+          </p:nvPr>
+        </p:nvSpPr>
+        <p:spPr/>
+        <p:txBody>
+          <a:bodyPr/>
+          <a:lstStyle/>
+          <a:p>
+            <a:endParaRPr lang="en-US"/>
+          </a:p>
+        </p:txBody>
+      </p:sp>
+      <p:sp>
+        <p:nvSpPr>
+          <p:cNvPr id="3" name="Content Placeholder 2"/>
+          <p:cNvSpPr>
+            <a:spLocks noGrp="1"/>
+          </p:cNvSpPr>
+          <p:nvPr>
+            <p:ph idx="1"/>
+          </p:nvPr>
+        </p:nvSpPr>
+        <p:spPr/>
+        <p:txBody>
+          <a:bodyPr>
+            <a:normAutofit fontScale="70000" lnSpcReduction="20000"/>
+          </a:bodyPr>
+          <a:lstStyle/>
+          <a:p>
+            <a:pPr fontAlgn="base">
+              <a:buNone/>
+            </a:pPr>
+            <a:r>
+              <a:rPr lang="en-US" dirty="0" smtClean="0"/>
+              <a:t>	</a:t>
+            </a:r>
+          </a:p>
+          <a:p>
+            <a:pPr fontAlgn="base">
+              <a:buNone/>
+            </a:pPr>
+            <a:r>
+              <a:rPr lang="en-US" dirty="0" smtClean="0"/>
+              <a:t>	You get immediate feedback on if your code is working, so you can find bugs faster</a:t>
+            </a:r>
+          </a:p>
+          <a:p>
+            <a:pPr fontAlgn="base">
+              <a:buNone/>
+            </a:pPr>
+            <a:r>
+              <a:rPr lang="en-US" dirty="0" smtClean="0"/>
+              <a:t>	</a:t>
+            </a:r>
+          </a:p>
+          <a:p>
+            <a:pPr fontAlgn="base">
+              <a:buNone/>
+            </a:pPr>
+            <a:r>
+              <a:rPr lang="en-US" dirty="0" smtClean="0"/>
+              <a:t>	You get feedback on design</a:t>
+            </a:r>
+          </a:p>
+          <a:p>
+            <a:pPr fontAlgn="base"/>
+            <a:endParaRPr lang="en-US" dirty="0" smtClean="0"/>
+          </a:p>
+          <a:p>
+            <a:pPr fontAlgn="base">
+              <a:buNone/>
+            </a:pPr>
+            <a:r>
+              <a:rPr lang="en-US" dirty="0" smtClean="0"/>
+              <a:t>	You gain confidence to </a:t>
+            </a:r>
+            <a:r>
+              <a:rPr lang="en-US" dirty="0" err="1" smtClean="0"/>
+              <a:t>refactor</a:t>
+            </a:r>
+            <a:r>
+              <a:rPr lang="en-US" dirty="0" smtClean="0"/>
+              <a:t> existing code, which means you can clean up code without worrying what it might break</a:t>
+            </a:r>
+          </a:p>
+          <a:p>
+            <a:pPr fontAlgn="base"/>
+            <a:endParaRPr lang="en-US" dirty="0" smtClean="0"/>
+          </a:p>
+          <a:p>
+            <a:pPr fontAlgn="base">
+              <a:buNone/>
+            </a:pPr>
+            <a:r>
+              <a:rPr lang="en-US" dirty="0" smtClean="0"/>
+              <a:t>	At the end you have a suite of regression tests that can be run during automated builds to give you greater confidence that your codebase is solid</a:t>
+            </a:r>
+          </a:p>
+          <a:p>
+            <a:pPr fontAlgn="base">
+              <a:buNone/>
+            </a:pPr>
+            <a:endParaRPr lang="en-US" dirty="0" smtClean="0"/>
+          </a:p>
+          <a:p>
+            <a:pPr fontAlgn="base">
+              <a:buNone/>
+            </a:pPr>
+            <a:r>
+              <a:rPr lang="en-US" dirty="0" smtClean="0"/>
+              <a:t>	Reduce technical debt</a:t>
+            </a:r>
+          </a:p>
+          <a:p>
+            <a:endParaRPr lang="en-US" dirty="0"/>
+          </a:p>
+        </p:txBody>
+      </p:sp>
+      <p:sp>
+        <p:nvSpPr>
+          <p:cNvPr id="4" name="Slide Number Placeholder 3"/>
+          <p:cNvSpPr>
+            <a:spLocks noGrp="1"/>
+          </p:cNvSpPr>
+          <p:nvPr>
+            <p:ph type="sldNum" sz="quarter" idx="12"/>
+          </p:nvPr>
+        </p:nvSpPr>
+        <p:spPr/>
+        <p:txBody>
+          <a:bodyPr/>
+          <a:lstStyle/>
+          <a:p>
+            <a:fld id="{2387B7E2-7538-4163-9310-D5E6EE1BC12A}" type="slidenum">
+              <a:rPr lang="en-US" smtClean="0"/>
+              <a:pPr/>
+              <a:t>65</a:t>
+            </a:fld>
+            <a:endParaRPr lang="en-US"/>
+          </a:p>
+        </p:txBody>
+      </p:sp>
+    </p:spTree>
+  </p:cSld>
+  <p:clrMapOvr>
+    <a:masterClrMapping/>
+  </p:clrMapOvr>
+  <p:timing>
+    <p:tnLst>
+      <p:par>
+        <p:cTn id="1" dur="indefinite" restart="never" nodeType="tmRoot"/>
+      </p:par>
+    </p:tnLst>
+  </p:timing>
+</p:sld>
+</file>
+
+<file path=ppt/slides/slide66.xml><?xml version="1.0" encoding="utf-8"?>
+<p:sld xmlns:a="http://schemas.openxmlformats.org/drawingml/2006/main" xmlns:r="http://schemas.openxmlformats.org/officeDocument/2006/relationships" xmlns:p="http://schemas.openxmlformats.org/presentationml/2006/main">
+  <p:cSld>
+    <p:spTree>
+      <p:nvGrpSpPr>
+        <p:cNvPr id="1" name=""/>
+        <p:cNvGrpSpPr/>
+        <p:nvPr/>
+      </p:nvGrpSpPr>
+      <p:grpSpPr>
+        <a:xfrm>
+          <a:off x="0" y="0"/>
+          <a:ext cx="0" cy="0"/>
+          <a:chOff x="0" y="0"/>
+          <a:chExt cx="0" cy="0"/>
+        </a:xfrm>
+      </p:grpSpPr>
       <p:graphicFrame>
         <p:nvGraphicFramePr>
           <p:cNvPr id="6" name="Content Placeholder 5"/>
@@ -15442,7 +15657,7 @@
             <a:fld id="{2387B7E2-7538-4163-9310-D5E6EE1BC12A}" type="slidenum">
               <a:rPr lang="en-US" smtClean="0"/>
               <a:pPr/>
-              <a:t>65</a:t>
+              <a:t>66</a:t>
             </a:fld>
             <a:endParaRPr lang="en-US"/>
           </a:p>
@@ -15544,7 +15759,7 @@
 </p:sld>
 </file>
 
-<file path=ppt/slides/slide66.xml><?xml version="1.0" encoding="utf-8"?>
+<file path=ppt/slides/slide67.xml><?xml version="1.0" encoding="utf-8"?>
 <p:sld xmlns:a="http://schemas.openxmlformats.org/drawingml/2006/main" xmlns:r="http://schemas.openxmlformats.org/officeDocument/2006/relationships" xmlns:p="http://schemas.openxmlformats.org/presentationml/2006/main">
   <p:cSld>
     <p:spTree>
@@ -15632,7 +15847,7 @@
             <a:fld id="{2387B7E2-7538-4163-9310-D5E6EE1BC12A}" type="slidenum">
               <a:rPr lang="en-US" smtClean="0"/>
               <a:pPr/>
-              <a:t>66</a:t>
+              <a:t>67</a:t>
             </a:fld>
             <a:endParaRPr lang="en-US"/>
           </a:p>
@@ -15706,7 +15921,7 @@
         <p:spPr/>
         <p:txBody>
           <a:bodyPr>
-            <a:normAutofit fontScale="62500" lnSpcReduction="20000"/>
+            <a:normAutofit/>
           </a:bodyPr>
           <a:lstStyle/>
           <a:p>
@@ -15715,48 +15930,9 @@
             </a:pPr>
             <a:r>
               <a:rPr lang="en-US" dirty="0"/>
-              <a:t>Tests create a feedback loop that informs the developer whether the product is working or not. The ideal feedback loop has several properties</a:t>
-            </a:r>
-            <a:r>
-              <a:rPr lang="en-US" dirty="0" smtClean="0"/>
-              <a:t>:</a:t>
-            </a:r>
-          </a:p>
-          <a:p>
-            <a:pPr marL="0" indent="0">
-              <a:buNone/>
-            </a:pPr>
+              <a:t>Tests create a feedback loop that informs the developer whether the product is working or not. </a:t>
+            </a:r>
             <a:endParaRPr lang="en-US" dirty="0" smtClean="0"/>
-          </a:p>
-          <a:p>
-            <a:r>
-              <a:rPr lang="en-US" u="sng" dirty="0"/>
-              <a:t>It's fast</a:t>
-            </a:r>
-            <a:r>
-              <a:rPr lang="en-US" dirty="0"/>
-              <a:t>. No developer wants to wait hours or days to find out if their change works. Sometimes the change does not work - nobody is perfect - and the feedback loop needs to run multiple times. A faster feedback loop leads to faster fixes. If the loop is fast enough, developers may even run tests before checking in a change. </a:t>
-            </a:r>
-          </a:p>
-          <a:p>
-            <a:r>
-              <a:rPr lang="en-US" u="sng" dirty="0"/>
-              <a:t>It's reliable</a:t>
-            </a:r>
-            <a:r>
-              <a:rPr lang="en-US" dirty="0"/>
-              <a:t>. No developer wants to spend hours debugging a test, only to find out it was a flaky test. Flaky tests reduce the developer's trust in the test, and as a result flaky tests are often ignored, even when they find real product issues. </a:t>
-            </a:r>
-          </a:p>
-          <a:p>
-            <a:r>
-              <a:rPr lang="en-US" u="sng" dirty="0"/>
-              <a:t>It isolates failures</a:t>
-            </a:r>
-            <a:r>
-              <a:rPr lang="en-US" dirty="0"/>
-              <a:t>. To fix a bug, developers need to find the specific lines of code causing the bug. When a product contains millions of lines of codes, and the bug could be anywhere, it's like trying to find a needle in a haystack. </a:t>
-            </a:r>
           </a:p>
           <a:p>
             <a:pPr marL="0" indent="0">
@@ -15829,6 +16005,167 @@
       </p:grpSpPr>
       <p:sp>
         <p:nvSpPr>
+          <p:cNvPr id="2" name="Title 1"/>
+          <p:cNvSpPr>
+            <a:spLocks noGrp="1"/>
+          </p:cNvSpPr>
+          <p:nvPr>
+            <p:ph type="title"/>
+          </p:nvPr>
+        </p:nvSpPr>
+        <p:spPr/>
+        <p:txBody>
+          <a:bodyPr>
+            <a:normAutofit fontScale="90000"/>
+          </a:bodyPr>
+          <a:lstStyle/>
+          <a:p>
+            <a:r>
+              <a:rPr lang="en-US" dirty="0"/>
+              <a:t/>
+            </a:r>
+            <a:br>
+              <a:rPr lang="en-US" dirty="0"/>
+            </a:br>
+            <a:endParaRPr lang="en-US" dirty="0"/>
+          </a:p>
+        </p:txBody>
+      </p:sp>
+      <p:sp>
+        <p:nvSpPr>
+          <p:cNvPr id="3" name="Content Placeholder 2"/>
+          <p:cNvSpPr>
+            <a:spLocks noGrp="1"/>
+          </p:cNvSpPr>
+          <p:nvPr>
+            <p:ph idx="1"/>
+          </p:nvPr>
+        </p:nvSpPr>
+        <p:spPr>
+          <a:xfrm>
+            <a:off x="457200" y="838200"/>
+            <a:ext cx="8229600" cy="5287963"/>
+          </a:xfrm>
+        </p:spPr>
+        <p:txBody>
+          <a:bodyPr>
+            <a:normAutofit fontScale="77500" lnSpcReduction="20000"/>
+          </a:bodyPr>
+          <a:lstStyle/>
+          <a:p>
+            <a:pPr marL="0" indent="0">
+              <a:buNone/>
+            </a:pPr>
+            <a:r>
+              <a:rPr lang="en-US" dirty="0"/>
+              <a:t>The ideal feedback loop has several properties</a:t>
+            </a:r>
+            <a:r>
+              <a:rPr lang="en-US" dirty="0" smtClean="0"/>
+              <a:t>:</a:t>
+            </a:r>
+          </a:p>
+          <a:p>
+            <a:pPr marL="0" indent="0">
+              <a:buNone/>
+            </a:pPr>
+            <a:endParaRPr lang="en-US" u="sng" dirty="0" smtClean="0"/>
+          </a:p>
+          <a:p>
+            <a:r>
+              <a:rPr lang="en-US" u="sng" dirty="0" smtClean="0"/>
+              <a:t>It's </a:t>
+            </a:r>
+            <a:r>
+              <a:rPr lang="en-US" u="sng" dirty="0"/>
+              <a:t>fast</a:t>
+            </a:r>
+            <a:r>
+              <a:rPr lang="en-US" dirty="0"/>
+              <a:t>. No developer wants to wait hours or days to find out if their change works. Sometimes the change does not work - nobody is perfect - and the feedback loop needs to run multiple times. A faster feedback loop leads to faster fixes. If the loop is fast enough, developers may even run tests before checking in a change. </a:t>
+            </a:r>
+          </a:p>
+          <a:p>
+            <a:r>
+              <a:rPr lang="en-US" u="sng" dirty="0"/>
+              <a:t>It's reliable</a:t>
+            </a:r>
+            <a:r>
+              <a:rPr lang="en-US" dirty="0"/>
+              <a:t>. No developer wants to spend hours debugging a test, only to find out it was a flaky test. Flaky tests reduce the developer's trust in the test, and as a result flaky tests are often ignored, even when they find real product issues. </a:t>
+            </a:r>
+          </a:p>
+          <a:p>
+            <a:r>
+              <a:rPr lang="en-US" u="sng" dirty="0"/>
+              <a:t>It isolates failures</a:t>
+            </a:r>
+            <a:r>
+              <a:rPr lang="en-US" dirty="0"/>
+              <a:t>. To fix a bug, developers need to find the specific lines of code causing the bug. When a product contains millions of lines of codes, and the bug could be anywhere, it's like trying to find a needle in a haystack. </a:t>
+            </a:r>
+          </a:p>
+          <a:p>
+            <a:endParaRPr lang="en-US" dirty="0"/>
+          </a:p>
+        </p:txBody>
+      </p:sp>
+      <p:sp>
+        <p:nvSpPr>
+          <p:cNvPr id="4" name="Slide Number Placeholder 3"/>
+          <p:cNvSpPr>
+            <a:spLocks noGrp="1"/>
+          </p:cNvSpPr>
+          <p:nvPr>
+            <p:ph type="sldNum" sz="quarter" idx="12"/>
+          </p:nvPr>
+        </p:nvSpPr>
+        <p:spPr/>
+        <p:txBody>
+          <a:bodyPr/>
+          <a:lstStyle/>
+          <a:p>
+            <a:fld id="{2387B7E2-7538-4163-9310-D5E6EE1BC12A}" type="slidenum">
+              <a:rPr lang="en-US" smtClean="0"/>
+              <a:pPr/>
+              <a:t>8</a:t>
+            </a:fld>
+            <a:endParaRPr lang="en-US"/>
+          </a:p>
+        </p:txBody>
+      </p:sp>
+    </p:spTree>
+    <p:extLst>
+      <p:ext uri="{BB962C8B-B14F-4D97-AF65-F5344CB8AC3E}">
+        <p14:creationId xmlns:p14="http://schemas.microsoft.com/office/powerpoint/2010/main" val="1470752032"/>
+      </p:ext>
+    </p:extLst>
+  </p:cSld>
+  <p:clrMapOvr>
+    <a:masterClrMapping/>
+  </p:clrMapOvr>
+</p:sld>
+</file>
+
+<file path=ppt/slides/slide9.xml><?xml version="1.0" encoding="utf-8"?>
+<p:sld xmlns:a="http://schemas.openxmlformats.org/drawingml/2006/main" xmlns:r="http://schemas.openxmlformats.org/officeDocument/2006/relationships" xmlns:p="http://schemas.openxmlformats.org/presentationml/2006/main">
+  <p:cSld>
+    <p:spTree>
+      <p:nvGrpSpPr>
+        <p:cNvPr id="1" name=""/>
+        <p:cNvGrpSpPr/>
+        <p:nvPr/>
+      </p:nvGrpSpPr>
+      <p:grpSpPr>
+        <a:xfrm>
+          <a:off x="0" y="0"/>
+          <a:ext cx="0" cy="0"/>
+          <a:chOff x="0" y="0"/>
+          <a:chExt cx="0" cy="0"/>
+        </a:xfrm>
+      </p:grpSpPr>
+      <p:sp>
+        <p:nvSpPr>
           <p:cNvPr id="6" name="Title 1"/>
           <p:cNvSpPr>
             <a:spLocks noGrp="1"/>
@@ -15883,140 +16220,6 @@
           <a:noFill/>
         </p:spPr>
       </p:pic>
-      <p:sp>
-        <p:nvSpPr>
-          <p:cNvPr id="4" name="Slide Number Placeholder 3"/>
-          <p:cNvSpPr>
-            <a:spLocks noGrp="1"/>
-          </p:cNvSpPr>
-          <p:nvPr>
-            <p:ph type="sldNum" sz="quarter" idx="12"/>
-          </p:nvPr>
-        </p:nvSpPr>
-        <p:spPr/>
-        <p:txBody>
-          <a:bodyPr/>
-          <a:lstStyle/>
-          <a:p>
-            <a:fld id="{2387B7E2-7538-4163-9310-D5E6EE1BC12A}" type="slidenum">
-              <a:rPr lang="en-US" smtClean="0"/>
-              <a:pPr/>
-              <a:t>8</a:t>
-            </a:fld>
-            <a:endParaRPr lang="en-US"/>
-          </a:p>
-        </p:txBody>
-      </p:sp>
-    </p:spTree>
-  </p:cSld>
-  <p:clrMapOvr>
-    <a:masterClrMapping/>
-  </p:clrMapOvr>
-  <p:timing>
-    <p:tnLst>
-      <p:par>
-        <p:cTn id="1" dur="indefinite" restart="never" nodeType="tmRoot"/>
-      </p:par>
-    </p:tnLst>
-  </p:timing>
-</p:sld>
-</file>
-
-<file path=ppt/slides/slide9.xml><?xml version="1.0" encoding="utf-8"?>
-<p:sld xmlns:a="http://schemas.openxmlformats.org/drawingml/2006/main" xmlns:r="http://schemas.openxmlformats.org/officeDocument/2006/relationships" xmlns:p="http://schemas.openxmlformats.org/presentationml/2006/main">
-  <p:cSld>
-    <p:spTree>
-      <p:nvGrpSpPr>
-        <p:cNvPr id="1" name=""/>
-        <p:cNvGrpSpPr/>
-        <p:nvPr/>
-      </p:nvGrpSpPr>
-      <p:grpSpPr>
-        <a:xfrm>
-          <a:off x="0" y="0"/>
-          <a:ext cx="0" cy="0"/>
-          <a:chOff x="0" y="0"/>
-          <a:chExt cx="0" cy="0"/>
-        </a:xfrm>
-      </p:grpSpPr>
-      <p:sp>
-        <p:nvSpPr>
-          <p:cNvPr id="3" name="Content Placeholder 2"/>
-          <p:cNvSpPr>
-            <a:spLocks noGrp="1"/>
-          </p:cNvSpPr>
-          <p:nvPr>
-            <p:ph idx="1"/>
-          </p:nvPr>
-        </p:nvSpPr>
-        <p:spPr>
-          <a:xfrm>
-            <a:off x="457200" y="1143000"/>
-            <a:ext cx="8229600" cy="4983163"/>
-          </a:xfrm>
-        </p:spPr>
-        <p:txBody>
-          <a:bodyPr>
-            <a:normAutofit/>
-          </a:bodyPr>
-          <a:lstStyle/>
-          <a:p>
-            <a:pPr marL="0" indent="0">
-              <a:buNone/>
-            </a:pPr>
-            <a:r>
-              <a:rPr lang="en-US" i="1" dirty="0" smtClean="0"/>
-              <a:t>TDD helps us to pay attention to the right   issue at the right time so we can make our 	design cleaner . We can refine our design as we learn.</a:t>
-            </a:r>
-          </a:p>
-          <a:p>
-            <a:pPr marL="0" indent="0">
-              <a:buNone/>
-            </a:pPr>
-            <a:endParaRPr lang="en-US" dirty="0" smtClean="0"/>
-          </a:p>
-          <a:p>
-            <a:pPr marL="0" indent="0">
-              <a:buNone/>
-            </a:pPr>
-            <a:r>
-              <a:rPr lang="en-US" i="1" dirty="0" smtClean="0"/>
-              <a:t>Significantly increase the flexibility of your system, allowing you to keep it clean.</a:t>
-            </a:r>
-          </a:p>
-          <a:p>
-            <a:pPr marL="0" indent="0">
-              <a:buNone/>
-            </a:pPr>
-            <a:endParaRPr lang="en-US" i="1" dirty="0" smtClean="0"/>
-          </a:p>
-          <a:p>
-            <a:pPr marL="0" indent="0">
-              <a:buNone/>
-            </a:pPr>
-            <a:r>
-              <a:rPr lang="en-US" i="1" dirty="0" smtClean="0"/>
-              <a:t>Create a system design that has extremely low coupling.</a:t>
-            </a:r>
-            <a:endParaRPr lang="en-US" dirty="0" smtClean="0"/>
-          </a:p>
-          <a:p>
-            <a:pPr marL="0" indent="0">
-              <a:buNone/>
-            </a:pPr>
-            <a:endParaRPr lang="en-US" i="1" dirty="0" smtClean="0"/>
-          </a:p>
-          <a:p>
-            <a:pPr marL="0" indent="0">
-              <a:buNone/>
-            </a:pPr>
-            <a:endParaRPr lang="en-US" dirty="0" smtClean="0"/>
-          </a:p>
-          <a:p>
-            <a:endParaRPr lang="en-GB" dirty="0"/>
-          </a:p>
-        </p:txBody>
-      </p:sp>
       <p:sp>
         <p:nvSpPr>
           <p:cNvPr id="4" name="Slide Number Placeholder 3"/>

--- a/TDDExamples/Persentation/Test Driven Development.pptx
+++ b/TDDExamples/Persentation/Test Driven Development.pptx
@@ -5,7 +5,7 @@
     <p:sldMasterId id="2147483648" r:id="rId1"/>
   </p:sldMasterIdLst>
   <p:notesMasterIdLst>
-    <p:notesMasterId r:id="rId69"/>
+    <p:notesMasterId r:id="rId71"/>
   </p:notesMasterIdLst>
   <p:sldIdLst>
     <p:sldId id="318" r:id="rId2"/>
@@ -61,20 +61,22 @@
     <p:sldId id="306" r:id="rId52"/>
     <p:sldId id="272" r:id="rId53"/>
     <p:sldId id="340" r:id="rId54"/>
-    <p:sldId id="302" r:id="rId55"/>
-    <p:sldId id="303" r:id="rId56"/>
-    <p:sldId id="304" r:id="rId57"/>
-    <p:sldId id="305" r:id="rId58"/>
-    <p:sldId id="314" r:id="rId59"/>
-    <p:sldId id="315" r:id="rId60"/>
-    <p:sldId id="301" r:id="rId61"/>
-    <p:sldId id="324" r:id="rId62"/>
-    <p:sldId id="338" r:id="rId63"/>
-    <p:sldId id="339" r:id="rId64"/>
-    <p:sldId id="308" r:id="rId65"/>
-    <p:sldId id="294" r:id="rId66"/>
-    <p:sldId id="295" r:id="rId67"/>
-    <p:sldId id="300" r:id="rId68"/>
+    <p:sldId id="353" r:id="rId55"/>
+    <p:sldId id="354" r:id="rId56"/>
+    <p:sldId id="315" r:id="rId57"/>
+    <p:sldId id="302" r:id="rId58"/>
+    <p:sldId id="303" r:id="rId59"/>
+    <p:sldId id="304" r:id="rId60"/>
+    <p:sldId id="305" r:id="rId61"/>
+    <p:sldId id="314" r:id="rId62"/>
+    <p:sldId id="301" r:id="rId63"/>
+    <p:sldId id="324" r:id="rId64"/>
+    <p:sldId id="338" r:id="rId65"/>
+    <p:sldId id="339" r:id="rId66"/>
+    <p:sldId id="308" r:id="rId67"/>
+    <p:sldId id="294" r:id="rId68"/>
+    <p:sldId id="295" r:id="rId69"/>
+    <p:sldId id="300" r:id="rId70"/>
   </p:sldIdLst>
   <p:sldSz cx="9144000" cy="6858000" type="screen4x3"/>
   <p:notesSz cx="6858000" cy="9144000"/>
@@ -473,11 +475,11 @@
           <c:showBubbleSize val="0"/>
         </c:dLbls>
         <c:smooth val="0"/>
-        <c:axId val="371561912"/>
-        <c:axId val="371561520"/>
+        <c:axId val="422558056"/>
+        <c:axId val="422551392"/>
       </c:lineChart>
       <c:catAx>
-        <c:axId val="371561912"/>
+        <c:axId val="422558056"/>
         <c:scaling>
           <c:orientation val="minMax"/>
         </c:scaling>
@@ -497,7 +499,7 @@
             <a:endParaRPr lang="en-US"/>
           </a:p>
         </c:txPr>
-        <c:crossAx val="371561520"/>
+        <c:crossAx val="422551392"/>
         <c:crosses val="autoZero"/>
         <c:auto val="1"/>
         <c:lblAlgn val="ctr"/>
@@ -505,7 +507,7 @@
         <c:noMultiLvlLbl val="0"/>
       </c:catAx>
       <c:valAx>
-        <c:axId val="371561520"/>
+        <c:axId val="422551392"/>
         <c:scaling>
           <c:orientation val="minMax"/>
         </c:scaling>
@@ -526,7 +528,7 @@
             <a:endParaRPr lang="en-US"/>
           </a:p>
         </c:txPr>
-        <c:crossAx val="371561912"/>
+        <c:crossAx val="422558056"/>
         <c:crosses val="autoZero"/>
         <c:crossBetween val="between"/>
       </c:valAx>
@@ -2348,7 +2350,7 @@
             <a:fld id="{EFCA71D1-CE0C-4064-B87C-35F7C27EC6FE}" type="slidenum">
               <a:rPr lang="en-US" smtClean="0"/>
               <a:pPr/>
-              <a:t>55</a:t>
+              <a:t>58</a:t>
             </a:fld>
             <a:endParaRPr lang="en-US"/>
           </a:p>
@@ -2435,7 +2437,7 @@
             <a:fld id="{EFCA71D1-CE0C-4064-B87C-35F7C27EC6FE}" type="slidenum">
               <a:rPr lang="en-US" smtClean="0"/>
               <a:pPr/>
-              <a:t>56</a:t>
+              <a:t>59</a:t>
             </a:fld>
             <a:endParaRPr lang="en-US"/>
           </a:p>
@@ -2522,7 +2524,7 @@
             <a:fld id="{5783D7AA-6A74-42C9-8D9C-C1060C84B8E4}" type="slidenum">
               <a:rPr lang="en-US" smtClean="0"/>
               <a:pPr/>
-              <a:t>60</a:t>
+              <a:t>62</a:t>
             </a:fld>
             <a:endParaRPr lang="en-US"/>
           </a:p>
@@ -2607,7 +2609,7 @@
             <a:fld id="{5783D7AA-6A74-42C9-8D9C-C1060C84B8E4}" type="slidenum">
               <a:rPr lang="en-US" smtClean="0"/>
               <a:pPr/>
-              <a:t>61</a:t>
+              <a:t>63</a:t>
             </a:fld>
             <a:endParaRPr lang="en-US"/>
           </a:p>
@@ -2829,7 +2831,7 @@
             <a:fld id="{5783D7AA-6A74-42C9-8D9C-C1060C84B8E4}" type="slidenum">
               <a:rPr lang="en-US" smtClean="0"/>
               <a:pPr/>
-              <a:t>64</a:t>
+              <a:t>66</a:t>
             </a:fld>
             <a:endParaRPr lang="en-US"/>
           </a:p>
@@ -11554,7 +11556,6 @@
               <a:rPr lang="en-US" dirty="0" smtClean="0"/>
               <a:t>Teams that adopt TDD usually see an early boost in productivity because the tests let them add features with confidence and catch errors immediately. </a:t>
             </a:r>
-            <a:endParaRPr lang="en-US" dirty="0" smtClean="0"/>
           </a:p>
           <a:p>
             <a:endParaRPr lang="en-US" dirty="0"/>
@@ -11562,34 +11563,21 @@
           <a:p>
             <a:r>
               <a:rPr lang="en-US" dirty="0" smtClean="0"/>
-              <a:t>For </a:t>
-            </a:r>
+              <a:t>For some teams, the pace then slows down as the tests themselves become a maintenance burden. For TDD to be sustainable, the tests must do more than verify the behavior of the code; they must also express that behavior clearly—they must be readable</a:t>
+            </a:r>
+          </a:p>
+          <a:p>
+            <a:endParaRPr lang="en-US" dirty="0"/>
+          </a:p>
+          <a:p>
             <a:r>
               <a:rPr lang="en-US" dirty="0" smtClean="0"/>
-              <a:t>some teams, the pace then slows down as the tests themselves become a maintenance burden. For TDD to be sustainable, the tests must do more than verify the behavior of the code; they must also express that behavior clearly—they must be readable</a:t>
-            </a:r>
-          </a:p>
-          <a:p>
-            <a:endParaRPr lang="en-US" dirty="0"/>
-          </a:p>
-          <a:p>
-            <a:r>
-              <a:rPr lang="en-US" dirty="0" smtClean="0"/>
-              <a:t>We should </a:t>
-            </a:r>
-            <a:r>
-              <a:rPr lang="en-US" dirty="0" smtClean="0"/>
-              <a:t>take as much care about writing our test code as about production </a:t>
-            </a:r>
-            <a:r>
-              <a:rPr lang="en-US" dirty="0" smtClean="0"/>
-              <a:t>code</a:t>
+              <a:t>We should take as much care about writing our test code as about production code</a:t>
             </a:r>
             <a:r>
               <a:rPr lang="en-US" dirty="0"/>
               <a:t>.</a:t>
             </a:r>
-            <a:endParaRPr lang="en-US" dirty="0"/>
           </a:p>
         </p:txBody>
       </p:sp>
@@ -12278,13 +12266,8 @@
             </a:pPr>
             <a:r>
               <a:rPr lang="en-US" dirty="0" smtClean="0"/>
-              <a:t>We also extract common features into methods that can be shared between tests for setting up values, tearing down state, making assertions, and occasionally triggering the </a:t>
-            </a:r>
-            <a:r>
-              <a:rPr lang="en-US" dirty="0" smtClean="0"/>
-              <a:t>event.</a:t>
-            </a:r>
-            <a:endParaRPr lang="en-US" dirty="0" smtClean="0"/>
+              <a:t>We also extract common features into methods that can be shared between tests for setting up values, tearing down state, making assertions, and occasionally triggering the event.</a:t>
+            </a:r>
           </a:p>
           <a:p>
             <a:pPr marL="0" indent="0">
@@ -12396,13 +12379,8 @@
             </a:pPr>
             <a:r>
               <a:rPr lang="en-US" dirty="0" smtClean="0"/>
-              <a:t>4. Teardown: clean up any leftover state that might corrupt other tests</a:t>
-            </a:r>
-            <a:r>
-              <a:rPr lang="en-US" dirty="0" smtClean="0"/>
-              <a:t>.</a:t>
-            </a:r>
-            <a:endParaRPr lang="en-US" dirty="0" smtClean="0"/>
+              <a:t>4. Teardown: clean up any leftover state that might corrupt other tests.</a:t>
+            </a:r>
           </a:p>
         </p:txBody>
       </p:sp>
@@ -14084,7 +14062,7 @@
             <a:spLocks noGrp="1"/>
           </p:cNvSpPr>
           <p:nvPr>
-            <p:ph type="ctrTitle"/>
+            <p:ph type="title"/>
           </p:nvPr>
         </p:nvSpPr>
         <p:spPr/>
@@ -14094,7 +14072,7 @@
           <a:p>
             <a:r>
               <a:rPr lang="en-US" dirty="0" smtClean="0"/>
-              <a:t>Coding Dojo</a:t>
+              <a:t>String calculator</a:t>
             </a:r>
             <a:endParaRPr lang="en-US" dirty="0"/>
           </a:p>
@@ -14102,20 +14080,44 @@
       </p:sp>
       <p:sp>
         <p:nvSpPr>
-          <p:cNvPr id="3" name="Subtitle 2"/>
-          <p:cNvSpPr>
-            <a:spLocks noGrp="1"/>
-          </p:cNvSpPr>
-          <p:nvPr>
-            <p:ph type="subTitle" idx="1"/>
-          </p:nvPr>
-        </p:nvSpPr>
-        <p:spPr/>
-        <p:txBody>
-          <a:bodyPr/>
-          <a:lstStyle/>
-          <a:p>
-            <a:endParaRPr lang="en-US"/>
+          <p:cNvPr id="3" name="Content Placeholder 2"/>
+          <p:cNvSpPr>
+            <a:spLocks noGrp="1"/>
+          </p:cNvSpPr>
+          <p:nvPr>
+            <p:ph idx="1"/>
+          </p:nvPr>
+        </p:nvSpPr>
+        <p:spPr/>
+        <p:txBody>
+          <a:bodyPr>
+            <a:normAutofit/>
+          </a:bodyPr>
+          <a:lstStyle/>
+          <a:p>
+            <a:pPr marL="0" indent="0">
+              <a:buNone/>
+            </a:pPr>
+            <a:r>
+              <a:rPr lang="en-US" dirty="0" smtClean="0"/>
+              <a:t>Add numbers that is represented using string </a:t>
+            </a:r>
+          </a:p>
+          <a:p>
+            <a:pPr marL="0" indent="0">
+              <a:buNone/>
+            </a:pPr>
+            <a:endParaRPr lang="en-US" dirty="0"/>
+          </a:p>
+          <a:p>
+            <a:pPr marL="0" indent="0">
+              <a:buNone/>
+            </a:pPr>
+            <a:r>
+              <a:rPr lang="en-US" dirty="0" smtClean="0"/>
+              <a:t>For example = “1,2,3,5” = 11</a:t>
+            </a:r>
+            <a:endParaRPr lang="en-US" dirty="0"/>
           </a:p>
         </p:txBody>
       </p:sp>
@@ -14144,17 +14146,15 @@
         </p:txBody>
       </p:sp>
     </p:spTree>
+    <p:extLst>
+      <p:ext uri="{BB962C8B-B14F-4D97-AF65-F5344CB8AC3E}">
+        <p14:creationId xmlns:p14="http://schemas.microsoft.com/office/powerpoint/2010/main" val="2735111426"/>
+      </p:ext>
+    </p:extLst>
   </p:cSld>
   <p:clrMapOvr>
     <a:masterClrMapping/>
   </p:clrMapOvr>
-  <p:timing>
-    <p:tnLst>
-      <p:par>
-        <p:cTn id="1" dur="indefinite" restart="never" nodeType="tmRoot"/>
-      </p:par>
-    </p:tnLst>
-  </p:timing>
 </p:sld>
 </file>
 
@@ -14190,53 +14190,145 @@
           <a:bodyPr/>
           <a:lstStyle/>
           <a:p>
-            <a:r>
-              <a:rPr lang="en-US" dirty="0" smtClean="0"/>
-              <a:t>What is coding dojo</a:t>
-            </a:r>
+            <a:endParaRPr lang="en-US"/>
+          </a:p>
+        </p:txBody>
+      </p:sp>
+      <p:sp>
+        <p:nvSpPr>
+          <p:cNvPr id="3" name="Content Placeholder 2"/>
+          <p:cNvSpPr>
+            <a:spLocks noGrp="1"/>
+          </p:cNvSpPr>
+          <p:nvPr>
+            <p:ph idx="1"/>
+          </p:nvPr>
+        </p:nvSpPr>
+        <p:spPr/>
+        <p:txBody>
+          <a:bodyPr>
+            <a:normAutofit fontScale="55000" lnSpcReduction="20000"/>
+          </a:bodyPr>
+          <a:lstStyle/>
+          <a:p>
+            <a:pPr marL="0" indent="0">
+              <a:buNone/>
+            </a:pPr>
+            <a:r>
+              <a:rPr lang="en-US" dirty="0"/>
+              <a:t>Requirement 1: The method can take 0, 1 or 2 numbers separated by comma (,).</a:t>
+            </a:r>
+          </a:p>
+          <a:p>
+            <a:pPr marL="0" indent="0">
+              <a:buNone/>
+            </a:pPr>
+            <a:r>
+              <a:rPr lang="en-US" dirty="0"/>
+              <a:t>Requirement 2: For an empty string the method will return 0</a:t>
+            </a:r>
+          </a:p>
+          <a:p>
+            <a:pPr marL="0" indent="0">
+              <a:buNone/>
+            </a:pPr>
+            <a:r>
+              <a:rPr lang="en-US" dirty="0"/>
+              <a:t>Requirement 3: Method will return their sum of numbers for two numbers</a:t>
+            </a:r>
+          </a:p>
+          <a:p>
+            <a:pPr marL="0" indent="0">
+              <a:buNone/>
+            </a:pPr>
+            <a:r>
+              <a:rPr lang="en-US" dirty="0"/>
+              <a:t>Requirement 4: Allow the Add method to handle an unknown amount of numbers</a:t>
+            </a:r>
+          </a:p>
+          <a:p>
+            <a:pPr marL="0" indent="0">
+              <a:buNone/>
+            </a:pPr>
+            <a:r>
+              <a:rPr lang="en-US" dirty="0"/>
+              <a:t>Requirement 5: Allow the Add method to handle new lines between numbers (instead of commas).</a:t>
+            </a:r>
+          </a:p>
+          <a:p>
+            <a:pPr marL="0" indent="0">
+              <a:buNone/>
+            </a:pPr>
+            <a:r>
+              <a:rPr lang="en-US" dirty="0"/>
+              <a:t>Requirement 6 : for any non number throw exception</a:t>
+            </a:r>
+          </a:p>
+          <a:p>
+            <a:pPr marL="0" indent="0">
+              <a:buNone/>
+            </a:pPr>
+            <a:r>
+              <a:rPr lang="en-US" dirty="0"/>
+              <a:t>Requirement 7: Support different delimiters</a:t>
+            </a:r>
+          </a:p>
+          <a:p>
+            <a:pPr marL="0" indent="0">
+              <a:buNone/>
+            </a:pPr>
+            <a:r>
+              <a:rPr lang="en-US" dirty="0"/>
+              <a:t>To change a delimiter, the beginning of the string will contain a separate line that looks like this: </a:t>
+            </a:r>
+            <a:r>
+              <a:rPr lang="en-US" b="1" dirty="0"/>
+              <a:t>“//[delimiter]\n[numbers…]” </a:t>
+            </a:r>
+          </a:p>
+          <a:p>
+            <a:pPr marL="0" indent="0">
+              <a:buNone/>
+            </a:pPr>
             <a:endParaRPr lang="en-US" dirty="0"/>
           </a:p>
-        </p:txBody>
-      </p:sp>
-      <p:sp>
-        <p:nvSpPr>
-          <p:cNvPr id="3" name="Content Placeholder 2"/>
-          <p:cNvSpPr>
-            <a:spLocks noGrp="1"/>
-          </p:cNvSpPr>
-          <p:nvPr>
-            <p:ph idx="1"/>
-          </p:nvPr>
-        </p:nvSpPr>
-        <p:spPr/>
-        <p:txBody>
-          <a:bodyPr>
-            <a:normAutofit/>
-          </a:bodyPr>
-          <a:lstStyle/>
-          <a:p>
-            <a:pPr>
-              <a:buNone/>
-            </a:pPr>
-            <a:r>
-              <a:rPr lang="en-US" dirty="0" smtClean="0"/>
-              <a:t>	A Coding Dojo is a meeting where a bunch of coders get together, code, learn, and have fun</a:t>
-            </a:r>
-          </a:p>
-          <a:p>
-            <a:pPr>
-              <a:buNone/>
-            </a:pPr>
-            <a:endParaRPr lang="en-US" dirty="0" smtClean="0"/>
-          </a:p>
-          <a:p>
-            <a:pPr>
-              <a:buNone/>
-            </a:pPr>
-            <a:r>
-              <a:rPr lang="en-US" dirty="0" smtClean="0"/>
-              <a:t>	The real point of going to a dojo is to improve your skills</a:t>
-            </a:r>
+          <a:p>
+            <a:pPr marL="0" indent="0">
+              <a:buNone/>
+            </a:pPr>
+            <a:r>
+              <a:rPr lang="en-US" dirty="0"/>
+              <a:t>for example “//;\n1;2” should take 1 and 2 as parameters and return 3 where the default delimiter is ‘;’ </a:t>
+            </a:r>
+          </a:p>
+          <a:p>
+            <a:pPr marL="0" indent="0">
+              <a:buNone/>
+            </a:pPr>
+            <a:r>
+              <a:rPr lang="en-US" dirty="0"/>
+              <a:t>      </a:t>
+            </a:r>
+          </a:p>
+          <a:p>
+            <a:pPr marL="0" indent="0">
+              <a:buNone/>
+            </a:pPr>
+            <a:r>
+              <a:rPr lang="en-US" dirty="0"/>
+              <a:t>Requirement 8: Negative numbers will throw an exception</a:t>
+            </a:r>
+          </a:p>
+          <a:p>
+            <a:pPr marL="0" indent="0">
+              <a:buNone/>
+            </a:pPr>
+            <a:r>
+              <a:rPr lang="en-US" dirty="0"/>
+              <a:t>Requirement 9: Numbers bigger than 1000 should be ignored</a:t>
+            </a:r>
+          </a:p>
+          <a:p>
             <a:endParaRPr lang="en-US" dirty="0"/>
           </a:p>
         </p:txBody>
@@ -14266,17 +14358,15 @@
         </p:txBody>
       </p:sp>
     </p:spTree>
+    <p:extLst>
+      <p:ext uri="{BB962C8B-B14F-4D97-AF65-F5344CB8AC3E}">
+        <p14:creationId xmlns:p14="http://schemas.microsoft.com/office/powerpoint/2010/main" val="227199050"/>
+      </p:ext>
+    </p:extLst>
   </p:cSld>
   <p:clrMapOvr>
     <a:masterClrMapping/>
   </p:clrMapOvr>
-  <p:timing>
-    <p:tnLst>
-      <p:par>
-        <p:cTn id="1" dur="indefinite" restart="never" nodeType="tmRoot"/>
-      </p:par>
-    </p:tnLst>
-  </p:timing>
 </p:sld>
 </file>
 
@@ -14312,7 +14402,11 @@
           <a:bodyPr/>
           <a:lstStyle/>
           <a:p>
-            <a:endParaRPr lang="en-US"/>
+            <a:r>
+              <a:rPr lang="en-US" dirty="0" smtClean="0"/>
+              <a:t>Rules</a:t>
+            </a:r>
+            <a:endParaRPr lang="en-US" dirty="0"/>
           </a:p>
         </p:txBody>
       </p:sp>
@@ -14333,7 +14427,35 @@
           <a:p>
             <a:r>
               <a:rPr lang="en-US" dirty="0" smtClean="0"/>
-              <a:t>http://www.meetup.com/OsloCodingDojo/photos/1237021/#21061984</a:t>
+              <a:t>Write test before writing any production code</a:t>
+            </a:r>
+          </a:p>
+          <a:p>
+            <a:r>
+              <a:rPr lang="en-US" dirty="0" smtClean="0"/>
+              <a:t>Everyone must work in pair</a:t>
+            </a:r>
+          </a:p>
+          <a:p>
+            <a:r>
+              <a:rPr lang="en-US" dirty="0" smtClean="0"/>
+              <a:t>One person should write one failing test and other should make  that test pass by writing as  minimum code as possible</a:t>
+            </a:r>
+          </a:p>
+          <a:p>
+            <a:r>
+              <a:rPr lang="en-US" dirty="0" err="1" smtClean="0"/>
+              <a:t>Refcator</a:t>
+            </a:r>
+            <a:r>
+              <a:rPr lang="en-US" dirty="0" smtClean="0"/>
+              <a:t> code when necessary . You can only refactor code when all tests are in green</a:t>
+            </a:r>
+          </a:p>
+          <a:p>
+            <a:r>
+              <a:rPr lang="en-US" dirty="0" smtClean="0"/>
+              <a:t>Write elegant code</a:t>
             </a:r>
             <a:endParaRPr lang="en-US" dirty="0"/>
           </a:p>
@@ -14397,46 +14519,43 @@
       </p:grpSpPr>
       <p:sp>
         <p:nvSpPr>
-          <p:cNvPr id="3" name="Content Placeholder 2"/>
-          <p:cNvSpPr>
-            <a:spLocks noGrp="1"/>
-          </p:cNvSpPr>
-          <p:nvPr>
-            <p:ph idx="1"/>
-          </p:nvPr>
-        </p:nvSpPr>
-        <p:spPr/>
-        <p:txBody>
-          <a:bodyPr/>
-          <a:lstStyle/>
-          <a:p>
-            <a:pPr>
-              <a:buNone/>
-            </a:pPr>
+          <p:cNvPr id="2" name="Title 1"/>
+          <p:cNvSpPr>
+            <a:spLocks noGrp="1"/>
+          </p:cNvSpPr>
+          <p:nvPr>
+            <p:ph type="ctrTitle"/>
+          </p:nvPr>
+        </p:nvSpPr>
+        <p:spPr/>
+        <p:txBody>
+          <a:bodyPr/>
+          <a:lstStyle/>
+          <a:p>
             <a:r>
               <a:rPr lang="en-US" dirty="0" smtClean="0"/>
-              <a:t>			</a:t>
-            </a:r>
-          </a:p>
-          <a:p>
-            <a:pPr>
-              <a:buNone/>
-            </a:pPr>
-            <a:endParaRPr lang="en-US" dirty="0" smtClean="0"/>
-          </a:p>
-          <a:p>
-            <a:pPr>
-              <a:buNone/>
-            </a:pPr>
-            <a:r>
-              <a:rPr lang="en-US" dirty="0" smtClean="0"/>
-              <a:t>				</a:t>
-            </a:r>
-            <a:r>
-              <a:rPr lang="en-US" sz="4800" dirty="0" smtClean="0"/>
-              <a:t>Demo!</a:t>
-            </a:r>
-            <a:endParaRPr lang="en-US" sz="4800" dirty="0"/>
+              <a:t>Coding Dojo</a:t>
+            </a:r>
+            <a:endParaRPr lang="en-US" dirty="0"/>
+          </a:p>
+        </p:txBody>
+      </p:sp>
+      <p:sp>
+        <p:nvSpPr>
+          <p:cNvPr id="3" name="Subtitle 2"/>
+          <p:cNvSpPr>
+            <a:spLocks noGrp="1"/>
+          </p:cNvSpPr>
+          <p:nvPr>
+            <p:ph type="subTitle" idx="1"/>
+          </p:nvPr>
+        </p:nvSpPr>
+        <p:spPr/>
+        <p:txBody>
+          <a:bodyPr/>
+          <a:lstStyle/>
+          <a:p>
+            <a:endParaRPr lang="en-US"/>
           </a:p>
         </p:txBody>
       </p:sp>
@@ -14511,7 +14630,11 @@
           <a:bodyPr/>
           <a:lstStyle/>
           <a:p>
-            <a:endParaRPr lang="en-US"/>
+            <a:r>
+              <a:rPr lang="en-US" dirty="0" smtClean="0"/>
+              <a:t>What is coding dojo</a:t>
+            </a:r>
+            <a:endParaRPr lang="en-US" dirty="0"/>
           </a:p>
         </p:txBody>
       </p:sp>
@@ -14527,7 +14650,9 @@
         </p:nvSpPr>
         <p:spPr/>
         <p:txBody>
-          <a:bodyPr/>
+          <a:bodyPr>
+            <a:normAutofit/>
+          </a:bodyPr>
           <a:lstStyle/>
           <a:p>
             <a:pPr>
@@ -14535,7 +14660,7 @@
             </a:pPr>
             <a:r>
               <a:rPr lang="en-US" dirty="0" smtClean="0"/>
-              <a:t>	</a:t>
+              <a:t>	A Coding Dojo is a meeting where a bunch of coders get together, code, learn, and have fun</a:t>
             </a:r>
           </a:p>
           <a:p>
@@ -14548,15 +14673,9 @@
             <a:pPr>
               <a:buNone/>
             </a:pPr>
-            <a:endParaRPr lang="en-US" dirty="0" smtClean="0"/>
-          </a:p>
-          <a:p>
-            <a:pPr>
-              <a:buNone/>
-            </a:pPr>
             <a:r>
               <a:rPr lang="en-US" dirty="0" smtClean="0"/>
-              <a:t>	Convert Arabic number to Roman Number</a:t>
+              <a:t>	The real point of going to a dojo is to improve your skills</a:t>
             </a:r>
             <a:endParaRPr lang="en-US" dirty="0"/>
           </a:p>
@@ -14633,68 +14752,28 @@
           <a:bodyPr/>
           <a:lstStyle/>
           <a:p>
+            <a:endParaRPr lang="en-US"/>
+          </a:p>
+        </p:txBody>
+      </p:sp>
+      <p:sp>
+        <p:nvSpPr>
+          <p:cNvPr id="3" name="Content Placeholder 2"/>
+          <p:cNvSpPr>
+            <a:spLocks noGrp="1"/>
+          </p:cNvSpPr>
+          <p:nvPr>
+            <p:ph idx="1"/>
+          </p:nvPr>
+        </p:nvSpPr>
+        <p:spPr/>
+        <p:txBody>
+          <a:bodyPr/>
+          <a:lstStyle/>
+          <a:p>
             <a:r>
               <a:rPr lang="en-US" dirty="0" smtClean="0"/>
-              <a:t>Rules</a:t>
-            </a:r>
-            <a:endParaRPr lang="en-US" dirty="0"/>
-          </a:p>
-        </p:txBody>
-      </p:sp>
-      <p:sp>
-        <p:nvSpPr>
-          <p:cNvPr id="3" name="Content Placeholder 2"/>
-          <p:cNvSpPr>
-            <a:spLocks noGrp="1"/>
-          </p:cNvSpPr>
-          <p:nvPr>
-            <p:ph idx="1"/>
-          </p:nvPr>
-        </p:nvSpPr>
-        <p:spPr/>
-        <p:txBody>
-          <a:bodyPr/>
-          <a:lstStyle/>
-          <a:p>
-            <a:r>
-              <a:rPr lang="en-US" dirty="0" smtClean="0"/>
-              <a:t>Write test before writing any production code</a:t>
-            </a:r>
-          </a:p>
-          <a:p>
-            <a:r>
-              <a:rPr lang="en-US" dirty="0" smtClean="0"/>
-              <a:t>Everyone must work in pair</a:t>
-            </a:r>
-          </a:p>
-          <a:p>
-            <a:r>
-              <a:rPr lang="en-US" dirty="0" smtClean="0"/>
-              <a:t>One person should write one failing test and other should make  that test pass by writing as  minimum code as possible</a:t>
-            </a:r>
-          </a:p>
-          <a:p>
-            <a:r>
-              <a:rPr lang="en-US" dirty="0" err="1" smtClean="0"/>
-              <a:t>Refcator</a:t>
-            </a:r>
-            <a:r>
-              <a:rPr lang="en-US" dirty="0" smtClean="0"/>
-              <a:t> code when necessary . You can only </a:t>
-            </a:r>
-            <a:r>
-              <a:rPr lang="en-US" dirty="0" err="1" smtClean="0"/>
-              <a:t>refactor</a:t>
-            </a:r>
-            <a:r>
-              <a:rPr lang="en-US" dirty="0" smtClean="0"/>
-              <a:t> code when all tests are in green</a:t>
-            </a:r>
-          </a:p>
-          <a:p>
-            <a:r>
-              <a:rPr lang="en-US" dirty="0" smtClean="0"/>
-              <a:t>Write elegant code</a:t>
+              <a:t>http://www.meetup.com/OsloCodingDojo/photos/1237021/#21061984</a:t>
             </a:r>
             <a:endParaRPr lang="en-US" dirty="0"/>
           </a:p>
@@ -14847,26 +14926,52 @@
       </p:grpSpPr>
       <p:sp>
         <p:nvSpPr>
-          <p:cNvPr id="2" name="Title 1"/>
-          <p:cNvSpPr>
-            <a:spLocks noGrp="1"/>
-          </p:cNvSpPr>
-          <p:nvPr>
-            <p:ph type="title"/>
-          </p:nvPr>
-        </p:nvSpPr>
-        <p:spPr/>
-        <p:txBody>
-          <a:bodyPr/>
-          <a:lstStyle/>
-          <a:p>
-            <a:endParaRPr lang="en-US" dirty="0"/>
-          </a:p>
-        </p:txBody>
-      </p:sp>
-      <p:sp>
-        <p:nvSpPr>
-          <p:cNvPr id="5" name="Slide Number Placeholder 4"/>
+          <p:cNvPr id="3" name="Content Placeholder 2"/>
+          <p:cNvSpPr>
+            <a:spLocks noGrp="1"/>
+          </p:cNvSpPr>
+          <p:nvPr>
+            <p:ph idx="1"/>
+          </p:nvPr>
+        </p:nvSpPr>
+        <p:spPr/>
+        <p:txBody>
+          <a:bodyPr/>
+          <a:lstStyle/>
+          <a:p>
+            <a:pPr>
+              <a:buNone/>
+            </a:pPr>
+            <a:r>
+              <a:rPr lang="en-US" dirty="0" smtClean="0"/>
+              <a:t>			</a:t>
+            </a:r>
+          </a:p>
+          <a:p>
+            <a:pPr>
+              <a:buNone/>
+            </a:pPr>
+            <a:endParaRPr lang="en-US" dirty="0" smtClean="0"/>
+          </a:p>
+          <a:p>
+            <a:pPr>
+              <a:buNone/>
+            </a:pPr>
+            <a:r>
+              <a:rPr lang="en-US" dirty="0" smtClean="0"/>
+              <a:t>				</a:t>
+            </a:r>
+            <a:r>
+              <a:rPr lang="en-US" sz="4800" dirty="0" smtClean="0"/>
+              <a:t>Demo!</a:t>
+            </a:r>
+            <a:endParaRPr lang="en-US" sz="4800" dirty="0"/>
+          </a:p>
+        </p:txBody>
+      </p:sp>
+      <p:sp>
+        <p:nvSpPr>
+          <p:cNvPr id="4" name="Slide Number Placeholder 3"/>
           <p:cNvSpPr>
             <a:spLocks noGrp="1"/>
           </p:cNvSpPr>
@@ -14883,6 +14988,203 @@
               <a:rPr lang="en-US" smtClean="0"/>
               <a:pPr/>
               <a:t>60</a:t>
+            </a:fld>
+            <a:endParaRPr lang="en-US"/>
+          </a:p>
+        </p:txBody>
+      </p:sp>
+    </p:spTree>
+  </p:cSld>
+  <p:clrMapOvr>
+    <a:masterClrMapping/>
+  </p:clrMapOvr>
+  <p:timing>
+    <p:tnLst>
+      <p:par>
+        <p:cTn id="1" dur="indefinite" restart="never" nodeType="tmRoot"/>
+      </p:par>
+    </p:tnLst>
+  </p:timing>
+</p:sld>
+</file>
+
+<file path=ppt/slides/slide61.xml><?xml version="1.0" encoding="utf-8"?>
+<p:sld xmlns:a="http://schemas.openxmlformats.org/drawingml/2006/main" xmlns:r="http://schemas.openxmlformats.org/officeDocument/2006/relationships" xmlns:p="http://schemas.openxmlformats.org/presentationml/2006/main">
+  <p:cSld>
+    <p:spTree>
+      <p:nvGrpSpPr>
+        <p:cNvPr id="1" name=""/>
+        <p:cNvGrpSpPr/>
+        <p:nvPr/>
+      </p:nvGrpSpPr>
+      <p:grpSpPr>
+        <a:xfrm>
+          <a:off x="0" y="0"/>
+          <a:ext cx="0" cy="0"/>
+          <a:chOff x="0" y="0"/>
+          <a:chExt cx="0" cy="0"/>
+        </a:xfrm>
+      </p:grpSpPr>
+      <p:sp>
+        <p:nvSpPr>
+          <p:cNvPr id="2" name="Title 1"/>
+          <p:cNvSpPr>
+            <a:spLocks noGrp="1"/>
+          </p:cNvSpPr>
+          <p:nvPr>
+            <p:ph type="title"/>
+          </p:nvPr>
+        </p:nvSpPr>
+        <p:spPr/>
+        <p:txBody>
+          <a:bodyPr/>
+          <a:lstStyle/>
+          <a:p>
+            <a:endParaRPr lang="en-US"/>
+          </a:p>
+        </p:txBody>
+      </p:sp>
+      <p:sp>
+        <p:nvSpPr>
+          <p:cNvPr id="3" name="Content Placeholder 2"/>
+          <p:cNvSpPr>
+            <a:spLocks noGrp="1"/>
+          </p:cNvSpPr>
+          <p:nvPr>
+            <p:ph idx="1"/>
+          </p:nvPr>
+        </p:nvSpPr>
+        <p:spPr/>
+        <p:txBody>
+          <a:bodyPr/>
+          <a:lstStyle/>
+          <a:p>
+            <a:pPr>
+              <a:buNone/>
+            </a:pPr>
+            <a:r>
+              <a:rPr lang="en-US" dirty="0" smtClean="0"/>
+              <a:t>	</a:t>
+            </a:r>
+          </a:p>
+          <a:p>
+            <a:pPr>
+              <a:buNone/>
+            </a:pPr>
+            <a:endParaRPr lang="en-US" dirty="0" smtClean="0"/>
+          </a:p>
+          <a:p>
+            <a:pPr>
+              <a:buNone/>
+            </a:pPr>
+            <a:endParaRPr lang="en-US" dirty="0" smtClean="0"/>
+          </a:p>
+          <a:p>
+            <a:pPr>
+              <a:buNone/>
+            </a:pPr>
+            <a:r>
+              <a:rPr lang="en-US" dirty="0" smtClean="0"/>
+              <a:t>	Convert Arabic number to Roman Number</a:t>
+            </a:r>
+            <a:endParaRPr lang="en-US" dirty="0"/>
+          </a:p>
+        </p:txBody>
+      </p:sp>
+      <p:sp>
+        <p:nvSpPr>
+          <p:cNvPr id="4" name="Slide Number Placeholder 3"/>
+          <p:cNvSpPr>
+            <a:spLocks noGrp="1"/>
+          </p:cNvSpPr>
+          <p:nvPr>
+            <p:ph type="sldNum" sz="quarter" idx="12"/>
+          </p:nvPr>
+        </p:nvSpPr>
+        <p:spPr/>
+        <p:txBody>
+          <a:bodyPr/>
+          <a:lstStyle/>
+          <a:p>
+            <a:fld id="{2387B7E2-7538-4163-9310-D5E6EE1BC12A}" type="slidenum">
+              <a:rPr lang="en-US" smtClean="0"/>
+              <a:pPr/>
+              <a:t>61</a:t>
+            </a:fld>
+            <a:endParaRPr lang="en-US"/>
+          </a:p>
+        </p:txBody>
+      </p:sp>
+    </p:spTree>
+  </p:cSld>
+  <p:clrMapOvr>
+    <a:masterClrMapping/>
+  </p:clrMapOvr>
+  <p:timing>
+    <p:tnLst>
+      <p:par>
+        <p:cTn id="1" dur="indefinite" restart="never" nodeType="tmRoot"/>
+      </p:par>
+    </p:tnLst>
+  </p:timing>
+</p:sld>
+</file>
+
+<file path=ppt/slides/slide62.xml><?xml version="1.0" encoding="utf-8"?>
+<p:sld xmlns:a="http://schemas.openxmlformats.org/drawingml/2006/main" xmlns:r="http://schemas.openxmlformats.org/officeDocument/2006/relationships" xmlns:p="http://schemas.openxmlformats.org/presentationml/2006/main">
+  <p:cSld>
+    <p:spTree>
+      <p:nvGrpSpPr>
+        <p:cNvPr id="1" name=""/>
+        <p:cNvGrpSpPr/>
+        <p:nvPr/>
+      </p:nvGrpSpPr>
+      <p:grpSpPr>
+        <a:xfrm>
+          <a:off x="0" y="0"/>
+          <a:ext cx="0" cy="0"/>
+          <a:chOff x="0" y="0"/>
+          <a:chExt cx="0" cy="0"/>
+        </a:xfrm>
+      </p:grpSpPr>
+      <p:sp>
+        <p:nvSpPr>
+          <p:cNvPr id="2" name="Title 1"/>
+          <p:cNvSpPr>
+            <a:spLocks noGrp="1"/>
+          </p:cNvSpPr>
+          <p:nvPr>
+            <p:ph type="title"/>
+          </p:nvPr>
+        </p:nvSpPr>
+        <p:spPr/>
+        <p:txBody>
+          <a:bodyPr/>
+          <a:lstStyle/>
+          <a:p>
+            <a:endParaRPr lang="en-US" dirty="0"/>
+          </a:p>
+        </p:txBody>
+      </p:sp>
+      <p:sp>
+        <p:nvSpPr>
+          <p:cNvPr id="5" name="Slide Number Placeholder 4"/>
+          <p:cNvSpPr>
+            <a:spLocks noGrp="1"/>
+          </p:cNvSpPr>
+          <p:nvPr>
+            <p:ph type="sldNum" sz="quarter" idx="12"/>
+          </p:nvPr>
+        </p:nvSpPr>
+        <p:spPr/>
+        <p:txBody>
+          <a:bodyPr/>
+          <a:lstStyle/>
+          <a:p>
+            <a:fld id="{2387B7E2-7538-4163-9310-D5E6EE1BC12A}" type="slidenum">
+              <a:rPr lang="en-US" smtClean="0"/>
+              <a:pPr/>
+              <a:t>62</a:t>
             </a:fld>
             <a:endParaRPr lang="en-US"/>
           </a:p>
@@ -14927,245 +15229,6 @@
 </p:sld>
 </file>
 
-<file path=ppt/slides/slide61.xml><?xml version="1.0" encoding="utf-8"?>
-<p:sld xmlns:a="http://schemas.openxmlformats.org/drawingml/2006/main" xmlns:r="http://schemas.openxmlformats.org/officeDocument/2006/relationships" xmlns:p="http://schemas.openxmlformats.org/presentationml/2006/main">
-  <p:cSld>
-    <p:spTree>
-      <p:nvGrpSpPr>
-        <p:cNvPr id="1" name=""/>
-        <p:cNvGrpSpPr/>
-        <p:nvPr/>
-      </p:nvGrpSpPr>
-      <p:grpSpPr>
-        <a:xfrm>
-          <a:off x="0" y="0"/>
-          <a:ext cx="0" cy="0"/>
-          <a:chOff x="0" y="0"/>
-          <a:chExt cx="0" cy="0"/>
-        </a:xfrm>
-      </p:grpSpPr>
-      <p:sp>
-        <p:nvSpPr>
-          <p:cNvPr id="2" name="Title 1"/>
-          <p:cNvSpPr>
-            <a:spLocks noGrp="1"/>
-          </p:cNvSpPr>
-          <p:nvPr>
-            <p:ph type="title"/>
-          </p:nvPr>
-        </p:nvSpPr>
-        <p:spPr/>
-        <p:txBody>
-          <a:bodyPr/>
-          <a:lstStyle/>
-          <a:p>
-            <a:endParaRPr lang="en-US"/>
-          </a:p>
-        </p:txBody>
-      </p:sp>
-      <p:sp>
-        <p:nvSpPr>
-          <p:cNvPr id="3" name="Content Placeholder 2"/>
-          <p:cNvSpPr>
-            <a:spLocks noGrp="1"/>
-          </p:cNvSpPr>
-          <p:nvPr>
-            <p:ph idx="1"/>
-          </p:nvPr>
-        </p:nvSpPr>
-        <p:spPr/>
-        <p:txBody>
-          <a:bodyPr/>
-          <a:lstStyle/>
-          <a:p>
-            <a:endParaRPr lang="en-US" dirty="0"/>
-          </a:p>
-        </p:txBody>
-      </p:sp>
-      <p:sp>
-        <p:nvSpPr>
-          <p:cNvPr id="4" name="Slide Number Placeholder 3"/>
-          <p:cNvSpPr>
-            <a:spLocks noGrp="1"/>
-          </p:cNvSpPr>
-          <p:nvPr>
-            <p:ph type="sldNum" sz="quarter" idx="12"/>
-          </p:nvPr>
-        </p:nvSpPr>
-        <p:spPr/>
-        <p:txBody>
-          <a:bodyPr/>
-          <a:lstStyle/>
-          <a:p>
-            <a:fld id="{2387B7E2-7538-4163-9310-D5E6EE1BC12A}" type="slidenum">
-              <a:rPr lang="en-US" smtClean="0"/>
-              <a:pPr/>
-              <a:t>61</a:t>
-            </a:fld>
-            <a:endParaRPr lang="en-US"/>
-          </a:p>
-        </p:txBody>
-      </p:sp>
-    </p:spTree>
-    <p:extLst>
-      <p:ext uri="{BB962C8B-B14F-4D97-AF65-F5344CB8AC3E}">
-        <p14:creationId xmlns:p14="http://schemas.microsoft.com/office/powerpoint/2010/main" val="3773539113"/>
-      </p:ext>
-    </p:extLst>
-  </p:cSld>
-  <p:clrMapOvr>
-    <a:masterClrMapping/>
-  </p:clrMapOvr>
-</p:sld>
-</file>
-
-<file path=ppt/slides/slide62.xml><?xml version="1.0" encoding="utf-8"?>
-<p:sld xmlns:a="http://schemas.openxmlformats.org/drawingml/2006/main" xmlns:r="http://schemas.openxmlformats.org/officeDocument/2006/relationships" xmlns:p="http://schemas.openxmlformats.org/presentationml/2006/main">
-  <p:cSld>
-    <p:spTree>
-      <p:nvGrpSpPr>
-        <p:cNvPr id="1" name=""/>
-        <p:cNvGrpSpPr/>
-        <p:nvPr/>
-      </p:nvGrpSpPr>
-      <p:grpSpPr>
-        <a:xfrm>
-          <a:off x="0" y="0"/>
-          <a:ext cx="0" cy="0"/>
-          <a:chOff x="0" y="0"/>
-          <a:chExt cx="0" cy="0"/>
-        </a:xfrm>
-      </p:grpSpPr>
-      <p:sp>
-        <p:nvSpPr>
-          <p:cNvPr id="2" name="Title 1"/>
-          <p:cNvSpPr>
-            <a:spLocks noGrp="1"/>
-          </p:cNvSpPr>
-          <p:nvPr>
-            <p:ph type="title"/>
-          </p:nvPr>
-        </p:nvSpPr>
-        <p:spPr/>
-        <p:txBody>
-          <a:bodyPr/>
-          <a:lstStyle/>
-          <a:p>
-            <a:r>
-              <a:rPr lang="en-US" dirty="0"/>
-              <a:t>What makes an app hard to test?</a:t>
-            </a:r>
-          </a:p>
-        </p:txBody>
-      </p:sp>
-      <p:sp>
-        <p:nvSpPr>
-          <p:cNvPr id="3" name="Content Placeholder 2"/>
-          <p:cNvSpPr>
-            <a:spLocks noGrp="1"/>
-          </p:cNvSpPr>
-          <p:nvPr>
-            <p:ph idx="1"/>
-          </p:nvPr>
-        </p:nvSpPr>
-        <p:spPr/>
-        <p:txBody>
-          <a:bodyPr/>
-          <a:lstStyle/>
-          <a:p>
-            <a:pPr marL="0" indent="0">
-              <a:buNone/>
-            </a:pPr>
-            <a:r>
-              <a:rPr lang="en-US" dirty="0" smtClean="0"/>
-              <a:t>• </a:t>
-            </a:r>
-            <a:r>
-              <a:rPr lang="en-US" dirty="0"/>
-              <a:t>Tightly coupled </a:t>
-            </a:r>
-            <a:endParaRPr lang="en-US" dirty="0" smtClean="0"/>
-          </a:p>
-          <a:p>
-            <a:pPr marL="0" indent="0">
-              <a:buNone/>
-            </a:pPr>
-            <a:r>
-              <a:rPr lang="en-US" dirty="0" smtClean="0"/>
-              <a:t>•Hidden </a:t>
-            </a:r>
-            <a:r>
-              <a:rPr lang="en-US" dirty="0"/>
-              <a:t>or embedded dependencies </a:t>
-            </a:r>
-            <a:endParaRPr lang="en-US" dirty="0" smtClean="0"/>
-          </a:p>
-          <a:p>
-            <a:pPr marL="0" indent="0">
-              <a:buNone/>
-            </a:pPr>
-            <a:r>
-              <a:rPr lang="en-US" dirty="0" smtClean="0"/>
-              <a:t>• </a:t>
-            </a:r>
-            <a:r>
-              <a:rPr lang="en-US" dirty="0"/>
-              <a:t>Required data &amp; databases </a:t>
-            </a:r>
-            <a:endParaRPr lang="en-US" dirty="0" smtClean="0"/>
-          </a:p>
-          <a:p>
-            <a:pPr marL="0" indent="0">
-              <a:buNone/>
-            </a:pPr>
-            <a:r>
-              <a:rPr lang="en-US" dirty="0" smtClean="0"/>
-              <a:t>• </a:t>
-            </a:r>
-            <a:r>
-              <a:rPr lang="en-US" dirty="0"/>
-              <a:t>Insane amounts of setup code for the test</a:t>
-            </a:r>
-          </a:p>
-        </p:txBody>
-      </p:sp>
-      <p:sp>
-        <p:nvSpPr>
-          <p:cNvPr id="4" name="Slide Number Placeholder 3"/>
-          <p:cNvSpPr>
-            <a:spLocks noGrp="1"/>
-          </p:cNvSpPr>
-          <p:nvPr>
-            <p:ph type="sldNum" sz="quarter" idx="12"/>
-          </p:nvPr>
-        </p:nvSpPr>
-        <p:spPr/>
-        <p:txBody>
-          <a:bodyPr/>
-          <a:lstStyle/>
-          <a:p>
-            <a:fld id="{2387B7E2-7538-4163-9310-D5E6EE1BC12A}" type="slidenum">
-              <a:rPr lang="en-US" smtClean="0"/>
-              <a:pPr/>
-              <a:t>62</a:t>
-            </a:fld>
-            <a:endParaRPr lang="en-US"/>
-          </a:p>
-        </p:txBody>
-      </p:sp>
-    </p:spTree>
-    <p:extLst>
-      <p:ext uri="{BB962C8B-B14F-4D97-AF65-F5344CB8AC3E}">
-        <p14:creationId xmlns:p14="http://schemas.microsoft.com/office/powerpoint/2010/main" val="1153089013"/>
-      </p:ext>
-    </p:extLst>
-  </p:cSld>
-  <p:clrMapOvr>
-    <a:masterClrMapping/>
-  </p:clrMapOvr>
-</p:sld>
-</file>
-
 <file path=ppt/slides/slide63.xml><?xml version="1.0" encoding="utf-8"?>
 <p:sld xmlns:a="http://schemas.openxmlformats.org/drawingml/2006/main" xmlns:r="http://schemas.openxmlformats.org/officeDocument/2006/relationships" xmlns:p="http://schemas.openxmlformats.org/presentationml/2006/main">
   <p:cSld>
@@ -15198,10 +15261,7 @@
           <a:bodyPr/>
           <a:lstStyle/>
           <a:p>
-            <a:r>
-              <a:rPr lang="en-US" dirty="0"/>
-              <a:t>Design Patterns</a:t>
-            </a:r>
+            <a:endParaRPr lang="en-US"/>
           </a:p>
         </p:txBody>
       </p:sp>
@@ -15217,40 +15277,9 @@
         </p:nvSpPr>
         <p:spPr/>
         <p:txBody>
-          <a:bodyPr>
-            <a:normAutofit lnSpcReduction="10000"/>
-          </a:bodyPr>
-          <a:lstStyle/>
-          <a:p>
-            <a:pPr marL="0" indent="0">
-              <a:buNone/>
-            </a:pPr>
-            <a:r>
-              <a:rPr lang="en-US" dirty="0" smtClean="0"/>
-              <a:t>Dependency </a:t>
-            </a:r>
-            <a:r>
-              <a:rPr lang="en-US" dirty="0"/>
-              <a:t>Injection • </a:t>
-            </a:r>
-            <a:endParaRPr lang="en-US" dirty="0" smtClean="0"/>
-          </a:p>
-          <a:p>
-            <a:pPr marL="0" indent="0">
-              <a:buNone/>
-            </a:pPr>
-            <a:r>
-              <a:rPr lang="en-US" dirty="0" smtClean="0"/>
-              <a:t>Repository </a:t>
-            </a:r>
-            <a:r>
-              <a:rPr lang="en-US" dirty="0"/>
-              <a:t>• Data Access • Adapter • Single-Responsibility Principle • Keeps tedious, bug-prone code contained • Strategy • Encapsulates algorithms &amp; business logic • Model-View-Controller • Isolates User Interface Implementation from the User Interface Logic • Testable User Interfaces • Model-View-</a:t>
-            </a:r>
-            <a:r>
-              <a:rPr lang="en-US" dirty="0" err="1"/>
-              <a:t>ViewModel</a:t>
-            </a:r>
+          <a:bodyPr/>
+          <a:lstStyle/>
+          <a:p>
             <a:endParaRPr lang="en-US" dirty="0"/>
           </a:p>
         </p:txBody>
@@ -15282,7 +15311,7 @@
     </p:spTree>
     <p:extLst>
       <p:ext uri="{BB962C8B-B14F-4D97-AF65-F5344CB8AC3E}">
-        <p14:creationId xmlns:p14="http://schemas.microsoft.com/office/powerpoint/2010/main" val="986758428"/>
+        <p14:creationId xmlns:p14="http://schemas.microsoft.com/office/powerpoint/2010/main" val="3773539113"/>
       </p:ext>
     </p:extLst>
   </p:cSld>
@@ -15324,6 +15353,279 @@
           <a:bodyPr/>
           <a:lstStyle/>
           <a:p>
+            <a:r>
+              <a:rPr lang="en-US" dirty="0"/>
+              <a:t>What makes an app hard to test?</a:t>
+            </a:r>
+          </a:p>
+        </p:txBody>
+      </p:sp>
+      <p:sp>
+        <p:nvSpPr>
+          <p:cNvPr id="3" name="Content Placeholder 2"/>
+          <p:cNvSpPr>
+            <a:spLocks noGrp="1"/>
+          </p:cNvSpPr>
+          <p:nvPr>
+            <p:ph idx="1"/>
+          </p:nvPr>
+        </p:nvSpPr>
+        <p:spPr/>
+        <p:txBody>
+          <a:bodyPr/>
+          <a:lstStyle/>
+          <a:p>
+            <a:pPr marL="0" indent="0">
+              <a:buNone/>
+            </a:pPr>
+            <a:r>
+              <a:rPr lang="en-US" dirty="0" smtClean="0"/>
+              <a:t>• </a:t>
+            </a:r>
+            <a:r>
+              <a:rPr lang="en-US" dirty="0"/>
+              <a:t>Tightly coupled </a:t>
+            </a:r>
+            <a:endParaRPr lang="en-US" dirty="0" smtClean="0"/>
+          </a:p>
+          <a:p>
+            <a:pPr marL="0" indent="0">
+              <a:buNone/>
+            </a:pPr>
+            <a:r>
+              <a:rPr lang="en-US" dirty="0" smtClean="0"/>
+              <a:t>•Hidden </a:t>
+            </a:r>
+            <a:r>
+              <a:rPr lang="en-US" dirty="0"/>
+              <a:t>or embedded dependencies </a:t>
+            </a:r>
+            <a:endParaRPr lang="en-US" dirty="0" smtClean="0"/>
+          </a:p>
+          <a:p>
+            <a:pPr marL="0" indent="0">
+              <a:buNone/>
+            </a:pPr>
+            <a:r>
+              <a:rPr lang="en-US" dirty="0" smtClean="0"/>
+              <a:t>• </a:t>
+            </a:r>
+            <a:r>
+              <a:rPr lang="en-US" dirty="0"/>
+              <a:t>Required data &amp; databases </a:t>
+            </a:r>
+            <a:endParaRPr lang="en-US" dirty="0" smtClean="0"/>
+          </a:p>
+          <a:p>
+            <a:pPr marL="0" indent="0">
+              <a:buNone/>
+            </a:pPr>
+            <a:r>
+              <a:rPr lang="en-US" dirty="0" smtClean="0"/>
+              <a:t>• </a:t>
+            </a:r>
+            <a:r>
+              <a:rPr lang="en-US" dirty="0"/>
+              <a:t>Insane amounts of setup code for the test</a:t>
+            </a:r>
+          </a:p>
+        </p:txBody>
+      </p:sp>
+      <p:sp>
+        <p:nvSpPr>
+          <p:cNvPr id="4" name="Slide Number Placeholder 3"/>
+          <p:cNvSpPr>
+            <a:spLocks noGrp="1"/>
+          </p:cNvSpPr>
+          <p:nvPr>
+            <p:ph type="sldNum" sz="quarter" idx="12"/>
+          </p:nvPr>
+        </p:nvSpPr>
+        <p:spPr/>
+        <p:txBody>
+          <a:bodyPr/>
+          <a:lstStyle/>
+          <a:p>
+            <a:fld id="{2387B7E2-7538-4163-9310-D5E6EE1BC12A}" type="slidenum">
+              <a:rPr lang="en-US" smtClean="0"/>
+              <a:pPr/>
+              <a:t>64</a:t>
+            </a:fld>
+            <a:endParaRPr lang="en-US"/>
+          </a:p>
+        </p:txBody>
+      </p:sp>
+    </p:spTree>
+    <p:extLst>
+      <p:ext uri="{BB962C8B-B14F-4D97-AF65-F5344CB8AC3E}">
+        <p14:creationId xmlns:p14="http://schemas.microsoft.com/office/powerpoint/2010/main" val="1153089013"/>
+      </p:ext>
+    </p:extLst>
+  </p:cSld>
+  <p:clrMapOvr>
+    <a:masterClrMapping/>
+  </p:clrMapOvr>
+</p:sld>
+</file>
+
+<file path=ppt/slides/slide65.xml><?xml version="1.0" encoding="utf-8"?>
+<p:sld xmlns:a="http://schemas.openxmlformats.org/drawingml/2006/main" xmlns:r="http://schemas.openxmlformats.org/officeDocument/2006/relationships" xmlns:p="http://schemas.openxmlformats.org/presentationml/2006/main">
+  <p:cSld>
+    <p:spTree>
+      <p:nvGrpSpPr>
+        <p:cNvPr id="1" name=""/>
+        <p:cNvGrpSpPr/>
+        <p:nvPr/>
+      </p:nvGrpSpPr>
+      <p:grpSpPr>
+        <a:xfrm>
+          <a:off x="0" y="0"/>
+          <a:ext cx="0" cy="0"/>
+          <a:chOff x="0" y="0"/>
+          <a:chExt cx="0" cy="0"/>
+        </a:xfrm>
+      </p:grpSpPr>
+      <p:sp>
+        <p:nvSpPr>
+          <p:cNvPr id="2" name="Title 1"/>
+          <p:cNvSpPr>
+            <a:spLocks noGrp="1"/>
+          </p:cNvSpPr>
+          <p:nvPr>
+            <p:ph type="title"/>
+          </p:nvPr>
+        </p:nvSpPr>
+        <p:spPr/>
+        <p:txBody>
+          <a:bodyPr/>
+          <a:lstStyle/>
+          <a:p>
+            <a:r>
+              <a:rPr lang="en-US" dirty="0"/>
+              <a:t>Design Patterns</a:t>
+            </a:r>
+          </a:p>
+        </p:txBody>
+      </p:sp>
+      <p:sp>
+        <p:nvSpPr>
+          <p:cNvPr id="3" name="Content Placeholder 2"/>
+          <p:cNvSpPr>
+            <a:spLocks noGrp="1"/>
+          </p:cNvSpPr>
+          <p:nvPr>
+            <p:ph idx="1"/>
+          </p:nvPr>
+        </p:nvSpPr>
+        <p:spPr/>
+        <p:txBody>
+          <a:bodyPr>
+            <a:normAutofit lnSpcReduction="10000"/>
+          </a:bodyPr>
+          <a:lstStyle/>
+          <a:p>
+            <a:pPr marL="0" indent="0">
+              <a:buNone/>
+            </a:pPr>
+            <a:r>
+              <a:rPr lang="en-US" dirty="0" smtClean="0"/>
+              <a:t>Dependency </a:t>
+            </a:r>
+            <a:r>
+              <a:rPr lang="en-US" dirty="0"/>
+              <a:t>Injection • </a:t>
+            </a:r>
+            <a:endParaRPr lang="en-US" dirty="0" smtClean="0"/>
+          </a:p>
+          <a:p>
+            <a:pPr marL="0" indent="0">
+              <a:buNone/>
+            </a:pPr>
+            <a:r>
+              <a:rPr lang="en-US" dirty="0" smtClean="0"/>
+              <a:t>Repository </a:t>
+            </a:r>
+            <a:r>
+              <a:rPr lang="en-US" dirty="0"/>
+              <a:t>• Data Access • Adapter • Single-Responsibility Principle • Keeps tedious, bug-prone code contained • Strategy • Encapsulates algorithms &amp; business logic • Model-View-Controller • Isolates User Interface Implementation from the User Interface Logic • Testable User Interfaces • Model-View-</a:t>
+            </a:r>
+            <a:r>
+              <a:rPr lang="en-US" dirty="0" err="1"/>
+              <a:t>ViewModel</a:t>
+            </a:r>
+            <a:endParaRPr lang="en-US" dirty="0"/>
+          </a:p>
+        </p:txBody>
+      </p:sp>
+      <p:sp>
+        <p:nvSpPr>
+          <p:cNvPr id="4" name="Slide Number Placeholder 3"/>
+          <p:cNvSpPr>
+            <a:spLocks noGrp="1"/>
+          </p:cNvSpPr>
+          <p:nvPr>
+            <p:ph type="sldNum" sz="quarter" idx="12"/>
+          </p:nvPr>
+        </p:nvSpPr>
+        <p:spPr/>
+        <p:txBody>
+          <a:bodyPr/>
+          <a:lstStyle/>
+          <a:p>
+            <a:fld id="{2387B7E2-7538-4163-9310-D5E6EE1BC12A}" type="slidenum">
+              <a:rPr lang="en-US" smtClean="0"/>
+              <a:pPr/>
+              <a:t>65</a:t>
+            </a:fld>
+            <a:endParaRPr lang="en-US"/>
+          </a:p>
+        </p:txBody>
+      </p:sp>
+    </p:spTree>
+    <p:extLst>
+      <p:ext uri="{BB962C8B-B14F-4D97-AF65-F5344CB8AC3E}">
+        <p14:creationId xmlns:p14="http://schemas.microsoft.com/office/powerpoint/2010/main" val="986758428"/>
+      </p:ext>
+    </p:extLst>
+  </p:cSld>
+  <p:clrMapOvr>
+    <a:masterClrMapping/>
+  </p:clrMapOvr>
+</p:sld>
+</file>
+
+<file path=ppt/slides/slide66.xml><?xml version="1.0" encoding="utf-8"?>
+<p:sld xmlns:a="http://schemas.openxmlformats.org/drawingml/2006/main" xmlns:r="http://schemas.openxmlformats.org/officeDocument/2006/relationships" xmlns:p="http://schemas.openxmlformats.org/presentationml/2006/main">
+  <p:cSld>
+    <p:spTree>
+      <p:nvGrpSpPr>
+        <p:cNvPr id="1" name=""/>
+        <p:cNvGrpSpPr/>
+        <p:nvPr/>
+      </p:nvGrpSpPr>
+      <p:grpSpPr>
+        <a:xfrm>
+          <a:off x="0" y="0"/>
+          <a:ext cx="0" cy="0"/>
+          <a:chOff x="0" y="0"/>
+          <a:chExt cx="0" cy="0"/>
+        </a:xfrm>
+      </p:grpSpPr>
+      <p:sp>
+        <p:nvSpPr>
+          <p:cNvPr id="2" name="Title 1"/>
+          <p:cNvSpPr>
+            <a:spLocks noGrp="1"/>
+          </p:cNvSpPr>
+          <p:nvPr>
+            <p:ph type="title"/>
+          </p:nvPr>
+        </p:nvSpPr>
+        <p:spPr/>
+        <p:txBody>
+          <a:bodyPr/>
+          <a:lstStyle/>
+          <a:p>
             <a:endParaRPr lang="en-US"/>
           </a:p>
         </p:txBody>
@@ -15370,7 +15672,7 @@
             <a:fld id="{2387B7E2-7538-4163-9310-D5E6EE1BC12A}" type="slidenum">
               <a:rPr lang="en-US" smtClean="0"/>
               <a:pPr/>
-              <a:t>64</a:t>
+              <a:t>66</a:t>
             </a:fld>
             <a:endParaRPr lang="en-US"/>
           </a:p>
@@ -15391,7 +15693,7 @@
 </p:sld>
 </file>
 
-<file path=ppt/slides/slide65.xml><?xml version="1.0" encoding="utf-8"?>
+<file path=ppt/slides/slide67.xml><?xml version="1.0" encoding="utf-8"?>
 <p:sld xmlns:a="http://schemas.openxmlformats.org/drawingml/2006/main" xmlns:r="http://schemas.openxmlformats.org/officeDocument/2006/relationships" xmlns:p="http://schemas.openxmlformats.org/presentationml/2006/main">
   <p:cSld>
     <p:spTree>
@@ -15551,7 +15853,7 @@
             <a:fld id="{2387B7E2-7538-4163-9310-D5E6EE1BC12A}" type="slidenum">
               <a:rPr lang="en-US" smtClean="0"/>
               <a:pPr/>
-              <a:t>65</a:t>
+              <a:t>67</a:t>
             </a:fld>
             <a:endParaRPr lang="en-US"/>
           </a:p>
@@ -15572,7 +15874,7 @@
 </p:sld>
 </file>
 
-<file path=ppt/slides/slide66.xml><?xml version="1.0" encoding="utf-8"?>
+<file path=ppt/slides/slide68.xml><?xml version="1.0" encoding="utf-8"?>
 <p:sld xmlns:a="http://schemas.openxmlformats.org/drawingml/2006/main" xmlns:r="http://schemas.openxmlformats.org/officeDocument/2006/relationships" xmlns:p="http://schemas.openxmlformats.org/presentationml/2006/main">
   <p:cSld>
     <p:spTree>
@@ -15657,7 +15959,7 @@
             <a:fld id="{2387B7E2-7538-4163-9310-D5E6EE1BC12A}" type="slidenum">
               <a:rPr lang="en-US" smtClean="0"/>
               <a:pPr/>
-              <a:t>66</a:t>
+              <a:t>68</a:t>
             </a:fld>
             <a:endParaRPr lang="en-US"/>
           </a:p>
@@ -15759,7 +16061,7 @@
 </p:sld>
 </file>
 
-<file path=ppt/slides/slide67.xml><?xml version="1.0" encoding="utf-8"?>
+<file path=ppt/slides/slide69.xml><?xml version="1.0" encoding="utf-8"?>
 <p:sld xmlns:a="http://schemas.openxmlformats.org/drawingml/2006/main" xmlns:r="http://schemas.openxmlformats.org/officeDocument/2006/relationships" xmlns:p="http://schemas.openxmlformats.org/presentationml/2006/main">
   <p:cSld>
     <p:spTree>
@@ -15847,7 +16149,7 @@
             <a:fld id="{2387B7E2-7538-4163-9310-D5E6EE1BC12A}" type="slidenum">
               <a:rPr lang="en-US" smtClean="0"/>
               <a:pPr/>
-              <a:t>67</a:t>
+              <a:t>69</a:t>
             </a:fld>
             <a:endParaRPr lang="en-US"/>
           </a:p>

--- a/TDDExamples/Persentation/Test Driven Development.pptx
+++ b/TDDExamples/Persentation/Test Driven Development.pptx
@@ -5,7 +5,7 @@
     <p:sldMasterId id="2147483648" r:id="rId1"/>
   </p:sldMasterIdLst>
   <p:notesMasterIdLst>
-    <p:notesMasterId r:id="rId72"/>
+    <p:notesMasterId r:id="rId75"/>
   </p:notesMasterIdLst>
   <p:sldIdLst>
     <p:sldId id="318" r:id="rId2"/>
@@ -13,71 +13,74 @@
     <p:sldId id="337" r:id="rId4"/>
     <p:sldId id="345" r:id="rId5"/>
     <p:sldId id="346" r:id="rId6"/>
-    <p:sldId id="355" r:id="rId7"/>
-    <p:sldId id="258" r:id="rId8"/>
-    <p:sldId id="347" r:id="rId9"/>
-    <p:sldId id="348" r:id="rId10"/>
-    <p:sldId id="285" r:id="rId11"/>
-    <p:sldId id="275" r:id="rId12"/>
-    <p:sldId id="343" r:id="rId13"/>
-    <p:sldId id="319" r:id="rId14"/>
-    <p:sldId id="320" r:id="rId15"/>
-    <p:sldId id="321" r:id="rId16"/>
-    <p:sldId id="276" r:id="rId17"/>
-    <p:sldId id="281" r:id="rId18"/>
-    <p:sldId id="322" r:id="rId19"/>
-    <p:sldId id="323" r:id="rId20"/>
-    <p:sldId id="312" r:id="rId21"/>
-    <p:sldId id="313" r:id="rId22"/>
-    <p:sldId id="341" r:id="rId23"/>
-    <p:sldId id="325" r:id="rId24"/>
-    <p:sldId id="342" r:id="rId25"/>
-    <p:sldId id="277" r:id="rId26"/>
-    <p:sldId id="280" r:id="rId27"/>
-    <p:sldId id="290" r:id="rId28"/>
-    <p:sldId id="291" r:id="rId29"/>
-    <p:sldId id="278" r:id="rId30"/>
-    <p:sldId id="267" r:id="rId31"/>
-    <p:sldId id="309" r:id="rId32"/>
-    <p:sldId id="268" r:id="rId33"/>
-    <p:sldId id="284" r:id="rId34"/>
-    <p:sldId id="296" r:id="rId35"/>
-    <p:sldId id="297" r:id="rId36"/>
-    <p:sldId id="326" r:id="rId37"/>
-    <p:sldId id="327" r:id="rId38"/>
-    <p:sldId id="328" r:id="rId39"/>
-    <p:sldId id="329" r:id="rId40"/>
-    <p:sldId id="330" r:id="rId41"/>
-    <p:sldId id="331" r:id="rId42"/>
-    <p:sldId id="332" r:id="rId43"/>
-    <p:sldId id="333" r:id="rId44"/>
-    <p:sldId id="335" r:id="rId45"/>
-    <p:sldId id="334" r:id="rId46"/>
-    <p:sldId id="349" r:id="rId47"/>
-    <p:sldId id="350" r:id="rId48"/>
-    <p:sldId id="351" r:id="rId49"/>
-    <p:sldId id="352" r:id="rId50"/>
-    <p:sldId id="336" r:id="rId51"/>
-    <p:sldId id="282" r:id="rId52"/>
-    <p:sldId id="306" r:id="rId53"/>
-    <p:sldId id="353" r:id="rId54"/>
-    <p:sldId id="315" r:id="rId55"/>
-    <p:sldId id="354" r:id="rId56"/>
-    <p:sldId id="272" r:id="rId57"/>
-    <p:sldId id="302" r:id="rId58"/>
-    <p:sldId id="340" r:id="rId59"/>
-    <p:sldId id="303" r:id="rId60"/>
-    <p:sldId id="304" r:id="rId61"/>
-    <p:sldId id="305" r:id="rId62"/>
-    <p:sldId id="314" r:id="rId63"/>
-    <p:sldId id="301" r:id="rId64"/>
-    <p:sldId id="324" r:id="rId65"/>
-    <p:sldId id="338" r:id="rId66"/>
-    <p:sldId id="339" r:id="rId67"/>
-    <p:sldId id="308" r:id="rId68"/>
-    <p:sldId id="294" r:id="rId69"/>
-    <p:sldId id="295" r:id="rId70"/>
-    <p:sldId id="300" r:id="rId71"/>
+    <p:sldId id="357" r:id="rId7"/>
+    <p:sldId id="355" r:id="rId8"/>
+    <p:sldId id="258" r:id="rId9"/>
+    <p:sldId id="347" r:id="rId10"/>
+    <p:sldId id="348" r:id="rId11"/>
+    <p:sldId id="285" r:id="rId12"/>
+    <p:sldId id="275" r:id="rId13"/>
+    <p:sldId id="343" r:id="rId14"/>
+    <p:sldId id="319" r:id="rId15"/>
+    <p:sldId id="320" r:id="rId16"/>
+    <p:sldId id="321" r:id="rId17"/>
+    <p:sldId id="276" r:id="rId18"/>
+    <p:sldId id="281" r:id="rId19"/>
+    <p:sldId id="322" r:id="rId20"/>
+    <p:sldId id="323" r:id="rId21"/>
+    <p:sldId id="312" r:id="rId22"/>
+    <p:sldId id="313" r:id="rId23"/>
+    <p:sldId id="356" r:id="rId24"/>
+    <p:sldId id="341" r:id="rId25"/>
+    <p:sldId id="325" r:id="rId26"/>
+    <p:sldId id="342" r:id="rId27"/>
+    <p:sldId id="277" r:id="rId28"/>
+    <p:sldId id="280" r:id="rId29"/>
+    <p:sldId id="290" r:id="rId30"/>
+    <p:sldId id="291" r:id="rId31"/>
+    <p:sldId id="278" r:id="rId32"/>
+    <p:sldId id="267" r:id="rId33"/>
+    <p:sldId id="309" r:id="rId34"/>
+    <p:sldId id="268" r:id="rId35"/>
+    <p:sldId id="284" r:id="rId36"/>
+    <p:sldId id="296" r:id="rId37"/>
+    <p:sldId id="297" r:id="rId38"/>
+    <p:sldId id="358" r:id="rId39"/>
+    <p:sldId id="326" r:id="rId40"/>
+    <p:sldId id="327" r:id="rId41"/>
+    <p:sldId id="328" r:id="rId42"/>
+    <p:sldId id="329" r:id="rId43"/>
+    <p:sldId id="330" r:id="rId44"/>
+    <p:sldId id="331" r:id="rId45"/>
+    <p:sldId id="332" r:id="rId46"/>
+    <p:sldId id="333" r:id="rId47"/>
+    <p:sldId id="335" r:id="rId48"/>
+    <p:sldId id="334" r:id="rId49"/>
+    <p:sldId id="349" r:id="rId50"/>
+    <p:sldId id="350" r:id="rId51"/>
+    <p:sldId id="351" r:id="rId52"/>
+    <p:sldId id="352" r:id="rId53"/>
+    <p:sldId id="336" r:id="rId54"/>
+    <p:sldId id="282" r:id="rId55"/>
+    <p:sldId id="306" r:id="rId56"/>
+    <p:sldId id="353" r:id="rId57"/>
+    <p:sldId id="315" r:id="rId58"/>
+    <p:sldId id="354" r:id="rId59"/>
+    <p:sldId id="272" r:id="rId60"/>
+    <p:sldId id="302" r:id="rId61"/>
+    <p:sldId id="340" r:id="rId62"/>
+    <p:sldId id="303" r:id="rId63"/>
+    <p:sldId id="304" r:id="rId64"/>
+    <p:sldId id="305" r:id="rId65"/>
+    <p:sldId id="314" r:id="rId66"/>
+    <p:sldId id="301" r:id="rId67"/>
+    <p:sldId id="324" r:id="rId68"/>
+    <p:sldId id="338" r:id="rId69"/>
+    <p:sldId id="339" r:id="rId70"/>
+    <p:sldId id="308" r:id="rId71"/>
+    <p:sldId id="294" r:id="rId72"/>
+    <p:sldId id="295" r:id="rId73"/>
+    <p:sldId id="300" r:id="rId74"/>
   </p:sldIdLst>
   <p:sldSz cx="9144000" cy="6858000" type="screen4x3"/>
   <p:notesSz cx="6858000" cy="9144000"/>
@@ -476,11 +479,11 @@
           <c:showBubbleSize val="0"/>
         </c:dLbls>
         <c:smooth val="0"/>
-        <c:axId val="243109936"/>
-        <c:axId val="243114640"/>
+        <c:axId val="439466064"/>
+        <c:axId val="439471944"/>
       </c:lineChart>
       <c:catAx>
-        <c:axId val="243109936"/>
+        <c:axId val="439466064"/>
         <c:scaling>
           <c:orientation val="minMax"/>
         </c:scaling>
@@ -500,7 +503,7 @@
             <a:endParaRPr lang="en-US"/>
           </a:p>
         </c:txPr>
-        <c:crossAx val="243114640"/>
+        <c:crossAx val="439471944"/>
         <c:crosses val="autoZero"/>
         <c:auto val="1"/>
         <c:lblAlgn val="ctr"/>
@@ -508,7 +511,7 @@
         <c:noMultiLvlLbl val="0"/>
       </c:catAx>
       <c:valAx>
-        <c:axId val="243114640"/>
+        <c:axId val="439471944"/>
         <c:scaling>
           <c:orientation val="minMax"/>
         </c:scaling>
@@ -529,13 +532,14 @@
             <a:endParaRPr lang="en-US"/>
           </a:p>
         </c:txPr>
-        <c:crossAx val="243109936"/>
+        <c:crossAx val="439466064"/>
         <c:crosses val="autoZero"/>
         <c:crossBetween val="between"/>
       </c:valAx>
     </c:plotArea>
     <c:legend>
       <c:legendPos val="r"/>
+      <c:layout/>
       <c:overlay val="0"/>
       <c:txPr>
         <a:bodyPr/>
@@ -1517,7 +1521,7 @@
             <a:fld id="{5783D7AA-6A74-42C9-8D9C-C1060C84B8E4}" type="slidenum">
               <a:rPr lang="en-US" smtClean="0"/>
               <a:pPr/>
-              <a:t>21</a:t>
+              <a:t>22</a:t>
             </a:fld>
             <a:endParaRPr lang="en-US"/>
           </a:p>
@@ -1713,7 +1717,7 @@
             <a:fld id="{5783D7AA-6A74-42C9-8D9C-C1060C84B8E4}" type="slidenum">
               <a:rPr lang="en-US" smtClean="0"/>
               <a:pPr/>
-              <a:t>26</a:t>
+              <a:t>28</a:t>
             </a:fld>
             <a:endParaRPr lang="en-US"/>
           </a:p>
@@ -1800,7 +1804,7 @@
             <a:fld id="{5783D7AA-6A74-42C9-8D9C-C1060C84B8E4}" type="slidenum">
               <a:rPr lang="en-US" smtClean="0"/>
               <a:pPr/>
-              <a:t>30</a:t>
+              <a:t>32</a:t>
             </a:fld>
             <a:endParaRPr lang="en-US"/>
           </a:p>
@@ -1887,7 +1891,7 @@
             <a:fld id="{5783D7AA-6A74-42C9-8D9C-C1060C84B8E4}" type="slidenum">
               <a:rPr lang="en-US" smtClean="0"/>
               <a:pPr/>
-              <a:t>33</a:t>
+              <a:t>35</a:t>
             </a:fld>
             <a:endParaRPr lang="en-US"/>
           </a:p>
@@ -1974,7 +1978,7 @@
             <a:fld id="{5783D7AA-6A74-42C9-8D9C-C1060C84B8E4}" type="slidenum">
               <a:rPr lang="en-US" smtClean="0"/>
               <a:pPr/>
-              <a:t>35</a:t>
+              <a:t>37</a:t>
             </a:fld>
             <a:endParaRPr lang="en-US"/>
           </a:p>
@@ -2424,7 +2428,7 @@
             <a:fld id="{5783D7AA-6A74-42C9-8D9C-C1060C84B8E4}" type="slidenum">
               <a:rPr lang="en-US" smtClean="0"/>
               <a:pPr/>
-              <a:t>36</a:t>
+              <a:t>39</a:t>
             </a:fld>
             <a:endParaRPr lang="en-US"/>
           </a:p>
@@ -2489,7 +2493,7 @@
           <a:p>
             <a:r>
               <a:rPr lang="en-US" dirty="0" smtClean="0"/>
-              <a:t>but with differences in style since the two types of code serve different purposes. Test code should describe what the production code does. That means that it tends to be concrete about the values it uses as examples of what results to expect, but abstract about how the code works</a:t>
+              <a:t>https://github.com/testdouble/contributing-tests/wiki/Don%27t-mock-what-you-don%27t-own</a:t>
             </a:r>
             <a:endParaRPr lang="en-US" dirty="0"/>
           </a:p>
@@ -2513,7 +2517,7 @@
             <a:fld id="{5783D7AA-6A74-42C9-8D9C-C1060C84B8E4}" type="slidenum">
               <a:rPr lang="en-US" smtClean="0"/>
               <a:pPr/>
-              <a:t>38</a:t>
+              <a:t>40</a:t>
             </a:fld>
             <a:endParaRPr lang="en-US"/>
           </a:p>
@@ -2522,7 +2526,7 @@
     </p:spTree>
     <p:extLst>
       <p:ext uri="{BB962C8B-B14F-4D97-AF65-F5344CB8AC3E}">
-        <p14:creationId xmlns:p14="http://schemas.microsoft.com/office/powerpoint/2010/main" val="600715934"/>
+        <p14:creationId xmlns:p14="http://schemas.microsoft.com/office/powerpoint/2010/main" val="4172115112"/>
       </p:ext>
     </p:extLst>
   </p:cSld>
@@ -2573,25 +2577,14 @@
         </p:nvSpPr>
         <p:spPr/>
         <p:txBody>
-          <a:bodyPr>
-            <a:normAutofit/>
-          </a:bodyPr>
+          <a:bodyPr/>
           <a:lstStyle/>
           <a:p>
             <a:r>
               <a:rPr lang="en-US" dirty="0" smtClean="0"/>
-              <a:t>If test is not readable , it’s difficult to understand for new developer . We write test so that it fail in the future when something goes wrong so readability is very important  so that we can fix it easily</a:t>
-            </a:r>
-          </a:p>
-          <a:p>
-            <a:endParaRPr lang="en-US" dirty="0" smtClean="0"/>
-          </a:p>
-          <a:p>
-            <a:r>
-              <a:rPr lang="en-US" dirty="0" smtClean="0"/>
-              <a:t>Follow “Arrange , Act , Assert”</a:t>
-            </a:r>
-            <a:endParaRPr lang="en-GB" dirty="0"/>
+              <a:t>but with differences in style since the two types of code serve different purposes. Test code should describe what the production code does. That means that it tends to be concrete about the values it uses as examples of what results to expect, but abstract about how the code works</a:t>
+            </a:r>
+            <a:endParaRPr lang="en-US" dirty="0"/>
           </a:p>
         </p:txBody>
       </p:sp>
@@ -2613,7 +2606,7 @@
             <a:fld id="{5783D7AA-6A74-42C9-8D9C-C1060C84B8E4}" type="slidenum">
               <a:rPr lang="en-US" smtClean="0"/>
               <a:pPr/>
-              <a:t>46</a:t>
+              <a:t>41</a:t>
             </a:fld>
             <a:endParaRPr lang="en-US"/>
           </a:p>
@@ -2622,7 +2615,7 @@
     </p:spTree>
     <p:extLst>
       <p:ext uri="{BB962C8B-B14F-4D97-AF65-F5344CB8AC3E}">
-        <p14:creationId xmlns:p14="http://schemas.microsoft.com/office/powerpoint/2010/main" val="1903401886"/>
+        <p14:creationId xmlns:p14="http://schemas.microsoft.com/office/powerpoint/2010/main" val="600715934"/>
       </p:ext>
     </p:extLst>
   </p:cSld>
@@ -2680,9 +2673,18 @@
           <a:p>
             <a:r>
               <a:rPr lang="en-US" dirty="0" smtClean="0"/>
-              <a:t>Programmers generally love the plain activity of writing code, away from managers and deadlines and production bugs. When they’ve got over their shyness, most are delighted to show others how well they can actually write code, as well as to pick up tips and advice from them.</a:t>
-            </a:r>
-            <a:endParaRPr lang="en-US" dirty="0"/>
+              <a:t>If test is not readable , it’s difficult to understand for new developer . We write test so that it fail in the future when something goes wrong so readability is very important  so that we can fix it easily</a:t>
+            </a:r>
+          </a:p>
+          <a:p>
+            <a:endParaRPr lang="en-US" dirty="0" smtClean="0"/>
+          </a:p>
+          <a:p>
+            <a:r>
+              <a:rPr lang="en-US" dirty="0" smtClean="0"/>
+              <a:t>Follow “Arrange , Act , Assert”</a:t>
+            </a:r>
+            <a:endParaRPr lang="en-GB" dirty="0"/>
           </a:p>
         </p:txBody>
       </p:sp>
@@ -2701,10 +2703,10 @@
           <a:bodyPr/>
           <a:lstStyle/>
           <a:p>
-            <a:fld id="{EFCA71D1-CE0C-4064-B87C-35F7C27EC6FE}" type="slidenum">
+            <a:fld id="{5783D7AA-6A74-42C9-8D9C-C1060C84B8E4}" type="slidenum">
               <a:rPr lang="en-US" smtClean="0"/>
               <a:pPr/>
-              <a:t>59</a:t>
+              <a:t>49</a:t>
             </a:fld>
             <a:endParaRPr lang="en-US"/>
           </a:p>
@@ -2713,7 +2715,7 @@
     </p:spTree>
     <p:extLst>
       <p:ext uri="{BB962C8B-B14F-4D97-AF65-F5344CB8AC3E}">
-        <p14:creationId xmlns:p14="http://schemas.microsoft.com/office/powerpoint/2010/main" val="2447604922"/>
+        <p14:creationId xmlns:p14="http://schemas.microsoft.com/office/powerpoint/2010/main" val="1903401886"/>
       </p:ext>
     </p:extLst>
   </p:cSld>
@@ -2769,6 +2771,10 @@
           </a:bodyPr>
           <a:lstStyle/>
           <a:p>
+            <a:r>
+              <a:rPr lang="en-US" dirty="0" smtClean="0"/>
+              <a:t>Programmers generally love the plain activity of writing code, away from managers and deadlines and production bugs. When they’ve got over their shyness, most are delighted to show others how well they can actually write code, as well as to pick up tips and advice from them.</a:t>
+            </a:r>
             <a:endParaRPr lang="en-US" dirty="0"/>
           </a:p>
         </p:txBody>
@@ -2791,7 +2797,7 @@
             <a:fld id="{EFCA71D1-CE0C-4064-B87C-35F7C27EC6FE}" type="slidenum">
               <a:rPr lang="en-US" smtClean="0"/>
               <a:pPr/>
-              <a:t>60</a:t>
+              <a:t>62</a:t>
             </a:fld>
             <a:endParaRPr lang="en-US"/>
           </a:p>
@@ -2800,7 +2806,7 @@
     </p:spTree>
     <p:extLst>
       <p:ext uri="{BB962C8B-B14F-4D97-AF65-F5344CB8AC3E}">
-        <p14:creationId xmlns:p14="http://schemas.microsoft.com/office/powerpoint/2010/main" val="1386577929"/>
+        <p14:creationId xmlns:p14="http://schemas.microsoft.com/office/powerpoint/2010/main" val="2447604922"/>
       </p:ext>
     </p:extLst>
   </p:cSld>
@@ -2964,7 +2970,7 @@
           <a:bodyPr/>
           <a:lstStyle/>
           <a:p>
-            <a:fld id="{5783D7AA-6A74-42C9-8D9C-C1060C84B8E4}" type="slidenum">
+            <a:fld id="{EFCA71D1-CE0C-4064-B87C-35F7C27EC6FE}" type="slidenum">
               <a:rPr lang="en-US" smtClean="0"/>
               <a:pPr/>
               <a:t>63</a:t>
@@ -2976,7 +2982,7 @@
     </p:spTree>
     <p:extLst>
       <p:ext uri="{BB962C8B-B14F-4D97-AF65-F5344CB8AC3E}">
-        <p14:creationId xmlns:p14="http://schemas.microsoft.com/office/powerpoint/2010/main" val="2476281061"/>
+        <p14:creationId xmlns:p14="http://schemas.microsoft.com/office/powerpoint/2010/main" val="1386577929"/>
       </p:ext>
     </p:extLst>
   </p:cSld>
@@ -3027,7 +3033,9 @@
         </p:nvSpPr>
         <p:spPr/>
         <p:txBody>
-          <a:bodyPr/>
+          <a:bodyPr>
+            <a:normAutofit/>
+          </a:bodyPr>
           <a:lstStyle/>
           <a:p>
             <a:endParaRPr lang="en-US" dirty="0"/>
@@ -3052,7 +3060,7 @@
             <a:fld id="{5783D7AA-6A74-42C9-8D9C-C1060C84B8E4}" type="slidenum">
               <a:rPr lang="en-US" smtClean="0"/>
               <a:pPr/>
-              <a:t>64</a:t>
+              <a:t>66</a:t>
             </a:fld>
             <a:endParaRPr lang="en-US"/>
           </a:p>
@@ -3061,7 +3069,7 @@
     </p:spTree>
     <p:extLst>
       <p:ext uri="{BB962C8B-B14F-4D97-AF65-F5344CB8AC3E}">
-        <p14:creationId xmlns:p14="http://schemas.microsoft.com/office/powerpoint/2010/main" val="2928389423"/>
+        <p14:creationId xmlns:p14="http://schemas.microsoft.com/office/powerpoint/2010/main" val="2476281061"/>
       </p:ext>
     </p:extLst>
   </p:cSld>
@@ -3112,6 +3120,91 @@
         </p:nvSpPr>
         <p:spPr/>
         <p:txBody>
+          <a:bodyPr/>
+          <a:lstStyle/>
+          <a:p>
+            <a:endParaRPr lang="en-US" dirty="0"/>
+          </a:p>
+        </p:txBody>
+      </p:sp>
+      <p:sp>
+        <p:nvSpPr>
+          <p:cNvPr id="4" name="Slide Number Placeholder 3"/>
+          <p:cNvSpPr>
+            <a:spLocks noGrp="1"/>
+          </p:cNvSpPr>
+          <p:nvPr>
+            <p:ph type="sldNum" sz="quarter" idx="10"/>
+          </p:nvPr>
+        </p:nvSpPr>
+        <p:spPr/>
+        <p:txBody>
+          <a:bodyPr/>
+          <a:lstStyle/>
+          <a:p>
+            <a:fld id="{5783D7AA-6A74-42C9-8D9C-C1060C84B8E4}" type="slidenum">
+              <a:rPr lang="en-US" smtClean="0"/>
+              <a:pPr/>
+              <a:t>67</a:t>
+            </a:fld>
+            <a:endParaRPr lang="en-US"/>
+          </a:p>
+        </p:txBody>
+      </p:sp>
+    </p:spTree>
+    <p:extLst>
+      <p:ext uri="{BB962C8B-B14F-4D97-AF65-F5344CB8AC3E}">
+        <p14:creationId xmlns:p14="http://schemas.microsoft.com/office/powerpoint/2010/main" val="2928389423"/>
+      </p:ext>
+    </p:extLst>
+  </p:cSld>
+  <p:clrMapOvr>
+    <a:masterClrMapping/>
+  </p:clrMapOvr>
+</p:notes>
+</file>
+
+<file path=ppt/notesSlides/notesSlide23.xml><?xml version="1.0" encoding="utf-8"?>
+<p:notes xmlns:a="http://schemas.openxmlformats.org/drawingml/2006/main" xmlns:r="http://schemas.openxmlformats.org/officeDocument/2006/relationships" xmlns:p="http://schemas.openxmlformats.org/presentationml/2006/main">
+  <p:cSld>
+    <p:spTree>
+      <p:nvGrpSpPr>
+        <p:cNvPr id="1" name=""/>
+        <p:cNvGrpSpPr/>
+        <p:nvPr/>
+      </p:nvGrpSpPr>
+      <p:grpSpPr>
+        <a:xfrm>
+          <a:off x="0" y="0"/>
+          <a:ext cx="0" cy="0"/>
+          <a:chOff x="0" y="0"/>
+          <a:chExt cx="0" cy="0"/>
+        </a:xfrm>
+      </p:grpSpPr>
+      <p:sp>
+        <p:nvSpPr>
+          <p:cNvPr id="2" name="Slide Image Placeholder 1"/>
+          <p:cNvSpPr>
+            <a:spLocks noGrp="1" noRot="1" noChangeAspect="1"/>
+          </p:cNvSpPr>
+          <p:nvPr>
+            <p:ph type="sldImg"/>
+          </p:nvPr>
+        </p:nvSpPr>
+        <p:spPr/>
+      </p:sp>
+      <p:sp>
+        <p:nvSpPr>
+          <p:cNvPr id="3" name="Notes Placeholder 2"/>
+          <p:cNvSpPr>
+            <a:spLocks noGrp="1"/>
+          </p:cNvSpPr>
+          <p:nvPr>
+            <p:ph type="body" idx="1"/>
+          </p:nvPr>
+        </p:nvSpPr>
+        <p:spPr/>
+        <p:txBody>
           <a:bodyPr>
             <a:normAutofit/>
           </a:bodyPr>
@@ -3185,7 +3278,7 @@
             <a:fld id="{5783D7AA-6A74-42C9-8D9C-C1060C84B8E4}" type="slidenum">
               <a:rPr lang="en-US" smtClean="0"/>
               <a:pPr/>
-              <a:t>67</a:t>
+              <a:t>70</a:t>
             </a:fld>
             <a:endParaRPr lang="en-US"/>
           </a:p>
@@ -3272,7 +3365,7 @@
             <a:fld id="{5783D7AA-6A74-42C9-8D9C-C1060C84B8E4}" type="slidenum">
               <a:rPr lang="en-US" smtClean="0"/>
               <a:pPr/>
-              <a:t>6</a:t>
+              <a:t>7</a:t>
             </a:fld>
             <a:endParaRPr lang="en-US"/>
           </a:p>
@@ -3367,7 +3460,7 @@
             <a:fld id="{5783D7AA-6A74-42C9-8D9C-C1060C84B8E4}" type="slidenum">
               <a:rPr lang="en-US" smtClean="0"/>
               <a:pPr/>
-              <a:t>7</a:t>
+              <a:t>8</a:t>
             </a:fld>
             <a:endParaRPr lang="en-US"/>
           </a:p>
@@ -3629,7 +3722,7 @@
             <a:fld id="{5783D7AA-6A74-42C9-8D9C-C1060C84B8E4}" type="slidenum">
               <a:rPr lang="en-US" smtClean="0"/>
               <a:pPr/>
-              <a:t>11</a:t>
+              <a:t>12</a:t>
             </a:fld>
             <a:endParaRPr lang="en-US"/>
           </a:p>
@@ -3714,7 +3807,7 @@
             <a:fld id="{5783D7AA-6A74-42C9-8D9C-C1060C84B8E4}" type="slidenum">
               <a:rPr lang="en-US" smtClean="0"/>
               <a:pPr/>
-              <a:t>13</a:t>
+              <a:t>14</a:t>
             </a:fld>
             <a:endParaRPr lang="en-US"/>
           </a:p>
@@ -3865,7 +3958,7 @@
             <a:fld id="{5783D7AA-6A74-42C9-8D9C-C1060C84B8E4}" type="slidenum">
               <a:rPr lang="en-US" smtClean="0"/>
               <a:pPr/>
-              <a:t>15</a:t>
+              <a:t>16</a:t>
             </a:fld>
             <a:endParaRPr lang="en-US"/>
           </a:p>
@@ -4102,7 +4195,7 @@
             <a:fld id="{5783D7AA-6A74-42C9-8D9C-C1060C84B8E4}" type="slidenum">
               <a:rPr lang="en-US" smtClean="0"/>
               <a:pPr/>
-              <a:t>17</a:t>
+              <a:t>18</a:t>
             </a:fld>
             <a:endParaRPr lang="en-US"/>
           </a:p>
@@ -4189,7 +4282,7 @@
             <a:fld id="{5783D7AA-6A74-42C9-8D9C-C1060C84B8E4}" type="slidenum">
               <a:rPr lang="en-US" smtClean="0"/>
               <a:pPr/>
-              <a:t>20</a:t>
+              <a:t>21</a:t>
             </a:fld>
             <a:endParaRPr lang="en-US"/>
           </a:p>
@@ -7316,60 +7409,111 @@
       </p:grpSpPr>
       <p:sp>
         <p:nvSpPr>
-          <p:cNvPr id="6" name="Title 1"/>
+          <p:cNvPr id="2" name="Title 1"/>
           <p:cNvSpPr>
             <a:spLocks noGrp="1"/>
           </p:cNvSpPr>
           <p:nvPr>
             <p:ph type="title"/>
+          </p:nvPr>
+        </p:nvSpPr>
+        <p:spPr/>
+        <p:txBody>
+          <a:bodyPr>
+            <a:normAutofit fontScale="90000"/>
+          </a:bodyPr>
+          <a:lstStyle/>
+          <a:p>
+            <a:r>
+              <a:rPr lang="en-US" dirty="0"/>
+              <a:t/>
+            </a:r>
+            <a:br>
+              <a:rPr lang="en-US" dirty="0"/>
+            </a:br>
+            <a:endParaRPr lang="en-US" dirty="0"/>
+          </a:p>
+        </p:txBody>
+      </p:sp>
+      <p:sp>
+        <p:nvSpPr>
+          <p:cNvPr id="3" name="Content Placeholder 2"/>
+          <p:cNvSpPr>
+            <a:spLocks noGrp="1"/>
+          </p:cNvSpPr>
+          <p:nvPr>
+            <p:ph idx="1"/>
           </p:nvPr>
         </p:nvSpPr>
         <p:spPr>
           <a:xfrm>
-            <a:off x="304800" y="152400"/>
-            <a:ext cx="8382000" cy="1143000"/>
+            <a:off x="457200" y="838200"/>
+            <a:ext cx="8229600" cy="5287963"/>
           </a:xfrm>
         </p:spPr>
         <p:txBody>
           <a:bodyPr>
-            <a:normAutofit/>
+            <a:normAutofit fontScale="77500" lnSpcReduction="20000"/>
           </a:bodyPr>
           <a:lstStyle/>
           <a:p>
+            <a:pPr marL="0" indent="0">
+              <a:buNone/>
+            </a:pPr>
+            <a:r>
+              <a:rPr lang="en-US" dirty="0"/>
+              <a:t>The ideal feedback loop has several properties</a:t>
+            </a:r>
             <a:r>
               <a:rPr lang="en-US" dirty="0" smtClean="0"/>
-              <a:t>Clean and Simple Design</a:t>
-            </a:r>
-            <a:endParaRPr lang="en-GB" dirty="0"/>
-          </a:p>
-        </p:txBody>
-      </p:sp>
-      <p:pic>
-        <p:nvPicPr>
-          <p:cNvPr id="7" name="Picture 6" descr="http://images.apple.com/euro/imac/a/generic/images/hero.png"/>
-          <p:cNvPicPr>
-            <a:picLocks noChangeAspect="1" noChangeArrowheads="1"/>
-          </p:cNvPicPr>
-          <p:nvPr/>
-        </p:nvPicPr>
-        <p:blipFill>
-          <a:blip r:embed="rId2" cstate="print"/>
-          <a:srcRect/>
-          <a:stretch>
-            <a:fillRect/>
-          </a:stretch>
-        </p:blipFill>
-        <p:spPr bwMode="auto">
-          <a:xfrm>
-            <a:off x="1752600" y="1143000"/>
-            <a:ext cx="5638800" cy="5715000"/>
-          </a:xfrm>
-          <a:prstGeom prst="rect">
-            <a:avLst/>
-          </a:prstGeom>
-          <a:noFill/>
-        </p:spPr>
-      </p:pic>
+              <a:t>:</a:t>
+            </a:r>
+          </a:p>
+          <a:p>
+            <a:pPr marL="0" indent="0">
+              <a:buNone/>
+            </a:pPr>
+            <a:endParaRPr lang="en-US" u="sng" dirty="0" smtClean="0"/>
+          </a:p>
+          <a:p>
+            <a:r>
+              <a:rPr lang="en-US" u="sng" dirty="0" smtClean="0"/>
+              <a:t>It's </a:t>
+            </a:r>
+            <a:r>
+              <a:rPr lang="en-US" u="sng" dirty="0"/>
+              <a:t>fast</a:t>
+            </a:r>
+            <a:r>
+              <a:rPr lang="en-US" dirty="0"/>
+              <a:t>. No developer wants to wait hours or days to find out if their change works. Sometimes the change does not work - nobody is perfect - and the feedback loop needs to run multiple times. A faster feedback loop leads to faster fixes. If the loop is fast enough, developers may even run tests before checking in a change. </a:t>
+            </a:r>
+          </a:p>
+          <a:p>
+            <a:r>
+              <a:rPr lang="en-US" u="sng" dirty="0"/>
+              <a:t>It's reliable</a:t>
+            </a:r>
+            <a:r>
+              <a:rPr lang="en-US" dirty="0"/>
+              <a:t>. No developer wants to spend hours debugging a test, only to find out it was a flaky test. Flaky tests reduce the developer's trust in the test, and as a result flaky tests are often ignored, even when they find real product issues. </a:t>
+            </a:r>
+          </a:p>
+          <a:p>
+            <a:r>
+              <a:rPr lang="en-US" u="sng" dirty="0"/>
+              <a:t>It isolates failures</a:t>
+            </a:r>
+            <a:r>
+              <a:rPr lang="en-US" dirty="0"/>
+              <a:t>. To fix a bug, developers need to find the specific lines of code causing the bug. When a product contains millions of lines of codes, and the bug could be anywhere, it's like trying to find a needle in a haystack. </a:t>
+            </a:r>
+          </a:p>
+          <a:p>
+            <a:endParaRPr lang="en-US" dirty="0"/>
+          </a:p>
+        </p:txBody>
+      </p:sp>
       <p:sp>
         <p:nvSpPr>
           <p:cNvPr id="4" name="Slide Number Placeholder 3"/>
@@ -7395,6 +7539,11 @@
         </p:txBody>
       </p:sp>
     </p:spTree>
+    <p:extLst>
+      <p:ext uri="{BB962C8B-B14F-4D97-AF65-F5344CB8AC3E}">
+        <p14:creationId xmlns:p14="http://schemas.microsoft.com/office/powerpoint/2010/main" val="1470752032"/>
+      </p:ext>
+    </p:extLst>
   </p:cSld>
   <p:clrMapOvr>
     <a:masterClrMapping/>
@@ -7428,18 +7577,18 @@
       </p:grpSpPr>
       <p:sp>
         <p:nvSpPr>
-          <p:cNvPr id="3" name="Content Placeholder 2"/>
-          <p:cNvSpPr>
-            <a:spLocks noGrp="1"/>
-          </p:cNvSpPr>
-          <p:nvPr>
-            <p:ph idx="1"/>
+          <p:cNvPr id="6" name="Title 1"/>
+          <p:cNvSpPr>
+            <a:spLocks noGrp="1"/>
+          </p:cNvSpPr>
+          <p:nvPr>
+            <p:ph type="title"/>
           </p:nvPr>
         </p:nvSpPr>
         <p:spPr>
           <a:xfrm>
-            <a:off x="457200" y="1143000"/>
-            <a:ext cx="8229600" cy="4983163"/>
+            <a:off x="304800" y="152400"/>
+            <a:ext cx="8382000" cy="1143000"/>
           </a:xfrm>
         </p:spPr>
         <p:txBody>
@@ -7448,62 +7597,40 @@
           </a:bodyPr>
           <a:lstStyle/>
           <a:p>
-            <a:pPr marL="0" indent="0">
-              <a:buNone/>
-            </a:pPr>
-            <a:r>
-              <a:rPr lang="en-US" i="1" dirty="0" smtClean="0"/>
-              <a:t>TDD helps us to pay attention to the right   issue at the right time so we can make our 	design cleaner . We can refine our design as we learn.</a:t>
-            </a:r>
-          </a:p>
-          <a:p>
-            <a:pPr marL="0" indent="0">
-              <a:buNone/>
-            </a:pPr>
-            <a:endParaRPr lang="en-US" dirty="0" smtClean="0"/>
-          </a:p>
-          <a:p>
-            <a:pPr marL="0" indent="0">
-              <a:buNone/>
-            </a:pPr>
-            <a:r>
-              <a:rPr lang="en-US" i="1" dirty="0" smtClean="0"/>
-              <a:t>Significantly increase the flexibility of your system, allowing you to keep it clean.</a:t>
-            </a:r>
-          </a:p>
-          <a:p>
-            <a:pPr marL="0" indent="0">
-              <a:buNone/>
-            </a:pPr>
-            <a:endParaRPr lang="en-US" i="1" dirty="0" smtClean="0"/>
-          </a:p>
-          <a:p>
-            <a:pPr marL="0" indent="0">
-              <a:buNone/>
-            </a:pPr>
-            <a:r>
-              <a:rPr lang="en-US" i="1" dirty="0" smtClean="0"/>
-              <a:t>Create a system design that has extremely low coupling.</a:t>
-            </a:r>
-            <a:endParaRPr lang="en-US" dirty="0" smtClean="0"/>
-          </a:p>
-          <a:p>
-            <a:pPr marL="0" indent="0">
-              <a:buNone/>
-            </a:pPr>
-            <a:endParaRPr lang="en-US" i="1" dirty="0" smtClean="0"/>
-          </a:p>
-          <a:p>
-            <a:pPr marL="0" indent="0">
-              <a:buNone/>
-            </a:pPr>
-            <a:endParaRPr lang="en-US" dirty="0" smtClean="0"/>
-          </a:p>
-          <a:p>
+            <a:r>
+              <a:rPr lang="en-US" dirty="0" smtClean="0"/>
+              <a:t>Clean and Simple Design</a:t>
+            </a:r>
             <a:endParaRPr lang="en-GB" dirty="0"/>
           </a:p>
         </p:txBody>
       </p:sp>
+      <p:pic>
+        <p:nvPicPr>
+          <p:cNvPr id="7" name="Picture 6" descr="http://images.apple.com/euro/imac/a/generic/images/hero.png"/>
+          <p:cNvPicPr>
+            <a:picLocks noChangeAspect="1" noChangeArrowheads="1"/>
+          </p:cNvPicPr>
+          <p:nvPr/>
+        </p:nvPicPr>
+        <p:blipFill>
+          <a:blip r:embed="rId2" cstate="print"/>
+          <a:srcRect/>
+          <a:stretch>
+            <a:fillRect/>
+          </a:stretch>
+        </p:blipFill>
+        <p:spPr bwMode="auto">
+          <a:xfrm>
+            <a:off x="1752600" y="1143000"/>
+            <a:ext cx="5638800" cy="5715000"/>
+          </a:xfrm>
+          <a:prstGeom prst="rect">
+            <a:avLst/>
+          </a:prstGeom>
+          <a:noFill/>
+        </p:spPr>
+      </p:pic>
       <p:sp>
         <p:nvSpPr>
           <p:cNvPr id="4" name="Slide Number Placeholder 3"/>
@@ -7562,25 +7689,6 @@
       </p:grpSpPr>
       <p:sp>
         <p:nvSpPr>
-          <p:cNvPr id="2" name="Title 1"/>
-          <p:cNvSpPr>
-            <a:spLocks noGrp="1"/>
-          </p:cNvSpPr>
-          <p:nvPr>
-            <p:ph type="title"/>
-          </p:nvPr>
-        </p:nvSpPr>
-        <p:spPr/>
-        <p:txBody>
-          <a:bodyPr/>
-          <a:lstStyle/>
-          <a:p>
-            <a:endParaRPr lang="en-US"/>
-          </a:p>
-        </p:txBody>
-      </p:sp>
-      <p:sp>
-        <p:nvSpPr>
           <p:cNvPr id="3" name="Content Placeholder 2"/>
           <p:cNvSpPr>
             <a:spLocks noGrp="1"/>
@@ -7589,35 +7697,71 @@
             <p:ph idx="1"/>
           </p:nvPr>
         </p:nvSpPr>
-        <p:spPr/>
-        <p:txBody>
-          <a:bodyPr/>
+        <p:spPr>
+          <a:xfrm>
+            <a:off x="457200" y="1143000"/>
+            <a:ext cx="8229600" cy="4983163"/>
+          </a:xfrm>
+        </p:spPr>
+        <p:txBody>
+          <a:bodyPr>
+            <a:normAutofit/>
+          </a:bodyPr>
           <a:lstStyle/>
           <a:p>
             <a:pPr marL="0" indent="0">
               <a:buNone/>
             </a:pPr>
             <a:r>
-              <a:rPr lang="en-US" dirty="0" smtClean="0"/>
-              <a:t>	</a:t>
+              <a:rPr lang="en-US" i="1" dirty="0" smtClean="0"/>
+              <a:t>TDD helps us to pay attention to the right   issue at the right time so we can make our 	design cleaner . We can refine our design as we learn.</a:t>
             </a:r>
           </a:p>
           <a:p>
             <a:pPr marL="0" indent="0">
               <a:buNone/>
             </a:pPr>
-            <a:r>
-              <a:rPr lang="en-US" dirty="0"/>
-              <a:t>	</a:t>
-            </a:r>
-            <a:r>
-              <a:rPr lang="en-US" dirty="0" smtClean="0"/>
-              <a:t>How </a:t>
-            </a:r>
-            <a:r>
-              <a:rPr lang="en-US" dirty="0"/>
-              <a:t>writing a Test First helps the design</a:t>
-            </a:r>
+            <a:endParaRPr lang="en-US" dirty="0" smtClean="0"/>
+          </a:p>
+          <a:p>
+            <a:pPr marL="0" indent="0">
+              <a:buNone/>
+            </a:pPr>
+            <a:r>
+              <a:rPr lang="en-US" i="1" dirty="0" smtClean="0"/>
+              <a:t>Significantly increase the flexibility of your system, allowing you to keep it clean.</a:t>
+            </a:r>
+          </a:p>
+          <a:p>
+            <a:pPr marL="0" indent="0">
+              <a:buNone/>
+            </a:pPr>
+            <a:endParaRPr lang="en-US" i="1" dirty="0" smtClean="0"/>
+          </a:p>
+          <a:p>
+            <a:pPr marL="0" indent="0">
+              <a:buNone/>
+            </a:pPr>
+            <a:r>
+              <a:rPr lang="en-US" i="1" dirty="0" smtClean="0"/>
+              <a:t>Create a system design that has extremely low coupling.</a:t>
+            </a:r>
+            <a:endParaRPr lang="en-US" dirty="0" smtClean="0"/>
+          </a:p>
+          <a:p>
+            <a:pPr marL="0" indent="0">
+              <a:buNone/>
+            </a:pPr>
+            <a:endParaRPr lang="en-US" i="1" dirty="0" smtClean="0"/>
+          </a:p>
+          <a:p>
+            <a:pPr marL="0" indent="0">
+              <a:buNone/>
+            </a:pPr>
+            <a:endParaRPr lang="en-US" dirty="0" smtClean="0"/>
+          </a:p>
+          <a:p>
+            <a:endParaRPr lang="en-GB" dirty="0"/>
           </a:p>
         </p:txBody>
       </p:sp>
@@ -7646,15 +7790,17 @@
         </p:txBody>
       </p:sp>
     </p:spTree>
-    <p:extLst>
-      <p:ext uri="{BB962C8B-B14F-4D97-AF65-F5344CB8AC3E}">
-        <p14:creationId xmlns:p14="http://schemas.microsoft.com/office/powerpoint/2010/main" val="1636541090"/>
-      </p:ext>
-    </p:extLst>
   </p:cSld>
   <p:clrMapOvr>
     <a:masterClrMapping/>
   </p:clrMapOvr>
+  <p:timing>
+    <p:tnLst>
+      <p:par>
+        <p:cTn id="1" dur="indefinite" restart="never" nodeType="tmRoot"/>
+      </p:par>
+    </p:tnLst>
+  </p:timing>
 </p:sld>
 </file>
 
@@ -7687,83 +7833,83 @@
         </p:nvSpPr>
         <p:spPr/>
         <p:txBody>
-          <a:bodyPr>
-            <a:normAutofit fontScale="90000"/>
-          </a:bodyPr>
-          <a:lstStyle/>
-          <a:p>
+          <a:bodyPr/>
+          <a:lstStyle/>
+          <a:p>
+            <a:endParaRPr lang="en-US"/>
+          </a:p>
+        </p:txBody>
+      </p:sp>
+      <p:sp>
+        <p:nvSpPr>
+          <p:cNvPr id="3" name="Content Placeholder 2"/>
+          <p:cNvSpPr>
+            <a:spLocks noGrp="1"/>
+          </p:cNvSpPr>
+          <p:nvPr>
+            <p:ph idx="1"/>
+          </p:nvPr>
+        </p:nvSpPr>
+        <p:spPr/>
+        <p:txBody>
+          <a:bodyPr/>
+          <a:lstStyle/>
+          <a:p>
+            <a:pPr marL="0" indent="0">
+              <a:buNone/>
+            </a:pPr>
+            <a:r>
+              <a:rPr lang="en-US" dirty="0" smtClean="0"/>
+              <a:t>	</a:t>
+            </a:r>
+          </a:p>
+          <a:p>
+            <a:pPr marL="0" indent="0">
+              <a:buNone/>
+            </a:pPr>
             <a:r>
               <a:rPr lang="en-US" dirty="0"/>
-              <a:t/>
-            </a:r>
-            <a:br>
+              <a:t>	</a:t>
+            </a:r>
+            <a:r>
+              <a:rPr lang="en-US" dirty="0" smtClean="0"/>
+              <a:t>How </a:t>
+            </a:r>
+            <a:r>
               <a:rPr lang="en-US" dirty="0"/>
-            </a:br>
-            <a:endParaRPr lang="en-US" dirty="0"/>
-          </a:p>
-        </p:txBody>
-      </p:sp>
-      <p:sp>
-        <p:nvSpPr>
-          <p:cNvPr id="3" name="Content Placeholder 2"/>
-          <p:cNvSpPr>
-            <a:spLocks noGrp="1"/>
-          </p:cNvSpPr>
-          <p:nvPr>
-            <p:ph idx="1"/>
-          </p:nvPr>
-        </p:nvSpPr>
-        <p:spPr/>
-        <p:txBody>
-          <a:bodyPr/>
-          <a:lstStyle/>
-          <a:p>
-            <a:pPr marL="0" indent="0">
-              <a:buNone/>
-            </a:pPr>
-            <a:r>
-              <a:rPr lang="en-US" dirty="0" smtClean="0"/>
-              <a:t>Starting </a:t>
-            </a:r>
-            <a:r>
-              <a:rPr lang="en-US" dirty="0"/>
-              <a:t>with a test means that we have to describe what we want to achieve before we consider how. </a:t>
-            </a:r>
-            <a:r>
-              <a:rPr lang="en-US" dirty="0" smtClean="0"/>
-              <a:t>This </a:t>
-            </a:r>
-            <a:r>
-              <a:rPr lang="en-US" dirty="0"/>
-              <a:t>focus helps us maintain the right level of abstraction for the target object. </a:t>
-            </a:r>
-            <a:endParaRPr lang="en-US" dirty="0" smtClean="0"/>
-          </a:p>
-          <a:p>
-            <a:pPr marL="0" indent="0">
-              <a:buNone/>
-            </a:pPr>
-            <a:endParaRPr lang="en-US" dirty="0" smtClean="0"/>
-          </a:p>
-          <a:p>
-            <a:pPr marL="0" indent="0">
-              <a:buNone/>
-            </a:pPr>
-            <a:r>
-              <a:rPr lang="en-US" dirty="0" smtClean="0"/>
-              <a:t>It </a:t>
-            </a:r>
-            <a:r>
-              <a:rPr lang="en-US" dirty="0"/>
-              <a:t>also helps us with information hiding as we have to decide what needs to be visible from outside the object. </a:t>
-            </a:r>
+              <a:t>writing a Test First helps the design</a:t>
+            </a:r>
+          </a:p>
+        </p:txBody>
+      </p:sp>
+      <p:sp>
+        <p:nvSpPr>
+          <p:cNvPr id="4" name="Slide Number Placeholder 3"/>
+          <p:cNvSpPr>
+            <a:spLocks noGrp="1"/>
+          </p:cNvSpPr>
+          <p:nvPr>
+            <p:ph type="sldNum" sz="quarter" idx="12"/>
+          </p:nvPr>
+        </p:nvSpPr>
+        <p:spPr/>
+        <p:txBody>
+          <a:bodyPr/>
+          <a:lstStyle/>
+          <a:p>
+            <a:fld id="{2387B7E2-7538-4163-9310-D5E6EE1BC12A}" type="slidenum">
+              <a:rPr lang="en-US" smtClean="0"/>
+              <a:pPr/>
+              <a:t>13</a:t>
+            </a:fld>
+            <a:endParaRPr lang="en-US"/>
           </a:p>
         </p:txBody>
       </p:sp>
     </p:spTree>
     <p:extLst>
       <p:ext uri="{BB962C8B-B14F-4D97-AF65-F5344CB8AC3E}">
-        <p14:creationId xmlns:p14="http://schemas.microsoft.com/office/powerpoint/2010/main" val="2870576730"/>
+        <p14:creationId xmlns:p14="http://schemas.microsoft.com/office/powerpoint/2010/main" val="1636541090"/>
       </p:ext>
     </p:extLst>
   </p:cSld>
@@ -7809,10 +7955,19 @@
         </p:nvSpPr>
         <p:spPr/>
         <p:txBody>
-          <a:bodyPr/>
-          <a:lstStyle/>
-          <a:p>
-            <a:endParaRPr lang="en-US"/>
+          <a:bodyPr>
+            <a:normAutofit fontScale="90000"/>
+          </a:bodyPr>
+          <a:lstStyle/>
+          <a:p>
+            <a:r>
+              <a:rPr lang="en-US" dirty="0"/>
+              <a:t/>
+            </a:r>
+            <a:br>
+              <a:rPr lang="en-US" dirty="0"/>
+            </a:br>
+            <a:endParaRPr lang="en-US" dirty="0"/>
           </a:p>
         </p:txBody>
       </p:sp>
@@ -7828,25 +7983,27 @@
         </p:nvSpPr>
         <p:spPr/>
         <p:txBody>
-          <a:bodyPr>
-            <a:normAutofit/>
-          </a:bodyPr>
+          <a:bodyPr/>
           <a:lstStyle/>
           <a:p>
             <a:pPr marL="0" indent="0">
               <a:buNone/>
             </a:pPr>
             <a:r>
+              <a:rPr lang="en-US" dirty="0" smtClean="0"/>
+              <a:t>Starting </a:t>
+            </a:r>
+            <a:r>
               <a:rPr lang="en-US" dirty="0"/>
-              <a:t>T</a:t>
+              <a:t>with a test means that we have to describe what we want to achieve before we consider how. </a:t>
             </a:r>
             <a:r>
               <a:rPr lang="en-US" dirty="0" smtClean="0"/>
-              <a:t>o </a:t>
+              <a:t>This </a:t>
             </a:r>
             <a:r>
               <a:rPr lang="en-US" dirty="0"/>
-              <a:t>keep unit tests understandable (and, so, maintainable), we have to limit their scope. </a:t>
+              <a:t>focus helps us maintain the right level of abstraction for the target object. </a:t>
             </a:r>
             <a:endParaRPr lang="en-US" dirty="0" smtClean="0"/>
           </a:p>
@@ -7862,37 +8019,19 @@
             </a:pPr>
             <a:r>
               <a:rPr lang="en-US" dirty="0" smtClean="0"/>
-              <a:t>Unit </a:t>
+              <a:t>It </a:t>
             </a:r>
             <a:r>
               <a:rPr lang="en-US" dirty="0"/>
-              <a:t>tests that are dozens of lines long, </a:t>
-            </a:r>
-            <a:r>
-              <a:rPr lang="en-US" dirty="0" smtClean="0"/>
-              <a:t>hiding the </a:t>
-            </a:r>
-            <a:r>
-              <a:rPr lang="en-US" dirty="0"/>
-              <a:t>point of the test somewhere in its setup. Such tests tell us that the component they’re testing is too large and needs breaking up into smaller components. </a:t>
-            </a:r>
-            <a:endParaRPr lang="en-US" dirty="0" smtClean="0"/>
-          </a:p>
-          <a:p>
-            <a:pPr marL="0" indent="0">
-              <a:buNone/>
-            </a:pPr>
-            <a:endParaRPr lang="en-US" dirty="0" smtClean="0"/>
-          </a:p>
-          <a:p>
-            <a:endParaRPr lang="en-US" dirty="0"/>
+              <a:t>also helps us with information hiding as we have to decide what needs to be visible from outside the object. </a:t>
+            </a:r>
           </a:p>
         </p:txBody>
       </p:sp>
     </p:spTree>
     <p:extLst>
       <p:ext uri="{BB962C8B-B14F-4D97-AF65-F5344CB8AC3E}">
-        <p14:creationId xmlns:p14="http://schemas.microsoft.com/office/powerpoint/2010/main" val="4068580765"/>
+        <p14:creationId xmlns:p14="http://schemas.microsoft.com/office/powerpoint/2010/main" val="2870576730"/>
       </p:ext>
     </p:extLst>
   </p:cSld>
@@ -7967,20 +8106,51 @@
             </a:pPr>
             <a:r>
               <a:rPr lang="en-US" dirty="0"/>
-              <a:t>To construct an object for a unit test, we have to pass its dependencies to </a:t>
+              <a:t>T</a:t>
             </a:r>
             <a:r>
               <a:rPr lang="en-US" dirty="0" smtClean="0"/>
-              <a:t>it which encourages </a:t>
+              <a:t>o </a:t>
             </a:r>
             <a:r>
               <a:rPr lang="en-US" dirty="0"/>
-              <a:t>context independence, since we have to be able to set up the target object’s environment before we can </a:t>
-            </a:r>
+              <a:t>keep unit tests understandable (and, so, maintainable), we have to limit their scope. </a:t>
+            </a:r>
+            <a:endParaRPr lang="en-US" dirty="0" smtClean="0"/>
+          </a:p>
+          <a:p>
+            <a:pPr marL="0" indent="0">
+              <a:buNone/>
+            </a:pPr>
+            <a:endParaRPr lang="en-US" dirty="0" smtClean="0"/>
+          </a:p>
+          <a:p>
+            <a:pPr marL="0" indent="0">
+              <a:buNone/>
+            </a:pPr>
             <a:r>
               <a:rPr lang="en-US" dirty="0" smtClean="0"/>
-              <a:t>unit-test. </a:t>
-            </a:r>
+              <a:t>Unit </a:t>
+            </a:r>
+            <a:r>
+              <a:rPr lang="en-US" dirty="0"/>
+              <a:t>tests that are dozens of lines long, </a:t>
+            </a:r>
+            <a:r>
+              <a:rPr lang="en-US" dirty="0" smtClean="0"/>
+              <a:t>hiding the </a:t>
+            </a:r>
+            <a:r>
+              <a:rPr lang="en-US" dirty="0"/>
+              <a:t>point of the test somewhere in its setup. Such tests tell us that the component they’re testing is too large and needs breaking up into smaller components. </a:t>
+            </a:r>
+            <a:endParaRPr lang="en-US" dirty="0" smtClean="0"/>
+          </a:p>
+          <a:p>
+            <a:pPr marL="0" indent="0">
+              <a:buNone/>
+            </a:pPr>
+            <a:endParaRPr lang="en-US" dirty="0" smtClean="0"/>
           </a:p>
           <a:p>
             <a:endParaRPr lang="en-US" dirty="0"/>
@@ -7990,7 +8160,7 @@
     </p:spTree>
     <p:extLst>
       <p:ext uri="{BB962C8B-B14F-4D97-AF65-F5344CB8AC3E}">
-        <p14:creationId xmlns:p14="http://schemas.microsoft.com/office/powerpoint/2010/main" val="1334679789"/>
+        <p14:creationId xmlns:p14="http://schemas.microsoft.com/office/powerpoint/2010/main" val="4068580765"/>
       </p:ext>
     </p:extLst>
   </p:cSld>
@@ -8039,91 +8209,58 @@
           <a:bodyPr/>
           <a:lstStyle/>
           <a:p>
+            <a:endParaRPr lang="en-US"/>
+          </a:p>
+        </p:txBody>
+      </p:sp>
+      <p:sp>
+        <p:nvSpPr>
+          <p:cNvPr id="3" name="Content Placeholder 2"/>
+          <p:cNvSpPr>
+            <a:spLocks noGrp="1"/>
+          </p:cNvSpPr>
+          <p:nvPr>
+            <p:ph idx="1"/>
+          </p:nvPr>
+        </p:nvSpPr>
+        <p:spPr/>
+        <p:txBody>
+          <a:bodyPr>
+            <a:normAutofit/>
+          </a:bodyPr>
+          <a:lstStyle/>
+          <a:p>
+            <a:pPr marL="0" indent="0">
+              <a:buNone/>
+            </a:pPr>
+            <a:r>
+              <a:rPr lang="en-US" dirty="0"/>
+              <a:t>To construct an object for a unit test, we have to pass its dependencies to </a:t>
+            </a:r>
             <a:r>
               <a:rPr lang="en-US" dirty="0" smtClean="0"/>
-              <a:t>Courage</a:t>
-            </a:r>
-            <a:endParaRPr lang="en-GB" dirty="0"/>
-          </a:p>
-        </p:txBody>
-      </p:sp>
-      <p:sp>
-        <p:nvSpPr>
-          <p:cNvPr id="3" name="Content Placeholder 2"/>
-          <p:cNvSpPr>
-            <a:spLocks noGrp="1"/>
-          </p:cNvSpPr>
-          <p:nvPr>
-            <p:ph idx="1"/>
-          </p:nvPr>
-        </p:nvSpPr>
-        <p:spPr/>
-        <p:txBody>
-          <a:bodyPr/>
-          <a:lstStyle/>
-          <a:p>
-            <a:pPr>
-              <a:buNone/>
-            </a:pPr>
+              <a:t>it which encourages </a:t>
+            </a:r>
+            <a:r>
+              <a:rPr lang="en-US" dirty="0"/>
+              <a:t>context independence, since we have to be able to set up the target object’s environment before we can </a:t>
+            </a:r>
             <a:r>
               <a:rPr lang="en-US" dirty="0" smtClean="0"/>
-              <a:t>   </a:t>
-            </a:r>
-          </a:p>
-          <a:p>
-            <a:endParaRPr lang="en-GB" dirty="0"/>
-          </a:p>
-        </p:txBody>
-      </p:sp>
-      <p:pic>
-        <p:nvPicPr>
-          <p:cNvPr id="5" name="Picture 4" descr="sumo-mismatch.jpg"/>
-          <p:cNvPicPr>
-            <a:picLocks noChangeAspect="1"/>
-          </p:cNvPicPr>
-          <p:nvPr/>
-        </p:nvPicPr>
-        <p:blipFill>
-          <a:blip r:embed="rId2" cstate="print"/>
-          <a:stretch>
-            <a:fillRect/>
-          </a:stretch>
-        </p:blipFill>
-        <p:spPr>
-          <a:xfrm>
-            <a:off x="0" y="1524000"/>
-            <a:ext cx="9144000" cy="5334000"/>
-          </a:xfrm>
-          <a:prstGeom prst="rect">
-            <a:avLst/>
-          </a:prstGeom>
-        </p:spPr>
-      </p:pic>
-      <p:sp>
-        <p:nvSpPr>
-          <p:cNvPr id="6" name="Slide Number Placeholder 5"/>
-          <p:cNvSpPr>
-            <a:spLocks noGrp="1"/>
-          </p:cNvSpPr>
-          <p:nvPr>
-            <p:ph type="sldNum" sz="quarter" idx="12"/>
-          </p:nvPr>
-        </p:nvSpPr>
-        <p:spPr/>
-        <p:txBody>
-          <a:bodyPr/>
-          <a:lstStyle/>
-          <a:p>
-            <a:fld id="{2387B7E2-7538-4163-9310-D5E6EE1BC12A}" type="slidenum">
-              <a:rPr lang="en-US" smtClean="0"/>
-              <a:pPr/>
-              <a:t>16</a:t>
-            </a:fld>
-            <a:endParaRPr lang="en-US"/>
+              <a:t>unit-test. </a:t>
+            </a:r>
+          </a:p>
+          <a:p>
+            <a:endParaRPr lang="en-US" dirty="0"/>
           </a:p>
         </p:txBody>
       </p:sp>
     </p:spTree>
+    <p:extLst>
+      <p:ext uri="{BB962C8B-B14F-4D97-AF65-F5344CB8AC3E}">
+        <p14:creationId xmlns:p14="http://schemas.microsoft.com/office/powerpoint/2010/main" val="1334679789"/>
+      </p:ext>
+    </p:extLst>
   </p:cSld>
   <p:clrMapOvr>
     <a:masterClrMapping/>
@@ -8157,6 +8294,29 @@
       </p:grpSpPr>
       <p:sp>
         <p:nvSpPr>
+          <p:cNvPr id="2" name="Title 1"/>
+          <p:cNvSpPr>
+            <a:spLocks noGrp="1"/>
+          </p:cNvSpPr>
+          <p:nvPr>
+            <p:ph type="title"/>
+          </p:nvPr>
+        </p:nvSpPr>
+        <p:spPr/>
+        <p:txBody>
+          <a:bodyPr/>
+          <a:lstStyle/>
+          <a:p>
+            <a:r>
+              <a:rPr lang="en-US" dirty="0" smtClean="0"/>
+              <a:t>Courage</a:t>
+            </a:r>
+            <a:endParaRPr lang="en-GB" dirty="0"/>
+          </a:p>
+        </p:txBody>
+      </p:sp>
+      <p:sp>
+        <p:nvSpPr>
           <p:cNvPr id="3" name="Content Placeholder 2"/>
           <p:cNvSpPr>
             <a:spLocks noGrp="1"/>
@@ -8177,32 +8337,39 @@
               <a:rPr lang="en-US" dirty="0" smtClean="0"/>
               <a:t>   </a:t>
             </a:r>
-            <a:r>
-              <a:rPr lang="en-US" i="1" dirty="0" smtClean="0"/>
-              <a:t>TDD enables to gain confidence in code over time . As test accumulate , we gain confidence in the behavior of the system.</a:t>
-            </a:r>
-          </a:p>
-          <a:p>
-            <a:pPr>
-              <a:buNone/>
-            </a:pPr>
-            <a:endParaRPr lang="en-US" i="1" dirty="0" smtClean="0"/>
-          </a:p>
-          <a:p>
-            <a:pPr>
-              <a:buNone/>
-            </a:pPr>
-            <a:r>
-              <a:rPr lang="en-GB" dirty="0" smtClean="0"/>
-              <a:t>	Fear of making change disappear</a:t>
-            </a:r>
-            <a:endParaRPr lang="en-GB" i="1" dirty="0"/>
-          </a:p>
-        </p:txBody>
-      </p:sp>
-      <p:sp>
-        <p:nvSpPr>
-          <p:cNvPr id="4" name="Slide Number Placeholder 3"/>
+          </a:p>
+          <a:p>
+            <a:endParaRPr lang="en-GB" dirty="0"/>
+          </a:p>
+        </p:txBody>
+      </p:sp>
+      <p:pic>
+        <p:nvPicPr>
+          <p:cNvPr id="5" name="Picture 4" descr="sumo-mismatch.jpg"/>
+          <p:cNvPicPr>
+            <a:picLocks noChangeAspect="1"/>
+          </p:cNvPicPr>
+          <p:nvPr/>
+        </p:nvPicPr>
+        <p:blipFill>
+          <a:blip r:embed="rId2" cstate="print"/>
+          <a:stretch>
+            <a:fillRect/>
+          </a:stretch>
+        </p:blipFill>
+        <p:spPr>
+          <a:xfrm>
+            <a:off x="0" y="1524000"/>
+            <a:ext cx="9144000" cy="5334000"/>
+          </a:xfrm>
+          <a:prstGeom prst="rect">
+            <a:avLst/>
+          </a:prstGeom>
+        </p:spPr>
+      </p:pic>
+      <p:sp>
+        <p:nvSpPr>
+          <p:cNvPr id="6" name="Slide Number Placeholder 5"/>
           <p:cNvSpPr>
             <a:spLocks noGrp="1"/>
           </p:cNvSpPr>
@@ -8258,25 +8425,6 @@
       </p:grpSpPr>
       <p:sp>
         <p:nvSpPr>
-          <p:cNvPr id="2" name="Title 1"/>
-          <p:cNvSpPr>
-            <a:spLocks noGrp="1"/>
-          </p:cNvSpPr>
-          <p:nvPr>
-            <p:ph type="title"/>
-          </p:nvPr>
-        </p:nvSpPr>
-        <p:spPr/>
-        <p:txBody>
-          <a:bodyPr/>
-          <a:lstStyle/>
-          <a:p>
-            <a:endParaRPr lang="en-US"/>
-          </a:p>
-        </p:txBody>
-      </p:sp>
-      <p:sp>
-        <p:nvSpPr>
           <p:cNvPr id="3" name="Content Placeholder 2"/>
           <p:cNvSpPr>
             <a:spLocks noGrp="1"/>
@@ -8287,98 +8435,36 @@
         </p:nvSpPr>
         <p:spPr/>
         <p:txBody>
-          <a:bodyPr>
-            <a:normAutofit fontScale="92500" lnSpcReduction="20000"/>
-          </a:bodyPr>
-          <a:lstStyle/>
-          <a:p>
-            <a:pPr marL="0" indent="0">
+          <a:bodyPr/>
+          <a:lstStyle/>
+          <a:p>
+            <a:pPr>
               <a:buNone/>
             </a:pPr>
             <a:r>
               <a:rPr lang="en-US" dirty="0" smtClean="0"/>
-              <a:t>If </a:t>
-            </a:r>
-            <a:r>
-              <a:rPr lang="en-US" dirty="0"/>
-              <a:t>we want to grow a </a:t>
-            </a:r>
-            <a:r>
-              <a:rPr lang="en-US" dirty="0" smtClean="0"/>
-              <a:t>system reliably </a:t>
-            </a:r>
-            <a:r>
-              <a:rPr lang="en-US" dirty="0"/>
-              <a:t>and to cope with the </a:t>
-            </a:r>
-            <a:r>
-              <a:rPr lang="en-US" i="1" dirty="0"/>
-              <a:t>unanticipated </a:t>
-            </a:r>
-            <a:r>
-              <a:rPr lang="en-US" dirty="0"/>
-              <a:t>changes that always happen. </a:t>
-            </a:r>
-            <a:r>
-              <a:rPr lang="en-US" dirty="0" smtClean="0"/>
-              <a:t>First, we </a:t>
-            </a:r>
-            <a:r>
-              <a:rPr lang="en-US" dirty="0"/>
-              <a:t>need constant testing to catch regression errors, so we can add new </a:t>
-            </a:r>
-            <a:r>
-              <a:rPr lang="en-US" dirty="0" smtClean="0"/>
-              <a:t>features without </a:t>
-            </a:r>
-            <a:r>
-              <a:rPr lang="en-US" dirty="0"/>
-              <a:t>breaking existing ones</a:t>
-            </a:r>
-            <a:r>
-              <a:rPr lang="en-US" dirty="0" smtClean="0"/>
-              <a:t>.</a:t>
-            </a:r>
-          </a:p>
-          <a:p>
-            <a:pPr marL="0" indent="0">
-              <a:buNone/>
-            </a:pPr>
-            <a:endParaRPr lang="en-US" dirty="0"/>
-          </a:p>
-          <a:p>
-            <a:pPr marL="0" indent="0">
-              <a:buNone/>
-            </a:pPr>
-            <a:r>
-              <a:rPr lang="en-US" dirty="0"/>
-              <a:t>For systems of any interesting size, </a:t>
-            </a:r>
-            <a:r>
-              <a:rPr lang="en-US" dirty="0" smtClean="0"/>
-              <a:t>frequent manual </a:t>
-            </a:r>
-            <a:r>
-              <a:rPr lang="en-US" dirty="0"/>
-              <a:t>testing is just impractical, so we must automate testing as much as </a:t>
-            </a:r>
-            <a:r>
-              <a:rPr lang="en-US" dirty="0" smtClean="0"/>
-              <a:t>we can </a:t>
-            </a:r>
-            <a:r>
-              <a:rPr lang="en-US" dirty="0"/>
-              <a:t>to reduce the costs of building, deploying, and modifying versions of the</a:t>
-            </a:r>
-          </a:p>
-          <a:p>
-            <a:pPr marL="0" indent="0">
-              <a:buNone/>
-            </a:pPr>
-            <a:r>
-              <a:rPr lang="en-US" dirty="0"/>
-              <a:t>system.</a:t>
-            </a:r>
+              <a:t>   </a:t>
+            </a:r>
+            <a:r>
+              <a:rPr lang="en-US" i="1" dirty="0" smtClean="0"/>
+              <a:t>TDD enables to gain confidence in code over time . As test accumulate , we gain confidence in the behavior of the system.</a:t>
+            </a:r>
+          </a:p>
+          <a:p>
+            <a:pPr>
+              <a:buNone/>
+            </a:pPr>
+            <a:endParaRPr lang="en-US" i="1" dirty="0" smtClean="0"/>
+          </a:p>
+          <a:p>
+            <a:pPr>
+              <a:buNone/>
+            </a:pPr>
+            <a:r>
+              <a:rPr lang="en-GB" dirty="0" smtClean="0"/>
+              <a:t>	Fear of making change disappear</a:t>
+            </a:r>
+            <a:endParaRPr lang="en-GB" i="1" dirty="0"/>
           </a:p>
         </p:txBody>
       </p:sp>
@@ -8407,11 +8493,6 @@
         </p:txBody>
       </p:sp>
     </p:spTree>
-    <p:extLst>
-      <p:ext uri="{BB962C8B-B14F-4D97-AF65-F5344CB8AC3E}">
-        <p14:creationId xmlns:p14="http://schemas.microsoft.com/office/powerpoint/2010/main" val="1138841844"/>
-      </p:ext>
-    </p:extLst>
   </p:cSld>
   <p:clrMapOvr>
     <a:masterClrMapping/>
@@ -8484,66 +8565,78 @@
             </a:pPr>
             <a:r>
               <a:rPr lang="en-US" dirty="0" smtClean="0"/>
-              <a:t>In some development groups</a:t>
+              <a:t>If </a:t>
             </a:r>
             <a:r>
               <a:rPr lang="en-US" dirty="0"/>
-              <a:t>, writing automated tests is seen as not “real” work compared to </a:t>
+              <a:t>we want to grow a </a:t>
             </a:r>
             <a:r>
               <a:rPr lang="en-US" dirty="0" smtClean="0"/>
-              <a:t>adding features</a:t>
+              <a:t>system reliably </a:t>
             </a:r>
             <a:r>
               <a:rPr lang="en-US" dirty="0"/>
-              <a:t>, and boring as well. Most people do not do as well as they should </a:t>
+              <a:t>and to cope with the </a:t>
+            </a:r>
+            <a:r>
+              <a:rPr lang="en-US" i="1" dirty="0"/>
+              <a:t>unanticipated </a:t>
+            </a:r>
+            <a:r>
+              <a:rPr lang="en-US" dirty="0"/>
+              <a:t>changes that always happen. </a:t>
             </a:r>
             <a:r>
               <a:rPr lang="en-US" dirty="0" smtClean="0"/>
-              <a:t>at work </a:t>
+              <a:t>First, we </a:t>
             </a:r>
             <a:r>
               <a:rPr lang="en-US" dirty="0"/>
-              <a:t>they find uninspiring.</a:t>
+              <a:t>need constant testing to catch regression errors, so we can add new </a:t>
+            </a:r>
+            <a:r>
+              <a:rPr lang="en-US" dirty="0" smtClean="0"/>
+              <a:t>features without </a:t>
+            </a:r>
+            <a:r>
+              <a:rPr lang="en-US" dirty="0"/>
+              <a:t>breaking existing ones</a:t>
+            </a:r>
+            <a:r>
+              <a:rPr lang="en-US" dirty="0" smtClean="0"/>
+              <a:t>.</a:t>
             </a:r>
           </a:p>
           <a:p>
             <a:pPr marL="0" indent="0">
               <a:buNone/>
             </a:pPr>
-            <a:endParaRPr lang="en-US" i="1" dirty="0" smtClean="0"/>
+            <a:endParaRPr lang="en-US" dirty="0"/>
           </a:p>
           <a:p>
             <a:pPr marL="0" indent="0">
               <a:buNone/>
             </a:pPr>
             <a:r>
-              <a:rPr lang="en-US" i="1" dirty="0" smtClean="0"/>
-              <a:t>Test-Driven </a:t>
-            </a:r>
-            <a:r>
-              <a:rPr lang="en-US" i="1" dirty="0"/>
-              <a:t>Development </a:t>
-            </a:r>
-            <a:r>
               <a:rPr lang="en-US" dirty="0"/>
-              <a:t>(TDD) turns this situation on its head. We </a:t>
+              <a:t>For systems of any interesting size, </a:t>
             </a:r>
             <a:r>
               <a:rPr lang="en-US" dirty="0" smtClean="0"/>
-              <a:t>write our </a:t>
+              <a:t>frequent manual </a:t>
             </a:r>
             <a:r>
               <a:rPr lang="en-US" dirty="0"/>
-              <a:t>tests </a:t>
-            </a:r>
-            <a:r>
-              <a:rPr lang="en-US" i="1" dirty="0"/>
-              <a:t>before </a:t>
+              <a:t>testing is just impractical, so we must automate testing as much as </a:t>
+            </a:r>
+            <a:r>
+              <a:rPr lang="en-US" dirty="0" smtClean="0"/>
+              <a:t>we can </a:t>
             </a:r>
             <a:r>
               <a:rPr lang="en-US" dirty="0"/>
-              <a:t>we write the code. Instead of just using testing to verify our work</a:t>
+              <a:t>to reduce the costs of building, deploying, and modifying versions of the</a:t>
             </a:r>
           </a:p>
           <a:p>
@@ -8552,55 +8645,7 @@
             </a:pPr>
             <a:r>
               <a:rPr lang="en-US" dirty="0"/>
-              <a:t>a</a:t>
-            </a:r>
-            <a:r>
-              <a:rPr lang="en-US" dirty="0" smtClean="0"/>
-              <a:t>fter </a:t>
-            </a:r>
-            <a:r>
-              <a:rPr lang="en-US" dirty="0"/>
-              <a:t>it’s done, TDD turns testing into a </a:t>
-            </a:r>
-            <a:r>
-              <a:rPr lang="en-US" i="1" dirty="0"/>
-              <a:t>design </a:t>
-            </a:r>
-            <a:r>
-              <a:rPr lang="en-US" dirty="0"/>
-              <a:t>activity</a:t>
-            </a:r>
-            <a:r>
-              <a:rPr lang="en-US" dirty="0" smtClean="0"/>
-              <a:t>. </a:t>
-            </a:r>
-            <a:r>
-              <a:rPr lang="en-US" dirty="0"/>
-              <a:t>U</a:t>
-            </a:r>
-            <a:r>
-              <a:rPr lang="en-US" dirty="0" smtClean="0"/>
-              <a:t>se </a:t>
-            </a:r>
-            <a:r>
-              <a:rPr lang="en-US" dirty="0"/>
-              <a:t>the tests to </a:t>
-            </a:r>
-            <a:r>
-              <a:rPr lang="en-US" dirty="0" smtClean="0"/>
-              <a:t>clarify our </a:t>
-            </a:r>
-            <a:r>
-              <a:rPr lang="en-US" dirty="0"/>
-              <a:t>ideas about </a:t>
-            </a:r>
-            <a:r>
-              <a:rPr lang="en-US" i="1" dirty="0"/>
-              <a:t>what </a:t>
-            </a:r>
-            <a:r>
-              <a:rPr lang="en-US" dirty="0"/>
-              <a:t>we want the code to do.</a:t>
+              <a:t>system.</a:t>
             </a:r>
           </a:p>
         </p:txBody>
@@ -8632,7 +8677,7 @@
     </p:spTree>
     <p:extLst>
       <p:ext uri="{BB962C8B-B14F-4D97-AF65-F5344CB8AC3E}">
-        <p14:creationId xmlns:p14="http://schemas.microsoft.com/office/powerpoint/2010/main" val="448485692"/>
+        <p14:creationId xmlns:p14="http://schemas.microsoft.com/office/powerpoint/2010/main" val="1138841844"/>
       </p:ext>
     </p:extLst>
   </p:cSld>
@@ -8792,8 +8837,19 @@
               <a:rPr lang="en-US" sz="2800" dirty="0" smtClean="0">
                 <a:latin typeface="+mj-lt"/>
               </a:rPr>
-              <a:t>Demo</a:t>
-            </a:r>
+              <a:t>Demo/</a:t>
+            </a:r>
+            <a:r>
+              <a:rPr lang="en-US" sz="2800" dirty="0"/>
+              <a:t>Hands </a:t>
+            </a:r>
+            <a:r>
+              <a:rPr lang="en-US" sz="2800" dirty="0" smtClean="0"/>
+              <a:t>On</a:t>
+            </a:r>
+            <a:endParaRPr lang="en-US" sz="2800" dirty="0" smtClean="0">
+              <a:latin typeface="+mj-lt"/>
+            </a:endParaRPr>
           </a:p>
           <a:p>
             <a:pPr algn="ctr"/>
@@ -8844,57 +8900,6 @@
                 <a:latin typeface="+mj-lt"/>
               </a:rPr>
               <a:t>Test Driven Development Principle</a:t>
-            </a:r>
-          </a:p>
-          <a:p>
-            <a:pPr algn="ctr"/>
-            <a:endParaRPr lang="en-US" dirty="0"/>
-          </a:p>
-        </p:txBody>
-      </p:sp>
-      <p:sp>
-        <p:nvSpPr>
-          <p:cNvPr id="8" name="Rectangle 7"/>
-          <p:cNvSpPr/>
-          <p:nvPr/>
-        </p:nvSpPr>
-        <p:spPr>
-          <a:xfrm>
-            <a:off x="0" y="5334000"/>
-            <a:ext cx="9144000" cy="762000"/>
-          </a:xfrm>
-          <a:prstGeom prst="rect">
-            <a:avLst/>
-          </a:prstGeom>
-          <a:ln>
-            <a:noFill/>
-          </a:ln>
-        </p:spPr>
-        <p:style>
-          <a:lnRef idx="2">
-            <a:schemeClr val="accent1">
-              <a:shade val="50000"/>
-            </a:schemeClr>
-          </a:lnRef>
-          <a:fillRef idx="1">
-            <a:schemeClr val="accent1"/>
-          </a:fillRef>
-          <a:effectRef idx="0">
-            <a:schemeClr val="accent1"/>
-          </a:effectRef>
-          <a:fontRef idx="minor">
-            <a:schemeClr val="lt1"/>
-          </a:fontRef>
-        </p:style>
-        <p:txBody>
-          <a:bodyPr rtlCol="0" anchor="ctr"/>
-          <a:lstStyle/>
-          <a:p>
-            <a:r>
-              <a:rPr lang="en-US" sz="2800" dirty="0" smtClean="0">
-                <a:latin typeface="+mj-lt"/>
-              </a:rPr>
-              <a:t>Hands On</a:t>
             </a:r>
           </a:p>
           <a:p>
@@ -9099,59 +9104,6 @@
                       </p:childTnLst>
                     </p:cTn>
                   </p:par>
-                  <p:par>
-                    <p:cTn id="18" fill="hold">
-                      <p:stCondLst>
-                        <p:cond delay="indefinite"/>
-                      </p:stCondLst>
-                      <p:childTnLst>
-                        <p:par>
-                          <p:cTn id="19" fill="hold">
-                            <p:stCondLst>
-                              <p:cond delay="0"/>
-                            </p:stCondLst>
-                            <p:childTnLst>
-                              <p:par>
-                                <p:cTn id="20" presetID="5" presetClass="entr" presetSubtype="10" fill="hold" grpId="0" nodeType="clickEffect">
-                                  <p:stCondLst>
-                                    <p:cond delay="0"/>
-                                  </p:stCondLst>
-                                  <p:childTnLst>
-                                    <p:set>
-                                      <p:cBhvr>
-                                        <p:cTn id="21" dur="1" fill="hold">
-                                          <p:stCondLst>
-                                            <p:cond delay="0"/>
-                                          </p:stCondLst>
-                                        </p:cTn>
-                                        <p:tgtEl>
-                                          <p:spTgt spid="8"/>
-                                        </p:tgtEl>
-                                        <p:attrNameLst>
-                                          <p:attrName>style.visibility</p:attrName>
-                                        </p:attrNameLst>
-                                      </p:cBhvr>
-                                      <p:to>
-                                        <p:strVal val="visible"/>
-                                      </p:to>
-                                    </p:set>
-                                    <p:animEffect transition="in" filter="checkerboard(across)">
-                                      <p:cBhvr>
-                                        <p:cTn id="22" dur="500"/>
-                                        <p:tgtEl>
-                                          <p:spTgt spid="8"/>
-                                        </p:tgtEl>
-                                      </p:cBhvr>
-                                    </p:animEffect>
-                                  </p:childTnLst>
-                                </p:cTn>
-                              </p:par>
-                            </p:childTnLst>
-                          </p:cTn>
-                        </p:par>
-                      </p:childTnLst>
-                    </p:cTn>
-                  </p:par>
                 </p:childTnLst>
               </p:cTn>
               <p:prevCondLst>
@@ -9177,7 +9129,6 @@
       <p:bldP spid="4" grpId="1" animBg="1"/>
       <p:bldP spid="5" grpId="0" animBg="1"/>
       <p:bldP spid="6" grpId="0" animBg="1"/>
-      <p:bldP spid="8" grpId="0" animBg="1"/>
     </p:bldLst>
   </p:timing>
 </p:sld>
@@ -9215,41 +9166,156 @@
           <a:bodyPr/>
           <a:lstStyle/>
           <a:p>
+            <a:endParaRPr lang="en-US"/>
+          </a:p>
+        </p:txBody>
+      </p:sp>
+      <p:sp>
+        <p:nvSpPr>
+          <p:cNvPr id="3" name="Content Placeholder 2"/>
+          <p:cNvSpPr>
+            <a:spLocks noGrp="1"/>
+          </p:cNvSpPr>
+          <p:nvPr>
+            <p:ph idx="1"/>
+          </p:nvPr>
+        </p:nvSpPr>
+        <p:spPr/>
+        <p:txBody>
+          <a:bodyPr>
+            <a:normAutofit fontScale="92500" lnSpcReduction="20000"/>
+          </a:bodyPr>
+          <a:lstStyle/>
+          <a:p>
+            <a:pPr marL="0" indent="0">
+              <a:buNone/>
+            </a:pPr>
             <a:r>
               <a:rPr lang="en-US" dirty="0" smtClean="0"/>
-              <a:t>Technical Debt</a:t>
-            </a:r>
-            <a:endParaRPr lang="en-US" dirty="0"/>
-          </a:p>
-        </p:txBody>
-      </p:sp>
-      <p:pic>
-        <p:nvPicPr>
-          <p:cNvPr id="4" name="Picture 3" descr="techdebt.jpg"/>
-          <p:cNvPicPr>
-            <a:picLocks noChangeAspect="1"/>
-          </p:cNvPicPr>
-          <p:nvPr/>
-        </p:nvPicPr>
-        <p:blipFill>
-          <a:blip r:embed="rId3"/>
-          <a:stretch>
-            <a:fillRect/>
-          </a:stretch>
-        </p:blipFill>
-        <p:spPr>
-          <a:xfrm>
-            <a:off x="0" y="1600201"/>
-            <a:ext cx="9144000" cy="5257800"/>
-          </a:xfrm>
-          <a:prstGeom prst="rect">
-            <a:avLst/>
-          </a:prstGeom>
-        </p:spPr>
-      </p:pic>
-      <p:sp>
-        <p:nvSpPr>
-          <p:cNvPr id="5" name="Slide Number Placeholder 4"/>
+              <a:t>In some development groups</a:t>
+            </a:r>
+            <a:r>
+              <a:rPr lang="en-US" dirty="0"/>
+              <a:t>, writing automated tests is seen as not “real” work compared to </a:t>
+            </a:r>
+            <a:r>
+              <a:rPr lang="en-US" dirty="0" smtClean="0"/>
+              <a:t>adding features</a:t>
+            </a:r>
+            <a:r>
+              <a:rPr lang="en-US" dirty="0"/>
+              <a:t>, and boring as well. Most people do not do as well as they should </a:t>
+            </a:r>
+            <a:r>
+              <a:rPr lang="en-US" dirty="0" smtClean="0"/>
+              <a:t>at work </a:t>
+            </a:r>
+            <a:r>
+              <a:rPr lang="en-US" dirty="0"/>
+              <a:t>they find uninspiring.</a:t>
+            </a:r>
+          </a:p>
+          <a:p>
+            <a:pPr marL="0" indent="0">
+              <a:buNone/>
+            </a:pPr>
+            <a:endParaRPr lang="en-US" i="1" dirty="0" smtClean="0"/>
+          </a:p>
+          <a:p>
+            <a:pPr marL="0" indent="0">
+              <a:buNone/>
+            </a:pPr>
+            <a:r>
+              <a:rPr lang="en-US" i="1" dirty="0" smtClean="0"/>
+              <a:t>Test-Driven </a:t>
+            </a:r>
+            <a:r>
+              <a:rPr lang="en-US" i="1" dirty="0"/>
+              <a:t>Development </a:t>
+            </a:r>
+            <a:r>
+              <a:rPr lang="en-US" dirty="0"/>
+              <a:t>(TDD) turns this situation on its head. We </a:t>
+            </a:r>
+            <a:r>
+              <a:rPr lang="en-US" dirty="0" smtClean="0"/>
+              <a:t>write our </a:t>
+            </a:r>
+            <a:r>
+              <a:rPr lang="en-US" dirty="0"/>
+              <a:t>tests </a:t>
+            </a:r>
+            <a:r>
+              <a:rPr lang="en-US" i="1" dirty="0"/>
+              <a:t>before </a:t>
+            </a:r>
+            <a:r>
+              <a:rPr lang="en-US" dirty="0"/>
+              <a:t>we write the code. Instead of just using testing to verify our work</a:t>
+            </a:r>
+          </a:p>
+          <a:p>
+            <a:pPr marL="0" indent="0">
+              <a:buNone/>
+            </a:pPr>
+            <a:r>
+              <a:rPr lang="en-US" dirty="0"/>
+              <a:t>a</a:t>
+            </a:r>
+            <a:r>
+              <a:rPr lang="en-US" dirty="0" smtClean="0"/>
+              <a:t>fter </a:t>
+            </a:r>
+            <a:r>
+              <a:rPr lang="en-US" dirty="0"/>
+              <a:t>it’s done, TDD turns testing into a </a:t>
+            </a:r>
+            <a:r>
+              <a:rPr lang="en-US" i="1" dirty="0"/>
+              <a:t>design </a:t>
+            </a:r>
+            <a:r>
+              <a:rPr lang="en-US" dirty="0"/>
+              <a:t>activity</a:t>
+            </a:r>
+            <a:r>
+              <a:rPr lang="en-US" dirty="0" smtClean="0"/>
+              <a:t>. </a:t>
+            </a:r>
+            <a:r>
+              <a:rPr lang="en-US" dirty="0"/>
+              <a:t>U</a:t>
+            </a:r>
+            <a:r>
+              <a:rPr lang="en-US" dirty="0" smtClean="0"/>
+              <a:t>se </a:t>
+            </a:r>
+            <a:r>
+              <a:rPr lang="en-US" dirty="0"/>
+              <a:t>the tests to </a:t>
+            </a:r>
+            <a:r>
+              <a:rPr lang="en-US" dirty="0" smtClean="0"/>
+              <a:t>clarify our </a:t>
+            </a:r>
+            <a:r>
+              <a:rPr lang="en-US" dirty="0"/>
+              <a:t>ideas about </a:t>
+            </a:r>
+            <a:r>
+              <a:rPr lang="en-US" i="1" dirty="0"/>
+              <a:t>what </a:t>
+            </a:r>
+            <a:r>
+              <a:rPr lang="en-US" dirty="0"/>
+              <a:t>we want the code to do.</a:t>
+            </a:r>
+          </a:p>
+        </p:txBody>
+      </p:sp>
+      <p:sp>
+        <p:nvSpPr>
+          <p:cNvPr id="4" name="Slide Number Placeholder 3"/>
           <p:cNvSpPr>
             <a:spLocks noGrp="1"/>
           </p:cNvSpPr>
@@ -9272,6 +9338,11 @@
         </p:txBody>
       </p:sp>
     </p:spTree>
+    <p:extLst>
+      <p:ext uri="{BB962C8B-B14F-4D97-AF65-F5344CB8AC3E}">
+        <p14:creationId xmlns:p14="http://schemas.microsoft.com/office/powerpoint/2010/main" val="448485692"/>
+      </p:ext>
+    </p:extLst>
   </p:cSld>
   <p:clrMapOvr>
     <a:masterClrMapping/>
@@ -9322,103 +9393,37 @@
               <a:rPr lang="en-US" dirty="0" smtClean="0"/>
               <a:t>Technical Debt</a:t>
             </a:r>
-            <a:endParaRPr lang="en-GB" dirty="0"/>
-          </a:p>
-        </p:txBody>
-      </p:sp>
-      <p:sp>
-        <p:nvSpPr>
-          <p:cNvPr id="3" name="Content Placeholder 2"/>
-          <p:cNvSpPr>
-            <a:spLocks noGrp="1"/>
-          </p:cNvSpPr>
-          <p:nvPr>
-            <p:ph idx="1"/>
-          </p:nvPr>
-        </p:nvSpPr>
-        <p:spPr/>
-        <p:txBody>
-          <a:bodyPr>
-            <a:normAutofit fontScale="77500" lnSpcReduction="20000"/>
-          </a:bodyPr>
-          <a:lstStyle/>
-          <a:p>
-            <a:pPr>
-              <a:buNone/>
-            </a:pPr>
-            <a:r>
-              <a:rPr lang="en-GB" dirty="0" smtClean="0"/>
-              <a:t>    Doing things the </a:t>
-            </a:r>
-            <a:r>
-              <a:rPr lang="en-GB" b="1" i="1" dirty="0" smtClean="0"/>
-              <a:t>quick and dirty </a:t>
-            </a:r>
-            <a:r>
-              <a:rPr lang="en-GB" dirty="0" smtClean="0"/>
-              <a:t>way sets us up with a technical debt, which is similar to a financial debt. </a:t>
-            </a:r>
-          </a:p>
-          <a:p>
-            <a:pPr>
-              <a:buNone/>
-            </a:pPr>
-            <a:endParaRPr lang="en-GB" dirty="0" smtClean="0"/>
-          </a:p>
-          <a:p>
-            <a:pPr>
-              <a:buNone/>
-            </a:pPr>
-            <a:r>
-              <a:rPr lang="en-GB" dirty="0" smtClean="0"/>
-              <a:t>	Like a financial debt, the technical debt incurs </a:t>
-            </a:r>
-            <a:r>
-              <a:rPr lang="en-GB" b="1" i="1" dirty="0" smtClean="0"/>
-              <a:t>interest</a:t>
-            </a:r>
-            <a:r>
-              <a:rPr lang="en-GB" dirty="0" smtClean="0"/>
-              <a:t> payments, which come in the form of the extra effort that we have to do in future development because of the </a:t>
-            </a:r>
-            <a:r>
-              <a:rPr lang="en-GB" b="1" i="1" dirty="0" smtClean="0"/>
-              <a:t>quick and dirty design choice</a:t>
-            </a:r>
-            <a:r>
-              <a:rPr lang="en-GB" dirty="0" smtClean="0"/>
-              <a:t>. </a:t>
-            </a:r>
-          </a:p>
-          <a:p>
-            <a:pPr>
-              <a:buNone/>
-            </a:pPr>
-            <a:endParaRPr lang="en-GB" dirty="0" smtClean="0"/>
-          </a:p>
-          <a:p>
-            <a:pPr>
-              <a:buNone/>
-            </a:pPr>
-            <a:r>
-              <a:rPr lang="en-GB" dirty="0" smtClean="0"/>
-              <a:t>	We can choose to continue paying the interest, or we can pay down the principal by </a:t>
-            </a:r>
-            <a:r>
-              <a:rPr lang="en-GB" b="1" i="1" dirty="0" smtClean="0"/>
-              <a:t>refactoring</a:t>
-            </a:r>
-            <a:r>
-              <a:rPr lang="en-GB" dirty="0" smtClean="0"/>
-              <a:t> the quick and dirty design into the better design. Although it costs to pay down the principal, we gain by reduced interest payments in the future.</a:t>
-            </a:r>
-            <a:endParaRPr lang="en-GB" dirty="0"/>
-          </a:p>
-        </p:txBody>
-      </p:sp>
-      <p:sp>
-        <p:nvSpPr>
-          <p:cNvPr id="4" name="Slide Number Placeholder 3"/>
+            <a:endParaRPr lang="en-US" dirty="0"/>
+          </a:p>
+        </p:txBody>
+      </p:sp>
+      <p:pic>
+        <p:nvPicPr>
+          <p:cNvPr id="4" name="Picture 3" descr="techdebt.jpg"/>
+          <p:cNvPicPr>
+            <a:picLocks noChangeAspect="1"/>
+          </p:cNvPicPr>
+          <p:nvPr/>
+        </p:nvPicPr>
+        <p:blipFill>
+          <a:blip r:embed="rId3"/>
+          <a:stretch>
+            <a:fillRect/>
+          </a:stretch>
+        </p:blipFill>
+        <p:spPr>
+          <a:xfrm>
+            <a:off x="0" y="1600201"/>
+            <a:ext cx="9144000" cy="5257800"/>
+          </a:xfrm>
+          <a:prstGeom prst="rect">
+            <a:avLst/>
+          </a:prstGeom>
+        </p:spPr>
+      </p:pic>
+      <p:sp>
+        <p:nvSpPr>
+          <p:cNvPr id="5" name="Slide Number Placeholder 4"/>
           <p:cNvSpPr>
             <a:spLocks noGrp="1"/>
           </p:cNvSpPr>
@@ -9488,10 +9493,100 @@
           <a:lstStyle/>
           <a:p>
             <a:r>
-              <a:rPr lang="en-US" b="1" dirty="0"/>
-              <a:t>External and Internal Quality</a:t>
-            </a:r>
-            <a:endParaRPr lang="en-US" dirty="0"/>
+              <a:rPr lang="en-US" dirty="0" smtClean="0"/>
+              <a:t>Technical Debt</a:t>
+            </a:r>
+            <a:endParaRPr lang="en-GB" dirty="0"/>
+          </a:p>
+        </p:txBody>
+      </p:sp>
+      <p:sp>
+        <p:nvSpPr>
+          <p:cNvPr id="3" name="Content Placeholder 2"/>
+          <p:cNvSpPr>
+            <a:spLocks noGrp="1"/>
+          </p:cNvSpPr>
+          <p:nvPr>
+            <p:ph idx="1"/>
+          </p:nvPr>
+        </p:nvSpPr>
+        <p:spPr/>
+        <p:txBody>
+          <a:bodyPr>
+            <a:normAutofit fontScale="77500" lnSpcReduction="20000"/>
+          </a:bodyPr>
+          <a:lstStyle/>
+          <a:p>
+            <a:pPr>
+              <a:buNone/>
+            </a:pPr>
+            <a:r>
+              <a:rPr lang="en-GB" dirty="0" smtClean="0"/>
+              <a:t>    Doing things the </a:t>
+            </a:r>
+            <a:r>
+              <a:rPr lang="en-GB" b="1" i="1" dirty="0" smtClean="0"/>
+              <a:t>quick and dirty </a:t>
+            </a:r>
+            <a:r>
+              <a:rPr lang="en-GB" dirty="0" smtClean="0"/>
+              <a:t>way sets us up with a technical debt, which is similar to a financial debt. </a:t>
+            </a:r>
+          </a:p>
+          <a:p>
+            <a:pPr>
+              <a:buNone/>
+            </a:pPr>
+            <a:endParaRPr lang="en-GB" dirty="0" smtClean="0"/>
+          </a:p>
+          <a:p>
+            <a:pPr>
+              <a:buNone/>
+            </a:pPr>
+            <a:r>
+              <a:rPr lang="en-GB" dirty="0" smtClean="0"/>
+              <a:t>	Like a financial debt, the technical debt incurs </a:t>
+            </a:r>
+            <a:r>
+              <a:rPr lang="en-GB" b="1" i="1" dirty="0" smtClean="0"/>
+              <a:t>interest</a:t>
+            </a:r>
+            <a:r>
+              <a:rPr lang="en-GB" dirty="0" smtClean="0"/>
+              <a:t> payments, which come in the form of the extra effort that we have to do in future development because of the </a:t>
+            </a:r>
+            <a:r>
+              <a:rPr lang="en-GB" b="1" i="1" dirty="0" smtClean="0"/>
+              <a:t>quick and dirty design choice</a:t>
+            </a:r>
+            <a:r>
+              <a:rPr lang="en-GB" dirty="0" smtClean="0"/>
+              <a:t>. </a:t>
+            </a:r>
+          </a:p>
+          <a:p>
+            <a:pPr>
+              <a:buNone/>
+            </a:pPr>
+            <a:endParaRPr lang="en-GB" dirty="0" smtClean="0"/>
+          </a:p>
+          <a:p>
+            <a:pPr>
+              <a:buNone/>
+            </a:pPr>
+            <a:r>
+              <a:rPr lang="en-GB" dirty="0" smtClean="0"/>
+              <a:t>	We can choose to continue paying the interest, or we can pay down the principal by </a:t>
+            </a:r>
+            <a:r>
+              <a:rPr lang="en-GB" b="1" i="1" dirty="0" smtClean="0"/>
+              <a:t>refactoring</a:t>
+            </a:r>
+            <a:r>
+              <a:rPr lang="en-GB" dirty="0" smtClean="0"/>
+              <a:t> the quick and dirty design into the better design. Although it costs to pay down the principal, we gain by reduced interest payments in the future.</a:t>
+            </a:r>
+            <a:endParaRPr lang="en-GB" dirty="0"/>
           </a:p>
         </p:txBody>
       </p:sp>
@@ -9514,6 +9609,206 @@
               <a:rPr lang="en-US" smtClean="0"/>
               <a:pPr/>
               <a:t>22</a:t>
+            </a:fld>
+            <a:endParaRPr lang="en-US"/>
+          </a:p>
+        </p:txBody>
+      </p:sp>
+    </p:spTree>
+  </p:cSld>
+  <p:clrMapOvr>
+    <a:masterClrMapping/>
+  </p:clrMapOvr>
+  <p:timing>
+    <p:tnLst>
+      <p:par>
+        <p:cTn id="1" dur="indefinite" restart="never" nodeType="tmRoot"/>
+      </p:par>
+    </p:tnLst>
+  </p:timing>
+</p:sld>
+</file>
+
+<file path=ppt/slides/slide23.xml><?xml version="1.0" encoding="utf-8"?>
+<p:sld xmlns:a="http://schemas.openxmlformats.org/drawingml/2006/main" xmlns:r="http://schemas.openxmlformats.org/officeDocument/2006/relationships" xmlns:p="http://schemas.openxmlformats.org/presentationml/2006/main">
+  <p:cSld>
+    <p:spTree>
+      <p:nvGrpSpPr>
+        <p:cNvPr id="1" name=""/>
+        <p:cNvGrpSpPr/>
+        <p:nvPr/>
+      </p:nvGrpSpPr>
+      <p:grpSpPr>
+        <a:xfrm>
+          <a:off x="0" y="0"/>
+          <a:ext cx="0" cy="0"/>
+          <a:chOff x="0" y="0"/>
+          <a:chExt cx="0" cy="0"/>
+        </a:xfrm>
+      </p:grpSpPr>
+      <p:sp>
+        <p:nvSpPr>
+          <p:cNvPr id="2" name="Title 1"/>
+          <p:cNvSpPr>
+            <a:spLocks noGrp="1"/>
+          </p:cNvSpPr>
+          <p:nvPr>
+            <p:ph type="title"/>
+          </p:nvPr>
+        </p:nvSpPr>
+        <p:spPr/>
+        <p:txBody>
+          <a:bodyPr/>
+          <a:lstStyle/>
+          <a:p>
+            <a:endParaRPr lang="en-US"/>
+          </a:p>
+        </p:txBody>
+      </p:sp>
+      <p:sp>
+        <p:nvSpPr>
+          <p:cNvPr id="4" name="Slide Number Placeholder 3"/>
+          <p:cNvSpPr>
+            <a:spLocks noGrp="1"/>
+          </p:cNvSpPr>
+          <p:nvPr>
+            <p:ph type="sldNum" sz="quarter" idx="12"/>
+          </p:nvPr>
+        </p:nvSpPr>
+        <p:spPr/>
+        <p:txBody>
+          <a:bodyPr/>
+          <a:lstStyle/>
+          <a:p>
+            <a:fld id="{2387B7E2-7538-4163-9310-D5E6EE1BC12A}" type="slidenum">
+              <a:rPr lang="en-US" smtClean="0"/>
+              <a:pPr/>
+              <a:t>23</a:t>
+            </a:fld>
+            <a:endParaRPr lang="en-US"/>
+          </a:p>
+        </p:txBody>
+      </p:sp>
+      <p:pic>
+        <p:nvPicPr>
+          <p:cNvPr id="1030" name="Picture 6" descr="https://blog.crisp.se/wp-content/uploads/2013/10/Screen-Shot-2013-10-11-at-17.33.441.png"/>
+          <p:cNvPicPr>
+            <a:picLocks noChangeAspect="1" noChangeArrowheads="1"/>
+          </p:cNvPicPr>
+          <p:nvPr/>
+        </p:nvPicPr>
+        <p:blipFill>
+          <a:blip r:embed="rId2">
+            <a:extLst>
+              <a:ext uri="{28A0092B-C50C-407E-A947-70E740481C1C}">
+                <a14:useLocalDpi xmlns:a14="http://schemas.microsoft.com/office/drawing/2010/main" val="0"/>
+              </a:ext>
+            </a:extLst>
+          </a:blip>
+          <a:srcRect/>
+          <a:stretch>
+            <a:fillRect/>
+          </a:stretch>
+        </p:blipFill>
+        <p:spPr bwMode="auto">
+          <a:xfrm>
+            <a:off x="1066799" y="2089818"/>
+            <a:ext cx="6553201" cy="3531788"/>
+          </a:xfrm>
+          <a:prstGeom prst="rect">
+            <a:avLst/>
+          </a:prstGeom>
+          <a:noFill/>
+          <a:extLst>
+            <a:ext uri="{909E8E84-426E-40DD-AFC4-6F175D3DCCD1}">
+              <a14:hiddenFill xmlns:a14="http://schemas.microsoft.com/office/drawing/2010/main">
+                <a:solidFill>
+                  <a:srgbClr val="FFFFFF"/>
+                </a:solidFill>
+              </a14:hiddenFill>
+            </a:ext>
+          </a:extLst>
+        </p:spPr>
+      </p:pic>
+    </p:spTree>
+    <p:extLst>
+      <p:ext uri="{BB962C8B-B14F-4D97-AF65-F5344CB8AC3E}">
+        <p14:creationId xmlns:p14="http://schemas.microsoft.com/office/powerpoint/2010/main" val="3490852983"/>
+      </p:ext>
+    </p:extLst>
+  </p:cSld>
+  <p:clrMapOvr>
+    <a:masterClrMapping/>
+  </p:clrMapOvr>
+  <p:timing>
+    <p:tnLst>
+      <p:par>
+        <p:cTn id="1" dur="indefinite" restart="never" nodeType="tmRoot"/>
+      </p:par>
+    </p:tnLst>
+  </p:timing>
+</p:sld>
+</file>
+
+<file path=ppt/slides/slide24.xml><?xml version="1.0" encoding="utf-8"?>
+<p:sld xmlns:a="http://schemas.openxmlformats.org/drawingml/2006/main" xmlns:r="http://schemas.openxmlformats.org/officeDocument/2006/relationships" xmlns:p="http://schemas.openxmlformats.org/presentationml/2006/main">
+  <p:cSld>
+    <p:spTree>
+      <p:nvGrpSpPr>
+        <p:cNvPr id="1" name=""/>
+        <p:cNvGrpSpPr/>
+        <p:nvPr/>
+      </p:nvGrpSpPr>
+      <p:grpSpPr>
+        <a:xfrm>
+          <a:off x="0" y="0"/>
+          <a:ext cx="0" cy="0"/>
+          <a:chOff x="0" y="0"/>
+          <a:chExt cx="0" cy="0"/>
+        </a:xfrm>
+      </p:grpSpPr>
+      <p:sp>
+        <p:nvSpPr>
+          <p:cNvPr id="2" name="Title 1"/>
+          <p:cNvSpPr>
+            <a:spLocks noGrp="1"/>
+          </p:cNvSpPr>
+          <p:nvPr>
+            <p:ph type="title"/>
+          </p:nvPr>
+        </p:nvSpPr>
+        <p:spPr/>
+        <p:txBody>
+          <a:bodyPr/>
+          <a:lstStyle/>
+          <a:p>
+            <a:r>
+              <a:rPr lang="en-US" b="1" dirty="0"/>
+              <a:t>External and Internal Quality</a:t>
+            </a:r>
+            <a:endParaRPr lang="en-US" dirty="0"/>
+          </a:p>
+        </p:txBody>
+      </p:sp>
+      <p:sp>
+        <p:nvSpPr>
+          <p:cNvPr id="4" name="Slide Number Placeholder 3"/>
+          <p:cNvSpPr>
+            <a:spLocks noGrp="1"/>
+          </p:cNvSpPr>
+          <p:nvPr>
+            <p:ph type="sldNum" sz="quarter" idx="12"/>
+          </p:nvPr>
+        </p:nvSpPr>
+        <p:spPr/>
+        <p:txBody>
+          <a:bodyPr/>
+          <a:lstStyle/>
+          <a:p>
+            <a:fld id="{2387B7E2-7538-4163-9310-D5E6EE1BC12A}" type="slidenum">
+              <a:rPr lang="en-US" smtClean="0"/>
+              <a:pPr/>
+              <a:t>24</a:t>
             </a:fld>
             <a:endParaRPr lang="en-US"/>
           </a:p>
@@ -9569,320 +9864,6 @@
 </p:sld>
 </file>
 
-<file path=ppt/slides/slide23.xml><?xml version="1.0" encoding="utf-8"?>
-<p:sld xmlns:a="http://schemas.openxmlformats.org/drawingml/2006/main" xmlns:r="http://schemas.openxmlformats.org/officeDocument/2006/relationships" xmlns:p="http://schemas.openxmlformats.org/presentationml/2006/main">
-  <p:cSld>
-    <p:spTree>
-      <p:nvGrpSpPr>
-        <p:cNvPr id="1" name=""/>
-        <p:cNvGrpSpPr/>
-        <p:nvPr/>
-      </p:nvGrpSpPr>
-      <p:grpSpPr>
-        <a:xfrm>
-          <a:off x="0" y="0"/>
-          <a:ext cx="0" cy="0"/>
-          <a:chOff x="0" y="0"/>
-          <a:chExt cx="0" cy="0"/>
-        </a:xfrm>
-      </p:grpSpPr>
-      <p:sp>
-        <p:nvSpPr>
-          <p:cNvPr id="2" name="Title 1"/>
-          <p:cNvSpPr>
-            <a:spLocks noGrp="1"/>
-          </p:cNvSpPr>
-          <p:nvPr>
-            <p:ph type="title"/>
-          </p:nvPr>
-        </p:nvSpPr>
-        <p:spPr/>
-        <p:txBody>
-          <a:bodyPr/>
-          <a:lstStyle/>
-          <a:p>
-            <a:endParaRPr lang="en-US" dirty="0"/>
-          </a:p>
-        </p:txBody>
-      </p:sp>
-      <p:sp>
-        <p:nvSpPr>
-          <p:cNvPr id="3" name="Content Placeholder 2"/>
-          <p:cNvSpPr>
-            <a:spLocks noGrp="1"/>
-          </p:cNvSpPr>
-          <p:nvPr>
-            <p:ph idx="1"/>
-          </p:nvPr>
-        </p:nvSpPr>
-        <p:spPr/>
-        <p:txBody>
-          <a:bodyPr>
-            <a:normAutofit/>
-          </a:bodyPr>
-          <a:lstStyle/>
-          <a:p>
-            <a:pPr marL="0" indent="0">
-              <a:buNone/>
-            </a:pPr>
-            <a:r>
-              <a:rPr lang="en-US" i="1" dirty="0" smtClean="0"/>
-              <a:t>External </a:t>
-            </a:r>
-            <a:r>
-              <a:rPr lang="en-US" dirty="0" smtClean="0"/>
-              <a:t>quality is </a:t>
-            </a:r>
-            <a:r>
-              <a:rPr lang="en-US" dirty="0"/>
-              <a:t>how well the system meets the needs of its customers and users (is it </a:t>
-            </a:r>
-            <a:r>
-              <a:rPr lang="en-US" dirty="0" smtClean="0"/>
-              <a:t>functional, reliable, </a:t>
-            </a:r>
-            <a:r>
-              <a:rPr lang="en-US" dirty="0"/>
-              <a:t>available, responsive, etc.), </a:t>
-            </a:r>
-          </a:p>
-          <a:p>
-            <a:pPr marL="0" indent="0">
-              <a:buNone/>
-            </a:pPr>
-            <a:endParaRPr lang="en-US" dirty="0" smtClean="0"/>
-          </a:p>
-          <a:p>
-            <a:pPr marL="0" indent="0">
-              <a:buNone/>
-            </a:pPr>
-            <a:r>
-              <a:rPr lang="en-US" i="1" dirty="0" smtClean="0"/>
-              <a:t>Internal </a:t>
-            </a:r>
-            <a:r>
-              <a:rPr lang="en-US" dirty="0"/>
-              <a:t>quality is how well it meets </a:t>
-            </a:r>
-            <a:r>
-              <a:rPr lang="en-US" dirty="0" smtClean="0"/>
-              <a:t>the needs </a:t>
-            </a:r>
-            <a:r>
-              <a:rPr lang="en-US" dirty="0"/>
-              <a:t>of its developers and administrators (is it easy to understand, easy to change</a:t>
-            </a:r>
-            <a:r>
-              <a:rPr lang="en-US" dirty="0" smtClean="0"/>
-              <a:t>, etc</a:t>
-            </a:r>
-            <a:r>
-              <a:rPr lang="en-US" dirty="0"/>
-              <a:t>.). </a:t>
-            </a:r>
-            <a:endParaRPr lang="en-US" dirty="0" smtClean="0"/>
-          </a:p>
-          <a:p>
-            <a:pPr marL="0" indent="0">
-              <a:buNone/>
-            </a:pPr>
-            <a:endParaRPr lang="en-US" dirty="0"/>
-          </a:p>
-        </p:txBody>
-      </p:sp>
-      <p:sp>
-        <p:nvSpPr>
-          <p:cNvPr id="4" name="Slide Number Placeholder 3"/>
-          <p:cNvSpPr>
-            <a:spLocks noGrp="1"/>
-          </p:cNvSpPr>
-          <p:nvPr>
-            <p:ph type="sldNum" sz="quarter" idx="12"/>
-          </p:nvPr>
-        </p:nvSpPr>
-        <p:spPr/>
-        <p:txBody>
-          <a:bodyPr/>
-          <a:lstStyle/>
-          <a:p>
-            <a:fld id="{2387B7E2-7538-4163-9310-D5E6EE1BC12A}" type="slidenum">
-              <a:rPr lang="en-US" smtClean="0"/>
-              <a:pPr/>
-              <a:t>23</a:t>
-            </a:fld>
-            <a:endParaRPr lang="en-US"/>
-          </a:p>
-        </p:txBody>
-      </p:sp>
-    </p:spTree>
-    <p:extLst>
-      <p:ext uri="{BB962C8B-B14F-4D97-AF65-F5344CB8AC3E}">
-        <p14:creationId xmlns:p14="http://schemas.microsoft.com/office/powerpoint/2010/main" val="2352629706"/>
-      </p:ext>
-    </p:extLst>
-  </p:cSld>
-  <p:clrMapOvr>
-    <a:masterClrMapping/>
-  </p:clrMapOvr>
-  <p:timing>
-    <p:tnLst>
-      <p:par>
-        <p:cTn id="1" dur="indefinite" restart="never" nodeType="tmRoot"/>
-      </p:par>
-    </p:tnLst>
-  </p:timing>
-</p:sld>
-</file>
-
-<file path=ppt/slides/slide24.xml><?xml version="1.0" encoding="utf-8"?>
-<p:sld xmlns:a="http://schemas.openxmlformats.org/drawingml/2006/main" xmlns:r="http://schemas.openxmlformats.org/officeDocument/2006/relationships" xmlns:p="http://schemas.openxmlformats.org/presentationml/2006/main">
-  <p:cSld>
-    <p:spTree>
-      <p:nvGrpSpPr>
-        <p:cNvPr id="1" name=""/>
-        <p:cNvGrpSpPr/>
-        <p:nvPr/>
-      </p:nvGrpSpPr>
-      <p:grpSpPr>
-        <a:xfrm>
-          <a:off x="0" y="0"/>
-          <a:ext cx="0" cy="0"/>
-          <a:chOff x="0" y="0"/>
-          <a:chExt cx="0" cy="0"/>
-        </a:xfrm>
-      </p:grpSpPr>
-      <p:sp>
-        <p:nvSpPr>
-          <p:cNvPr id="2" name="Title 1"/>
-          <p:cNvSpPr>
-            <a:spLocks noGrp="1"/>
-          </p:cNvSpPr>
-          <p:nvPr>
-            <p:ph type="title"/>
-          </p:nvPr>
-        </p:nvSpPr>
-        <p:spPr/>
-        <p:txBody>
-          <a:bodyPr/>
-          <a:lstStyle/>
-          <a:p>
-            <a:endParaRPr lang="en-US"/>
-          </a:p>
-        </p:txBody>
-      </p:sp>
-      <p:sp>
-        <p:nvSpPr>
-          <p:cNvPr id="3" name="Content Placeholder 2"/>
-          <p:cNvSpPr>
-            <a:spLocks noGrp="1"/>
-          </p:cNvSpPr>
-          <p:nvPr>
-            <p:ph idx="1"/>
-          </p:nvPr>
-        </p:nvSpPr>
-        <p:spPr/>
-        <p:txBody>
-          <a:bodyPr>
-            <a:normAutofit/>
-          </a:bodyPr>
-          <a:lstStyle/>
-          <a:p>
-            <a:pPr marL="0" indent="0">
-              <a:buNone/>
-            </a:pPr>
-            <a:r>
-              <a:rPr lang="en-US" dirty="0" smtClean="0"/>
-              <a:t>Maintaining </a:t>
-            </a:r>
-            <a:r>
-              <a:rPr lang="en-US" dirty="0"/>
-              <a:t>internal quality </a:t>
-            </a:r>
-            <a:r>
-              <a:rPr lang="en-US" dirty="0" smtClean="0"/>
-              <a:t>allow </a:t>
-            </a:r>
-            <a:r>
-              <a:rPr lang="en-US" dirty="0"/>
-              <a:t>us to modify the system’s behavior safely and predictably, because it minimizes the risk that a change will force major rework.</a:t>
-            </a:r>
-          </a:p>
-          <a:p>
-            <a:pPr marL="0" indent="0">
-              <a:buNone/>
-            </a:pPr>
-            <a:endParaRPr lang="en-US" dirty="0"/>
-          </a:p>
-          <a:p>
-            <a:pPr marL="0" indent="0">
-              <a:buNone/>
-            </a:pPr>
-            <a:r>
-              <a:rPr lang="en-US" i="1" dirty="0"/>
-              <a:t>Writing </a:t>
-            </a:r>
-            <a:r>
-              <a:rPr lang="en-US" dirty="0"/>
-              <a:t>unit tests gives us a lot of feedback about the quality of our code, and </a:t>
-            </a:r>
-            <a:r>
-              <a:rPr lang="en-US" i="1" dirty="0"/>
-              <a:t>running </a:t>
-            </a:r>
-            <a:r>
-              <a:rPr lang="en-US" dirty="0"/>
-              <a:t>them tells us that we haven’t broken any classes</a:t>
-            </a:r>
-          </a:p>
-          <a:p>
-            <a:endParaRPr lang="en-US" dirty="0"/>
-          </a:p>
-        </p:txBody>
-      </p:sp>
-      <p:sp>
-        <p:nvSpPr>
-          <p:cNvPr id="4" name="Slide Number Placeholder 3"/>
-          <p:cNvSpPr>
-            <a:spLocks noGrp="1"/>
-          </p:cNvSpPr>
-          <p:nvPr>
-            <p:ph type="sldNum" sz="quarter" idx="12"/>
-          </p:nvPr>
-        </p:nvSpPr>
-        <p:spPr/>
-        <p:txBody>
-          <a:bodyPr/>
-          <a:lstStyle/>
-          <a:p>
-            <a:fld id="{2387B7E2-7538-4163-9310-D5E6EE1BC12A}" type="slidenum">
-              <a:rPr lang="en-US" smtClean="0"/>
-              <a:pPr/>
-              <a:t>24</a:t>
-            </a:fld>
-            <a:endParaRPr lang="en-US"/>
-          </a:p>
-        </p:txBody>
-      </p:sp>
-    </p:spTree>
-    <p:extLst>
-      <p:ext uri="{BB962C8B-B14F-4D97-AF65-F5344CB8AC3E}">
-        <p14:creationId xmlns:p14="http://schemas.microsoft.com/office/powerpoint/2010/main" val="2860146260"/>
-      </p:ext>
-    </p:extLst>
-  </p:cSld>
-  <p:clrMapOvr>
-    <a:masterClrMapping/>
-  </p:clrMapOvr>
-  <p:timing>
-    <p:tnLst>
-      <p:par>
-        <p:cTn id="1" dur="indefinite" restart="never" nodeType="tmRoot"/>
-      </p:par>
-    </p:tnLst>
-  </p:timing>
-</p:sld>
-</file>
-
 <file path=ppt/slides/slide25.xml><?xml version="1.0" encoding="utf-8"?>
 <p:sld xmlns:a="http://schemas.openxmlformats.org/drawingml/2006/main" xmlns:r="http://schemas.openxmlformats.org/officeDocument/2006/relationships" xmlns:p="http://schemas.openxmlformats.org/presentationml/2006/main">
   <p:cSld>
@@ -9915,40 +9896,98 @@
           <a:bodyPr/>
           <a:lstStyle/>
           <a:p>
+            <a:endParaRPr lang="en-US" dirty="0"/>
+          </a:p>
+        </p:txBody>
+      </p:sp>
+      <p:sp>
+        <p:nvSpPr>
+          <p:cNvPr id="3" name="Content Placeholder 2"/>
+          <p:cNvSpPr>
+            <a:spLocks noGrp="1"/>
+          </p:cNvSpPr>
+          <p:nvPr>
+            <p:ph idx="1"/>
+          </p:nvPr>
+        </p:nvSpPr>
+        <p:spPr/>
+        <p:txBody>
+          <a:bodyPr>
+            <a:normAutofit/>
+          </a:bodyPr>
+          <a:lstStyle/>
+          <a:p>
+            <a:pPr marL="0" indent="0">
+              <a:buNone/>
+            </a:pPr>
+            <a:r>
+              <a:rPr lang="en-US" i="1" dirty="0" smtClean="0"/>
+              <a:t>External </a:t>
+            </a:r>
             <a:r>
               <a:rPr lang="en-US" dirty="0" smtClean="0"/>
-              <a:t>Documentation</a:t>
-            </a:r>
-            <a:endParaRPr lang="en-GB" dirty="0"/>
-          </a:p>
-        </p:txBody>
-      </p:sp>
-      <p:pic>
-        <p:nvPicPr>
-          <p:cNvPr id="4" name="Content Placeholder 3" descr="doc.jpg"/>
-          <p:cNvPicPr>
-            <a:picLocks noGrp="1" noChangeAspect="1"/>
-          </p:cNvPicPr>
-          <p:nvPr>
-            <p:ph idx="1"/>
-          </p:nvPr>
-        </p:nvPicPr>
-        <p:blipFill>
-          <a:blip r:embed="rId2" cstate="print"/>
-          <a:stretch>
-            <a:fillRect/>
-          </a:stretch>
-        </p:blipFill>
-        <p:spPr>
-          <a:xfrm>
-            <a:off x="1981200" y="1371600"/>
-            <a:ext cx="5943600" cy="5257800"/>
-          </a:xfrm>
-        </p:spPr>
-      </p:pic>
-      <p:sp>
-        <p:nvSpPr>
-          <p:cNvPr id="5" name="Slide Number Placeholder 4"/>
+              <a:t>quality is </a:t>
+            </a:r>
+            <a:r>
+              <a:rPr lang="en-US" dirty="0"/>
+              <a:t>how well the system meets the needs of its customers and users (is it </a:t>
+            </a:r>
+            <a:r>
+              <a:rPr lang="en-US" dirty="0" smtClean="0"/>
+              <a:t>functional, reliable, </a:t>
+            </a:r>
+            <a:r>
+              <a:rPr lang="en-US" dirty="0"/>
+              <a:t>available, responsive, etc.), </a:t>
+            </a:r>
+          </a:p>
+          <a:p>
+            <a:pPr marL="0" indent="0">
+              <a:buNone/>
+            </a:pPr>
+            <a:endParaRPr lang="en-US" dirty="0" smtClean="0"/>
+          </a:p>
+          <a:p>
+            <a:pPr marL="0" indent="0">
+              <a:buNone/>
+            </a:pPr>
+            <a:r>
+              <a:rPr lang="en-US" i="1" dirty="0" smtClean="0"/>
+              <a:t>Internal </a:t>
+            </a:r>
+            <a:r>
+              <a:rPr lang="en-US" dirty="0"/>
+              <a:t>quality is how well it meets </a:t>
+            </a:r>
+            <a:r>
+              <a:rPr lang="en-US" dirty="0" smtClean="0"/>
+              <a:t>the needs </a:t>
+            </a:r>
+            <a:r>
+              <a:rPr lang="en-US" dirty="0"/>
+              <a:t>of its developers and administrators (is it easy to understand, easy to change</a:t>
+            </a:r>
+            <a:r>
+              <a:rPr lang="en-US" dirty="0" smtClean="0"/>
+              <a:t>, etc</a:t>
+            </a:r>
+            <a:r>
+              <a:rPr lang="en-US" dirty="0"/>
+              <a:t>.). </a:t>
+            </a:r>
+            <a:endParaRPr lang="en-US" dirty="0" smtClean="0"/>
+          </a:p>
+          <a:p>
+            <a:pPr marL="0" indent="0">
+              <a:buNone/>
+            </a:pPr>
+            <a:endParaRPr lang="en-US" dirty="0"/>
+          </a:p>
+        </p:txBody>
+      </p:sp>
+      <p:sp>
+        <p:nvSpPr>
+          <p:cNvPr id="4" name="Slide Number Placeholder 3"/>
           <p:cNvSpPr>
             <a:spLocks noGrp="1"/>
           </p:cNvSpPr>
@@ -9971,6 +10010,11 @@
         </p:txBody>
       </p:sp>
     </p:spTree>
+    <p:extLst>
+      <p:ext uri="{BB962C8B-B14F-4D97-AF65-F5344CB8AC3E}">
+        <p14:creationId xmlns:p14="http://schemas.microsoft.com/office/powerpoint/2010/main" val="2352629706"/>
+      </p:ext>
+    </p:extLst>
   </p:cSld>
   <p:clrMapOvr>
     <a:masterClrMapping/>
@@ -10004,6 +10048,25 @@
       </p:grpSpPr>
       <p:sp>
         <p:nvSpPr>
+          <p:cNvPr id="2" name="Title 1"/>
+          <p:cNvSpPr>
+            <a:spLocks noGrp="1"/>
+          </p:cNvSpPr>
+          <p:nvPr>
+            <p:ph type="title"/>
+          </p:nvPr>
+        </p:nvSpPr>
+        <p:spPr/>
+        <p:txBody>
+          <a:bodyPr/>
+          <a:lstStyle/>
+          <a:p>
+            <a:endParaRPr lang="en-US"/>
+          </a:p>
+        </p:txBody>
+      </p:sp>
+      <p:sp>
+        <p:nvSpPr>
           <p:cNvPr id="3" name="Content Placeholder 2"/>
           <p:cNvSpPr>
             <a:spLocks noGrp="1"/>
@@ -10014,37 +10077,60 @@
         </p:nvSpPr>
         <p:spPr/>
         <p:txBody>
-          <a:bodyPr/>
-          <a:lstStyle/>
-          <a:p>
-            <a:pPr>
-              <a:buNone/>
-            </a:pPr>
-            <a:r>
-              <a:rPr lang="en-US" i="1" dirty="0" smtClean="0"/>
-              <a:t>   Create a suite of documents that fully describe the low level behavior of the system .</a:t>
-            </a:r>
-          </a:p>
-          <a:p>
-            <a:pPr>
-              <a:buNone/>
-            </a:pPr>
-            <a:r>
-              <a:rPr lang="en-US" i="1" dirty="0" smtClean="0"/>
-              <a:t>   </a:t>
-            </a:r>
-          </a:p>
-          <a:p>
-            <a:pPr>
-              <a:buNone/>
-            </a:pPr>
-            <a:r>
-              <a:rPr lang="en-US" i="1" dirty="0" smtClean="0"/>
-              <a:t>    Low level documentation that  executes</a:t>
-            </a:r>
-          </a:p>
-          <a:p>
-            <a:endParaRPr lang="en-GB" dirty="0"/>
+          <a:bodyPr>
+            <a:normAutofit/>
+          </a:bodyPr>
+          <a:lstStyle/>
+          <a:p>
+            <a:pPr marL="0" indent="0">
+              <a:buNone/>
+            </a:pPr>
+            <a:r>
+              <a:rPr lang="en-US" dirty="0" smtClean="0"/>
+              <a:t>Maintaining </a:t>
+            </a:r>
+            <a:r>
+              <a:rPr lang="en-US" dirty="0"/>
+              <a:t>internal quality </a:t>
+            </a:r>
+            <a:r>
+              <a:rPr lang="en-US" dirty="0" smtClean="0"/>
+              <a:t>allow </a:t>
+            </a:r>
+            <a:r>
+              <a:rPr lang="en-US" dirty="0"/>
+              <a:t>us to modify the system’s behavior safely and predictably, because it minimizes the risk that a change will force major rework.</a:t>
+            </a:r>
+          </a:p>
+          <a:p>
+            <a:pPr marL="0" indent="0">
+              <a:buNone/>
+            </a:pPr>
+            <a:endParaRPr lang="en-US" dirty="0"/>
+          </a:p>
+          <a:p>
+            <a:pPr marL="0" indent="0">
+              <a:buNone/>
+            </a:pPr>
+            <a:r>
+              <a:rPr lang="en-US" i="1" dirty="0"/>
+              <a:t>Writing </a:t>
+            </a:r>
+            <a:r>
+              <a:rPr lang="en-US" dirty="0"/>
+              <a:t>unit tests gives us a lot of feedback about the quality of our code, and </a:t>
+            </a:r>
+            <a:r>
+              <a:rPr lang="en-US" i="1" dirty="0"/>
+              <a:t>running </a:t>
+            </a:r>
+            <a:r>
+              <a:rPr lang="en-US" dirty="0"/>
+              <a:t>them tells us that we haven’t broken any classes</a:t>
+            </a:r>
+          </a:p>
+          <a:p>
+            <a:endParaRPr lang="en-US" dirty="0"/>
           </a:p>
         </p:txBody>
       </p:sp>
@@ -10073,6 +10159,11 @@
         </p:txBody>
       </p:sp>
     </p:spTree>
+    <p:extLst>
+      <p:ext uri="{BB962C8B-B14F-4D97-AF65-F5344CB8AC3E}">
+        <p14:creationId xmlns:p14="http://schemas.microsoft.com/office/powerpoint/2010/main" val="2860146260"/>
+      </p:ext>
+    </p:extLst>
   </p:cSld>
   <p:clrMapOvr>
     <a:masterClrMapping/>
@@ -10121,34 +10212,33 @@
           <a:p>
             <a:r>
               <a:rPr lang="en-US" dirty="0" smtClean="0"/>
-              <a:t>Continuous Integration</a:t>
-            </a:r>
-            <a:endParaRPr lang="en-US" dirty="0"/>
+              <a:t>Documentation</a:t>
+            </a:r>
+            <a:endParaRPr lang="en-GB" dirty="0"/>
           </a:p>
         </p:txBody>
       </p:sp>
       <p:pic>
         <p:nvPicPr>
-          <p:cNvPr id="4" name="Picture 3" descr="continuous_integration.jpg"/>
+          <p:cNvPr id="4" name="Content Placeholder 3" descr="doc.jpg"/>
           <p:cNvPicPr>
-            <a:picLocks noChangeAspect="1"/>
+            <a:picLocks noGrp="1" noChangeAspect="1"/>
           </p:cNvPicPr>
-          <p:nvPr/>
+          <p:nvPr>
+            <p:ph idx="1"/>
+          </p:nvPr>
         </p:nvPicPr>
         <p:blipFill>
-          <a:blip r:embed="rId2"/>
+          <a:blip r:embed="rId2" cstate="print"/>
           <a:stretch>
             <a:fillRect/>
           </a:stretch>
         </p:blipFill>
         <p:spPr>
           <a:xfrm>
-            <a:off x="304800" y="1524001"/>
-            <a:ext cx="8458200" cy="4953000"/>
+            <a:off x="1981200" y="1371600"/>
+            <a:ext cx="5943600" cy="5257800"/>
           </a:xfrm>
-          <a:prstGeom prst="rect">
-            <a:avLst/>
-          </a:prstGeom>
         </p:spPr>
       </p:pic>
       <p:sp>
@@ -10209,25 +10299,6 @@
       </p:grpSpPr>
       <p:sp>
         <p:nvSpPr>
-          <p:cNvPr id="2" name="Title 1"/>
-          <p:cNvSpPr>
-            <a:spLocks noGrp="1"/>
-          </p:cNvSpPr>
-          <p:nvPr>
-            <p:ph type="title"/>
-          </p:nvPr>
-        </p:nvSpPr>
-        <p:spPr/>
-        <p:txBody>
-          <a:bodyPr/>
-          <a:lstStyle/>
-          <a:p>
-            <a:endParaRPr lang="en-US"/>
-          </a:p>
-        </p:txBody>
-      </p:sp>
-      <p:sp>
-        <p:nvSpPr>
           <p:cNvPr id="3" name="Content Placeholder 2"/>
           <p:cNvSpPr>
             <a:spLocks noGrp="1"/>
@@ -10238,9 +10309,7 @@
         </p:nvSpPr>
         <p:spPr/>
         <p:txBody>
-          <a:bodyPr>
-            <a:normAutofit fontScale="92500" lnSpcReduction="20000"/>
-          </a:bodyPr>
+          <a:bodyPr/>
           <a:lstStyle/>
           <a:p>
             <a:pPr>
@@ -10248,7 +10317,7 @@
             </a:pPr>
             <a:r>
               <a:rPr lang="en-US" i="1" dirty="0" smtClean="0"/>
-              <a:t>	Continuous Integration is a software development practice where members of a team integrate their work frequently</a:t>
+              <a:t>   Create a suite of documents that fully describe the low level behavior of the system .</a:t>
             </a:r>
           </a:p>
           <a:p>
@@ -10257,7 +10326,7 @@
             </a:pPr>
             <a:r>
               <a:rPr lang="en-US" i="1" dirty="0" smtClean="0"/>
-              <a:t>	</a:t>
+              <a:t>   </a:t>
             </a:r>
           </a:p>
           <a:p>
@@ -10266,27 +10335,11 @@
             </a:pPr>
             <a:r>
               <a:rPr lang="en-US" i="1" dirty="0" smtClean="0"/>
-              <a:t>	each person integrates at least daily - leading to multiple integrations per day. </a:t>
-            </a:r>
-          </a:p>
-          <a:p>
-            <a:pPr>
-              <a:buNone/>
-            </a:pPr>
-            <a:r>
-              <a:rPr lang="en-US" i="1" dirty="0" smtClean="0"/>
-              <a:t>	</a:t>
-            </a:r>
-          </a:p>
-          <a:p>
-            <a:pPr>
-              <a:buNone/>
-            </a:pPr>
-            <a:r>
-              <a:rPr lang="en-US" i="1" dirty="0" smtClean="0"/>
-              <a:t>	Each integration is verified by an automated build (including test) to detect integration errors as quickly as possible. 	</a:t>
-            </a:r>
-            <a:endParaRPr lang="en-US" dirty="0"/>
+              <a:t>    Low level documentation that  executes</a:t>
+            </a:r>
+          </a:p>
+          <a:p>
+            <a:endParaRPr lang="en-GB" dirty="0"/>
           </a:p>
         </p:txBody>
       </p:sp>
@@ -10356,45 +10409,41 @@
             <p:ph type="title"/>
           </p:nvPr>
         </p:nvSpPr>
-        <p:spPr>
-          <a:xfrm>
-            <a:off x="304800" y="0"/>
-            <a:ext cx="8229600" cy="914400"/>
-          </a:xfrm>
-        </p:spPr>
+        <p:spPr/>
         <p:txBody>
           <a:bodyPr/>
           <a:lstStyle/>
           <a:p>
             <a:r>
               <a:rPr lang="en-US" dirty="0" smtClean="0"/>
-              <a:t>Continuous Delivery</a:t>
-            </a:r>
-            <a:endParaRPr lang="en-GB" dirty="0"/>
+              <a:t>Continuous Integration</a:t>
+            </a:r>
+            <a:endParaRPr lang="en-US" dirty="0"/>
           </a:p>
         </p:txBody>
       </p:sp>
       <p:pic>
         <p:nvPicPr>
-          <p:cNvPr id="4" name="Content Placeholder 3" descr="continousdel1.jpg"/>
+          <p:cNvPr id="4" name="Picture 3" descr="continuous_integration.jpg"/>
           <p:cNvPicPr>
-            <a:picLocks noGrp="1" noChangeAspect="1"/>
+            <a:picLocks noChangeAspect="1"/>
           </p:cNvPicPr>
-          <p:nvPr>
-            <p:ph idx="1"/>
-          </p:nvPr>
+          <p:nvPr/>
         </p:nvPicPr>
         <p:blipFill>
-          <a:blip r:embed="rId2" cstate="print"/>
+          <a:blip r:embed="rId2"/>
           <a:stretch>
             <a:fillRect/>
           </a:stretch>
         </p:blipFill>
         <p:spPr>
           <a:xfrm>
-            <a:off x="0" y="1158240"/>
-            <a:ext cx="9144000" cy="5715000"/>
+            <a:off x="304800" y="1524001"/>
+            <a:ext cx="8458200" cy="4953000"/>
           </a:xfrm>
+          <a:prstGeom prst="rect">
+            <a:avLst/>
+          </a:prstGeom>
         </p:spPr>
       </p:pic>
       <p:sp>
@@ -10604,11 +10653,7 @@
           <a:bodyPr/>
           <a:lstStyle/>
           <a:p>
-            <a:r>
-              <a:rPr lang="en-US" dirty="0" smtClean="0"/>
-              <a:t>What is continuous delivery ? </a:t>
-            </a:r>
-            <a:endParaRPr lang="en-GB" dirty="0"/>
+            <a:endParaRPr lang="en-US"/>
           </a:p>
         </p:txBody>
       </p:sp>
@@ -10624,18 +10669,17 @@
         </p:nvSpPr>
         <p:spPr/>
         <p:txBody>
-          <a:bodyPr/>
-          <a:lstStyle/>
-          <a:p>
-            <a:endParaRPr lang="en-US" dirty="0" smtClean="0"/>
-          </a:p>
+          <a:bodyPr>
+            <a:normAutofit fontScale="92500" lnSpcReduction="20000"/>
+          </a:bodyPr>
+          <a:lstStyle/>
           <a:p>
             <a:pPr>
               <a:buNone/>
             </a:pPr>
             <a:r>
-              <a:rPr lang="en-US" dirty="0" smtClean="0"/>
-              <a:t>   </a:t>
+              <a:rPr lang="en-US" i="1" dirty="0" smtClean="0"/>
+              <a:t>	Continuous Integration is a software development practice where members of a team integrate their work frequently</a:t>
             </a:r>
           </a:p>
           <a:p>
@@ -10643,40 +10687,8 @@
               <a:buNone/>
             </a:pPr>
             <a:r>
-              <a:rPr lang="en-US" dirty="0" smtClean="0"/>
-              <a:t>   </a:t>
-            </a:r>
-            <a:r>
-              <a:rPr lang="en-US" b="1" dirty="0" smtClean="0"/>
-              <a:t>reduce</a:t>
-            </a:r>
-            <a:r>
-              <a:rPr lang="en-US" dirty="0" smtClean="0"/>
-              <a:t> the </a:t>
-            </a:r>
-            <a:r>
-              <a:rPr lang="en-US" b="1" dirty="0" smtClean="0"/>
-              <a:t>cost</a:t>
-            </a:r>
-            <a:r>
-              <a:rPr lang="en-US" dirty="0" smtClean="0"/>
-              <a:t> , </a:t>
-            </a:r>
-            <a:r>
-              <a:rPr lang="en-US" b="1" dirty="0" smtClean="0"/>
-              <a:t>time</a:t>
-            </a:r>
-            <a:r>
-              <a:rPr lang="en-US" dirty="0" smtClean="0"/>
-              <a:t> , </a:t>
-            </a:r>
-            <a:r>
-              <a:rPr lang="en-US" b="1" dirty="0" smtClean="0"/>
-              <a:t>and risk </a:t>
-            </a:r>
-            <a:r>
-              <a:rPr lang="en-US" dirty="0" smtClean="0"/>
-              <a:t>of </a:t>
+              <a:rPr lang="en-US" i="1" dirty="0" smtClean="0"/>
+              <a:t>	</a:t>
             </a:r>
           </a:p>
           <a:p>
@@ -10684,12 +10696,8 @@
               <a:buNone/>
             </a:pPr>
             <a:r>
-              <a:rPr lang="en-US" dirty="0" smtClean="0"/>
-              <a:t>   delivering </a:t>
-            </a:r>
-            <a:r>
-              <a:rPr lang="en-US" b="1" dirty="0" smtClean="0"/>
-              <a:t>incremental changes </a:t>
+              <a:rPr lang="en-US" i="1" dirty="0" smtClean="0"/>
+              <a:t>	each person integrates at least daily - leading to multiple integrations per day. </a:t>
             </a:r>
           </a:p>
           <a:p>
@@ -10697,12 +10705,8 @@
               <a:buNone/>
             </a:pPr>
             <a:r>
-              <a:rPr lang="en-US" b="1" dirty="0" smtClean="0"/>
-              <a:t>   </a:t>
-            </a:r>
-            <a:r>
-              <a:rPr lang="en-US" dirty="0" smtClean="0"/>
-              <a:t>to users</a:t>
+              <a:rPr lang="en-US" i="1" dirty="0" smtClean="0"/>
+              <a:t>	</a:t>
             </a:r>
           </a:p>
           <a:p>
@@ -10710,19 +10714,10 @@
               <a:buNone/>
             </a:pPr>
             <a:r>
-              <a:rPr lang="en-US" dirty="0" smtClean="0"/>
-              <a:t>	</a:t>
-            </a:r>
-          </a:p>
-          <a:p>
-            <a:pPr>
-              <a:buNone/>
-            </a:pPr>
-            <a:r>
-              <a:rPr lang="en-US" dirty="0" smtClean="0"/>
-              <a:t>	every requirement is a hypothesis</a:t>
-            </a:r>
-            <a:endParaRPr lang="en-GB" dirty="0"/>
+              <a:rPr lang="en-US" i="1" dirty="0" smtClean="0"/>
+              <a:t>	Each integration is verified by an automated build (including test) to detect integration errors as quickly as possible. 	</a:t>
+            </a:r>
+            <a:endParaRPr lang="en-US" dirty="0"/>
           </a:p>
         </p:txBody>
       </p:sp>
@@ -10792,64 +10787,50 @@
             <p:ph type="title"/>
           </p:nvPr>
         </p:nvSpPr>
-        <p:spPr/>
-        <p:txBody>
-          <a:bodyPr/>
-          <a:lstStyle/>
-          <a:p>
-            <a:endParaRPr lang="en-US"/>
-          </a:p>
-        </p:txBody>
-      </p:sp>
-      <p:sp>
-        <p:nvSpPr>
-          <p:cNvPr id="3" name="Content Placeholder 2"/>
-          <p:cNvSpPr>
-            <a:spLocks noGrp="1"/>
-          </p:cNvSpPr>
+        <p:spPr>
+          <a:xfrm>
+            <a:off x="304800" y="0"/>
+            <a:ext cx="8229600" cy="914400"/>
+          </a:xfrm>
+        </p:spPr>
+        <p:txBody>
+          <a:bodyPr/>
+          <a:lstStyle/>
+          <a:p>
+            <a:r>
+              <a:rPr lang="en-US" dirty="0" smtClean="0"/>
+              <a:t>Continuous Delivery</a:t>
+            </a:r>
+            <a:endParaRPr lang="en-GB" dirty="0"/>
+          </a:p>
+        </p:txBody>
+      </p:sp>
+      <p:pic>
+        <p:nvPicPr>
+          <p:cNvPr id="4" name="Content Placeholder 3" descr="continousdel1.jpg"/>
+          <p:cNvPicPr>
+            <a:picLocks noGrp="1" noChangeAspect="1"/>
+          </p:cNvPicPr>
           <p:nvPr>
             <p:ph idx="1"/>
           </p:nvPr>
-        </p:nvSpPr>
-        <p:spPr/>
-        <p:txBody>
-          <a:bodyPr/>
-          <a:lstStyle/>
-          <a:p>
-            <a:r>
-              <a:rPr lang="en-US" dirty="0" smtClean="0"/>
-              <a:t>Software always production ready</a:t>
-            </a:r>
-          </a:p>
-          <a:p>
-            <a:pPr lvl="1"/>
-            <a:r>
-              <a:rPr lang="en-US" dirty="0" smtClean="0"/>
-              <a:t> release tied to business needs , not IT constraints</a:t>
-            </a:r>
-          </a:p>
-          <a:p>
-            <a:endParaRPr lang="en-US" dirty="0" smtClean="0"/>
-          </a:p>
-          <a:p>
-            <a:r>
-              <a:rPr lang="en-US" dirty="0" smtClean="0"/>
-              <a:t>Minimize the lead time from idea to live</a:t>
-            </a:r>
-          </a:p>
-          <a:p>
-            <a:pPr lvl="1"/>
-            <a:r>
-              <a:rPr lang="en-US" dirty="0" smtClean="0"/>
-              <a:t>Concept to cash</a:t>
-            </a:r>
-            <a:endParaRPr lang="en-US" dirty="0"/>
-          </a:p>
-        </p:txBody>
-      </p:sp>
-      <p:sp>
-        <p:nvSpPr>
-          <p:cNvPr id="4" name="Slide Number Placeholder 3"/>
+        </p:nvPicPr>
+        <p:blipFill>
+          <a:blip r:embed="rId2" cstate="print"/>
+          <a:stretch>
+            <a:fillRect/>
+          </a:stretch>
+        </p:blipFill>
+        <p:spPr>
+          <a:xfrm>
+            <a:off x="0" y="1158240"/>
+            <a:ext cx="9144000" cy="5715000"/>
+          </a:xfrm>
+        </p:spPr>
+      </p:pic>
+      <p:sp>
+        <p:nvSpPr>
+          <p:cNvPr id="5" name="Slide Number Placeholder 4"/>
           <p:cNvSpPr>
             <a:spLocks noGrp="1"/>
           </p:cNvSpPr>
@@ -10918,6 +10899,320 @@
           <a:bodyPr/>
           <a:lstStyle/>
           <a:p>
+            <a:r>
+              <a:rPr lang="en-US" dirty="0" smtClean="0"/>
+              <a:t>What is continuous delivery ? </a:t>
+            </a:r>
+            <a:endParaRPr lang="en-GB" dirty="0"/>
+          </a:p>
+        </p:txBody>
+      </p:sp>
+      <p:sp>
+        <p:nvSpPr>
+          <p:cNvPr id="3" name="Content Placeholder 2"/>
+          <p:cNvSpPr>
+            <a:spLocks noGrp="1"/>
+          </p:cNvSpPr>
+          <p:nvPr>
+            <p:ph idx="1"/>
+          </p:nvPr>
+        </p:nvSpPr>
+        <p:spPr/>
+        <p:txBody>
+          <a:bodyPr/>
+          <a:lstStyle/>
+          <a:p>
+            <a:endParaRPr lang="en-US" dirty="0" smtClean="0"/>
+          </a:p>
+          <a:p>
+            <a:pPr>
+              <a:buNone/>
+            </a:pPr>
+            <a:r>
+              <a:rPr lang="en-US" dirty="0" smtClean="0"/>
+              <a:t>   </a:t>
+            </a:r>
+          </a:p>
+          <a:p>
+            <a:pPr>
+              <a:buNone/>
+            </a:pPr>
+            <a:r>
+              <a:rPr lang="en-US" dirty="0" smtClean="0"/>
+              <a:t>   </a:t>
+            </a:r>
+            <a:r>
+              <a:rPr lang="en-US" b="1" dirty="0" smtClean="0"/>
+              <a:t>reduce</a:t>
+            </a:r>
+            <a:r>
+              <a:rPr lang="en-US" dirty="0" smtClean="0"/>
+              <a:t> the </a:t>
+            </a:r>
+            <a:r>
+              <a:rPr lang="en-US" b="1" dirty="0" smtClean="0"/>
+              <a:t>cost</a:t>
+            </a:r>
+            <a:r>
+              <a:rPr lang="en-US" dirty="0" smtClean="0"/>
+              <a:t> , </a:t>
+            </a:r>
+            <a:r>
+              <a:rPr lang="en-US" b="1" dirty="0" smtClean="0"/>
+              <a:t>time</a:t>
+            </a:r>
+            <a:r>
+              <a:rPr lang="en-US" dirty="0" smtClean="0"/>
+              <a:t> , </a:t>
+            </a:r>
+            <a:r>
+              <a:rPr lang="en-US" b="1" dirty="0" smtClean="0"/>
+              <a:t>and risk </a:t>
+            </a:r>
+            <a:r>
+              <a:rPr lang="en-US" dirty="0" smtClean="0"/>
+              <a:t>of </a:t>
+            </a:r>
+          </a:p>
+          <a:p>
+            <a:pPr>
+              <a:buNone/>
+            </a:pPr>
+            <a:r>
+              <a:rPr lang="en-US" dirty="0" smtClean="0"/>
+              <a:t>   delivering </a:t>
+            </a:r>
+            <a:r>
+              <a:rPr lang="en-US" b="1" dirty="0" smtClean="0"/>
+              <a:t>incremental changes </a:t>
+            </a:r>
+          </a:p>
+          <a:p>
+            <a:pPr>
+              <a:buNone/>
+            </a:pPr>
+            <a:r>
+              <a:rPr lang="en-US" b="1" dirty="0" smtClean="0"/>
+              <a:t>   </a:t>
+            </a:r>
+            <a:r>
+              <a:rPr lang="en-US" dirty="0" smtClean="0"/>
+              <a:t>to users</a:t>
+            </a:r>
+          </a:p>
+          <a:p>
+            <a:pPr>
+              <a:buNone/>
+            </a:pPr>
+            <a:r>
+              <a:rPr lang="en-US" dirty="0" smtClean="0"/>
+              <a:t>	</a:t>
+            </a:r>
+          </a:p>
+          <a:p>
+            <a:pPr>
+              <a:buNone/>
+            </a:pPr>
+            <a:r>
+              <a:rPr lang="en-US" dirty="0" smtClean="0"/>
+              <a:t>	every requirement is a hypothesis</a:t>
+            </a:r>
+            <a:endParaRPr lang="en-GB" dirty="0"/>
+          </a:p>
+        </p:txBody>
+      </p:sp>
+      <p:sp>
+        <p:nvSpPr>
+          <p:cNvPr id="4" name="Slide Number Placeholder 3"/>
+          <p:cNvSpPr>
+            <a:spLocks noGrp="1"/>
+          </p:cNvSpPr>
+          <p:nvPr>
+            <p:ph type="sldNum" sz="quarter" idx="12"/>
+          </p:nvPr>
+        </p:nvSpPr>
+        <p:spPr/>
+        <p:txBody>
+          <a:bodyPr/>
+          <a:lstStyle/>
+          <a:p>
+            <a:fld id="{2387B7E2-7538-4163-9310-D5E6EE1BC12A}" type="slidenum">
+              <a:rPr lang="en-US" smtClean="0"/>
+              <a:pPr/>
+              <a:t>32</a:t>
+            </a:fld>
+            <a:endParaRPr lang="en-US"/>
+          </a:p>
+        </p:txBody>
+      </p:sp>
+    </p:spTree>
+  </p:cSld>
+  <p:clrMapOvr>
+    <a:masterClrMapping/>
+  </p:clrMapOvr>
+  <p:timing>
+    <p:tnLst>
+      <p:par>
+        <p:cTn id="1" dur="indefinite" restart="never" nodeType="tmRoot"/>
+      </p:par>
+    </p:tnLst>
+  </p:timing>
+</p:sld>
+</file>
+
+<file path=ppt/slides/slide33.xml><?xml version="1.0" encoding="utf-8"?>
+<p:sld xmlns:a="http://schemas.openxmlformats.org/drawingml/2006/main" xmlns:r="http://schemas.openxmlformats.org/officeDocument/2006/relationships" xmlns:p="http://schemas.openxmlformats.org/presentationml/2006/main">
+  <p:cSld>
+    <p:spTree>
+      <p:nvGrpSpPr>
+        <p:cNvPr id="1" name=""/>
+        <p:cNvGrpSpPr/>
+        <p:nvPr/>
+      </p:nvGrpSpPr>
+      <p:grpSpPr>
+        <a:xfrm>
+          <a:off x="0" y="0"/>
+          <a:ext cx="0" cy="0"/>
+          <a:chOff x="0" y="0"/>
+          <a:chExt cx="0" cy="0"/>
+        </a:xfrm>
+      </p:grpSpPr>
+      <p:sp>
+        <p:nvSpPr>
+          <p:cNvPr id="2" name="Title 1"/>
+          <p:cNvSpPr>
+            <a:spLocks noGrp="1"/>
+          </p:cNvSpPr>
+          <p:nvPr>
+            <p:ph type="title"/>
+          </p:nvPr>
+        </p:nvSpPr>
+        <p:spPr/>
+        <p:txBody>
+          <a:bodyPr/>
+          <a:lstStyle/>
+          <a:p>
+            <a:endParaRPr lang="en-US"/>
+          </a:p>
+        </p:txBody>
+      </p:sp>
+      <p:sp>
+        <p:nvSpPr>
+          <p:cNvPr id="3" name="Content Placeholder 2"/>
+          <p:cNvSpPr>
+            <a:spLocks noGrp="1"/>
+          </p:cNvSpPr>
+          <p:nvPr>
+            <p:ph idx="1"/>
+          </p:nvPr>
+        </p:nvSpPr>
+        <p:spPr/>
+        <p:txBody>
+          <a:bodyPr/>
+          <a:lstStyle/>
+          <a:p>
+            <a:r>
+              <a:rPr lang="en-US" dirty="0" smtClean="0"/>
+              <a:t>Software always production ready</a:t>
+            </a:r>
+          </a:p>
+          <a:p>
+            <a:pPr lvl="1"/>
+            <a:r>
+              <a:rPr lang="en-US" dirty="0" smtClean="0"/>
+              <a:t> release tied to business needs , not IT constraints</a:t>
+            </a:r>
+          </a:p>
+          <a:p>
+            <a:endParaRPr lang="en-US" dirty="0" smtClean="0"/>
+          </a:p>
+          <a:p>
+            <a:r>
+              <a:rPr lang="en-US" dirty="0" smtClean="0"/>
+              <a:t>Minimize the lead time from idea to live</a:t>
+            </a:r>
+          </a:p>
+          <a:p>
+            <a:pPr lvl="1"/>
+            <a:r>
+              <a:rPr lang="en-US" dirty="0" smtClean="0"/>
+              <a:t>Concept to cash</a:t>
+            </a:r>
+            <a:endParaRPr lang="en-US" dirty="0"/>
+          </a:p>
+        </p:txBody>
+      </p:sp>
+      <p:sp>
+        <p:nvSpPr>
+          <p:cNvPr id="4" name="Slide Number Placeholder 3"/>
+          <p:cNvSpPr>
+            <a:spLocks noGrp="1"/>
+          </p:cNvSpPr>
+          <p:nvPr>
+            <p:ph type="sldNum" sz="quarter" idx="12"/>
+          </p:nvPr>
+        </p:nvSpPr>
+        <p:spPr/>
+        <p:txBody>
+          <a:bodyPr/>
+          <a:lstStyle/>
+          <a:p>
+            <a:fld id="{2387B7E2-7538-4163-9310-D5E6EE1BC12A}" type="slidenum">
+              <a:rPr lang="en-US" smtClean="0"/>
+              <a:pPr/>
+              <a:t>33</a:t>
+            </a:fld>
+            <a:endParaRPr lang="en-US"/>
+          </a:p>
+        </p:txBody>
+      </p:sp>
+    </p:spTree>
+  </p:cSld>
+  <p:clrMapOvr>
+    <a:masterClrMapping/>
+  </p:clrMapOvr>
+  <p:timing>
+    <p:tnLst>
+      <p:par>
+        <p:cTn id="1" dur="indefinite" restart="never" nodeType="tmRoot"/>
+      </p:par>
+    </p:tnLst>
+  </p:timing>
+</p:sld>
+</file>
+
+<file path=ppt/slides/slide34.xml><?xml version="1.0" encoding="utf-8"?>
+<p:sld xmlns:a="http://schemas.openxmlformats.org/drawingml/2006/main" xmlns:r="http://schemas.openxmlformats.org/officeDocument/2006/relationships" xmlns:p="http://schemas.openxmlformats.org/presentationml/2006/main">
+  <p:cSld>
+    <p:spTree>
+      <p:nvGrpSpPr>
+        <p:cNvPr id="1" name=""/>
+        <p:cNvGrpSpPr/>
+        <p:nvPr/>
+      </p:nvGrpSpPr>
+      <p:grpSpPr>
+        <a:xfrm>
+          <a:off x="0" y="0"/>
+          <a:ext cx="0" cy="0"/>
+          <a:chOff x="0" y="0"/>
+          <a:chExt cx="0" cy="0"/>
+        </a:xfrm>
+      </p:grpSpPr>
+      <p:sp>
+        <p:nvSpPr>
+          <p:cNvPr id="2" name="Title 1"/>
+          <p:cNvSpPr>
+            <a:spLocks noGrp="1"/>
+          </p:cNvSpPr>
+          <p:nvPr>
+            <p:ph type="title"/>
+          </p:nvPr>
+        </p:nvSpPr>
+        <p:spPr/>
+        <p:txBody>
+          <a:bodyPr/>
+          <a:lstStyle/>
+          <a:p>
             <a:endParaRPr lang="en-GB"/>
           </a:p>
         </p:txBody>
@@ -10966,7 +11261,7 @@
             <a:fld id="{2387B7E2-7538-4163-9310-D5E6EE1BC12A}" type="slidenum">
               <a:rPr lang="en-US" smtClean="0"/>
               <a:pPr/>
-              <a:t>32</a:t>
+              <a:t>34</a:t>
             </a:fld>
             <a:endParaRPr lang="en-US"/>
           </a:p>
@@ -10987,7 +11282,7 @@
 </p:sld>
 </file>
 
-<file path=ppt/slides/slide33.xml><?xml version="1.0" encoding="utf-8"?>
+<file path=ppt/slides/slide35.xml><?xml version="1.0" encoding="utf-8"?>
 <p:sld xmlns:a="http://schemas.openxmlformats.org/drawingml/2006/main" xmlns:r="http://schemas.openxmlformats.org/officeDocument/2006/relationships" xmlns:p="http://schemas.openxmlformats.org/presentationml/2006/main">
   <p:cSld>
     <p:spTree>
@@ -11229,300 +11524,6 @@
             <a:fld id="{2387B7E2-7538-4163-9310-D5E6EE1BC12A}" type="slidenum">
               <a:rPr lang="en-US" smtClean="0"/>
               <a:pPr/>
-              <a:t>33</a:t>
-            </a:fld>
-            <a:endParaRPr lang="en-US"/>
-          </a:p>
-        </p:txBody>
-      </p:sp>
-    </p:spTree>
-  </p:cSld>
-  <p:clrMapOvr>
-    <a:masterClrMapping/>
-  </p:clrMapOvr>
-  <p:timing>
-    <p:tnLst>
-      <p:par>
-        <p:cTn id="1" dur="indefinite" restart="never" nodeType="tmRoot"/>
-      </p:par>
-    </p:tnLst>
-  </p:timing>
-</p:sld>
-</file>
-
-<file path=ppt/slides/slide34.xml><?xml version="1.0" encoding="utf-8"?>
-<p:sld xmlns:a="http://schemas.openxmlformats.org/drawingml/2006/main" xmlns:r="http://schemas.openxmlformats.org/officeDocument/2006/relationships" xmlns:p="http://schemas.openxmlformats.org/presentationml/2006/main">
-  <p:cSld>
-    <p:spTree>
-      <p:nvGrpSpPr>
-        <p:cNvPr id="1" name=""/>
-        <p:cNvGrpSpPr/>
-        <p:nvPr/>
-      </p:nvGrpSpPr>
-      <p:grpSpPr>
-        <a:xfrm>
-          <a:off x="0" y="0"/>
-          <a:ext cx="0" cy="0"/>
-          <a:chOff x="0" y="0"/>
-          <a:chExt cx="0" cy="0"/>
-        </a:xfrm>
-      </p:grpSpPr>
-      <p:sp>
-        <p:nvSpPr>
-          <p:cNvPr id="2" name="Title 1"/>
-          <p:cNvSpPr>
-            <a:spLocks noGrp="1"/>
-          </p:cNvSpPr>
-          <p:nvPr>
-            <p:ph type="title"/>
-          </p:nvPr>
-        </p:nvSpPr>
-        <p:spPr/>
-        <p:txBody>
-          <a:bodyPr/>
-          <a:lstStyle/>
-          <a:p>
-            <a:endParaRPr lang="en-US"/>
-          </a:p>
-        </p:txBody>
-      </p:sp>
-      <p:sp>
-        <p:nvSpPr>
-          <p:cNvPr id="3" name="Content Placeholder 2"/>
-          <p:cNvSpPr>
-            <a:spLocks noGrp="1"/>
-          </p:cNvSpPr>
-          <p:nvPr>
-            <p:ph idx="1"/>
-          </p:nvPr>
-        </p:nvSpPr>
-        <p:spPr/>
-        <p:txBody>
-          <a:bodyPr/>
-          <a:lstStyle/>
-          <a:p>
-            <a:pPr lvl="2">
-              <a:buNone/>
-            </a:pPr>
-            <a:endParaRPr lang="en-US" sz="4000" dirty="0" smtClean="0"/>
-          </a:p>
-          <a:p>
-            <a:pPr lvl="2">
-              <a:buNone/>
-            </a:pPr>
-            <a:endParaRPr lang="en-US" sz="4000" dirty="0" smtClean="0"/>
-          </a:p>
-          <a:p>
-            <a:pPr marL="0" lvl="2">
-              <a:buNone/>
-            </a:pPr>
-            <a:r>
-              <a:rPr lang="en-US" sz="4000" dirty="0" smtClean="0"/>
-              <a:t>      Test Driven Development Principle</a:t>
-            </a:r>
-          </a:p>
-          <a:p>
-            <a:endParaRPr lang="en-US" dirty="0"/>
-          </a:p>
-        </p:txBody>
-      </p:sp>
-      <p:sp>
-        <p:nvSpPr>
-          <p:cNvPr id="4" name="Slide Number Placeholder 3"/>
-          <p:cNvSpPr>
-            <a:spLocks noGrp="1"/>
-          </p:cNvSpPr>
-          <p:nvPr>
-            <p:ph type="sldNum" sz="quarter" idx="12"/>
-          </p:nvPr>
-        </p:nvSpPr>
-        <p:spPr/>
-        <p:txBody>
-          <a:bodyPr/>
-          <a:lstStyle/>
-          <a:p>
-            <a:fld id="{2387B7E2-7538-4163-9310-D5E6EE1BC12A}" type="slidenum">
-              <a:rPr lang="en-US" smtClean="0"/>
-              <a:pPr/>
-              <a:t>34</a:t>
-            </a:fld>
-            <a:endParaRPr lang="en-US"/>
-          </a:p>
-        </p:txBody>
-      </p:sp>
-    </p:spTree>
-  </p:cSld>
-  <p:clrMapOvr>
-    <a:masterClrMapping/>
-  </p:clrMapOvr>
-  <p:timing>
-    <p:tnLst>
-      <p:par>
-        <p:cTn id="1" dur="indefinite" restart="never" nodeType="tmRoot"/>
-      </p:par>
-    </p:tnLst>
-  </p:timing>
-</p:sld>
-</file>
-
-<file path=ppt/slides/slide35.xml><?xml version="1.0" encoding="utf-8"?>
-<p:sld xmlns:a="http://schemas.openxmlformats.org/drawingml/2006/main" xmlns:r="http://schemas.openxmlformats.org/officeDocument/2006/relationships" xmlns:p="http://schemas.openxmlformats.org/presentationml/2006/main">
-  <p:cSld>
-    <p:spTree>
-      <p:nvGrpSpPr>
-        <p:cNvPr id="1" name=""/>
-        <p:cNvGrpSpPr/>
-        <p:nvPr/>
-      </p:nvGrpSpPr>
-      <p:grpSpPr>
-        <a:xfrm>
-          <a:off x="0" y="0"/>
-          <a:ext cx="0" cy="0"/>
-          <a:chOff x="0" y="0"/>
-          <a:chExt cx="0" cy="0"/>
-        </a:xfrm>
-      </p:grpSpPr>
-      <p:sp>
-        <p:nvSpPr>
-          <p:cNvPr id="2" name="Title 1"/>
-          <p:cNvSpPr>
-            <a:spLocks noGrp="1"/>
-          </p:cNvSpPr>
-          <p:nvPr>
-            <p:ph type="title"/>
-          </p:nvPr>
-        </p:nvSpPr>
-        <p:spPr/>
-        <p:txBody>
-          <a:bodyPr>
-            <a:normAutofit fontScale="90000"/>
-          </a:bodyPr>
-          <a:lstStyle/>
-          <a:p>
-            <a:r>
-              <a:rPr lang="en-US" dirty="0" smtClean="0"/>
-              <a:t/>
-            </a:r>
-            <a:br>
-              <a:rPr lang="en-US" dirty="0" smtClean="0"/>
-            </a:br>
-            <a:r>
-              <a:rPr lang="en-US" dirty="0" smtClean="0"/>
-              <a:t>TDD Mantra    </a:t>
-            </a:r>
-            <a:br>
-              <a:rPr lang="en-US" dirty="0" smtClean="0"/>
-            </a:br>
-            <a:endParaRPr lang="en-US" dirty="0"/>
-          </a:p>
-        </p:txBody>
-      </p:sp>
-      <p:sp>
-        <p:nvSpPr>
-          <p:cNvPr id="3" name="Content Placeholder 2"/>
-          <p:cNvSpPr>
-            <a:spLocks noGrp="1"/>
-          </p:cNvSpPr>
-          <p:nvPr>
-            <p:ph idx="1"/>
-          </p:nvPr>
-        </p:nvSpPr>
-        <p:spPr>
-          <a:xfrm>
-            <a:off x="381000" y="1600200"/>
-            <a:ext cx="8534400" cy="4525963"/>
-          </a:xfrm>
-        </p:spPr>
-        <p:txBody>
-          <a:bodyPr/>
-          <a:lstStyle/>
-          <a:p>
-            <a:pPr marL="0" indent="0">
-              <a:buNone/>
-            </a:pPr>
-            <a:r>
-              <a:rPr lang="en-US" dirty="0" smtClean="0">
-                <a:solidFill>
-                  <a:srgbClr val="FF0000"/>
-                </a:solidFill>
-              </a:rPr>
-              <a:t>Red</a:t>
-            </a:r>
-            <a:r>
-              <a:rPr lang="en-US" dirty="0" smtClean="0"/>
-              <a:t> – Write a little test that does not work , and  perhaps does not even compile first.</a:t>
-            </a:r>
-          </a:p>
-          <a:p>
-            <a:pPr marL="0" indent="0">
-              <a:buNone/>
-            </a:pPr>
-            <a:endParaRPr lang="en-US" dirty="0" smtClean="0"/>
-          </a:p>
-          <a:p>
-            <a:pPr marL="0" indent="0">
-              <a:buNone/>
-            </a:pPr>
-            <a:r>
-              <a:rPr lang="en-US" dirty="0" smtClean="0">
-                <a:solidFill>
-                  <a:srgbClr val="00B050"/>
-                </a:solidFill>
-              </a:rPr>
-              <a:t>Green</a:t>
-            </a:r>
-            <a:r>
-              <a:rPr lang="en-US" dirty="0" smtClean="0"/>
-              <a:t> – Make the test work quickly , committing whatever sins necessary in the process.</a:t>
-            </a:r>
-          </a:p>
-          <a:p>
-            <a:pPr marL="0" indent="0">
-              <a:buNone/>
-            </a:pPr>
-            <a:endParaRPr lang="en-US" dirty="0" smtClean="0"/>
-          </a:p>
-          <a:p>
-            <a:pPr marL="0" indent="0">
-              <a:buNone/>
-            </a:pPr>
-            <a:r>
-              <a:rPr lang="en-US" dirty="0" err="1" smtClean="0">
-                <a:solidFill>
-                  <a:schemeClr val="tx2">
-                    <a:lumMod val="60000"/>
-                    <a:lumOff val="40000"/>
-                  </a:schemeClr>
-                </a:solidFill>
-              </a:rPr>
-              <a:t>Refactor</a:t>
-            </a:r>
-            <a:r>
-              <a:rPr lang="en-US" dirty="0" smtClean="0"/>
-              <a:t> – Eliminate all of the duplication created in merely getting the test to work.</a:t>
-            </a:r>
-            <a:endParaRPr lang="en-US" dirty="0"/>
-          </a:p>
-        </p:txBody>
-      </p:sp>
-      <p:sp>
-        <p:nvSpPr>
-          <p:cNvPr id="4" name="Slide Number Placeholder 3"/>
-          <p:cNvSpPr>
-            <a:spLocks noGrp="1"/>
-          </p:cNvSpPr>
-          <p:nvPr>
-            <p:ph type="sldNum" sz="quarter" idx="12"/>
-          </p:nvPr>
-        </p:nvSpPr>
-        <p:spPr/>
-        <p:txBody>
-          <a:bodyPr/>
-          <a:lstStyle/>
-          <a:p>
-            <a:fld id="{2387B7E2-7538-4163-9310-D5E6EE1BC12A}" type="slidenum">
-              <a:rPr lang="en-US" smtClean="0"/>
-              <a:pPr/>
               <a:t>35</a:t>
             </a:fld>
             <a:endParaRPr lang="en-US"/>
@@ -11573,96 +11574,78 @@
         </p:nvSpPr>
         <p:spPr/>
         <p:txBody>
-          <a:bodyPr>
-            <a:normAutofit fontScale="90000"/>
-          </a:bodyPr>
-          <a:lstStyle/>
-          <a:p>
-            <a:r>
-              <a:rPr lang="en-US" dirty="0"/>
-              <a:t>TDD with mock objects</a:t>
-            </a:r>
-            <a:br>
-              <a:rPr lang="en-US" dirty="0"/>
-            </a:br>
+          <a:bodyPr/>
+          <a:lstStyle/>
+          <a:p>
+            <a:endParaRPr lang="en-US"/>
+          </a:p>
+        </p:txBody>
+      </p:sp>
+      <p:sp>
+        <p:nvSpPr>
+          <p:cNvPr id="3" name="Content Placeholder 2"/>
+          <p:cNvSpPr>
+            <a:spLocks noGrp="1"/>
+          </p:cNvSpPr>
+          <p:nvPr>
+            <p:ph idx="1"/>
+          </p:nvPr>
+        </p:nvSpPr>
+        <p:spPr/>
+        <p:txBody>
+          <a:bodyPr/>
+          <a:lstStyle/>
+          <a:p>
+            <a:pPr lvl="2">
+              <a:buNone/>
+            </a:pPr>
+            <a:endParaRPr lang="en-US" sz="4000" dirty="0" smtClean="0"/>
+          </a:p>
+          <a:p>
+            <a:pPr lvl="2">
+              <a:buNone/>
+            </a:pPr>
+            <a:endParaRPr lang="en-US" sz="4000" dirty="0" smtClean="0"/>
+          </a:p>
+          <a:p>
+            <a:pPr marL="0" lvl="2">
+              <a:buNone/>
+            </a:pPr>
+            <a:r>
+              <a:rPr lang="en-US" sz="4000" dirty="0" smtClean="0"/>
+              <a:t>      Test Driven Development Principle</a:t>
+            </a:r>
+          </a:p>
+          <a:p>
             <a:endParaRPr lang="en-US" dirty="0"/>
           </a:p>
         </p:txBody>
       </p:sp>
       <p:sp>
         <p:nvSpPr>
-          <p:cNvPr id="3" name="Content Placeholder 2"/>
-          <p:cNvSpPr>
-            <a:spLocks noGrp="1"/>
-          </p:cNvSpPr>
-          <p:nvPr>
-            <p:ph idx="1"/>
-          </p:nvPr>
-        </p:nvSpPr>
-        <p:spPr/>
-        <p:txBody>
-          <a:bodyPr>
-            <a:normAutofit/>
-          </a:bodyPr>
-          <a:lstStyle/>
-          <a:p>
-            <a:pPr marL="0" indent="0">
-              <a:buNone/>
-            </a:pPr>
-            <a:r>
-              <a:rPr lang="en-US" dirty="0" smtClean="0"/>
-              <a:t>TDD </a:t>
-            </a:r>
-            <a:r>
-              <a:rPr lang="en-US" dirty="0"/>
-              <a:t>with mock objects </a:t>
-            </a:r>
-            <a:r>
-              <a:rPr lang="en-US" dirty="0" smtClean="0"/>
-              <a:t>encourages </a:t>
-            </a:r>
-            <a:r>
-              <a:rPr lang="en-US" dirty="0"/>
-              <a:t>information hiding. We should mock an object’s peers—its dependencies, notifications, and </a:t>
-            </a:r>
-            <a:r>
-              <a:rPr lang="en-US" dirty="0" smtClean="0"/>
-              <a:t>adjustments but not it’s internals .</a:t>
-            </a:r>
-          </a:p>
-          <a:p>
-            <a:pPr marL="0" indent="0">
-              <a:buNone/>
-            </a:pPr>
-            <a:endParaRPr lang="en-US" dirty="0"/>
-          </a:p>
-          <a:p>
-            <a:pPr marL="0" indent="0">
-              <a:buNone/>
-            </a:pPr>
-            <a:endParaRPr lang="en-US" dirty="0"/>
-          </a:p>
-          <a:p>
-            <a:pPr marL="0" indent="0">
-              <a:buNone/>
-            </a:pPr>
-            <a:endParaRPr lang="en-US" dirty="0">
-              <a:solidFill>
-                <a:srgbClr val="FF0000"/>
-              </a:solidFill>
-            </a:endParaRPr>
-          </a:p>
-          <a:p>
-            <a:endParaRPr lang="en-US" dirty="0"/>
+          <p:cNvPr id="4" name="Slide Number Placeholder 3"/>
+          <p:cNvSpPr>
+            <a:spLocks noGrp="1"/>
+          </p:cNvSpPr>
+          <p:nvPr>
+            <p:ph type="sldNum" sz="quarter" idx="12"/>
+          </p:nvPr>
+        </p:nvSpPr>
+        <p:spPr/>
+        <p:txBody>
+          <a:bodyPr/>
+          <a:lstStyle/>
+          <a:p>
+            <a:fld id="{2387B7E2-7538-4163-9310-D5E6EE1BC12A}" type="slidenum">
+              <a:rPr lang="en-US" smtClean="0"/>
+              <a:pPr/>
+              <a:t>36</a:t>
+            </a:fld>
+            <a:endParaRPr lang="en-US"/>
           </a:p>
         </p:txBody>
       </p:sp>
     </p:spTree>
-    <p:extLst>
-      <p:ext uri="{BB962C8B-B14F-4D97-AF65-F5344CB8AC3E}">
-        <p14:creationId xmlns:p14="http://schemas.microsoft.com/office/powerpoint/2010/main" val="2572250048"/>
-      </p:ext>
-    </p:extLst>
   </p:cSld>
   <p:clrMapOvr>
     <a:masterClrMapping/>
@@ -11712,11 +11695,18 @@
           <a:lstStyle/>
           <a:p>
             <a:r>
-              <a:rPr lang="en-US" dirty="0"/>
-              <a:t>Building on third party code</a:t>
+              <a:rPr lang="en-US" dirty="0" smtClean="0"/>
+              <a:t/>
             </a:r>
             <a:br>
-              <a:rPr lang="en-US" dirty="0"/>
+              <a:rPr lang="en-US" dirty="0" smtClean="0"/>
+            </a:br>
+            <a:r>
+              <a:rPr lang="en-US" dirty="0" smtClean="0"/>
+              <a:t>TDD Mantra    </a:t>
+            </a:r>
+            <a:br>
+              <a:rPr lang="en-US" dirty="0" smtClean="0"/>
             </a:br>
             <a:endParaRPr lang="en-US" dirty="0"/>
           </a:p>
@@ -11732,112 +11722,109 @@
             <p:ph idx="1"/>
           </p:nvPr>
         </p:nvSpPr>
-        <p:spPr/>
-        <p:txBody>
-          <a:bodyPr>
-            <a:normAutofit fontScale="70000" lnSpcReduction="20000"/>
-          </a:bodyPr>
+        <p:spPr>
+          <a:xfrm>
+            <a:off x="381000" y="1600200"/>
+            <a:ext cx="8534400" cy="4525963"/>
+          </a:xfrm>
+        </p:spPr>
+        <p:txBody>
+          <a:bodyPr/>
           <a:lstStyle/>
           <a:p>
             <a:pPr marL="0" indent="0">
               <a:buNone/>
             </a:pPr>
             <a:r>
+              <a:rPr lang="en-US" dirty="0" smtClean="0">
+                <a:solidFill>
+                  <a:srgbClr val="FF0000"/>
+                </a:solidFill>
+              </a:rPr>
+              <a:t>Red</a:t>
+            </a:r>
+            <a:r>
               <a:rPr lang="en-US" dirty="0" smtClean="0"/>
-              <a:t>Providing </a:t>
-            </a:r>
-            <a:r>
-              <a:rPr lang="en-US" dirty="0"/>
-              <a:t>mock implementations of third-party types is of limited use when unit-testing the objects that call them. </a:t>
+              <a:t> – Write a little test that does not work , and  perhaps does not even compile first.</a:t>
+            </a:r>
+          </a:p>
+          <a:p>
+            <a:pPr marL="0" indent="0">
+              <a:buNone/>
+            </a:pPr>
+            <a:endParaRPr lang="en-US" dirty="0" smtClean="0"/>
+          </a:p>
+          <a:p>
+            <a:pPr marL="0" indent="0">
+              <a:buNone/>
+            </a:pPr>
+            <a:r>
+              <a:rPr lang="en-US" dirty="0" smtClean="0">
+                <a:solidFill>
+                  <a:srgbClr val="00B050"/>
+                </a:solidFill>
+              </a:rPr>
+              <a:t>Green</a:t>
             </a:r>
             <a:r>
               <a:rPr lang="en-US" dirty="0" smtClean="0"/>
-              <a:t>Tests </a:t>
-            </a:r>
-            <a:r>
-              <a:rPr lang="en-US" dirty="0"/>
-              <a:t>that mock external libraries often need to be complex to get the code into the right state for the functionality we need to </a:t>
+              <a:t> – Make the test work quickly , committing whatever sins necessary in the process.</a:t>
+            </a:r>
+          </a:p>
+          <a:p>
+            <a:pPr marL="0" indent="0">
+              <a:buNone/>
+            </a:pPr>
+            <a:endParaRPr lang="en-US" dirty="0" smtClean="0"/>
+          </a:p>
+          <a:p>
+            <a:pPr marL="0" indent="0">
+              <a:buNone/>
+            </a:pPr>
+            <a:r>
+              <a:rPr lang="en-US" dirty="0" err="1" smtClean="0">
+                <a:solidFill>
+                  <a:schemeClr val="tx2">
+                    <a:lumMod val="60000"/>
+                    <a:lumOff val="40000"/>
+                  </a:schemeClr>
+                </a:solidFill>
+              </a:rPr>
+              <a:t>Refactor</a:t>
             </a:r>
             <a:r>
               <a:rPr lang="en-US" dirty="0" smtClean="0"/>
-              <a:t>exercise.</a:t>
-            </a:r>
-          </a:p>
-          <a:p>
-            <a:pPr marL="0" indent="0">
-              <a:buNone/>
-            </a:pPr>
+              <a:t> – Eliminate all of the duplication created in merely getting the test to work.</a:t>
+            </a:r>
             <a:endParaRPr lang="en-US" dirty="0"/>
           </a:p>
-          <a:p>
-            <a:pPr marL="0" indent="0">
-              <a:buNone/>
-            </a:pPr>
-            <a:r>
-              <a:rPr lang="en-US" dirty="0"/>
-              <a:t>Write an Adapter Layer </a:t>
-            </a:r>
-            <a:r>
-              <a:rPr lang="en-US" dirty="0" smtClean="0"/>
-              <a:t>.We </a:t>
-            </a:r>
-            <a:r>
-              <a:rPr lang="en-US" dirty="0"/>
-              <a:t>keep this layer as thin as possible, to minimize the amount of potentially brittle and </a:t>
-            </a:r>
-            <a:r>
-              <a:rPr lang="en-US" dirty="0" err="1"/>
-              <a:t>hardto</a:t>
-            </a:r>
-            <a:r>
-              <a:rPr lang="en-US" dirty="0"/>
-              <a:t>-test code. </a:t>
-            </a:r>
-            <a:endParaRPr lang="en-US" dirty="0" smtClean="0"/>
-          </a:p>
-          <a:p>
-            <a:pPr marL="0" indent="0">
-              <a:buNone/>
-            </a:pPr>
-            <a:endParaRPr lang="en-US" dirty="0"/>
-          </a:p>
-          <a:p>
-            <a:pPr marL="0" indent="0">
-              <a:buNone/>
-            </a:pPr>
-            <a:r>
-              <a:rPr lang="en-US" dirty="0" smtClean="0"/>
-              <a:t>We </a:t>
-            </a:r>
-            <a:r>
-              <a:rPr lang="en-US" dirty="0"/>
-              <a:t>test these adapters with focused integration tests to confirm our understanding of how the third-party API works. There will be relatively few integration tests compared to the number of unit tests, so they should not get in the way of the build even if they’re not as fast as the in-memory unit tests</a:t>
-            </a:r>
-            <a:r>
-              <a:rPr lang="en-US" dirty="0" smtClean="0"/>
-              <a:t>.</a:t>
-            </a:r>
-          </a:p>
-          <a:p>
-            <a:pPr marL="0" indent="0">
-              <a:buNone/>
-            </a:pPr>
-            <a:endParaRPr lang="en-US" dirty="0"/>
-          </a:p>
-          <a:p>
-            <a:pPr marL="0" indent="0">
-              <a:buNone/>
-            </a:pPr>
-            <a:endParaRPr lang="en-US" dirty="0"/>
+        </p:txBody>
+      </p:sp>
+      <p:sp>
+        <p:nvSpPr>
+          <p:cNvPr id="4" name="Slide Number Placeholder 3"/>
+          <p:cNvSpPr>
+            <a:spLocks noGrp="1"/>
+          </p:cNvSpPr>
+          <p:nvPr>
+            <p:ph type="sldNum" sz="quarter" idx="12"/>
+          </p:nvPr>
+        </p:nvSpPr>
+        <p:spPr/>
+        <p:txBody>
+          <a:bodyPr/>
+          <a:lstStyle/>
+          <a:p>
+            <a:fld id="{2387B7E2-7538-4163-9310-D5E6EE1BC12A}" type="slidenum">
+              <a:rPr lang="en-US" smtClean="0"/>
+              <a:pPr/>
+              <a:t>37</a:t>
+            </a:fld>
+            <a:endParaRPr lang="en-US"/>
           </a:p>
         </p:txBody>
       </p:sp>
     </p:spTree>
-    <p:extLst>
-      <p:ext uri="{BB962C8B-B14F-4D97-AF65-F5344CB8AC3E}">
-        <p14:creationId xmlns:p14="http://schemas.microsoft.com/office/powerpoint/2010/main" val="3638604738"/>
-      </p:ext>
-    </p:extLst>
   </p:cSld>
   <p:clrMapOvr>
     <a:masterClrMapping/>
@@ -11886,7 +11873,7 @@
           <a:p>
             <a:r>
               <a:rPr lang="en-US" dirty="0" smtClean="0"/>
-              <a:t>Test Readability</a:t>
+              <a:t>TDD Techniques</a:t>
             </a:r>
             <a:endParaRPr lang="en-US" dirty="0"/>
           </a:p>
@@ -11904,44 +11891,74 @@
         </p:nvSpPr>
         <p:spPr/>
         <p:txBody>
-          <a:bodyPr>
-            <a:normAutofit fontScale="85000" lnSpcReduction="20000"/>
-          </a:bodyPr>
-          <a:lstStyle/>
-          <a:p>
+          <a:bodyPr/>
+          <a:lstStyle/>
+          <a:p>
+            <a:r>
+              <a:rPr lang="en-US" dirty="0"/>
+              <a:t>TDD with mock </a:t>
+            </a:r>
             <a:r>
               <a:rPr lang="en-US" dirty="0" smtClean="0"/>
-              <a:t>Teams that adopt TDD usually see an early boost in productivity because the tests let them add features with confidence and catch errors immediately. </a:t>
-            </a:r>
-          </a:p>
-          <a:p>
-            <a:endParaRPr lang="en-US" dirty="0"/>
-          </a:p>
-          <a:p>
+              <a:t>objects</a:t>
+            </a:r>
+          </a:p>
+          <a:p>
+            <a:r>
+              <a:rPr lang="en-US" dirty="0"/>
+              <a:t>Building on third party </a:t>
+            </a:r>
             <a:r>
               <a:rPr lang="en-US" dirty="0" smtClean="0"/>
-              <a:t>For some teams, the pace then slows down as the tests themselves become a maintenance burden. For TDD to be sustainable, the tests must do more than verify the behavior of the code; they must also express that behavior clearly—they must be readable</a:t>
-            </a:r>
-          </a:p>
-          <a:p>
-            <a:endParaRPr lang="en-US" dirty="0"/>
-          </a:p>
-          <a:p>
+              <a:t>code</a:t>
+            </a:r>
+          </a:p>
+          <a:p>
+            <a:r>
+              <a:rPr lang="en-US" dirty="0"/>
+              <a:t>Test </a:t>
+            </a:r>
             <a:r>
               <a:rPr lang="en-US" dirty="0" smtClean="0"/>
-              <a:t>We should take as much care about writing our test code as about production code</a:t>
-            </a:r>
+              <a:t>Readability</a:t>
+            </a:r>
+          </a:p>
+          <a:p>
             <a:r>
               <a:rPr lang="en-US" dirty="0"/>
-              <a:t>.</a:t>
-            </a:r>
+              <a:t>Use Structure to share</a:t>
+            </a:r>
+          </a:p>
+        </p:txBody>
+      </p:sp>
+      <p:sp>
+        <p:nvSpPr>
+          <p:cNvPr id="4" name="Slide Number Placeholder 3"/>
+          <p:cNvSpPr>
+            <a:spLocks noGrp="1"/>
+          </p:cNvSpPr>
+          <p:nvPr>
+            <p:ph type="sldNum" sz="quarter" idx="12"/>
+          </p:nvPr>
+        </p:nvSpPr>
+        <p:spPr/>
+        <p:txBody>
+          <a:bodyPr/>
+          <a:lstStyle/>
+          <a:p>
+            <a:fld id="{2387B7E2-7538-4163-9310-D5E6EE1BC12A}" type="slidenum">
+              <a:rPr lang="en-US" smtClean="0"/>
+              <a:pPr/>
+              <a:t>38</a:t>
+            </a:fld>
+            <a:endParaRPr lang="en-US"/>
           </a:p>
         </p:txBody>
       </p:sp>
     </p:spTree>
     <p:extLst>
       <p:ext uri="{BB962C8B-B14F-4D97-AF65-F5344CB8AC3E}">
-        <p14:creationId xmlns:p14="http://schemas.microsoft.com/office/powerpoint/2010/main" val="1725782227"/>
+        <p14:creationId xmlns:p14="http://schemas.microsoft.com/office/powerpoint/2010/main" val="3034246668"/>
       </p:ext>
     </p:extLst>
   </p:cSld>
@@ -11980,53 +11997,107 @@
         </p:nvSpPr>
         <p:spPr/>
         <p:txBody>
-          <a:bodyPr/>
-          <a:lstStyle/>
-          <a:p>
+          <a:bodyPr>
+            <a:normAutofit fontScale="90000"/>
+          </a:bodyPr>
+          <a:lstStyle/>
+          <a:p>
+            <a:r>
+              <a:rPr lang="en-US" dirty="0"/>
+              <a:t>TDD with mock objects</a:t>
+            </a:r>
+            <a:br>
+              <a:rPr lang="en-US" dirty="0"/>
+            </a:br>
+            <a:endParaRPr lang="en-US" dirty="0"/>
+          </a:p>
+        </p:txBody>
+      </p:sp>
+      <p:sp>
+        <p:nvSpPr>
+          <p:cNvPr id="3" name="Content Placeholder 2"/>
+          <p:cNvSpPr>
+            <a:spLocks noGrp="1"/>
+          </p:cNvSpPr>
+          <p:nvPr>
+            <p:ph idx="1"/>
+          </p:nvPr>
+        </p:nvSpPr>
+        <p:spPr/>
+        <p:txBody>
+          <a:bodyPr>
+            <a:normAutofit/>
+          </a:bodyPr>
+          <a:lstStyle/>
+          <a:p>
+            <a:pPr marL="0" indent="0">
+              <a:buNone/>
+            </a:pPr>
             <a:r>
               <a:rPr lang="en-US" dirty="0" smtClean="0"/>
-              <a:t>Code Example</a:t>
-            </a:r>
+              <a:t>TDD </a:t>
+            </a:r>
+            <a:r>
+              <a:rPr lang="en-US" dirty="0"/>
+              <a:t>with mock objects </a:t>
+            </a:r>
+            <a:r>
+              <a:rPr lang="en-US" dirty="0" smtClean="0"/>
+              <a:t>encourages </a:t>
+            </a:r>
+            <a:r>
+              <a:rPr lang="en-US" dirty="0"/>
+              <a:t>information hiding. We should mock an object’s peers—its dependencies, notifications, and </a:t>
+            </a:r>
+            <a:r>
+              <a:rPr lang="en-US" dirty="0" smtClean="0"/>
+              <a:t>adjustments but not it’s internals .</a:t>
+            </a:r>
+          </a:p>
+          <a:p>
+            <a:pPr marL="0" indent="0">
+              <a:buNone/>
+            </a:pPr>
             <a:endParaRPr lang="en-US" dirty="0"/>
           </a:p>
-        </p:txBody>
-      </p:sp>
-      <p:pic>
-        <p:nvPicPr>
-          <p:cNvPr id="4" name="Content Placeholder 3"/>
-          <p:cNvPicPr>
-            <a:picLocks noGrp="1" noChangeAspect="1"/>
-          </p:cNvPicPr>
-          <p:nvPr>
-            <p:ph idx="1"/>
-          </p:nvPr>
-        </p:nvPicPr>
-        <p:blipFill>
-          <a:blip r:embed="rId2"/>
-          <a:stretch>
-            <a:fillRect/>
-          </a:stretch>
-        </p:blipFill>
-        <p:spPr>
-          <a:xfrm>
-            <a:off x="532494" y="2133600"/>
-            <a:ext cx="8154306" cy="3733800"/>
-          </a:xfrm>
-          <a:prstGeom prst="rect">
-            <a:avLst/>
-          </a:prstGeom>
-        </p:spPr>
-      </p:pic>
+          <a:p>
+            <a:pPr marL="0" indent="0">
+              <a:buNone/>
+            </a:pPr>
+            <a:endParaRPr lang="en-US" dirty="0"/>
+          </a:p>
+          <a:p>
+            <a:pPr marL="0" indent="0">
+              <a:buNone/>
+            </a:pPr>
+            <a:endParaRPr lang="en-US" dirty="0">
+              <a:solidFill>
+                <a:srgbClr val="FF0000"/>
+              </a:solidFill>
+            </a:endParaRPr>
+          </a:p>
+          <a:p>
+            <a:endParaRPr lang="en-US" dirty="0"/>
+          </a:p>
+        </p:txBody>
+      </p:sp>
     </p:spTree>
     <p:extLst>
       <p:ext uri="{BB962C8B-B14F-4D97-AF65-F5344CB8AC3E}">
-        <p14:creationId xmlns:p14="http://schemas.microsoft.com/office/powerpoint/2010/main" val="1814519576"/>
+        <p14:creationId xmlns:p14="http://schemas.microsoft.com/office/powerpoint/2010/main" val="2572250048"/>
       </p:ext>
     </p:extLst>
   </p:cSld>
   <p:clrMapOvr>
     <a:masterClrMapping/>
   </p:clrMapOvr>
+  <p:timing>
+    <p:tnLst>
+      <p:par>
+        <p:cTn id="1" dur="indefinite" restart="never" nodeType="tmRoot"/>
+      </p:par>
+    </p:tnLst>
+  </p:timing>
 </p:sld>
 </file>
 
@@ -12202,10 +12273,19 @@
         </p:nvSpPr>
         <p:spPr/>
         <p:txBody>
-          <a:bodyPr/>
-          <a:lstStyle/>
-          <a:p>
-            <a:endParaRPr lang="en-US"/>
+          <a:bodyPr>
+            <a:normAutofit fontScale="90000"/>
+          </a:bodyPr>
+          <a:lstStyle/>
+          <a:p>
+            <a:r>
+              <a:rPr lang="en-US" dirty="0"/>
+              <a:t>Building on third party code</a:t>
+            </a:r>
+            <a:br>
+              <a:rPr lang="en-US" dirty="0"/>
+            </a:br>
+            <a:endParaRPr lang="en-US" dirty="0"/>
           </a:p>
         </p:txBody>
       </p:sp>
@@ -12222,7 +12302,7 @@
         <p:spPr/>
         <p:txBody>
           <a:bodyPr>
-            <a:normAutofit lnSpcReduction="10000"/>
+            <a:normAutofit fontScale="92500" lnSpcReduction="20000"/>
           </a:bodyPr>
           <a:lstStyle/>
           <a:p>
@@ -12231,7 +12311,23 @@
             </a:pPr>
             <a:r>
               <a:rPr lang="en-US" dirty="0" smtClean="0"/>
-              <a:t>such names duplicate the information a developer could get just by looking at the target class; they break the “Don’t Repeat Yourself” principle [Hunt99]. </a:t>
+              <a:t>Providing </a:t>
+            </a:r>
+            <a:r>
+              <a:rPr lang="en-US" dirty="0"/>
+              <a:t>mock implementations of third-party types is of limited use when unit-testing the objects that call them. </a:t>
+            </a:r>
+            <a:r>
+              <a:rPr lang="en-US" dirty="0" smtClean="0"/>
+              <a:t>Tests </a:t>
+            </a:r>
+            <a:r>
+              <a:rPr lang="en-US" dirty="0"/>
+              <a:t>that mock external libraries often need to be complex to get the code into the right state for the functionality we need to </a:t>
+            </a:r>
+            <a:r>
+              <a:rPr lang="en-US" dirty="0" smtClean="0"/>
+              <a:t>exercise.</a:t>
             </a:r>
           </a:p>
           <a:p>
@@ -12245,17 +12341,68 @@
               <a:buNone/>
             </a:pPr>
             <a:r>
+              <a:rPr lang="en-US" dirty="0"/>
+              <a:t>Write an Adapter Layer </a:t>
+            </a:r>
+            <a:r>
               <a:rPr lang="en-US" dirty="0" smtClean="0"/>
-              <a:t>We don’t need to know that </a:t>
-            </a:r>
-            <a:r>
-              <a:rPr lang="en-US" dirty="0" err="1" smtClean="0"/>
-              <a:t>TargetObject</a:t>
-            </a:r>
-            <a:r>
-              <a:rPr lang="en-US" dirty="0" smtClean="0"/>
-              <a:t> has a choose() method—we need to know what the object does in different situations, what the method is for.</a:t>
-            </a:r>
+              <a:t>.We </a:t>
+            </a:r>
+            <a:r>
+              <a:rPr lang="en-US" dirty="0"/>
+              <a:t>keep this layer as thin as possible, to minimize the amount of potentially brittle and </a:t>
+            </a:r>
+            <a:r>
+              <a:rPr lang="en-US" smtClean="0"/>
+              <a:t>hard to test </a:t>
+            </a:r>
+            <a:r>
+              <a:rPr lang="en-US" dirty="0"/>
+              <a:t>code. </a:t>
+            </a:r>
+            <a:endParaRPr lang="en-US" dirty="0" smtClean="0"/>
+          </a:p>
+          <a:p>
+            <a:pPr marL="0" indent="0">
+              <a:buNone/>
+            </a:pPr>
+            <a:endParaRPr lang="en-US" dirty="0" smtClean="0"/>
+          </a:p>
+          <a:p>
+            <a:pPr marL="0" indent="0">
+              <a:buNone/>
+            </a:pPr>
+            <a:r>
+              <a:rPr lang="en-US" i="1" dirty="0" smtClean="0"/>
+              <a:t>*Don't </a:t>
+            </a:r>
+            <a:r>
+              <a:rPr lang="en-US" i="1" dirty="0"/>
+              <a:t>mock what you don't own</a:t>
+            </a:r>
+          </a:p>
+          <a:p>
+            <a:pPr marL="0" indent="0">
+              <a:buNone/>
+            </a:pPr>
+            <a:endParaRPr lang="en-US" dirty="0" smtClean="0"/>
+          </a:p>
+          <a:p>
+            <a:pPr marL="0" indent="0">
+              <a:buNone/>
+            </a:pPr>
+            <a:endParaRPr lang="en-US" dirty="0"/>
+          </a:p>
+          <a:p>
+            <a:pPr marL="0" indent="0">
+              <a:buNone/>
+            </a:pPr>
+            <a:endParaRPr lang="en-US" dirty="0"/>
+          </a:p>
+          <a:p>
+            <a:pPr marL="0" indent="0">
+              <a:buNone/>
+            </a:pPr>
             <a:endParaRPr lang="en-US" dirty="0"/>
           </a:p>
         </p:txBody>
@@ -12263,13 +12410,20 @@
     </p:spTree>
     <p:extLst>
       <p:ext uri="{BB962C8B-B14F-4D97-AF65-F5344CB8AC3E}">
-        <p14:creationId xmlns:p14="http://schemas.microsoft.com/office/powerpoint/2010/main" val="3306560360"/>
+        <p14:creationId xmlns:p14="http://schemas.microsoft.com/office/powerpoint/2010/main" val="3638604738"/>
       </p:ext>
     </p:extLst>
   </p:cSld>
   <p:clrMapOvr>
     <a:masterClrMapping/>
   </p:clrMapOvr>
+  <p:timing>
+    <p:tnLst>
+      <p:par>
+        <p:cTn id="1" dur="indefinite" restart="never" nodeType="tmRoot"/>
+      </p:par>
+    </p:tnLst>
+  </p:timing>
 </p:sld>
 </file>
 
@@ -12305,6 +12459,284 @@
           <a:bodyPr/>
           <a:lstStyle/>
           <a:p>
+            <a:r>
+              <a:rPr lang="en-US" dirty="0" smtClean="0"/>
+              <a:t>Test Readability</a:t>
+            </a:r>
+            <a:endParaRPr lang="en-US" dirty="0"/>
+          </a:p>
+        </p:txBody>
+      </p:sp>
+      <p:sp>
+        <p:nvSpPr>
+          <p:cNvPr id="3" name="Content Placeholder 2"/>
+          <p:cNvSpPr>
+            <a:spLocks noGrp="1"/>
+          </p:cNvSpPr>
+          <p:nvPr>
+            <p:ph idx="1"/>
+          </p:nvPr>
+        </p:nvSpPr>
+        <p:spPr/>
+        <p:txBody>
+          <a:bodyPr>
+            <a:normAutofit fontScale="85000" lnSpcReduction="20000"/>
+          </a:bodyPr>
+          <a:lstStyle/>
+          <a:p>
+            <a:r>
+              <a:rPr lang="en-US" dirty="0" smtClean="0"/>
+              <a:t>Teams that adopt TDD usually see an early boost in productivity because the tests let them add features with confidence and catch errors immediately. </a:t>
+            </a:r>
+          </a:p>
+          <a:p>
+            <a:endParaRPr lang="en-US" dirty="0"/>
+          </a:p>
+          <a:p>
+            <a:r>
+              <a:rPr lang="en-US" dirty="0" smtClean="0"/>
+              <a:t>For some teams, the pace then slows down as the tests themselves become a maintenance burden. For TDD to be sustainable, the tests must do more than verify the behavior of the code; they must also express that behavior clearly—they must be readable</a:t>
+            </a:r>
+          </a:p>
+          <a:p>
+            <a:endParaRPr lang="en-US" dirty="0"/>
+          </a:p>
+          <a:p>
+            <a:r>
+              <a:rPr lang="en-US" dirty="0" smtClean="0"/>
+              <a:t>We should take as much care about writing our test code as about production code</a:t>
+            </a:r>
+            <a:r>
+              <a:rPr lang="en-US" dirty="0"/>
+              <a:t>.</a:t>
+            </a:r>
+          </a:p>
+        </p:txBody>
+      </p:sp>
+    </p:spTree>
+    <p:extLst>
+      <p:ext uri="{BB962C8B-B14F-4D97-AF65-F5344CB8AC3E}">
+        <p14:creationId xmlns:p14="http://schemas.microsoft.com/office/powerpoint/2010/main" val="1725782227"/>
+      </p:ext>
+    </p:extLst>
+  </p:cSld>
+  <p:clrMapOvr>
+    <a:masterClrMapping/>
+  </p:clrMapOvr>
+</p:sld>
+</file>
+
+<file path=ppt/slides/slide42.xml><?xml version="1.0" encoding="utf-8"?>
+<p:sld xmlns:a="http://schemas.openxmlformats.org/drawingml/2006/main" xmlns:r="http://schemas.openxmlformats.org/officeDocument/2006/relationships" xmlns:p="http://schemas.openxmlformats.org/presentationml/2006/main">
+  <p:cSld>
+    <p:spTree>
+      <p:nvGrpSpPr>
+        <p:cNvPr id="1" name=""/>
+        <p:cNvGrpSpPr/>
+        <p:nvPr/>
+      </p:nvGrpSpPr>
+      <p:grpSpPr>
+        <a:xfrm>
+          <a:off x="0" y="0"/>
+          <a:ext cx="0" cy="0"/>
+          <a:chOff x="0" y="0"/>
+          <a:chExt cx="0" cy="0"/>
+        </a:xfrm>
+      </p:grpSpPr>
+      <p:sp>
+        <p:nvSpPr>
+          <p:cNvPr id="2" name="Title 1"/>
+          <p:cNvSpPr>
+            <a:spLocks noGrp="1"/>
+          </p:cNvSpPr>
+          <p:nvPr>
+            <p:ph type="title"/>
+          </p:nvPr>
+        </p:nvSpPr>
+        <p:spPr/>
+        <p:txBody>
+          <a:bodyPr/>
+          <a:lstStyle/>
+          <a:p>
+            <a:r>
+              <a:rPr lang="en-US" dirty="0" smtClean="0"/>
+              <a:t>Code Example</a:t>
+            </a:r>
+            <a:endParaRPr lang="en-US" dirty="0"/>
+          </a:p>
+        </p:txBody>
+      </p:sp>
+      <p:pic>
+        <p:nvPicPr>
+          <p:cNvPr id="4" name="Content Placeholder 3"/>
+          <p:cNvPicPr>
+            <a:picLocks noGrp="1" noChangeAspect="1"/>
+          </p:cNvPicPr>
+          <p:nvPr>
+            <p:ph idx="1"/>
+          </p:nvPr>
+        </p:nvPicPr>
+        <p:blipFill>
+          <a:blip r:embed="rId2"/>
+          <a:stretch>
+            <a:fillRect/>
+          </a:stretch>
+        </p:blipFill>
+        <p:spPr>
+          <a:xfrm>
+            <a:off x="532494" y="2133600"/>
+            <a:ext cx="8154306" cy="3733800"/>
+          </a:xfrm>
+          <a:prstGeom prst="rect">
+            <a:avLst/>
+          </a:prstGeom>
+        </p:spPr>
+      </p:pic>
+    </p:spTree>
+    <p:extLst>
+      <p:ext uri="{BB962C8B-B14F-4D97-AF65-F5344CB8AC3E}">
+        <p14:creationId xmlns:p14="http://schemas.microsoft.com/office/powerpoint/2010/main" val="1814519576"/>
+      </p:ext>
+    </p:extLst>
+  </p:cSld>
+  <p:clrMapOvr>
+    <a:masterClrMapping/>
+  </p:clrMapOvr>
+</p:sld>
+</file>
+
+<file path=ppt/slides/slide43.xml><?xml version="1.0" encoding="utf-8"?>
+<p:sld xmlns:a="http://schemas.openxmlformats.org/drawingml/2006/main" xmlns:r="http://schemas.openxmlformats.org/officeDocument/2006/relationships" xmlns:p="http://schemas.openxmlformats.org/presentationml/2006/main">
+  <p:cSld>
+    <p:spTree>
+      <p:nvGrpSpPr>
+        <p:cNvPr id="1" name=""/>
+        <p:cNvGrpSpPr/>
+        <p:nvPr/>
+      </p:nvGrpSpPr>
+      <p:grpSpPr>
+        <a:xfrm>
+          <a:off x="0" y="0"/>
+          <a:ext cx="0" cy="0"/>
+          <a:chOff x="0" y="0"/>
+          <a:chExt cx="0" cy="0"/>
+        </a:xfrm>
+      </p:grpSpPr>
+      <p:sp>
+        <p:nvSpPr>
+          <p:cNvPr id="2" name="Title 1"/>
+          <p:cNvSpPr>
+            <a:spLocks noGrp="1"/>
+          </p:cNvSpPr>
+          <p:nvPr>
+            <p:ph type="title"/>
+          </p:nvPr>
+        </p:nvSpPr>
+        <p:spPr/>
+        <p:txBody>
+          <a:bodyPr/>
+          <a:lstStyle/>
+          <a:p>
+            <a:endParaRPr lang="en-US"/>
+          </a:p>
+        </p:txBody>
+      </p:sp>
+      <p:sp>
+        <p:nvSpPr>
+          <p:cNvPr id="3" name="Content Placeholder 2"/>
+          <p:cNvSpPr>
+            <a:spLocks noGrp="1"/>
+          </p:cNvSpPr>
+          <p:nvPr>
+            <p:ph idx="1"/>
+          </p:nvPr>
+        </p:nvSpPr>
+        <p:spPr/>
+        <p:txBody>
+          <a:bodyPr>
+            <a:normAutofit lnSpcReduction="10000"/>
+          </a:bodyPr>
+          <a:lstStyle/>
+          <a:p>
+            <a:pPr marL="0" indent="0">
+              <a:buNone/>
+            </a:pPr>
+            <a:r>
+              <a:rPr lang="en-US" dirty="0" smtClean="0"/>
+              <a:t>such names duplicate the information a developer could get just by looking at the target class; they break the “Don’t Repeat Yourself” principle [Hunt99]. </a:t>
+            </a:r>
+          </a:p>
+          <a:p>
+            <a:pPr marL="0" indent="0">
+              <a:buNone/>
+            </a:pPr>
+            <a:endParaRPr lang="en-US" dirty="0"/>
+          </a:p>
+          <a:p>
+            <a:pPr marL="0" indent="0">
+              <a:buNone/>
+            </a:pPr>
+            <a:r>
+              <a:rPr lang="en-US" dirty="0" smtClean="0"/>
+              <a:t>We don’t need to know that </a:t>
+            </a:r>
+            <a:r>
+              <a:rPr lang="en-US" dirty="0" err="1" smtClean="0"/>
+              <a:t>TargetObject</a:t>
+            </a:r>
+            <a:r>
+              <a:rPr lang="en-US" dirty="0" smtClean="0"/>
+              <a:t> has a choose() method—we need to know what the object does in different situations, what the method is for.</a:t>
+            </a:r>
+            <a:endParaRPr lang="en-US" dirty="0"/>
+          </a:p>
+        </p:txBody>
+      </p:sp>
+    </p:spTree>
+    <p:extLst>
+      <p:ext uri="{BB962C8B-B14F-4D97-AF65-F5344CB8AC3E}">
+        <p14:creationId xmlns:p14="http://schemas.microsoft.com/office/powerpoint/2010/main" val="3306560360"/>
+      </p:ext>
+    </p:extLst>
+  </p:cSld>
+  <p:clrMapOvr>
+    <a:masterClrMapping/>
+  </p:clrMapOvr>
+</p:sld>
+</file>
+
+<file path=ppt/slides/slide44.xml><?xml version="1.0" encoding="utf-8"?>
+<p:sld xmlns:a="http://schemas.openxmlformats.org/drawingml/2006/main" xmlns:r="http://schemas.openxmlformats.org/officeDocument/2006/relationships" xmlns:p="http://schemas.openxmlformats.org/presentationml/2006/main">
+  <p:cSld>
+    <p:spTree>
+      <p:nvGrpSpPr>
+        <p:cNvPr id="1" name=""/>
+        <p:cNvGrpSpPr/>
+        <p:nvPr/>
+      </p:nvGrpSpPr>
+      <p:grpSpPr>
+        <a:xfrm>
+          <a:off x="0" y="0"/>
+          <a:ext cx="0" cy="0"/>
+          <a:chOff x="0" y="0"/>
+          <a:chExt cx="0" cy="0"/>
+        </a:xfrm>
+      </p:grpSpPr>
+      <p:sp>
+        <p:nvSpPr>
+          <p:cNvPr id="2" name="Title 1"/>
+          <p:cNvSpPr>
+            <a:spLocks noGrp="1"/>
+          </p:cNvSpPr>
+          <p:nvPr>
+            <p:ph type="title"/>
+          </p:nvPr>
+        </p:nvSpPr>
+        <p:spPr/>
+        <p:txBody>
+          <a:bodyPr/>
+          <a:lstStyle/>
+          <a:p>
             <a:endParaRPr lang="en-US"/>
           </a:p>
         </p:txBody>
@@ -12398,7 +12830,7 @@
 </p:sld>
 </file>
 
-<file path=ppt/slides/slide42.xml><?xml version="1.0" encoding="utf-8"?>
+<file path=ppt/slides/slide45.xml><?xml version="1.0" encoding="utf-8"?>
 <p:sld xmlns:a="http://schemas.openxmlformats.org/drawingml/2006/main" xmlns:r="http://schemas.openxmlformats.org/officeDocument/2006/relationships" xmlns:p="http://schemas.openxmlformats.org/presentationml/2006/main">
   <p:cSld>
     <p:spTree>
@@ -12473,287 +12905,6 @@
 </p:sld>
 </file>
 
-<file path=ppt/slides/slide43.xml><?xml version="1.0" encoding="utf-8"?>
-<p:sld xmlns:a="http://schemas.openxmlformats.org/drawingml/2006/main" xmlns:r="http://schemas.openxmlformats.org/officeDocument/2006/relationships" xmlns:p="http://schemas.openxmlformats.org/presentationml/2006/main">
-  <p:cSld>
-    <p:spTree>
-      <p:nvGrpSpPr>
-        <p:cNvPr id="1" name=""/>
-        <p:cNvGrpSpPr/>
-        <p:nvPr/>
-      </p:nvGrpSpPr>
-      <p:grpSpPr>
-        <a:xfrm>
-          <a:off x="0" y="0"/>
-          <a:ext cx="0" cy="0"/>
-          <a:chOff x="0" y="0"/>
-          <a:chExt cx="0" cy="0"/>
-        </a:xfrm>
-      </p:grpSpPr>
-      <p:sp>
-        <p:nvSpPr>
-          <p:cNvPr id="2" name="Title 1"/>
-          <p:cNvSpPr>
-            <a:spLocks noGrp="1"/>
-          </p:cNvSpPr>
-          <p:nvPr>
-            <p:ph type="title"/>
-          </p:nvPr>
-        </p:nvSpPr>
-        <p:spPr/>
-        <p:txBody>
-          <a:bodyPr/>
-          <a:lstStyle/>
-          <a:p>
-            <a:endParaRPr lang="en-US"/>
-          </a:p>
-        </p:txBody>
-      </p:sp>
-      <p:sp>
-        <p:nvSpPr>
-          <p:cNvPr id="3" name="Content Placeholder 2"/>
-          <p:cNvSpPr>
-            <a:spLocks noGrp="1"/>
-          </p:cNvSpPr>
-          <p:nvPr>
-            <p:ph idx="1"/>
-          </p:nvPr>
-        </p:nvSpPr>
-        <p:spPr/>
-        <p:txBody>
-          <a:bodyPr/>
-          <a:lstStyle/>
-          <a:p>
-            <a:pPr marL="0" indent="0">
-              <a:buNone/>
-            </a:pPr>
-            <a:r>
-              <a:rPr lang="en-US" dirty="0" smtClean="0"/>
-              <a:t>These names can be as long as we like because they’re only called through reflection—we never have to type them in to call them. </a:t>
-            </a:r>
-          </a:p>
-          <a:p>
-            <a:pPr marL="0" indent="0">
-              <a:buNone/>
-            </a:pPr>
-            <a:endParaRPr lang="en-US" dirty="0"/>
-          </a:p>
-          <a:p>
-            <a:pPr marL="0" indent="0">
-              <a:buNone/>
-            </a:pPr>
-            <a:r>
-              <a:rPr lang="en-US" dirty="0" smtClean="0"/>
-              <a:t>The point of the convention is to encourage the developer to think in terms of what the target object does, not what it is.</a:t>
-            </a:r>
-            <a:endParaRPr lang="en-US" dirty="0"/>
-          </a:p>
-        </p:txBody>
-      </p:sp>
-    </p:spTree>
-    <p:extLst>
-      <p:ext uri="{BB962C8B-B14F-4D97-AF65-F5344CB8AC3E}">
-        <p14:creationId xmlns:p14="http://schemas.microsoft.com/office/powerpoint/2010/main" val="3336563957"/>
-      </p:ext>
-    </p:extLst>
-  </p:cSld>
-  <p:clrMapOvr>
-    <a:masterClrMapping/>
-  </p:clrMapOvr>
-</p:sld>
-</file>
-
-<file path=ppt/slides/slide44.xml><?xml version="1.0" encoding="utf-8"?>
-<p:sld xmlns:a="http://schemas.openxmlformats.org/drawingml/2006/main" xmlns:r="http://schemas.openxmlformats.org/officeDocument/2006/relationships" xmlns:p="http://schemas.openxmlformats.org/presentationml/2006/main">
-  <p:cSld>
-    <p:spTree>
-      <p:nvGrpSpPr>
-        <p:cNvPr id="1" name=""/>
-        <p:cNvGrpSpPr/>
-        <p:nvPr/>
-      </p:nvGrpSpPr>
-      <p:grpSpPr>
-        <a:xfrm>
-          <a:off x="0" y="0"/>
-          <a:ext cx="0" cy="0"/>
-          <a:chOff x="0" y="0"/>
-          <a:chExt cx="0" cy="0"/>
-        </a:xfrm>
-      </p:grpSpPr>
-      <p:sp>
-        <p:nvSpPr>
-          <p:cNvPr id="2" name="Title 1"/>
-          <p:cNvSpPr>
-            <a:spLocks noGrp="1"/>
-          </p:cNvSpPr>
-          <p:nvPr>
-            <p:ph type="title"/>
-          </p:nvPr>
-        </p:nvSpPr>
-        <p:spPr/>
-        <p:txBody>
-          <a:bodyPr/>
-          <a:lstStyle/>
-          <a:p>
-            <a:r>
-              <a:rPr lang="en-US" dirty="0" smtClean="0"/>
-              <a:t>Use Structure to share</a:t>
-            </a:r>
-            <a:endParaRPr lang="en-US" dirty="0"/>
-          </a:p>
-        </p:txBody>
-      </p:sp>
-      <p:sp>
-        <p:nvSpPr>
-          <p:cNvPr id="3" name="Content Placeholder 2"/>
-          <p:cNvSpPr>
-            <a:spLocks noGrp="1"/>
-          </p:cNvSpPr>
-          <p:nvPr>
-            <p:ph idx="1"/>
-          </p:nvPr>
-        </p:nvSpPr>
-        <p:spPr/>
-        <p:txBody>
-          <a:bodyPr/>
-          <a:lstStyle/>
-          <a:p>
-            <a:pPr marL="0" indent="0">
-              <a:buNone/>
-            </a:pPr>
-            <a:r>
-              <a:rPr lang="en-US" dirty="0" smtClean="0"/>
-              <a:t>We also extract common features into methods that can be shared between tests for setting up values, tearing down state, making assertions, and occasionally triggering the event.</a:t>
-            </a:r>
-          </a:p>
-          <a:p>
-            <a:pPr marL="0" indent="0">
-              <a:buNone/>
-            </a:pPr>
-            <a:endParaRPr lang="en-US" dirty="0"/>
-          </a:p>
-        </p:txBody>
-      </p:sp>
-    </p:spTree>
-    <p:extLst>
-      <p:ext uri="{BB962C8B-B14F-4D97-AF65-F5344CB8AC3E}">
-        <p14:creationId xmlns:p14="http://schemas.microsoft.com/office/powerpoint/2010/main" val="1820980957"/>
-      </p:ext>
-    </p:extLst>
-  </p:cSld>
-  <p:clrMapOvr>
-    <a:masterClrMapping/>
-  </p:clrMapOvr>
-</p:sld>
-</file>
-
-<file path=ppt/slides/slide45.xml><?xml version="1.0" encoding="utf-8"?>
-<p:sld xmlns:a="http://schemas.openxmlformats.org/drawingml/2006/main" xmlns:r="http://schemas.openxmlformats.org/officeDocument/2006/relationships" xmlns:p="http://schemas.openxmlformats.org/presentationml/2006/main">
-  <p:cSld>
-    <p:spTree>
-      <p:nvGrpSpPr>
-        <p:cNvPr id="1" name=""/>
-        <p:cNvGrpSpPr/>
-        <p:nvPr/>
-      </p:nvGrpSpPr>
-      <p:grpSpPr>
-        <a:xfrm>
-          <a:off x="0" y="0"/>
-          <a:ext cx="0" cy="0"/>
-          <a:chOff x="0" y="0"/>
-          <a:chExt cx="0" cy="0"/>
-        </a:xfrm>
-      </p:grpSpPr>
-      <p:sp>
-        <p:nvSpPr>
-          <p:cNvPr id="2" name="Title 1"/>
-          <p:cNvSpPr>
-            <a:spLocks noGrp="1"/>
-          </p:cNvSpPr>
-          <p:nvPr>
-            <p:ph type="title"/>
-          </p:nvPr>
-        </p:nvSpPr>
-        <p:spPr/>
-        <p:txBody>
-          <a:bodyPr/>
-          <a:lstStyle/>
-          <a:p>
-            <a:r>
-              <a:rPr lang="en-US" dirty="0" smtClean="0"/>
-              <a:t>Test Structure</a:t>
-            </a:r>
-            <a:endParaRPr lang="en-US" dirty="0"/>
-          </a:p>
-        </p:txBody>
-      </p:sp>
-      <p:sp>
-        <p:nvSpPr>
-          <p:cNvPr id="3" name="Content Placeholder 2"/>
-          <p:cNvSpPr>
-            <a:spLocks noGrp="1"/>
-          </p:cNvSpPr>
-          <p:nvPr>
-            <p:ph idx="1"/>
-          </p:nvPr>
-        </p:nvSpPr>
-        <p:spPr/>
-        <p:txBody>
-          <a:bodyPr>
-            <a:normAutofit/>
-          </a:bodyPr>
-          <a:lstStyle/>
-          <a:p>
-            <a:pPr marL="0" indent="0">
-              <a:buNone/>
-            </a:pPr>
-            <a:r>
-              <a:rPr lang="en-US" dirty="0" smtClean="0"/>
-              <a:t>1. Setup: prepare the context of the test, the environment in which the target code will run; </a:t>
-            </a:r>
-          </a:p>
-          <a:p>
-            <a:pPr marL="0" indent="0">
-              <a:buNone/>
-            </a:pPr>
-            <a:r>
-              <a:rPr lang="en-US" dirty="0" smtClean="0"/>
-              <a:t>2. Execute: call the target code, triggering the tested behavior; </a:t>
-            </a:r>
-          </a:p>
-          <a:p>
-            <a:pPr marL="0" indent="0">
-              <a:buNone/>
-            </a:pPr>
-            <a:r>
-              <a:rPr lang="en-US" dirty="0" smtClean="0"/>
-              <a:t>3. Verify: check for a visible effect that we expect from the behavior; and, </a:t>
-            </a:r>
-          </a:p>
-          <a:p>
-            <a:pPr marL="0" indent="0">
-              <a:buNone/>
-            </a:pPr>
-            <a:r>
-              <a:rPr lang="en-US" dirty="0" smtClean="0"/>
-              <a:t>4. Teardown: clean up any leftover state that might corrupt other tests.</a:t>
-            </a:r>
-          </a:p>
-        </p:txBody>
-      </p:sp>
-    </p:spTree>
-    <p:extLst>
-      <p:ext uri="{BB962C8B-B14F-4D97-AF65-F5344CB8AC3E}">
-        <p14:creationId xmlns:p14="http://schemas.microsoft.com/office/powerpoint/2010/main" val="1151330143"/>
-      </p:ext>
-    </p:extLst>
-  </p:cSld>
-  <p:clrMapOvr>
-    <a:masterClrMapping/>
-  </p:clrMapOvr>
-</p:sld>
-</file>
-
 <file path=ppt/slides/slide46.xml><?xml version="1.0" encoding="utf-8"?>
 <p:sld xmlns:a="http://schemas.openxmlformats.org/drawingml/2006/main" xmlns:r="http://schemas.openxmlformats.org/officeDocument/2006/relationships" xmlns:p="http://schemas.openxmlformats.org/presentationml/2006/main">
   <p:cSld>
@@ -12783,123 +12934,64 @@
         </p:nvSpPr>
         <p:spPr/>
         <p:txBody>
-          <a:bodyPr>
-            <a:normAutofit fontScale="90000"/>
-          </a:bodyPr>
-          <a:lstStyle/>
-          <a:p>
+          <a:bodyPr/>
+          <a:lstStyle/>
+          <a:p>
+            <a:endParaRPr lang="en-US"/>
+          </a:p>
+        </p:txBody>
+      </p:sp>
+      <p:sp>
+        <p:nvSpPr>
+          <p:cNvPr id="3" name="Content Placeholder 2"/>
+          <p:cNvSpPr>
+            <a:spLocks noGrp="1"/>
+          </p:cNvSpPr>
+          <p:nvPr>
+            <p:ph idx="1"/>
+          </p:nvPr>
+        </p:nvSpPr>
+        <p:spPr/>
+        <p:txBody>
+          <a:bodyPr/>
+          <a:lstStyle/>
+          <a:p>
+            <a:pPr marL="0" indent="0">
+              <a:buNone/>
+            </a:pPr>
             <a:r>
               <a:rPr lang="en-US" dirty="0" smtClean="0"/>
-              <a:t>Keeping Test Clean</a:t>
-            </a:r>
-            <a:br>
+              <a:t>These names can be as long as we like because they’re only called through reflection—we never have to type them in to call them. </a:t>
+            </a:r>
+          </a:p>
+          <a:p>
+            <a:pPr marL="0" indent="0">
+              <a:buNone/>
+            </a:pPr>
+            <a:endParaRPr lang="en-US" dirty="0"/>
+          </a:p>
+          <a:p>
+            <a:pPr marL="0" indent="0">
+              <a:buNone/>
+            </a:pPr>
+            <a:r>
               <a:rPr lang="en-US" dirty="0" smtClean="0"/>
-            </a:br>
+              <a:t>The point of the convention is to encourage the developer to think in terms of what the target object does, not what it is.</a:t>
+            </a:r>
             <a:endParaRPr lang="en-US" dirty="0"/>
-          </a:p>
-        </p:txBody>
-      </p:sp>
-      <p:sp>
-        <p:nvSpPr>
-          <p:cNvPr id="3" name="Content Placeholder 2"/>
-          <p:cNvSpPr>
-            <a:spLocks noGrp="1"/>
-          </p:cNvSpPr>
-          <p:nvPr>
-            <p:ph idx="1"/>
-          </p:nvPr>
-        </p:nvSpPr>
-        <p:spPr/>
-        <p:txBody>
-          <a:bodyPr>
-            <a:normAutofit/>
-          </a:bodyPr>
-          <a:lstStyle/>
-          <a:p>
-            <a:pPr marL="0" lvl="1" indent="0">
-              <a:buNone/>
-            </a:pPr>
-            <a:r>
-              <a:rPr lang="en-US" dirty="0" smtClean="0"/>
-              <a:t>Test code is just as important as production code. It is not second class citizen.</a:t>
-            </a:r>
-          </a:p>
-          <a:p>
-            <a:pPr marL="0" lvl="1" indent="0">
-              <a:buNone/>
-            </a:pPr>
-            <a:endParaRPr lang="en-US" dirty="0" smtClean="0"/>
-          </a:p>
-          <a:p>
-            <a:pPr marL="0" lvl="1" indent="0">
-              <a:buNone/>
-            </a:pPr>
-            <a:r>
-              <a:rPr lang="en-US" sz="3200" b="1" u="sng" dirty="0" smtClean="0"/>
-              <a:t>What makes test clean </a:t>
-            </a:r>
-          </a:p>
-          <a:p>
-            <a:pPr marL="0" lvl="1" indent="0">
-              <a:buNone/>
-            </a:pPr>
-            <a:endParaRPr lang="en-US" dirty="0" smtClean="0"/>
-          </a:p>
-          <a:p>
-            <a:pPr marL="0" lvl="1" indent="0">
-              <a:buNone/>
-            </a:pPr>
-            <a:r>
-              <a:rPr lang="en-US" dirty="0" smtClean="0"/>
-              <a:t>Readability ,  Clarity , simplicity and density of                  expression</a:t>
-            </a:r>
-          </a:p>
-          <a:p>
-            <a:endParaRPr lang="en-US" dirty="0"/>
-          </a:p>
-        </p:txBody>
-      </p:sp>
-      <p:sp>
-        <p:nvSpPr>
-          <p:cNvPr id="4" name="Slide Number Placeholder 3"/>
-          <p:cNvSpPr>
-            <a:spLocks noGrp="1"/>
-          </p:cNvSpPr>
-          <p:nvPr>
-            <p:ph type="sldNum" sz="quarter" idx="12"/>
-          </p:nvPr>
-        </p:nvSpPr>
-        <p:spPr/>
-        <p:txBody>
-          <a:bodyPr/>
-          <a:lstStyle/>
-          <a:p>
-            <a:fld id="{2387B7E2-7538-4163-9310-D5E6EE1BC12A}" type="slidenum">
-              <a:rPr lang="en-US" smtClean="0"/>
-              <a:pPr/>
-              <a:t>46</a:t>
-            </a:fld>
-            <a:endParaRPr lang="en-US"/>
           </a:p>
         </p:txBody>
       </p:sp>
     </p:spTree>
     <p:extLst>
       <p:ext uri="{BB962C8B-B14F-4D97-AF65-F5344CB8AC3E}">
-        <p14:creationId xmlns:p14="http://schemas.microsoft.com/office/powerpoint/2010/main" val="3069588640"/>
+        <p14:creationId xmlns:p14="http://schemas.microsoft.com/office/powerpoint/2010/main" val="3336563957"/>
       </p:ext>
     </p:extLst>
   </p:cSld>
   <p:clrMapOvr>
     <a:masterClrMapping/>
   </p:clrMapOvr>
-  <p:timing>
-    <p:tnLst>
-      <p:par>
-        <p:cTn id="1" dur="indefinite" restart="never" nodeType="tmRoot"/>
-      </p:par>
-    </p:tnLst>
-  </p:timing>
 </p:sld>
 </file>
 
@@ -12930,191 +13022,60 @@
             <p:ph type="title"/>
           </p:nvPr>
         </p:nvSpPr>
-        <p:spPr>
-          <a:xfrm>
-            <a:off x="457200" y="274638"/>
-            <a:ext cx="8229600" cy="792162"/>
-          </a:xfrm>
-        </p:spPr>
-        <p:txBody>
-          <a:bodyPr>
-            <a:normAutofit fontScale="90000"/>
-          </a:bodyPr>
+        <p:spPr/>
+        <p:txBody>
+          <a:bodyPr/>
           <a:lstStyle/>
           <a:p>
             <a:r>
               <a:rPr lang="en-US" dirty="0" smtClean="0"/>
-              <a:t>F.I.R.S.T</a:t>
-            </a:r>
-            <a:br>
+              <a:t>Use Structure to share</a:t>
+            </a:r>
+            <a:endParaRPr lang="en-US" dirty="0"/>
+          </a:p>
+        </p:txBody>
+      </p:sp>
+      <p:sp>
+        <p:nvSpPr>
+          <p:cNvPr id="3" name="Content Placeholder 2"/>
+          <p:cNvSpPr>
+            <a:spLocks noGrp="1"/>
+          </p:cNvSpPr>
+          <p:nvPr>
+            <p:ph idx="1"/>
+          </p:nvPr>
+        </p:nvSpPr>
+        <p:spPr/>
+        <p:txBody>
+          <a:bodyPr/>
+          <a:lstStyle/>
+          <a:p>
+            <a:pPr marL="0" indent="0">
+              <a:buNone/>
+            </a:pPr>
+            <a:r>
               <a:rPr lang="en-US" dirty="0" smtClean="0"/>
-            </a:br>
+              <a:t>We also extract common features into methods that can be shared between tests for setting up values, tearing down state, making assertions, and occasionally triggering the event.</a:t>
+            </a:r>
+          </a:p>
+          <a:p>
+            <a:pPr marL="0" indent="0">
+              <a:buNone/>
+            </a:pPr>
             <a:endParaRPr lang="en-US" dirty="0"/>
-          </a:p>
-        </p:txBody>
-      </p:sp>
-      <p:sp>
-        <p:nvSpPr>
-          <p:cNvPr id="3" name="Content Placeholder 2"/>
-          <p:cNvSpPr>
-            <a:spLocks noGrp="1"/>
-          </p:cNvSpPr>
-          <p:nvPr>
-            <p:ph idx="1"/>
-          </p:nvPr>
-        </p:nvSpPr>
-        <p:spPr>
-          <a:xfrm>
-            <a:off x="381000" y="1219200"/>
-            <a:ext cx="8229600" cy="5638800"/>
-          </a:xfrm>
-        </p:spPr>
-        <p:txBody>
-          <a:bodyPr>
-            <a:noAutofit/>
-          </a:bodyPr>
-          <a:lstStyle/>
-          <a:p>
-            <a:pPr>
-              <a:buNone/>
-            </a:pPr>
-            <a:r>
-              <a:rPr lang="en-US" sz="1900" b="1" i="1" u="sng" dirty="0" smtClean="0"/>
-              <a:t>Fast </a:t>
-            </a:r>
-          </a:p>
-          <a:p>
-            <a:pPr>
-              <a:buNone/>
-            </a:pPr>
-            <a:r>
-              <a:rPr lang="en-US" sz="1900" b="1" dirty="0" smtClean="0"/>
-              <a:t>    </a:t>
-            </a:r>
-            <a:r>
-              <a:rPr lang="en-US" sz="1900" dirty="0" smtClean="0"/>
-              <a:t>Tests should be fast. They should run quickly. </a:t>
-            </a:r>
-          </a:p>
-          <a:p>
-            <a:pPr>
-              <a:buNone/>
-            </a:pPr>
-            <a:endParaRPr lang="en-US" sz="1900" dirty="0" smtClean="0"/>
-          </a:p>
-          <a:p>
-            <a:pPr>
-              <a:buNone/>
-            </a:pPr>
-            <a:r>
-              <a:rPr lang="en-US" sz="1900" dirty="0" smtClean="0"/>
-              <a:t>	When tests run slow, you won’t want to run them frequently. If you don’t run them frequently, you won’t find problems early enough to fix them easily. You won’t feel as free to clean up the code. Eventually the code will begin to rot.</a:t>
-            </a:r>
-          </a:p>
-          <a:p>
-            <a:pPr>
-              <a:buNone/>
-            </a:pPr>
-            <a:endParaRPr lang="en-US" sz="1900" dirty="0" smtClean="0"/>
-          </a:p>
-          <a:p>
-            <a:pPr>
-              <a:buNone/>
-            </a:pPr>
-            <a:r>
-              <a:rPr lang="en-US" sz="1900" b="1" i="1" u="sng" dirty="0" smtClean="0"/>
-              <a:t>Independent </a:t>
-            </a:r>
-          </a:p>
-          <a:p>
-            <a:pPr>
-              <a:buNone/>
-            </a:pPr>
-            <a:r>
-              <a:rPr lang="en-US" sz="1900" b="1" dirty="0" smtClean="0"/>
-              <a:t>     </a:t>
-            </a:r>
-            <a:r>
-              <a:rPr lang="en-US" sz="1900" dirty="0" smtClean="0"/>
-              <a:t>Tests should not depend on each other. </a:t>
-            </a:r>
-          </a:p>
-          <a:p>
-            <a:pPr>
-              <a:buNone/>
-            </a:pPr>
-            <a:r>
-              <a:rPr lang="en-US" sz="1900" dirty="0" smtClean="0"/>
-              <a:t>	</a:t>
-            </a:r>
-          </a:p>
-          <a:p>
-            <a:pPr>
-              <a:buNone/>
-            </a:pPr>
-            <a:r>
-              <a:rPr lang="en-US" sz="1900" dirty="0" smtClean="0"/>
-              <a:t>	One test should not set up the conditions for the next test. You should be able to run each test independently and run the tests in any order you like. </a:t>
-            </a:r>
-          </a:p>
-          <a:p>
-            <a:pPr>
-              <a:buNone/>
-            </a:pPr>
-            <a:endParaRPr lang="en-US" sz="1900" dirty="0" smtClean="0"/>
-          </a:p>
-          <a:p>
-            <a:pPr>
-              <a:buNone/>
-            </a:pPr>
-            <a:r>
-              <a:rPr lang="en-US" sz="1900" dirty="0" smtClean="0"/>
-              <a:t>	When tests depend on each other, then the first one to fail causes a cascade of downstream failures, making diagnosis difficult and hiding downstream defects.</a:t>
-            </a:r>
-          </a:p>
-        </p:txBody>
-      </p:sp>
-      <p:sp>
-        <p:nvSpPr>
-          <p:cNvPr id="4" name="Slide Number Placeholder 3"/>
-          <p:cNvSpPr>
-            <a:spLocks noGrp="1"/>
-          </p:cNvSpPr>
-          <p:nvPr>
-            <p:ph type="sldNum" sz="quarter" idx="12"/>
-          </p:nvPr>
-        </p:nvSpPr>
-        <p:spPr/>
-        <p:txBody>
-          <a:bodyPr/>
-          <a:lstStyle/>
-          <a:p>
-            <a:fld id="{2387B7E2-7538-4163-9310-D5E6EE1BC12A}" type="slidenum">
-              <a:rPr lang="en-US" smtClean="0"/>
-              <a:pPr/>
-              <a:t>47</a:t>
-            </a:fld>
-            <a:endParaRPr lang="en-US"/>
           </a:p>
         </p:txBody>
       </p:sp>
     </p:spTree>
     <p:extLst>
       <p:ext uri="{BB962C8B-B14F-4D97-AF65-F5344CB8AC3E}">
-        <p14:creationId xmlns:p14="http://schemas.microsoft.com/office/powerpoint/2010/main" val="4129828669"/>
+        <p14:creationId xmlns:p14="http://schemas.microsoft.com/office/powerpoint/2010/main" val="1820980957"/>
       </p:ext>
     </p:extLst>
   </p:cSld>
   <p:clrMapOvr>
     <a:masterClrMapping/>
   </p:clrMapOvr>
-  <p:timing>
-    <p:tnLst>
-      <p:par>
-        <p:cTn id="1" dur="indefinite" restart="never" nodeType="tmRoot"/>
-      </p:par>
-    </p:tnLst>
-  </p:timing>
 </p:sld>
 </file>
 
@@ -13137,6 +13098,29 @@
       </p:grpSpPr>
       <p:sp>
         <p:nvSpPr>
+          <p:cNvPr id="2" name="Title 1"/>
+          <p:cNvSpPr>
+            <a:spLocks noGrp="1"/>
+          </p:cNvSpPr>
+          <p:nvPr>
+            <p:ph type="title"/>
+          </p:nvPr>
+        </p:nvSpPr>
+        <p:spPr/>
+        <p:txBody>
+          <a:bodyPr/>
+          <a:lstStyle/>
+          <a:p>
+            <a:r>
+              <a:rPr lang="en-US" dirty="0" smtClean="0"/>
+              <a:t>Test Structure</a:t>
+            </a:r>
+            <a:endParaRPr lang="en-US" dirty="0"/>
+          </a:p>
+        </p:txBody>
+      </p:sp>
+      <p:sp>
+        <p:nvSpPr>
           <p:cNvPr id="3" name="Content Placeholder 2"/>
           <p:cNvSpPr>
             <a:spLocks noGrp="1"/>
@@ -13145,73 +13129,37 @@
             <p:ph idx="1"/>
           </p:nvPr>
         </p:nvSpPr>
-        <p:spPr>
-          <a:xfrm>
-            <a:off x="609600" y="228600"/>
-            <a:ext cx="7772400" cy="6248400"/>
-          </a:xfrm>
-        </p:spPr>
+        <p:spPr/>
         <p:txBody>
           <a:bodyPr>
-            <a:noAutofit/>
+            <a:normAutofit/>
           </a:bodyPr>
           <a:lstStyle/>
           <a:p>
-            <a:pPr>
-              <a:lnSpc>
-                <a:spcPct val="80000"/>
-              </a:lnSpc>
-              <a:buNone/>
-            </a:pPr>
-            <a:r>
-              <a:rPr lang="en-US" sz="1900" b="1" i="1" u="sng" dirty="0" smtClean="0"/>
-              <a:t>Repeatable </a:t>
-            </a:r>
-            <a:endParaRPr lang="en-US" sz="1900" dirty="0" smtClean="0"/>
-          </a:p>
-          <a:p>
             <a:pPr marL="0" indent="0">
               <a:buNone/>
             </a:pPr>
             <a:r>
-              <a:rPr lang="en-US" sz="1900" dirty="0" smtClean="0"/>
-              <a:t>Tests should be repeatable in any environment. You should be able to run the tests in the production environment, in the QA environment, without a network.</a:t>
+              <a:rPr lang="en-US" dirty="0" smtClean="0"/>
+              <a:t>1. Setup: prepare the context of the test, the environment in which the target code will run; </a:t>
             </a:r>
           </a:p>
           <a:p>
             <a:pPr marL="0" indent="0">
               <a:buNone/>
             </a:pPr>
-            <a:endParaRPr lang="en-US" sz="1900" dirty="0" smtClean="0"/>
+            <a:r>
+              <a:rPr lang="en-US" dirty="0" smtClean="0"/>
+              <a:t>2. Execute: call the target code, triggering the tested behavior; </a:t>
+            </a:r>
           </a:p>
           <a:p>
             <a:pPr marL="0" indent="0">
               <a:buNone/>
             </a:pPr>
             <a:r>
-              <a:rPr lang="en-US" sz="1900" dirty="0" smtClean="0"/>
-              <a:t> If your tests aren’t repeatable in any environment, then you’ll always have an excuse for why they fail. You’ll also find yourself unable  to run the tests when the environment isn’t available.</a:t>
-            </a:r>
-          </a:p>
-          <a:p>
-            <a:pPr>
-              <a:lnSpc>
-                <a:spcPct val="80000"/>
-              </a:lnSpc>
-              <a:buNone/>
-            </a:pPr>
-            <a:endParaRPr lang="en-US" sz="1900" b="1" i="1" u="sng" dirty="0" smtClean="0"/>
-          </a:p>
-          <a:p>
-            <a:pPr>
-              <a:lnSpc>
-                <a:spcPct val="80000"/>
-              </a:lnSpc>
-              <a:buNone/>
-            </a:pPr>
-            <a:r>
-              <a:rPr lang="en-US" sz="1900" b="1" i="1" u="sng" dirty="0" smtClean="0"/>
-              <a:t>Self-Validating </a:t>
+              <a:rPr lang="en-US" dirty="0" smtClean="0"/>
+              <a:t>3. Verify: check for a visible effect that we expect from the behavior; and, </a:t>
             </a:r>
           </a:p>
           <a:p>
@@ -13219,76 +13167,22 @@
               <a:buNone/>
             </a:pPr>
             <a:r>
-              <a:rPr lang="en-US" sz="1900" dirty="0" smtClean="0"/>
-              <a:t>The tests should have a </a:t>
-            </a:r>
-            <a:r>
-              <a:rPr lang="en-US" sz="1900" dirty="0" err="1" smtClean="0"/>
-              <a:t>boolean</a:t>
-            </a:r>
-            <a:r>
-              <a:rPr lang="en-US" sz="1900" dirty="0" smtClean="0"/>
-              <a:t> output. Either they pass or fail. </a:t>
-            </a:r>
-          </a:p>
-          <a:p>
-            <a:pPr marL="0" indent="0">
-              <a:buNone/>
-            </a:pPr>
-            <a:endParaRPr lang="en-US" sz="1900" dirty="0" smtClean="0"/>
-          </a:p>
-          <a:p>
-            <a:pPr marL="0" indent="0">
-              <a:buNone/>
-            </a:pPr>
-            <a:r>
-              <a:rPr lang="en-US" sz="1900" dirty="0" smtClean="0"/>
-              <a:t>You should not have to read through a log file to tell whether the tests pass. If the tests aren’t self-validating, then failure can become subjective and running the tests can require a long manual evaluation.</a:t>
-            </a:r>
-          </a:p>
-        </p:txBody>
-      </p:sp>
-      <p:sp>
-        <p:nvSpPr>
-          <p:cNvPr id="4" name="Slide Number Placeholder 3"/>
-          <p:cNvSpPr>
-            <a:spLocks noGrp="1"/>
-          </p:cNvSpPr>
-          <p:nvPr>
-            <p:ph type="sldNum" sz="quarter" idx="12"/>
-          </p:nvPr>
-        </p:nvSpPr>
-        <p:spPr/>
-        <p:txBody>
-          <a:bodyPr/>
-          <a:lstStyle/>
-          <a:p>
-            <a:fld id="{2387B7E2-7538-4163-9310-D5E6EE1BC12A}" type="slidenum">
-              <a:rPr lang="en-US" smtClean="0"/>
-              <a:pPr/>
-              <a:t>48</a:t>
-            </a:fld>
-            <a:endParaRPr lang="en-US"/>
+              <a:rPr lang="en-US" dirty="0" smtClean="0"/>
+              <a:t>4. Teardown: clean up any leftover state that might corrupt other tests.</a:t>
+            </a:r>
           </a:p>
         </p:txBody>
       </p:sp>
     </p:spTree>
     <p:extLst>
       <p:ext uri="{BB962C8B-B14F-4D97-AF65-F5344CB8AC3E}">
-        <p14:creationId xmlns:p14="http://schemas.microsoft.com/office/powerpoint/2010/main" val="2320597189"/>
+        <p14:creationId xmlns:p14="http://schemas.microsoft.com/office/powerpoint/2010/main" val="1151330143"/>
       </p:ext>
     </p:extLst>
   </p:cSld>
   <p:clrMapOvr>
     <a:masterClrMapping/>
   </p:clrMapOvr>
-  <p:timing>
-    <p:tnLst>
-      <p:par>
-        <p:cTn id="1" dur="indefinite" restart="never" nodeType="tmRoot"/>
-      </p:par>
-    </p:tnLst>
-  </p:timing>
 </p:sld>
 </file>
 
@@ -13311,6 +13205,34 @@
       </p:grpSpPr>
       <p:sp>
         <p:nvSpPr>
+          <p:cNvPr id="2" name="Title 1"/>
+          <p:cNvSpPr>
+            <a:spLocks noGrp="1"/>
+          </p:cNvSpPr>
+          <p:nvPr>
+            <p:ph type="title"/>
+          </p:nvPr>
+        </p:nvSpPr>
+        <p:spPr/>
+        <p:txBody>
+          <a:bodyPr>
+            <a:normAutofit fontScale="90000"/>
+          </a:bodyPr>
+          <a:lstStyle/>
+          <a:p>
+            <a:r>
+              <a:rPr lang="en-US" dirty="0" smtClean="0"/>
+              <a:t>Keeping Test Clean</a:t>
+            </a:r>
+            <a:br>
+              <a:rPr lang="en-US" dirty="0" smtClean="0"/>
+            </a:br>
+            <a:endParaRPr lang="en-US" dirty="0"/>
+          </a:p>
+        </p:txBody>
+      </p:sp>
+      <p:sp>
+        <p:nvSpPr>
           <p:cNvPr id="3" name="Content Placeholder 2"/>
           <p:cNvSpPr>
             <a:spLocks noGrp="1"/>
@@ -13319,54 +13241,53 @@
             <p:ph idx="1"/>
           </p:nvPr>
         </p:nvSpPr>
-        <p:spPr>
-          <a:xfrm>
-            <a:off x="457200" y="1066800"/>
-            <a:ext cx="8229600" cy="5257800"/>
-          </a:xfrm>
-        </p:spPr>
-        <p:txBody>
-          <a:bodyPr/>
-          <a:lstStyle/>
-          <a:p>
-            <a:pPr>
-              <a:buNone/>
-            </a:pPr>
-            <a:r>
-              <a:rPr lang="en-US" sz="2500" b="1" i="1" u="sng" dirty="0" smtClean="0"/>
-              <a:t>Timely </a:t>
-            </a:r>
-          </a:p>
-          <a:p>
-            <a:pPr>
+        <p:spPr/>
+        <p:txBody>
+          <a:bodyPr>
+            <a:normAutofit/>
+          </a:bodyPr>
+          <a:lstStyle/>
+          <a:p>
+            <a:pPr marL="0" lvl="1" indent="0">
               <a:buNone/>
             </a:pPr>
             <a:r>
               <a:rPr lang="en-US" dirty="0" smtClean="0"/>
-              <a:t>	</a:t>
-            </a:r>
-            <a:r>
-              <a:rPr lang="en-US" sz="2500" dirty="0" smtClean="0"/>
-              <a:t>The tests need to be written in a timely fashion. Unit tests should be written just before the production code that makes them pass.</a:t>
-            </a:r>
-          </a:p>
-          <a:p>
-            <a:pPr>
-              <a:buNone/>
-            </a:pPr>
-            <a:endParaRPr lang="en-US" sz="2500" dirty="0" smtClean="0"/>
-          </a:p>
-          <a:p>
-            <a:pPr>
-              <a:buNone/>
-            </a:pPr>
-            <a:r>
-              <a:rPr lang="en-US" sz="2500" dirty="0" smtClean="0"/>
-              <a:t>	 If you write tests after the production code, then you may find the production code to be hard to test. You may decide that some production code is too hard to test. You may not design the production code to be testable.</a:t>
-            </a:r>
-          </a:p>
-          <a:p>
-            <a:endParaRPr lang="en-GB" dirty="0"/>
+              <a:t>Test code is just as important as production code. It is not second class citizen.</a:t>
+            </a:r>
+          </a:p>
+          <a:p>
+            <a:pPr marL="0" lvl="1" indent="0">
+              <a:buNone/>
+            </a:pPr>
+            <a:endParaRPr lang="en-US" dirty="0" smtClean="0"/>
+          </a:p>
+          <a:p>
+            <a:pPr marL="0" lvl="1" indent="0">
+              <a:buNone/>
+            </a:pPr>
+            <a:r>
+              <a:rPr lang="en-US" sz="3200" b="1" u="sng" dirty="0" smtClean="0"/>
+              <a:t>What makes test clean </a:t>
+            </a:r>
+          </a:p>
+          <a:p>
+            <a:pPr marL="0" lvl="1" indent="0">
+              <a:buNone/>
+            </a:pPr>
+            <a:endParaRPr lang="en-US" dirty="0" smtClean="0"/>
+          </a:p>
+          <a:p>
+            <a:pPr marL="0" lvl="1" indent="0">
+              <a:buNone/>
+            </a:pPr>
+            <a:r>
+              <a:rPr lang="en-US" dirty="0" smtClean="0"/>
+              <a:t>Readability ,  Clarity , simplicity and density of                  expression</a:t>
+            </a:r>
+          </a:p>
+          <a:p>
+            <a:endParaRPr lang="en-US" dirty="0"/>
           </a:p>
         </p:txBody>
       </p:sp>
@@ -13397,7 +13318,7 @@
     </p:spTree>
     <p:extLst>
       <p:ext uri="{BB962C8B-B14F-4D97-AF65-F5344CB8AC3E}">
-        <p14:creationId xmlns:p14="http://schemas.microsoft.com/office/powerpoint/2010/main" val="2829465321"/>
+        <p14:creationId xmlns:p14="http://schemas.microsoft.com/office/powerpoint/2010/main" val="3069588640"/>
       </p:ext>
     </p:extLst>
   </p:cSld>
@@ -13782,15 +13703,25 @@
             <p:ph type="title"/>
           </p:nvPr>
         </p:nvSpPr>
-        <p:spPr/>
-        <p:txBody>
-          <a:bodyPr/>
+        <p:spPr>
+          <a:xfrm>
+            <a:off x="457200" y="274638"/>
+            <a:ext cx="8229600" cy="792162"/>
+          </a:xfrm>
+        </p:spPr>
+        <p:txBody>
+          <a:bodyPr>
+            <a:normAutofit fontScale="90000"/>
+          </a:bodyPr>
           <a:lstStyle/>
           <a:p>
             <a:r>
               <a:rPr lang="en-US" dirty="0" smtClean="0"/>
-              <a:t>Common test smells</a:t>
-            </a:r>
+              <a:t>F.I.R.S.T</a:t>
+            </a:r>
+            <a:br>
+              <a:rPr lang="en-US" dirty="0" smtClean="0"/>
+            </a:br>
             <a:endParaRPr lang="en-US" dirty="0"/>
           </a:p>
         </p:txBody>
@@ -13805,63 +13736,114 @@
             <p:ph idx="1"/>
           </p:nvPr>
         </p:nvSpPr>
-        <p:spPr/>
-        <p:txBody>
-          <a:bodyPr/>
-          <a:lstStyle/>
-          <a:p>
-            <a:r>
-              <a:rPr lang="en-US" b="1" dirty="0" smtClean="0"/>
-              <a:t>Hard-to-Test Code</a:t>
-            </a:r>
-          </a:p>
-          <a:p>
-            <a:r>
-              <a:rPr lang="en-US" b="1" dirty="0"/>
-              <a:t>Fragile Test</a:t>
-            </a:r>
-          </a:p>
-          <a:p>
-            <a:r>
-              <a:rPr lang="en-US" b="1" dirty="0"/>
-              <a:t>Test Code </a:t>
-            </a:r>
-            <a:r>
-              <a:rPr lang="en-US" b="1" dirty="0" smtClean="0"/>
-              <a:t>Duplication</a:t>
-            </a:r>
-          </a:p>
-          <a:p>
-            <a:r>
-              <a:rPr lang="en-US" b="1" dirty="0"/>
-              <a:t>Slow </a:t>
-            </a:r>
-            <a:r>
-              <a:rPr lang="en-US" b="1" dirty="0" smtClean="0"/>
-              <a:t>Tests</a:t>
-            </a:r>
-          </a:p>
-          <a:p>
-            <a:r>
-              <a:rPr lang="en-US" b="1" smtClean="0"/>
-              <a:t>Conditional </a:t>
-            </a:r>
-            <a:r>
-              <a:rPr lang="en-US" b="1" dirty="0"/>
-              <a:t>Test Logic</a:t>
-            </a:r>
-          </a:p>
-          <a:p>
-            <a:endParaRPr lang="en-US" b="1" dirty="0" smtClean="0"/>
-          </a:p>
-          <a:p>
-            <a:endParaRPr lang="en-US" b="1" dirty="0" smtClean="0"/>
-          </a:p>
-          <a:p>
-            <a:endParaRPr lang="en-US" b="1" dirty="0" smtClean="0"/>
-          </a:p>
-          <a:p>
-            <a:endParaRPr lang="en-US" dirty="0"/>
+        <p:spPr>
+          <a:xfrm>
+            <a:off x="381000" y="1219200"/>
+            <a:ext cx="8229600" cy="5638800"/>
+          </a:xfrm>
+        </p:spPr>
+        <p:txBody>
+          <a:bodyPr>
+            <a:noAutofit/>
+          </a:bodyPr>
+          <a:lstStyle/>
+          <a:p>
+            <a:pPr>
+              <a:buNone/>
+            </a:pPr>
+            <a:r>
+              <a:rPr lang="en-US" sz="1900" b="1" i="1" u="sng" dirty="0" smtClean="0"/>
+              <a:t>Fast </a:t>
+            </a:r>
+          </a:p>
+          <a:p>
+            <a:pPr>
+              <a:buNone/>
+            </a:pPr>
+            <a:r>
+              <a:rPr lang="en-US" sz="1900" b="1" dirty="0" smtClean="0"/>
+              <a:t>    </a:t>
+            </a:r>
+            <a:r>
+              <a:rPr lang="en-US" sz="1900" dirty="0" smtClean="0"/>
+              <a:t>Tests should be fast. They should run quickly. </a:t>
+            </a:r>
+          </a:p>
+          <a:p>
+            <a:pPr>
+              <a:buNone/>
+            </a:pPr>
+            <a:endParaRPr lang="en-US" sz="1900" dirty="0" smtClean="0"/>
+          </a:p>
+          <a:p>
+            <a:pPr>
+              <a:buNone/>
+            </a:pPr>
+            <a:r>
+              <a:rPr lang="en-US" sz="1900" dirty="0" smtClean="0"/>
+              <a:t>	When tests run slow, you won’t want to run them frequently. If you don’t run them frequently, you won’t find problems early enough to fix them easily. You won’t feel as free to clean up the code. Eventually the code will begin to rot.</a:t>
+            </a:r>
+          </a:p>
+          <a:p>
+            <a:pPr>
+              <a:buNone/>
+            </a:pPr>
+            <a:endParaRPr lang="en-US" sz="1900" dirty="0" smtClean="0"/>
+          </a:p>
+          <a:p>
+            <a:pPr>
+              <a:buNone/>
+            </a:pPr>
+            <a:r>
+              <a:rPr lang="en-US" sz="1900" b="1" i="1" u="sng" dirty="0" smtClean="0"/>
+              <a:t>Independent </a:t>
+            </a:r>
+          </a:p>
+          <a:p>
+            <a:pPr>
+              <a:buNone/>
+            </a:pPr>
+            <a:r>
+              <a:rPr lang="en-US" sz="1900" b="1" dirty="0" smtClean="0"/>
+              <a:t>     </a:t>
+            </a:r>
+            <a:r>
+              <a:rPr lang="en-US" sz="1900" dirty="0" smtClean="0"/>
+              <a:t>Tests should not depend on each other. </a:t>
+            </a:r>
+          </a:p>
+          <a:p>
+            <a:pPr>
+              <a:buNone/>
+            </a:pPr>
+            <a:r>
+              <a:rPr lang="en-US" sz="1900" dirty="0" smtClean="0"/>
+              <a:t>	</a:t>
+            </a:r>
+          </a:p>
+          <a:p>
+            <a:pPr>
+              <a:buNone/>
+            </a:pPr>
+            <a:r>
+              <a:rPr lang="en-US" sz="1900" dirty="0" smtClean="0"/>
+              <a:t>	One test should not set up the conditions for the next test. You should be able to run each test independently and run the tests in any order you like. </a:t>
+            </a:r>
+          </a:p>
+          <a:p>
+            <a:pPr>
+              <a:buNone/>
+            </a:pPr>
+            <a:endParaRPr lang="en-US" sz="1900" dirty="0" smtClean="0"/>
+          </a:p>
+          <a:p>
+            <a:pPr>
+              <a:buNone/>
+            </a:pPr>
+            <a:r>
+              <a:rPr lang="en-US" sz="1900" dirty="0" smtClean="0"/>
+              <a:t>	When tests depend on each other, then the first one to fail causes a cascade of downstream failures, making diagnosis difficult and hiding downstream defects.</a:t>
+            </a:r>
           </a:p>
         </p:txBody>
       </p:sp>
@@ -13892,13 +13874,20 @@
     </p:spTree>
     <p:extLst>
       <p:ext uri="{BB962C8B-B14F-4D97-AF65-F5344CB8AC3E}">
-        <p14:creationId xmlns:p14="http://schemas.microsoft.com/office/powerpoint/2010/main" val="3764183905"/>
+        <p14:creationId xmlns:p14="http://schemas.microsoft.com/office/powerpoint/2010/main" val="4129828669"/>
       </p:ext>
     </p:extLst>
   </p:cSld>
   <p:clrMapOvr>
     <a:masterClrMapping/>
   </p:clrMapOvr>
+  <p:timing>
+    <p:tnLst>
+      <p:par>
+        <p:cTn id="1" dur="indefinite" restart="never" nodeType="tmRoot"/>
+      </p:par>
+    </p:tnLst>
+  </p:timing>
 </p:sld>
 </file>
 
@@ -13921,56 +13910,120 @@
       </p:grpSpPr>
       <p:sp>
         <p:nvSpPr>
-          <p:cNvPr id="2" name="Title 1"/>
-          <p:cNvSpPr>
-            <a:spLocks noGrp="1"/>
-          </p:cNvSpPr>
-          <p:nvPr>
-            <p:ph type="title"/>
-          </p:nvPr>
-        </p:nvSpPr>
-        <p:spPr/>
-        <p:txBody>
-          <a:bodyPr/>
-          <a:lstStyle/>
-          <a:p>
-            <a:r>
-              <a:rPr lang="en-US" dirty="0" smtClean="0"/>
-              <a:t>Tools</a:t>
-            </a:r>
-            <a:endParaRPr lang="en-GB" dirty="0"/>
-          </a:p>
-        </p:txBody>
-      </p:sp>
-      <p:pic>
-        <p:nvPicPr>
-          <p:cNvPr id="4" name="Picture 2" descr="http://infrastructuretesting.files.wordpress.com/2013/02/swiss-knife.jpg"/>
-          <p:cNvPicPr>
-            <a:picLocks noChangeAspect="1" noChangeArrowheads="1"/>
-          </p:cNvPicPr>
-          <p:nvPr/>
-        </p:nvPicPr>
-        <p:blipFill>
-          <a:blip r:embed="rId2" cstate="print"/>
-          <a:srcRect/>
-          <a:stretch>
-            <a:fillRect/>
-          </a:stretch>
-        </p:blipFill>
-        <p:spPr bwMode="auto">
+          <p:cNvPr id="3" name="Content Placeholder 2"/>
+          <p:cNvSpPr>
+            <a:spLocks noGrp="1"/>
+          </p:cNvSpPr>
+          <p:nvPr>
+            <p:ph idx="1"/>
+          </p:nvPr>
+        </p:nvSpPr>
+        <p:spPr>
           <a:xfrm>
-            <a:off x="1066800" y="1600200"/>
-            <a:ext cx="6629400" cy="4572000"/>
+            <a:off x="609600" y="228600"/>
+            <a:ext cx="7772400" cy="6248400"/>
           </a:xfrm>
-          <a:prstGeom prst="rect">
-            <a:avLst/>
-          </a:prstGeom>
-          <a:noFill/>
         </p:spPr>
-      </p:pic>
-      <p:sp>
-        <p:nvSpPr>
-          <p:cNvPr id="5" name="Slide Number Placeholder 4"/>
+        <p:txBody>
+          <a:bodyPr>
+            <a:noAutofit/>
+          </a:bodyPr>
+          <a:lstStyle/>
+          <a:p>
+            <a:pPr>
+              <a:lnSpc>
+                <a:spcPct val="80000"/>
+              </a:lnSpc>
+              <a:buNone/>
+            </a:pPr>
+            <a:r>
+              <a:rPr lang="en-US" sz="1900" b="1" i="1" u="sng" dirty="0" smtClean="0"/>
+              <a:t>Repeatable </a:t>
+            </a:r>
+            <a:endParaRPr lang="en-US" sz="1900" dirty="0" smtClean="0"/>
+          </a:p>
+          <a:p>
+            <a:pPr marL="0" indent="0">
+              <a:buNone/>
+            </a:pPr>
+            <a:r>
+              <a:rPr lang="en-US" sz="1900" dirty="0" smtClean="0"/>
+              <a:t>Tests should be repeatable in any environment. You should be able to run the tests in the production environment, in the QA environment, without a network.</a:t>
+            </a:r>
+          </a:p>
+          <a:p>
+            <a:pPr marL="0" indent="0">
+              <a:buNone/>
+            </a:pPr>
+            <a:endParaRPr lang="en-US" sz="1900" dirty="0" smtClean="0"/>
+          </a:p>
+          <a:p>
+            <a:pPr marL="0" indent="0">
+              <a:buNone/>
+            </a:pPr>
+            <a:r>
+              <a:rPr lang="en-US" sz="1900" dirty="0" smtClean="0"/>
+              <a:t> If your tests aren’t repeatable in any environment, then you’ll always have an excuse for why they fail. You’ll also find yourself unable  to run the tests when the environment isn’t available.</a:t>
+            </a:r>
+          </a:p>
+          <a:p>
+            <a:pPr>
+              <a:lnSpc>
+                <a:spcPct val="80000"/>
+              </a:lnSpc>
+              <a:buNone/>
+            </a:pPr>
+            <a:endParaRPr lang="en-US" sz="1900" b="1" i="1" u="sng" dirty="0" smtClean="0"/>
+          </a:p>
+          <a:p>
+            <a:pPr>
+              <a:lnSpc>
+                <a:spcPct val="80000"/>
+              </a:lnSpc>
+              <a:buNone/>
+            </a:pPr>
+            <a:r>
+              <a:rPr lang="en-US" sz="1900" b="1" i="1" u="sng" dirty="0" smtClean="0"/>
+              <a:t>Self-Validating </a:t>
+            </a:r>
+          </a:p>
+          <a:p>
+            <a:pPr marL="0" indent="0">
+              <a:buNone/>
+            </a:pPr>
+            <a:r>
+              <a:rPr lang="en-US" sz="1900" dirty="0" smtClean="0"/>
+              <a:t>The tests should have a </a:t>
+            </a:r>
+            <a:r>
+              <a:rPr lang="en-US" sz="1900" dirty="0" err="1" smtClean="0"/>
+              <a:t>boolean</a:t>
+            </a:r>
+            <a:r>
+              <a:rPr lang="en-US" sz="1900" dirty="0" smtClean="0"/>
+              <a:t> output. Either they pass or fail. </a:t>
+            </a:r>
+          </a:p>
+          <a:p>
+            <a:pPr marL="0" indent="0">
+              <a:buNone/>
+            </a:pPr>
+            <a:endParaRPr lang="en-US" sz="1900" dirty="0" smtClean="0"/>
+          </a:p>
+          <a:p>
+            <a:pPr marL="0" indent="0">
+              <a:buNone/>
+            </a:pPr>
+            <a:r>
+              <a:rPr lang="en-US" sz="1900" dirty="0" smtClean="0"/>
+              <a:t>You should not have to read through a log file to tell whether the tests pass. If the tests aren’t self-validating, then failure can become subjective and running the tests can require a long manual evaluation.</a:t>
+            </a:r>
+          </a:p>
+        </p:txBody>
+      </p:sp>
+      <p:sp>
+        <p:nvSpPr>
+          <p:cNvPr id="4" name="Slide Number Placeholder 3"/>
           <p:cNvSpPr>
             <a:spLocks noGrp="1"/>
           </p:cNvSpPr>
@@ -13993,6 +14046,11 @@
         </p:txBody>
       </p:sp>
     </p:spTree>
+    <p:extLst>
+      <p:ext uri="{BB962C8B-B14F-4D97-AF65-F5344CB8AC3E}">
+        <p14:creationId xmlns:p14="http://schemas.microsoft.com/office/powerpoint/2010/main" val="2320597189"/>
+      </p:ext>
+    </p:extLst>
   </p:cSld>
   <p:clrMapOvr>
     <a:masterClrMapping/>
@@ -14026,25 +14084,6 @@
       </p:grpSpPr>
       <p:sp>
         <p:nvSpPr>
-          <p:cNvPr id="2" name="Title 1"/>
-          <p:cNvSpPr>
-            <a:spLocks noGrp="1"/>
-          </p:cNvSpPr>
-          <p:nvPr>
-            <p:ph type="title"/>
-          </p:nvPr>
-        </p:nvSpPr>
-        <p:spPr/>
-        <p:txBody>
-          <a:bodyPr/>
-          <a:lstStyle/>
-          <a:p>
-            <a:endParaRPr lang="en-US"/>
-          </a:p>
-        </p:txBody>
-      </p:sp>
-      <p:sp>
-        <p:nvSpPr>
           <p:cNvPr id="3" name="Content Placeholder 2"/>
           <p:cNvSpPr>
             <a:spLocks noGrp="1"/>
@@ -14053,65 +14092,54 @@
             <p:ph idx="1"/>
           </p:nvPr>
         </p:nvSpPr>
-        <p:spPr/>
-        <p:txBody>
-          <a:bodyPr>
-            <a:normAutofit lnSpcReduction="10000"/>
-          </a:bodyPr>
-          <a:lstStyle/>
-          <a:p>
+        <p:spPr>
+          <a:xfrm>
+            <a:off x="457200" y="1066800"/>
+            <a:ext cx="8229600" cy="5257800"/>
+          </a:xfrm>
+        </p:spPr>
+        <p:txBody>
+          <a:bodyPr/>
+          <a:lstStyle/>
+          <a:p>
+            <a:pPr>
+              <a:buNone/>
+            </a:pPr>
+            <a:r>
+              <a:rPr lang="en-US" sz="2500" b="1" i="1" u="sng" dirty="0" smtClean="0"/>
+              <a:t>Timely </a:t>
+            </a:r>
+          </a:p>
+          <a:p>
+            <a:pPr>
+              <a:buNone/>
+            </a:pPr>
             <a:r>
               <a:rPr lang="en-US" dirty="0" smtClean="0"/>
-              <a:t>Visual Studio </a:t>
-            </a:r>
-          </a:p>
-          <a:p>
-            <a:r>
-              <a:rPr lang="en-US" dirty="0" err="1" smtClean="0"/>
-              <a:t>Resharper</a:t>
-            </a:r>
-            <a:endParaRPr lang="en-US" dirty="0" smtClean="0"/>
-          </a:p>
-          <a:p>
-            <a:r>
-              <a:rPr lang="en-US" dirty="0" err="1" smtClean="0"/>
-              <a:t>Xunit</a:t>
-            </a:r>
-            <a:endParaRPr lang="en-US" dirty="0" smtClean="0"/>
-          </a:p>
-          <a:p>
-            <a:r>
-              <a:rPr lang="en-US" dirty="0" err="1" smtClean="0"/>
-              <a:t>Moq</a:t>
-            </a:r>
-            <a:endParaRPr lang="en-US" dirty="0" smtClean="0"/>
-          </a:p>
-          <a:p>
-            <a:r>
-              <a:rPr lang="en-US" dirty="0" err="1" smtClean="0"/>
-              <a:t>Nsubstitiute</a:t>
-            </a:r>
-            <a:endParaRPr lang="en-US" dirty="0" smtClean="0"/>
-          </a:p>
-          <a:p>
-            <a:r>
-              <a:rPr lang="en-US" dirty="0" err="1" smtClean="0"/>
-              <a:t>RhinoMock</a:t>
-            </a:r>
-            <a:endParaRPr lang="en-US" dirty="0" smtClean="0"/>
-          </a:p>
-          <a:p>
-            <a:r>
-              <a:rPr lang="en-US" dirty="0" smtClean="0"/>
-              <a:t>Fitness</a:t>
-            </a:r>
-          </a:p>
-          <a:p>
-            <a:r>
-              <a:rPr lang="en-US" dirty="0" err="1" smtClean="0"/>
-              <a:t>Specflow</a:t>
-            </a:r>
-            <a:endParaRPr lang="en-US" dirty="0"/>
+              <a:t>	</a:t>
+            </a:r>
+            <a:r>
+              <a:rPr lang="en-US" sz="2500" dirty="0" smtClean="0"/>
+              <a:t>The tests need to be written in a timely fashion. Unit tests should be written just before the production code that makes them pass.</a:t>
+            </a:r>
+          </a:p>
+          <a:p>
+            <a:pPr>
+              <a:buNone/>
+            </a:pPr>
+            <a:endParaRPr lang="en-US" sz="2500" dirty="0" smtClean="0"/>
+          </a:p>
+          <a:p>
+            <a:pPr>
+              <a:buNone/>
+            </a:pPr>
+            <a:r>
+              <a:rPr lang="en-US" sz="2500" dirty="0" smtClean="0"/>
+              <a:t>	 If you write tests after the production code, then you may find the production code to be hard to test. You may decide that some production code is too hard to test. You may not design the production code to be testable.</a:t>
+            </a:r>
+          </a:p>
+          <a:p>
+            <a:endParaRPr lang="en-GB" dirty="0"/>
           </a:p>
         </p:txBody>
       </p:sp>
@@ -14140,6 +14168,11 @@
         </p:txBody>
       </p:sp>
     </p:spTree>
+    <p:extLst>
+      <p:ext uri="{BB962C8B-B14F-4D97-AF65-F5344CB8AC3E}">
+        <p14:creationId xmlns:p14="http://schemas.microsoft.com/office/powerpoint/2010/main" val="2829465321"/>
+      </p:ext>
+    </p:extLst>
   </p:cSld>
   <p:clrMapOvr>
     <a:masterClrMapping/>
@@ -14188,7 +14221,7 @@
           <a:p>
             <a:r>
               <a:rPr lang="en-US" dirty="0" smtClean="0"/>
-              <a:t>String calculator</a:t>
+              <a:t>Common test smells</a:t>
             </a:r>
             <a:endParaRPr lang="en-US" dirty="0"/>
           </a:p>
@@ -14206,33 +14239,60 @@
         </p:nvSpPr>
         <p:spPr/>
         <p:txBody>
-          <a:bodyPr>
-            <a:normAutofit/>
-          </a:bodyPr>
-          <a:lstStyle/>
-          <a:p>
-            <a:pPr marL="0" indent="0">
-              <a:buNone/>
-            </a:pPr>
-            <a:r>
-              <a:rPr lang="en-US" dirty="0" smtClean="0"/>
-              <a:t>Add numbers that is represented using string </a:t>
-            </a:r>
-          </a:p>
-          <a:p>
-            <a:pPr marL="0" indent="0">
-              <a:buNone/>
-            </a:pPr>
-            <a:endParaRPr lang="en-US" dirty="0"/>
-          </a:p>
-          <a:p>
-            <a:pPr marL="0" indent="0">
-              <a:buNone/>
-            </a:pPr>
-            <a:r>
-              <a:rPr lang="en-US" dirty="0" smtClean="0"/>
-              <a:t>For example = “1,2,3,5” = 11</a:t>
-            </a:r>
+          <a:bodyPr/>
+          <a:lstStyle/>
+          <a:p>
+            <a:r>
+              <a:rPr lang="en-US" b="1" dirty="0" smtClean="0"/>
+              <a:t>Hard-to-Test Code</a:t>
+            </a:r>
+          </a:p>
+          <a:p>
+            <a:r>
+              <a:rPr lang="en-US" b="1" dirty="0"/>
+              <a:t>Fragile Test</a:t>
+            </a:r>
+          </a:p>
+          <a:p>
+            <a:r>
+              <a:rPr lang="en-US" b="1" dirty="0"/>
+              <a:t>Test Code </a:t>
+            </a:r>
+            <a:r>
+              <a:rPr lang="en-US" b="1" dirty="0" smtClean="0"/>
+              <a:t>Duplication</a:t>
+            </a:r>
+          </a:p>
+          <a:p>
+            <a:r>
+              <a:rPr lang="en-US" b="1" dirty="0"/>
+              <a:t>Slow </a:t>
+            </a:r>
+            <a:r>
+              <a:rPr lang="en-US" b="1" dirty="0" smtClean="0"/>
+              <a:t>Tests</a:t>
+            </a:r>
+          </a:p>
+          <a:p>
+            <a:r>
+              <a:rPr lang="en-US" b="1" smtClean="0"/>
+              <a:t>Conditional </a:t>
+            </a:r>
+            <a:r>
+              <a:rPr lang="en-US" b="1" dirty="0"/>
+              <a:t>Test Logic</a:t>
+            </a:r>
+          </a:p>
+          <a:p>
+            <a:endParaRPr lang="en-US" b="1" dirty="0" smtClean="0"/>
+          </a:p>
+          <a:p>
+            <a:endParaRPr lang="en-US" b="1" dirty="0" smtClean="0"/>
+          </a:p>
+          <a:p>
+            <a:endParaRPr lang="en-US" b="1" dirty="0" smtClean="0"/>
+          </a:p>
+          <a:p>
             <a:endParaRPr lang="en-US" dirty="0"/>
           </a:p>
         </p:txBody>
@@ -14264,7 +14324,7 @@
     </p:spTree>
     <p:extLst>
       <p:ext uri="{BB962C8B-B14F-4D97-AF65-F5344CB8AC3E}">
-        <p14:creationId xmlns:p14="http://schemas.microsoft.com/office/powerpoint/2010/main" val="2735111426"/>
+        <p14:creationId xmlns:p14="http://schemas.microsoft.com/office/powerpoint/2010/main" val="3764183905"/>
       </p:ext>
     </p:extLst>
   </p:cSld>
@@ -14308,66 +14368,41 @@
           <a:p>
             <a:r>
               <a:rPr lang="en-US" dirty="0" smtClean="0"/>
-              <a:t>Rules</a:t>
-            </a:r>
-            <a:endParaRPr lang="en-US" dirty="0"/>
-          </a:p>
-        </p:txBody>
-      </p:sp>
-      <p:sp>
-        <p:nvSpPr>
-          <p:cNvPr id="3" name="Content Placeholder 2"/>
-          <p:cNvSpPr>
-            <a:spLocks noGrp="1"/>
-          </p:cNvSpPr>
-          <p:nvPr>
-            <p:ph idx="1"/>
-          </p:nvPr>
-        </p:nvSpPr>
-        <p:spPr/>
-        <p:txBody>
-          <a:bodyPr/>
-          <a:lstStyle/>
-          <a:p>
-            <a:r>
-              <a:rPr lang="en-US" dirty="0" smtClean="0"/>
-              <a:t>Write test before writing any production code</a:t>
-            </a:r>
-          </a:p>
-          <a:p>
-            <a:r>
-              <a:rPr lang="en-US" dirty="0" smtClean="0"/>
-              <a:t>Everyone must work in pair</a:t>
-            </a:r>
-          </a:p>
-          <a:p>
-            <a:r>
-              <a:rPr lang="en-US" dirty="0" smtClean="0"/>
-              <a:t>One person should write one failing test and other should make  that test pass by writing as  minimum code as possible</a:t>
-            </a:r>
-          </a:p>
-          <a:p>
-            <a:r>
-              <a:rPr lang="en-US" dirty="0" err="1" smtClean="0"/>
-              <a:t>Refcator</a:t>
-            </a:r>
-            <a:r>
-              <a:rPr lang="en-US" dirty="0" smtClean="0"/>
-              <a:t> code when necessary . You can only refactor code when all tests are in green</a:t>
-            </a:r>
-          </a:p>
-          <a:p>
-            <a:r>
-              <a:rPr lang="en-US" dirty="0" smtClean="0"/>
-              <a:t>Write elegant code</a:t>
-            </a:r>
-            <a:endParaRPr lang="en-US" dirty="0"/>
-          </a:p>
-        </p:txBody>
-      </p:sp>
-      <p:sp>
-        <p:nvSpPr>
-          <p:cNvPr id="4" name="Slide Number Placeholder 3"/>
+              <a:t>Tools</a:t>
+            </a:r>
+            <a:endParaRPr lang="en-GB" dirty="0"/>
+          </a:p>
+        </p:txBody>
+      </p:sp>
+      <p:pic>
+        <p:nvPicPr>
+          <p:cNvPr id="4" name="Picture 2" descr="http://infrastructuretesting.files.wordpress.com/2013/02/swiss-knife.jpg"/>
+          <p:cNvPicPr>
+            <a:picLocks noChangeAspect="1" noChangeArrowheads="1"/>
+          </p:cNvPicPr>
+          <p:nvPr/>
+        </p:nvPicPr>
+        <p:blipFill>
+          <a:blip r:embed="rId2" cstate="print"/>
+          <a:srcRect/>
+          <a:stretch>
+            <a:fillRect/>
+          </a:stretch>
+        </p:blipFill>
+        <p:spPr bwMode="auto">
+          <a:xfrm>
+            <a:off x="1066800" y="1600200"/>
+            <a:ext cx="6629400" cy="4572000"/>
+          </a:xfrm>
+          <a:prstGeom prst="rect">
+            <a:avLst/>
+          </a:prstGeom>
+          <a:noFill/>
+        </p:spPr>
+      </p:pic>
+      <p:sp>
+        <p:nvSpPr>
+          <p:cNvPr id="5" name="Slide Number Placeholder 4"/>
           <p:cNvSpPr>
             <a:spLocks noGrp="1"/>
           </p:cNvSpPr>
@@ -14453,128 +14488,61 @@
         <p:spPr/>
         <p:txBody>
           <a:bodyPr>
-            <a:normAutofit fontScale="55000" lnSpcReduction="20000"/>
+            <a:normAutofit lnSpcReduction="10000"/>
           </a:bodyPr>
           <a:lstStyle/>
           <a:p>
-            <a:pPr marL="0" indent="0">
-              <a:buNone/>
-            </a:pPr>
-            <a:r>
-              <a:rPr lang="en-US" dirty="0"/>
-              <a:t>Requirement 1: The method can take 0, 1 or 2 numbers separated by comma (,).</a:t>
-            </a:r>
-          </a:p>
-          <a:p>
-            <a:pPr marL="0" indent="0">
-              <a:buNone/>
-            </a:pPr>
-            <a:r>
-              <a:rPr lang="en-US" dirty="0"/>
-              <a:t>Requirement 2: For an empty string the method will return 0</a:t>
-            </a:r>
-          </a:p>
-          <a:p>
-            <a:pPr marL="0" indent="0">
-              <a:buNone/>
-            </a:pPr>
-            <a:r>
-              <a:rPr lang="en-US" dirty="0"/>
-              <a:t>Requirement 3: Method will return their sum of numbers for two numbers</a:t>
-            </a:r>
-          </a:p>
-          <a:p>
-            <a:pPr marL="0" indent="0">
-              <a:buNone/>
-            </a:pPr>
-            <a:r>
-              <a:rPr lang="en-US" dirty="0"/>
-              <a:t>Requirement 4: Allow the Add method to handle an unknown amount of numbers</a:t>
-            </a:r>
-          </a:p>
-          <a:p>
-            <a:pPr marL="0" indent="0">
-              <a:buNone/>
-            </a:pPr>
-            <a:r>
-              <a:rPr lang="en-US" dirty="0"/>
-              <a:t>Requirement 5: Allow the Add method to handle new lines between numbers (instead of commas).</a:t>
-            </a:r>
-          </a:p>
-          <a:p>
-            <a:pPr marL="0" indent="0">
-              <a:buNone/>
-            </a:pPr>
-            <a:r>
-              <a:rPr lang="en-US" dirty="0"/>
-              <a:t>Requirement 6 : for any non number throw exception</a:t>
-            </a:r>
-          </a:p>
-          <a:p>
-            <a:pPr marL="0" indent="0">
-              <a:buNone/>
-            </a:pPr>
-            <a:r>
-              <a:rPr lang="en-US" dirty="0"/>
-              <a:t>Requirement 7: Support different delimiters</a:t>
-            </a:r>
-          </a:p>
-          <a:p>
-            <a:pPr marL="0" indent="0">
-              <a:buNone/>
-            </a:pPr>
-            <a:r>
-              <a:rPr lang="en-US" dirty="0"/>
-              <a:t>To change a delimiter, the beginning of the string will contain a separate line that looks like this: </a:t>
-            </a:r>
-            <a:r>
-              <a:rPr lang="en-US" b="1" dirty="0"/>
-              <a:t>“//[delimiter]\n[numbers…]” </a:t>
-            </a:r>
-          </a:p>
-          <a:p>
-            <a:pPr marL="0" indent="0">
-              <a:buNone/>
-            </a:pPr>
-            <a:endParaRPr lang="en-US" dirty="0"/>
-          </a:p>
-          <a:p>
-            <a:pPr marL="0" indent="0">
-              <a:buNone/>
-            </a:pPr>
-            <a:r>
-              <a:rPr lang="en-US" dirty="0"/>
-              <a:t>for example “//;\n1;2” should take 1 and 2 as parameters and return 3 where the default delimiter is ‘;’ </a:t>
-            </a:r>
-          </a:p>
-          <a:p>
-            <a:pPr marL="0" indent="0">
-              <a:buNone/>
-            </a:pPr>
-            <a:r>
-              <a:rPr lang="en-US" dirty="0"/>
-              <a:t>      </a:t>
-            </a:r>
-          </a:p>
-          <a:p>
-            <a:pPr marL="0" indent="0">
-              <a:buNone/>
-            </a:pPr>
-            <a:r>
-              <a:rPr lang="en-US" dirty="0"/>
-              <a:t>Requirement 8: Negative numbers will throw an exception</a:t>
-            </a:r>
-          </a:p>
-          <a:p>
-            <a:pPr marL="0" indent="0">
-              <a:buNone/>
-            </a:pPr>
-            <a:r>
-              <a:rPr lang="en-US" dirty="0"/>
-              <a:t>Requirement 9: Numbers bigger than 1000 should be ignored</a:t>
-            </a:r>
-          </a:p>
-          <a:p>
+            <a:r>
+              <a:rPr lang="en-US" dirty="0" smtClean="0"/>
+              <a:t>Visual Studio </a:t>
+            </a:r>
+          </a:p>
+          <a:p>
+            <a:r>
+              <a:rPr lang="en-US" dirty="0" err="1" smtClean="0"/>
+              <a:t>Resharper</a:t>
+            </a:r>
+            <a:endParaRPr lang="en-US" dirty="0" smtClean="0"/>
+          </a:p>
+          <a:p>
+            <a:r>
+              <a:rPr lang="en-US" dirty="0" err="1" smtClean="0"/>
+              <a:t>Xunit</a:t>
+            </a:r>
+            <a:endParaRPr lang="en-US" dirty="0" smtClean="0"/>
+          </a:p>
+          <a:p>
+            <a:r>
+              <a:rPr lang="en-US" dirty="0" err="1" smtClean="0"/>
+              <a:t>Moq</a:t>
+            </a:r>
+            <a:endParaRPr lang="en-US" dirty="0" smtClean="0"/>
+          </a:p>
+          <a:p>
+            <a:r>
+              <a:rPr lang="en-US" dirty="0" err="1" smtClean="0"/>
+              <a:t>Nsubstitiute</a:t>
+            </a:r>
+            <a:endParaRPr lang="en-US" dirty="0" smtClean="0"/>
+          </a:p>
+          <a:p>
+            <a:r>
+              <a:rPr lang="en-US" dirty="0" err="1" smtClean="0"/>
+              <a:t>RhinoMock</a:t>
+            </a:r>
+            <a:endParaRPr lang="en-US" dirty="0" smtClean="0"/>
+          </a:p>
+          <a:p>
+            <a:r>
+              <a:rPr lang="en-US" dirty="0" smtClean="0"/>
+              <a:t>Fitness</a:t>
+            </a:r>
+          </a:p>
+          <a:p>
+            <a:r>
+              <a:rPr lang="en-US" dirty="0" err="1" smtClean="0"/>
+              <a:t>Specflow</a:t>
+            </a:r>
             <a:endParaRPr lang="en-US" dirty="0"/>
           </a:p>
         </p:txBody>
@@ -14604,15 +14572,17 @@
         </p:txBody>
       </p:sp>
     </p:spTree>
-    <p:extLst>
-      <p:ext uri="{BB962C8B-B14F-4D97-AF65-F5344CB8AC3E}">
-        <p14:creationId xmlns:p14="http://schemas.microsoft.com/office/powerpoint/2010/main" val="227199050"/>
-      </p:ext>
-    </p:extLst>
   </p:cSld>
   <p:clrMapOvr>
     <a:masterClrMapping/>
   </p:clrMapOvr>
+  <p:timing>
+    <p:tnLst>
+      <p:par>
+        <p:cTn id="1" dur="indefinite" restart="never" nodeType="tmRoot"/>
+      </p:par>
+    </p:tnLst>
+  </p:timing>
 </p:sld>
 </file>
 
@@ -14643,50 +14613,65 @@
             <p:ph type="title"/>
           </p:nvPr>
         </p:nvSpPr>
-        <p:spPr>
-          <a:xfrm>
-            <a:off x="457200" y="0"/>
-            <a:ext cx="8229600" cy="1143000"/>
-          </a:xfrm>
-        </p:spPr>
+        <p:spPr/>
         <p:txBody>
           <a:bodyPr/>
           <a:lstStyle/>
           <a:p>
             <a:r>
               <a:rPr lang="en-US" dirty="0" smtClean="0"/>
-              <a:t>Just do it!</a:t>
-            </a:r>
-            <a:endParaRPr lang="en-GB" dirty="0"/>
-          </a:p>
-        </p:txBody>
-      </p:sp>
-      <p:pic>
-        <p:nvPicPr>
-          <p:cNvPr id="4" name="Content Placeholder 3" descr="skydive.jpg"/>
-          <p:cNvPicPr>
-            <a:picLocks noGrp="1" noChangeAspect="1"/>
-          </p:cNvPicPr>
+              <a:t>String calculator</a:t>
+            </a:r>
+            <a:endParaRPr lang="en-US" dirty="0"/>
+          </a:p>
+        </p:txBody>
+      </p:sp>
+      <p:sp>
+        <p:nvSpPr>
+          <p:cNvPr id="3" name="Content Placeholder 2"/>
+          <p:cNvSpPr>
+            <a:spLocks noGrp="1"/>
+          </p:cNvSpPr>
           <p:nvPr>
             <p:ph idx="1"/>
           </p:nvPr>
-        </p:nvPicPr>
-        <p:blipFill>
-          <a:blip r:embed="rId2" cstate="print"/>
-          <a:stretch>
-            <a:fillRect/>
-          </a:stretch>
-        </p:blipFill>
-        <p:spPr>
-          <a:xfrm>
-            <a:off x="0" y="914400"/>
-            <a:ext cx="9143999" cy="5943600"/>
-          </a:xfrm>
-        </p:spPr>
-      </p:pic>
-      <p:sp>
-        <p:nvSpPr>
-          <p:cNvPr id="5" name="Slide Number Placeholder 4"/>
+        </p:nvSpPr>
+        <p:spPr/>
+        <p:txBody>
+          <a:bodyPr>
+            <a:normAutofit/>
+          </a:bodyPr>
+          <a:lstStyle/>
+          <a:p>
+            <a:pPr marL="0" indent="0">
+              <a:buNone/>
+            </a:pPr>
+            <a:r>
+              <a:rPr lang="en-US" dirty="0" smtClean="0"/>
+              <a:t>Add numbers that is represented using string </a:t>
+            </a:r>
+          </a:p>
+          <a:p>
+            <a:pPr marL="0" indent="0">
+              <a:buNone/>
+            </a:pPr>
+            <a:endParaRPr lang="en-US" dirty="0"/>
+          </a:p>
+          <a:p>
+            <a:pPr marL="0" indent="0">
+              <a:buNone/>
+            </a:pPr>
+            <a:r>
+              <a:rPr lang="en-US" dirty="0" smtClean="0"/>
+              <a:t>For example = “1,2,3,5” = 11</a:t>
+            </a:r>
+            <a:endParaRPr lang="en-US" dirty="0"/>
+          </a:p>
+        </p:txBody>
+      </p:sp>
+      <p:sp>
+        <p:nvSpPr>
+          <p:cNvPr id="4" name="Slide Number Placeholder 3"/>
           <p:cNvSpPr>
             <a:spLocks noGrp="1"/>
           </p:cNvSpPr>
@@ -14709,17 +14694,15 @@
         </p:txBody>
       </p:sp>
     </p:spTree>
+    <p:extLst>
+      <p:ext uri="{BB962C8B-B14F-4D97-AF65-F5344CB8AC3E}">
+        <p14:creationId xmlns:p14="http://schemas.microsoft.com/office/powerpoint/2010/main" val="2735111426"/>
+      </p:ext>
+    </p:extLst>
   </p:cSld>
   <p:clrMapOvr>
     <a:masterClrMapping/>
   </p:clrMapOvr>
-  <p:timing>
-    <p:tnLst>
-      <p:par>
-        <p:cTn id="1" dur="indefinite" restart="never" nodeType="tmRoot"/>
-      </p:par>
-    </p:tnLst>
-  </p:timing>
 </p:sld>
 </file>
 
@@ -14747,7 +14730,7 @@
             <a:spLocks noGrp="1"/>
           </p:cNvSpPr>
           <p:nvPr>
-            <p:ph type="ctrTitle"/>
+            <p:ph type="title"/>
           </p:nvPr>
         </p:nvSpPr>
         <p:spPr/>
@@ -14757,7 +14740,7 @@
           <a:p>
             <a:r>
               <a:rPr lang="en-US" dirty="0" smtClean="0"/>
-              <a:t>Coding Dojo</a:t>
+              <a:t>Rules</a:t>
             </a:r>
             <a:endParaRPr lang="en-US" dirty="0"/>
           </a:p>
@@ -14765,20 +14748,52 @@
       </p:sp>
       <p:sp>
         <p:nvSpPr>
-          <p:cNvPr id="3" name="Subtitle 2"/>
-          <p:cNvSpPr>
-            <a:spLocks noGrp="1"/>
-          </p:cNvSpPr>
-          <p:nvPr>
-            <p:ph type="subTitle" idx="1"/>
-          </p:nvPr>
-        </p:nvSpPr>
-        <p:spPr/>
-        <p:txBody>
-          <a:bodyPr/>
-          <a:lstStyle/>
-          <a:p>
-            <a:endParaRPr lang="en-US"/>
+          <p:cNvPr id="3" name="Content Placeholder 2"/>
+          <p:cNvSpPr>
+            <a:spLocks noGrp="1"/>
+          </p:cNvSpPr>
+          <p:nvPr>
+            <p:ph idx="1"/>
+          </p:nvPr>
+        </p:nvSpPr>
+        <p:spPr/>
+        <p:txBody>
+          <a:bodyPr/>
+          <a:lstStyle/>
+          <a:p>
+            <a:r>
+              <a:rPr lang="en-US" dirty="0" smtClean="0"/>
+              <a:t>Write test before writing any production code</a:t>
+            </a:r>
+          </a:p>
+          <a:p>
+            <a:r>
+              <a:rPr lang="en-US" dirty="0" smtClean="0"/>
+              <a:t>Everyone must work in pair</a:t>
+            </a:r>
+          </a:p>
+          <a:p>
+            <a:r>
+              <a:rPr lang="en-US" dirty="0" smtClean="0"/>
+              <a:t>One person should write one failing test and other should make  that test pass by writing as  minimum code as possible</a:t>
+            </a:r>
+          </a:p>
+          <a:p>
+            <a:r>
+              <a:rPr lang="en-US" dirty="0" err="1" smtClean="0"/>
+              <a:t>Refcator</a:t>
+            </a:r>
+            <a:r>
+              <a:rPr lang="en-US" dirty="0" smtClean="0"/>
+              <a:t> code when necessary . You can only refactor code when all tests are in green</a:t>
+            </a:r>
+          </a:p>
+          <a:p>
+            <a:r>
+              <a:rPr lang="en-US" dirty="0" smtClean="0"/>
+              <a:t>Write elegant code</a:t>
+            </a:r>
+            <a:endParaRPr lang="en-US" dirty="0"/>
           </a:p>
         </p:txBody>
       </p:sp>
@@ -14853,50 +14868,133 @@
           <a:bodyPr/>
           <a:lstStyle/>
           <a:p>
+            <a:endParaRPr lang="en-US"/>
+          </a:p>
+        </p:txBody>
+      </p:sp>
+      <p:sp>
+        <p:nvSpPr>
+          <p:cNvPr id="3" name="Content Placeholder 2"/>
+          <p:cNvSpPr>
+            <a:spLocks noGrp="1"/>
+          </p:cNvSpPr>
+          <p:nvPr>
+            <p:ph idx="1"/>
+          </p:nvPr>
+        </p:nvSpPr>
+        <p:spPr/>
+        <p:txBody>
+          <a:bodyPr>
+            <a:normAutofit fontScale="55000" lnSpcReduction="20000"/>
+          </a:bodyPr>
+          <a:lstStyle/>
+          <a:p>
+            <a:pPr marL="0" indent="0">
+              <a:buNone/>
+            </a:pPr>
+            <a:r>
+              <a:rPr lang="en-US" dirty="0"/>
+              <a:t>Requirement 1: The method can take 0, 1 or 2 numbers separated by comma (,).</a:t>
+            </a:r>
+          </a:p>
+          <a:p>
+            <a:pPr marL="0" indent="0">
+              <a:buNone/>
+            </a:pPr>
+            <a:r>
+              <a:rPr lang="en-US" dirty="0"/>
+              <a:t>Requirement 2: For an empty string the method will return 0</a:t>
+            </a:r>
+          </a:p>
+          <a:p>
+            <a:pPr marL="0" indent="0">
+              <a:buNone/>
+            </a:pPr>
+            <a:r>
+              <a:rPr lang="en-US" dirty="0"/>
+              <a:t>Requirement 3: Method will return their sum of numbers for two numbers</a:t>
+            </a:r>
+          </a:p>
+          <a:p>
+            <a:pPr marL="0" indent="0">
+              <a:buNone/>
+            </a:pPr>
+            <a:r>
+              <a:rPr lang="en-US" dirty="0"/>
+              <a:t>Requirement 4: Allow the Add method to handle an unknown amount of numbers</a:t>
+            </a:r>
+          </a:p>
+          <a:p>
+            <a:pPr marL="0" indent="0">
+              <a:buNone/>
+            </a:pPr>
+            <a:r>
+              <a:rPr lang="en-US" dirty="0"/>
+              <a:t>Requirement 5: Allow the Add method to handle new lines between numbers (instead of commas).</a:t>
+            </a:r>
+          </a:p>
+          <a:p>
+            <a:pPr marL="0" indent="0">
+              <a:buNone/>
+            </a:pPr>
+            <a:r>
+              <a:rPr lang="en-US" dirty="0"/>
+              <a:t>Requirement 6 : for any non number throw exception</a:t>
+            </a:r>
+          </a:p>
+          <a:p>
+            <a:pPr marL="0" indent="0">
+              <a:buNone/>
+            </a:pPr>
+            <a:r>
+              <a:rPr lang="en-US" dirty="0"/>
+              <a:t>Requirement 7: Support different delimiters</a:t>
+            </a:r>
+          </a:p>
+          <a:p>
+            <a:pPr marL="0" indent="0">
+              <a:buNone/>
+            </a:pPr>
+            <a:r>
+              <a:rPr lang="en-US" dirty="0"/>
+              <a:t>To change a delimiter, the beginning of the string will contain a separate line that looks like this: </a:t>
+            </a:r>
             <a:r>
               <a:rPr lang="en-US" b="1" dirty="0"/>
-              <a:t>Some clarifications about TDD</a:t>
-            </a:r>
+              <a:t>“//[delimiter]\n[numbers…]” </a:t>
+            </a:r>
+          </a:p>
+          <a:p>
+            <a:pPr marL="0" indent="0">
+              <a:buNone/>
+            </a:pPr>
             <a:endParaRPr lang="en-US" dirty="0"/>
           </a:p>
-        </p:txBody>
-      </p:sp>
-      <p:sp>
-        <p:nvSpPr>
-          <p:cNvPr id="3" name="Content Placeholder 2"/>
-          <p:cNvSpPr>
-            <a:spLocks noGrp="1"/>
-          </p:cNvSpPr>
-          <p:nvPr>
-            <p:ph idx="1"/>
-          </p:nvPr>
-        </p:nvSpPr>
-        <p:spPr/>
-        <p:txBody>
-          <a:bodyPr>
-            <a:normAutofit fontScale="92500"/>
-          </a:bodyPr>
-          <a:lstStyle/>
-          <a:p>
-            <a:r>
-              <a:rPr lang="en-US" dirty="0" smtClean="0"/>
-              <a:t>TDD </a:t>
-            </a:r>
+          <a:p>
+            <a:pPr marL="0" indent="0">
+              <a:buNone/>
+            </a:pPr>
             <a:r>
               <a:rPr lang="en-US" dirty="0"/>
-              <a:t>is neither about "Testing" nor about "Design".</a:t>
-            </a:r>
-          </a:p>
-          <a:p>
+              <a:t>for example “//;\n1;2” should take 1 and 2 as parameters and return 3 where the default delimiter is ‘;’ </a:t>
+            </a:r>
+          </a:p>
+          <a:p>
+            <a:pPr marL="0" indent="0">
+              <a:buNone/>
+            </a:pPr>
             <a:r>
               <a:rPr lang="en-US" dirty="0"/>
-              <a:t>TDD does not mean "write some of the tests, then build a system that passes the tests.</a:t>
-            </a:r>
-          </a:p>
-          <a:p>
+              <a:t>      </a:t>
+            </a:r>
+          </a:p>
+          <a:p>
+            <a:pPr marL="0" indent="0">
+              <a:buNone/>
+            </a:pPr>
             <a:r>
               <a:rPr lang="en-US" dirty="0"/>
-              <a:t>TDD does not mean "do lots of Testing."</a:t>
+              <a:t>Requirement 8: Negative numbers will throw an exception</a:t>
             </a:r>
           </a:p>
           <a:p>
@@ -14905,13 +15003,8 @@
             </a:pPr>
             <a:r>
               <a:rPr lang="en-US" dirty="0"/>
-              <a:t>Test-Driven development is a process of developing and running automated test before actual development of the application. Hence, TDD sometimes also called as </a:t>
-            </a:r>
-            <a:r>
-              <a:rPr lang="en-US" b="1" dirty="0"/>
-              <a:t>Test First Development.</a:t>
-            </a:r>
-            <a:endParaRPr lang="en-US" dirty="0"/>
+              <a:t>Requirement 9: Numbers bigger than 1000 should be ignored</a:t>
+            </a:r>
           </a:p>
           <a:p>
             <a:endParaRPr lang="en-US" dirty="0"/>
@@ -14945,7 +15038,7 @@
     </p:spTree>
     <p:extLst>
       <p:ext uri="{BB962C8B-B14F-4D97-AF65-F5344CB8AC3E}">
-        <p14:creationId xmlns:p14="http://schemas.microsoft.com/office/powerpoint/2010/main" val="3393187502"/>
+        <p14:creationId xmlns:p14="http://schemas.microsoft.com/office/powerpoint/2010/main" val="227199050"/>
       </p:ext>
     </p:extLst>
   </p:cSld>
@@ -14982,65 +15075,50 @@
             <p:ph type="title"/>
           </p:nvPr>
         </p:nvSpPr>
-        <p:spPr/>
+        <p:spPr>
+          <a:xfrm>
+            <a:off x="457200" y="0"/>
+            <a:ext cx="8229600" cy="1143000"/>
+          </a:xfrm>
+        </p:spPr>
         <p:txBody>
           <a:bodyPr/>
           <a:lstStyle/>
           <a:p>
             <a:r>
               <a:rPr lang="en-US" dirty="0" smtClean="0"/>
-              <a:t>What is coding dojo</a:t>
-            </a:r>
-            <a:endParaRPr lang="en-US" dirty="0"/>
-          </a:p>
-        </p:txBody>
-      </p:sp>
-      <p:sp>
-        <p:nvSpPr>
-          <p:cNvPr id="3" name="Content Placeholder 2"/>
-          <p:cNvSpPr>
-            <a:spLocks noGrp="1"/>
-          </p:cNvSpPr>
+              <a:t>Just do it!</a:t>
+            </a:r>
+            <a:endParaRPr lang="en-GB" dirty="0"/>
+          </a:p>
+        </p:txBody>
+      </p:sp>
+      <p:pic>
+        <p:nvPicPr>
+          <p:cNvPr id="4" name="Content Placeholder 3" descr="skydive.jpg"/>
+          <p:cNvPicPr>
+            <a:picLocks noGrp="1" noChangeAspect="1"/>
+          </p:cNvPicPr>
           <p:nvPr>
             <p:ph idx="1"/>
           </p:nvPr>
-        </p:nvSpPr>
-        <p:spPr/>
-        <p:txBody>
-          <a:bodyPr>
-            <a:normAutofit/>
-          </a:bodyPr>
-          <a:lstStyle/>
-          <a:p>
-            <a:pPr>
-              <a:buNone/>
-            </a:pPr>
-            <a:r>
-              <a:rPr lang="en-US" dirty="0" smtClean="0"/>
-              <a:t>	A Coding Dojo is a meeting where a bunch of coders get together, code, learn, and have fun</a:t>
-            </a:r>
-          </a:p>
-          <a:p>
-            <a:pPr>
-              <a:buNone/>
-            </a:pPr>
-            <a:endParaRPr lang="en-US" dirty="0" smtClean="0"/>
-          </a:p>
-          <a:p>
-            <a:pPr>
-              <a:buNone/>
-            </a:pPr>
-            <a:r>
-              <a:rPr lang="en-US" dirty="0" smtClean="0"/>
-              <a:t>	The real point of going to a dojo is to improve your skills</a:t>
-            </a:r>
-            <a:endParaRPr lang="en-US" dirty="0"/>
-          </a:p>
-        </p:txBody>
-      </p:sp>
-      <p:sp>
-        <p:nvSpPr>
-          <p:cNvPr id="4" name="Slide Number Placeholder 3"/>
+        </p:nvPicPr>
+        <p:blipFill>
+          <a:blip r:embed="rId2" cstate="print"/>
+          <a:stretch>
+            <a:fillRect/>
+          </a:stretch>
+        </p:blipFill>
+        <p:spPr>
+          <a:xfrm>
+            <a:off x="0" y="914400"/>
+            <a:ext cx="9143999" cy="5943600"/>
+          </a:xfrm>
+        </p:spPr>
+      </p:pic>
+      <p:sp>
+        <p:nvSpPr>
+          <p:cNvPr id="5" name="Slide Number Placeholder 4"/>
           <p:cNvSpPr>
             <a:spLocks noGrp="1"/>
           </p:cNvSpPr>
@@ -15106,114 +15184,40 @@
         </p:nvSpPr>
         <p:spPr/>
         <p:txBody>
-          <a:bodyPr>
-            <a:normAutofit fontScale="90000"/>
-          </a:bodyPr>
-          <a:lstStyle/>
-          <a:p>
+          <a:bodyPr/>
+          <a:lstStyle/>
+          <a:p>
+            <a:endParaRPr lang="en-US"/>
+          </a:p>
+        </p:txBody>
+      </p:sp>
+      <p:sp>
+        <p:nvSpPr>
+          <p:cNvPr id="3" name="Content Placeholder 2"/>
+          <p:cNvSpPr>
+            <a:spLocks noGrp="1"/>
+          </p:cNvSpPr>
+          <p:nvPr>
+            <p:ph idx="1"/>
+          </p:nvPr>
+        </p:nvSpPr>
+        <p:spPr/>
+        <p:txBody>
+          <a:bodyPr/>
+          <a:lstStyle/>
+          <a:p>
+            <a:pPr marL="0" indent="0">
+              <a:buNone/>
+            </a:pPr>
             <a:r>
               <a:rPr lang="en-US" dirty="0" smtClean="0"/>
-              <a:t/>
-            </a:r>
-            <a:br>
-              <a:rPr lang="en-US" dirty="0" smtClean="0"/>
-            </a:br>
-            <a:r>
-              <a:rPr lang="en-US" dirty="0" smtClean="0"/>
-              <a:t>TDD Mantra    </a:t>
-            </a:r>
-            <a:br>
-              <a:rPr lang="en-US" dirty="0" smtClean="0"/>
-            </a:br>
-            <a:endParaRPr lang="en-US" dirty="0"/>
-          </a:p>
-        </p:txBody>
-      </p:sp>
-      <p:sp>
-        <p:nvSpPr>
-          <p:cNvPr id="3" name="Content Placeholder 2"/>
-          <p:cNvSpPr>
-            <a:spLocks noGrp="1"/>
-          </p:cNvSpPr>
-          <p:nvPr>
-            <p:ph idx="1"/>
-          </p:nvPr>
-        </p:nvSpPr>
-        <p:spPr>
-          <a:xfrm>
-            <a:off x="381000" y="1600200"/>
-            <a:ext cx="8534400" cy="4525963"/>
-          </a:xfrm>
-        </p:spPr>
-        <p:txBody>
-          <a:bodyPr/>
-          <a:lstStyle/>
-          <a:p>
-            <a:pPr marL="0" indent="0">
-              <a:buNone/>
-            </a:pPr>
-            <a:r>
-              <a:rPr lang="en-US" dirty="0" smtClean="0">
-                <a:solidFill>
-                  <a:srgbClr val="FF0000"/>
-                </a:solidFill>
-              </a:rPr>
-              <a:t>Red</a:t>
-            </a:r>
-            <a:r>
-              <a:rPr lang="en-US" dirty="0" smtClean="0"/>
-              <a:t> – Write a little test that does not work , and  perhaps does not even compile first.</a:t>
-            </a:r>
-          </a:p>
-          <a:p>
-            <a:pPr marL="0" indent="0">
-              <a:buNone/>
-            </a:pPr>
+              <a:t>TDD </a:t>
+            </a:r>
+            <a:r>
+              <a:rPr lang="en-US" dirty="0"/>
+              <a:t>can be done at multiple levels – at a feature level (acceptance tests) as well as at a class or module level (unit tests). </a:t>
+            </a:r>
             <a:endParaRPr lang="en-US" dirty="0" smtClean="0"/>
-          </a:p>
-          <a:p>
-            <a:pPr marL="0" indent="0">
-              <a:buNone/>
-            </a:pPr>
-            <a:r>
-              <a:rPr lang="en-US" dirty="0" smtClean="0">
-                <a:solidFill>
-                  <a:srgbClr val="00B050"/>
-                </a:solidFill>
-              </a:rPr>
-              <a:t>Green</a:t>
-            </a:r>
-            <a:r>
-              <a:rPr lang="en-US" dirty="0" smtClean="0"/>
-              <a:t> – Make the test work quickly , committing whatever sins necessary in the process.</a:t>
-            </a:r>
-          </a:p>
-          <a:p>
-            <a:pPr marL="0" indent="0">
-              <a:buNone/>
-            </a:pPr>
-            <a:endParaRPr lang="en-US" dirty="0" smtClean="0"/>
-          </a:p>
-          <a:p>
-            <a:pPr marL="0" indent="0">
-              <a:buNone/>
-            </a:pPr>
-            <a:r>
-              <a:rPr lang="en-US" dirty="0" err="1" smtClean="0">
-                <a:solidFill>
-                  <a:schemeClr val="tx2">
-                    <a:lumMod val="60000"/>
-                    <a:lumOff val="40000"/>
-                  </a:schemeClr>
-                </a:solidFill>
-              </a:rPr>
-              <a:t>Refactor</a:t>
-            </a:r>
-            <a:r>
-              <a:rPr lang="en-US" dirty="0" smtClean="0"/>
-              <a:t> – Eliminate all of the duplication created in merely getting the test to work.</a:t>
-            </a:r>
-            <a:endParaRPr lang="en-US" dirty="0"/>
           </a:p>
         </p:txBody>
       </p:sp>
@@ -15244,7 +15248,7 @@
     </p:spTree>
     <p:extLst>
       <p:ext uri="{BB962C8B-B14F-4D97-AF65-F5344CB8AC3E}">
-        <p14:creationId xmlns:p14="http://schemas.microsoft.com/office/powerpoint/2010/main" val="3499799547"/>
+        <p14:creationId xmlns:p14="http://schemas.microsoft.com/office/powerpoint/2010/main" val="1452361774"/>
       </p:ext>
     </p:extLst>
   </p:cSld>
@@ -15285,7 +15289,30 @@
             <a:spLocks noGrp="1"/>
           </p:cNvSpPr>
           <p:nvPr>
-            <p:ph type="title"/>
+            <p:ph type="ctrTitle"/>
+          </p:nvPr>
+        </p:nvSpPr>
+        <p:spPr/>
+        <p:txBody>
+          <a:bodyPr/>
+          <a:lstStyle/>
+          <a:p>
+            <a:r>
+              <a:rPr lang="en-US" dirty="0" smtClean="0"/>
+              <a:t>Coding Dojo</a:t>
+            </a:r>
+            <a:endParaRPr lang="en-US" dirty="0"/>
+          </a:p>
+        </p:txBody>
+      </p:sp>
+      <p:sp>
+        <p:nvSpPr>
+          <p:cNvPr id="3" name="Subtitle 2"/>
+          <p:cNvSpPr>
+            <a:spLocks noGrp="1"/>
+          </p:cNvSpPr>
+          <p:nvPr>
+            <p:ph type="subTitle" idx="1"/>
           </p:nvPr>
         </p:nvSpPr>
         <p:spPr/>
@@ -15294,29 +15321,6 @@
           <a:lstStyle/>
           <a:p>
             <a:endParaRPr lang="en-US"/>
-          </a:p>
-        </p:txBody>
-      </p:sp>
-      <p:sp>
-        <p:nvSpPr>
-          <p:cNvPr id="3" name="Content Placeholder 2"/>
-          <p:cNvSpPr>
-            <a:spLocks noGrp="1"/>
-          </p:cNvSpPr>
-          <p:nvPr>
-            <p:ph idx="1"/>
-          </p:nvPr>
-        </p:nvSpPr>
-        <p:spPr/>
-        <p:txBody>
-          <a:bodyPr/>
-          <a:lstStyle/>
-          <a:p>
-            <a:r>
-              <a:rPr lang="en-US" dirty="0" smtClean="0"/>
-              <a:t>http://www.meetup.com/OsloCodingDojo/photos/1237021/#21061984</a:t>
-            </a:r>
-            <a:endParaRPr lang="en-US" dirty="0"/>
           </a:p>
         </p:txBody>
       </p:sp>
@@ -15378,6 +15382,29 @@
       </p:grpSpPr>
       <p:sp>
         <p:nvSpPr>
+          <p:cNvPr id="2" name="Title 1"/>
+          <p:cNvSpPr>
+            <a:spLocks noGrp="1"/>
+          </p:cNvSpPr>
+          <p:nvPr>
+            <p:ph type="title"/>
+          </p:nvPr>
+        </p:nvSpPr>
+        <p:spPr/>
+        <p:txBody>
+          <a:bodyPr/>
+          <a:lstStyle/>
+          <a:p>
+            <a:r>
+              <a:rPr lang="en-US" b="1" dirty="0"/>
+              <a:t>Some clarifications about TDD</a:t>
+            </a:r>
+            <a:endParaRPr lang="en-US" dirty="0"/>
+          </a:p>
+        </p:txBody>
+      </p:sp>
+      <p:sp>
+        <p:nvSpPr>
           <p:cNvPr id="3" name="Content Placeholder 2"/>
           <p:cNvSpPr>
             <a:spLocks noGrp="1"/>
@@ -15388,36 +15415,48 @@
         </p:nvSpPr>
         <p:spPr/>
         <p:txBody>
-          <a:bodyPr/>
-          <a:lstStyle/>
-          <a:p>
-            <a:pPr>
-              <a:buNone/>
-            </a:pPr>
+          <a:bodyPr>
+            <a:normAutofit fontScale="92500"/>
+          </a:bodyPr>
+          <a:lstStyle/>
+          <a:p>
             <a:r>
               <a:rPr lang="en-US" dirty="0" smtClean="0"/>
-              <a:t>			</a:t>
-            </a:r>
-          </a:p>
-          <a:p>
-            <a:pPr>
-              <a:buNone/>
-            </a:pPr>
-            <a:endParaRPr lang="en-US" dirty="0" smtClean="0"/>
-          </a:p>
-          <a:p>
-            <a:pPr>
-              <a:buNone/>
-            </a:pPr>
-            <a:r>
-              <a:rPr lang="en-US" dirty="0" smtClean="0"/>
-              <a:t>				</a:t>
-            </a:r>
-            <a:r>
-              <a:rPr lang="en-US" sz="4800" dirty="0" smtClean="0"/>
-              <a:t>Demo!</a:t>
-            </a:r>
-            <a:endParaRPr lang="en-US" sz="4800" dirty="0"/>
+              <a:t>TDD </a:t>
+            </a:r>
+            <a:r>
+              <a:rPr lang="en-US" dirty="0"/>
+              <a:t>is neither about "Testing" nor about "Design".</a:t>
+            </a:r>
+          </a:p>
+          <a:p>
+            <a:r>
+              <a:rPr lang="en-US" dirty="0"/>
+              <a:t>TDD does not mean "write some of the tests, then build a system that passes the tests.</a:t>
+            </a:r>
+          </a:p>
+          <a:p>
+            <a:r>
+              <a:rPr lang="en-US" dirty="0"/>
+              <a:t>TDD does not mean "do lots of Testing."</a:t>
+            </a:r>
+          </a:p>
+          <a:p>
+            <a:pPr marL="0" indent="0">
+              <a:buNone/>
+            </a:pPr>
+            <a:r>
+              <a:rPr lang="en-US" dirty="0"/>
+              <a:t>Test-Driven development is a process of developing and running automated test before actual development of the application. Hence, TDD sometimes also called as </a:t>
+            </a:r>
+            <a:r>
+              <a:rPr lang="en-US" b="1" dirty="0"/>
+              <a:t>Test First Development.</a:t>
+            </a:r>
+            <a:endParaRPr lang="en-US" dirty="0"/>
+          </a:p>
+          <a:p>
+            <a:endParaRPr lang="en-US" dirty="0"/>
           </a:p>
         </p:txBody>
       </p:sp>
@@ -15446,17 +15485,15 @@
         </p:txBody>
       </p:sp>
     </p:spTree>
+    <p:extLst>
+      <p:ext uri="{BB962C8B-B14F-4D97-AF65-F5344CB8AC3E}">
+        <p14:creationId xmlns:p14="http://schemas.microsoft.com/office/powerpoint/2010/main" val="3393187502"/>
+      </p:ext>
+    </p:extLst>
   </p:cSld>
   <p:clrMapOvr>
     <a:masterClrMapping/>
   </p:clrMapOvr>
-  <p:timing>
-    <p:tnLst>
-      <p:par>
-        <p:cTn id="1" dur="indefinite" restart="never" nodeType="tmRoot"/>
-      </p:par>
-    </p:tnLst>
-  </p:timing>
 </p:sld>
 </file>
 
@@ -15492,7 +15529,11 @@
           <a:bodyPr/>
           <a:lstStyle/>
           <a:p>
-            <a:endParaRPr lang="en-US"/>
+            <a:r>
+              <a:rPr lang="en-US" dirty="0" smtClean="0"/>
+              <a:t>What is coding dojo</a:t>
+            </a:r>
+            <a:endParaRPr lang="en-US" dirty="0"/>
           </a:p>
         </p:txBody>
       </p:sp>
@@ -15508,7 +15549,9 @@
         </p:nvSpPr>
         <p:spPr/>
         <p:txBody>
-          <a:bodyPr/>
+          <a:bodyPr>
+            <a:normAutofit/>
+          </a:bodyPr>
           <a:lstStyle/>
           <a:p>
             <a:pPr>
@@ -15516,7 +15559,7 @@
             </a:pPr>
             <a:r>
               <a:rPr lang="en-US" dirty="0" smtClean="0"/>
-              <a:t>	</a:t>
+              <a:t>	A Coding Dojo is a meeting where a bunch of coders get together, code, learn, and have fun</a:t>
             </a:r>
           </a:p>
           <a:p>
@@ -15529,15 +15572,9 @@
             <a:pPr>
               <a:buNone/>
             </a:pPr>
-            <a:endParaRPr lang="en-US" dirty="0" smtClean="0"/>
-          </a:p>
-          <a:p>
-            <a:pPr>
-              <a:buNone/>
-            </a:pPr>
             <a:r>
               <a:rPr lang="en-US" dirty="0" smtClean="0"/>
-              <a:t>	Convert Arabic number to Roman Number</a:t>
+              <a:t>	The real point of going to a dojo is to improve your skills</a:t>
             </a:r>
             <a:endParaRPr lang="en-US" dirty="0"/>
           </a:p>
@@ -15614,13 +15651,36 @@
           <a:bodyPr/>
           <a:lstStyle/>
           <a:p>
+            <a:endParaRPr lang="en-US"/>
+          </a:p>
+        </p:txBody>
+      </p:sp>
+      <p:sp>
+        <p:nvSpPr>
+          <p:cNvPr id="3" name="Content Placeholder 2"/>
+          <p:cNvSpPr>
+            <a:spLocks noGrp="1"/>
+          </p:cNvSpPr>
+          <p:nvPr>
+            <p:ph idx="1"/>
+          </p:nvPr>
+        </p:nvSpPr>
+        <p:spPr/>
+        <p:txBody>
+          <a:bodyPr/>
+          <a:lstStyle/>
+          <a:p>
+            <a:r>
+              <a:rPr lang="en-US" dirty="0" smtClean="0"/>
+              <a:t>http://www.meetup.com/OsloCodingDojo/photos/1237021/#21061984</a:t>
+            </a:r>
             <a:endParaRPr lang="en-US" dirty="0"/>
           </a:p>
         </p:txBody>
       </p:sp>
       <p:sp>
         <p:nvSpPr>
-          <p:cNvPr id="5" name="Slide Number Placeholder 4"/>
+          <p:cNvPr id="4" name="Slide Number Placeholder 3"/>
           <p:cNvSpPr>
             <a:spLocks noGrp="1"/>
           </p:cNvSpPr>
@@ -15637,6 +15697,304 @@
               <a:rPr lang="en-US" smtClean="0"/>
               <a:pPr/>
               <a:t>63</a:t>
+            </a:fld>
+            <a:endParaRPr lang="en-US"/>
+          </a:p>
+        </p:txBody>
+      </p:sp>
+    </p:spTree>
+  </p:cSld>
+  <p:clrMapOvr>
+    <a:masterClrMapping/>
+  </p:clrMapOvr>
+  <p:timing>
+    <p:tnLst>
+      <p:par>
+        <p:cTn id="1" dur="indefinite" restart="never" nodeType="tmRoot"/>
+      </p:par>
+    </p:tnLst>
+  </p:timing>
+</p:sld>
+</file>
+
+<file path=ppt/slides/slide64.xml><?xml version="1.0" encoding="utf-8"?>
+<p:sld xmlns:a="http://schemas.openxmlformats.org/drawingml/2006/main" xmlns:r="http://schemas.openxmlformats.org/officeDocument/2006/relationships" xmlns:p="http://schemas.openxmlformats.org/presentationml/2006/main">
+  <p:cSld>
+    <p:spTree>
+      <p:nvGrpSpPr>
+        <p:cNvPr id="1" name=""/>
+        <p:cNvGrpSpPr/>
+        <p:nvPr/>
+      </p:nvGrpSpPr>
+      <p:grpSpPr>
+        <a:xfrm>
+          <a:off x="0" y="0"/>
+          <a:ext cx="0" cy="0"/>
+          <a:chOff x="0" y="0"/>
+          <a:chExt cx="0" cy="0"/>
+        </a:xfrm>
+      </p:grpSpPr>
+      <p:sp>
+        <p:nvSpPr>
+          <p:cNvPr id="3" name="Content Placeholder 2"/>
+          <p:cNvSpPr>
+            <a:spLocks noGrp="1"/>
+          </p:cNvSpPr>
+          <p:nvPr>
+            <p:ph idx="1"/>
+          </p:nvPr>
+        </p:nvSpPr>
+        <p:spPr/>
+        <p:txBody>
+          <a:bodyPr/>
+          <a:lstStyle/>
+          <a:p>
+            <a:pPr>
+              <a:buNone/>
+            </a:pPr>
+            <a:r>
+              <a:rPr lang="en-US" dirty="0" smtClean="0"/>
+              <a:t>			</a:t>
+            </a:r>
+          </a:p>
+          <a:p>
+            <a:pPr>
+              <a:buNone/>
+            </a:pPr>
+            <a:endParaRPr lang="en-US" dirty="0" smtClean="0"/>
+          </a:p>
+          <a:p>
+            <a:pPr>
+              <a:buNone/>
+            </a:pPr>
+            <a:r>
+              <a:rPr lang="en-US" dirty="0" smtClean="0"/>
+              <a:t>				</a:t>
+            </a:r>
+            <a:r>
+              <a:rPr lang="en-US" sz="4800" dirty="0" smtClean="0"/>
+              <a:t>Demo!</a:t>
+            </a:r>
+            <a:endParaRPr lang="en-US" sz="4800" dirty="0"/>
+          </a:p>
+        </p:txBody>
+      </p:sp>
+      <p:sp>
+        <p:nvSpPr>
+          <p:cNvPr id="4" name="Slide Number Placeholder 3"/>
+          <p:cNvSpPr>
+            <a:spLocks noGrp="1"/>
+          </p:cNvSpPr>
+          <p:nvPr>
+            <p:ph type="sldNum" sz="quarter" idx="12"/>
+          </p:nvPr>
+        </p:nvSpPr>
+        <p:spPr/>
+        <p:txBody>
+          <a:bodyPr/>
+          <a:lstStyle/>
+          <a:p>
+            <a:fld id="{2387B7E2-7538-4163-9310-D5E6EE1BC12A}" type="slidenum">
+              <a:rPr lang="en-US" smtClean="0"/>
+              <a:pPr/>
+              <a:t>64</a:t>
+            </a:fld>
+            <a:endParaRPr lang="en-US"/>
+          </a:p>
+        </p:txBody>
+      </p:sp>
+    </p:spTree>
+  </p:cSld>
+  <p:clrMapOvr>
+    <a:masterClrMapping/>
+  </p:clrMapOvr>
+  <p:timing>
+    <p:tnLst>
+      <p:par>
+        <p:cTn id="1" dur="indefinite" restart="never" nodeType="tmRoot"/>
+      </p:par>
+    </p:tnLst>
+  </p:timing>
+</p:sld>
+</file>
+
+<file path=ppt/slides/slide65.xml><?xml version="1.0" encoding="utf-8"?>
+<p:sld xmlns:a="http://schemas.openxmlformats.org/drawingml/2006/main" xmlns:r="http://schemas.openxmlformats.org/officeDocument/2006/relationships" xmlns:p="http://schemas.openxmlformats.org/presentationml/2006/main">
+  <p:cSld>
+    <p:spTree>
+      <p:nvGrpSpPr>
+        <p:cNvPr id="1" name=""/>
+        <p:cNvGrpSpPr/>
+        <p:nvPr/>
+      </p:nvGrpSpPr>
+      <p:grpSpPr>
+        <a:xfrm>
+          <a:off x="0" y="0"/>
+          <a:ext cx="0" cy="0"/>
+          <a:chOff x="0" y="0"/>
+          <a:chExt cx="0" cy="0"/>
+        </a:xfrm>
+      </p:grpSpPr>
+      <p:sp>
+        <p:nvSpPr>
+          <p:cNvPr id="2" name="Title 1"/>
+          <p:cNvSpPr>
+            <a:spLocks noGrp="1"/>
+          </p:cNvSpPr>
+          <p:nvPr>
+            <p:ph type="title"/>
+          </p:nvPr>
+        </p:nvSpPr>
+        <p:spPr/>
+        <p:txBody>
+          <a:bodyPr/>
+          <a:lstStyle/>
+          <a:p>
+            <a:endParaRPr lang="en-US"/>
+          </a:p>
+        </p:txBody>
+      </p:sp>
+      <p:sp>
+        <p:nvSpPr>
+          <p:cNvPr id="3" name="Content Placeholder 2"/>
+          <p:cNvSpPr>
+            <a:spLocks noGrp="1"/>
+          </p:cNvSpPr>
+          <p:nvPr>
+            <p:ph idx="1"/>
+          </p:nvPr>
+        </p:nvSpPr>
+        <p:spPr/>
+        <p:txBody>
+          <a:bodyPr/>
+          <a:lstStyle/>
+          <a:p>
+            <a:pPr>
+              <a:buNone/>
+            </a:pPr>
+            <a:r>
+              <a:rPr lang="en-US" dirty="0" smtClean="0"/>
+              <a:t>	</a:t>
+            </a:r>
+          </a:p>
+          <a:p>
+            <a:pPr>
+              <a:buNone/>
+            </a:pPr>
+            <a:endParaRPr lang="en-US" dirty="0" smtClean="0"/>
+          </a:p>
+          <a:p>
+            <a:pPr>
+              <a:buNone/>
+            </a:pPr>
+            <a:endParaRPr lang="en-US" dirty="0" smtClean="0"/>
+          </a:p>
+          <a:p>
+            <a:pPr>
+              <a:buNone/>
+            </a:pPr>
+            <a:r>
+              <a:rPr lang="en-US" dirty="0" smtClean="0"/>
+              <a:t>	Convert Arabic number to Roman Number</a:t>
+            </a:r>
+            <a:endParaRPr lang="en-US" dirty="0"/>
+          </a:p>
+        </p:txBody>
+      </p:sp>
+      <p:sp>
+        <p:nvSpPr>
+          <p:cNvPr id="4" name="Slide Number Placeholder 3"/>
+          <p:cNvSpPr>
+            <a:spLocks noGrp="1"/>
+          </p:cNvSpPr>
+          <p:nvPr>
+            <p:ph type="sldNum" sz="quarter" idx="12"/>
+          </p:nvPr>
+        </p:nvSpPr>
+        <p:spPr/>
+        <p:txBody>
+          <a:bodyPr/>
+          <a:lstStyle/>
+          <a:p>
+            <a:fld id="{2387B7E2-7538-4163-9310-D5E6EE1BC12A}" type="slidenum">
+              <a:rPr lang="en-US" smtClean="0"/>
+              <a:pPr/>
+              <a:t>65</a:t>
+            </a:fld>
+            <a:endParaRPr lang="en-US"/>
+          </a:p>
+        </p:txBody>
+      </p:sp>
+    </p:spTree>
+  </p:cSld>
+  <p:clrMapOvr>
+    <a:masterClrMapping/>
+  </p:clrMapOvr>
+  <p:timing>
+    <p:tnLst>
+      <p:par>
+        <p:cTn id="1" dur="indefinite" restart="never" nodeType="tmRoot"/>
+      </p:par>
+    </p:tnLst>
+  </p:timing>
+</p:sld>
+</file>
+
+<file path=ppt/slides/slide66.xml><?xml version="1.0" encoding="utf-8"?>
+<p:sld xmlns:a="http://schemas.openxmlformats.org/drawingml/2006/main" xmlns:r="http://schemas.openxmlformats.org/officeDocument/2006/relationships" xmlns:p="http://schemas.openxmlformats.org/presentationml/2006/main">
+  <p:cSld>
+    <p:spTree>
+      <p:nvGrpSpPr>
+        <p:cNvPr id="1" name=""/>
+        <p:cNvGrpSpPr/>
+        <p:nvPr/>
+      </p:nvGrpSpPr>
+      <p:grpSpPr>
+        <a:xfrm>
+          <a:off x="0" y="0"/>
+          <a:ext cx="0" cy="0"/>
+          <a:chOff x="0" y="0"/>
+          <a:chExt cx="0" cy="0"/>
+        </a:xfrm>
+      </p:grpSpPr>
+      <p:sp>
+        <p:nvSpPr>
+          <p:cNvPr id="2" name="Title 1"/>
+          <p:cNvSpPr>
+            <a:spLocks noGrp="1"/>
+          </p:cNvSpPr>
+          <p:nvPr>
+            <p:ph type="title"/>
+          </p:nvPr>
+        </p:nvSpPr>
+        <p:spPr/>
+        <p:txBody>
+          <a:bodyPr/>
+          <a:lstStyle/>
+          <a:p>
+            <a:endParaRPr lang="en-US" dirty="0"/>
+          </a:p>
+        </p:txBody>
+      </p:sp>
+      <p:sp>
+        <p:nvSpPr>
+          <p:cNvPr id="5" name="Slide Number Placeholder 4"/>
+          <p:cNvSpPr>
+            <a:spLocks noGrp="1"/>
+          </p:cNvSpPr>
+          <p:nvPr>
+            <p:ph type="sldNum" sz="quarter" idx="12"/>
+          </p:nvPr>
+        </p:nvSpPr>
+        <p:spPr/>
+        <p:txBody>
+          <a:bodyPr/>
+          <a:lstStyle/>
+          <a:p>
+            <a:fld id="{2387B7E2-7538-4163-9310-D5E6EE1BC12A}" type="slidenum">
+              <a:rPr lang="en-US" smtClean="0"/>
+              <a:pPr/>
+              <a:t>66</a:t>
             </a:fld>
             <a:endParaRPr lang="en-US"/>
           </a:p>
@@ -15681,7 +16039,7 @@
 </p:sld>
 </file>
 
-<file path=ppt/slides/slide64.xml><?xml version="1.0" encoding="utf-8"?>
+<file path=ppt/slides/slide67.xml><?xml version="1.0" encoding="utf-8"?>
 <p:sld xmlns:a="http://schemas.openxmlformats.org/drawingml/2006/main" xmlns:r="http://schemas.openxmlformats.org/officeDocument/2006/relationships" xmlns:p="http://schemas.openxmlformats.org/presentationml/2006/main">
   <p:cSld>
     <p:spTree>
@@ -15754,7 +16112,7 @@
             <a:fld id="{2387B7E2-7538-4163-9310-D5E6EE1BC12A}" type="slidenum">
               <a:rPr lang="en-US" smtClean="0"/>
               <a:pPr/>
-              <a:t>64</a:t>
+              <a:t>67</a:t>
             </a:fld>
             <a:endParaRPr lang="en-US"/>
           </a:p>
@@ -15773,7 +16131,7 @@
 </p:sld>
 </file>
 
-<file path=ppt/slides/slide65.xml><?xml version="1.0" encoding="utf-8"?>
+<file path=ppt/slides/slide68.xml><?xml version="1.0" encoding="utf-8"?>
 <p:sld xmlns:a="http://schemas.openxmlformats.org/drawingml/2006/main" xmlns:r="http://schemas.openxmlformats.org/officeDocument/2006/relationships" xmlns:p="http://schemas.openxmlformats.org/presentationml/2006/main">
   <p:cSld>
     <p:spTree>
@@ -15901,7 +16259,7 @@
             <a:fld id="{2387B7E2-7538-4163-9310-D5E6EE1BC12A}" type="slidenum">
               <a:rPr lang="en-US" smtClean="0"/>
               <a:pPr/>
-              <a:t>65</a:t>
+              <a:t>68</a:t>
             </a:fld>
             <a:endParaRPr lang="en-US"/>
           </a:p>
@@ -15920,7 +16278,7 @@
 </p:sld>
 </file>
 
-<file path=ppt/slides/slide66.xml><?xml version="1.0" encoding="utf-8"?>
+<file path=ppt/slides/slide69.xml><?xml version="1.0" encoding="utf-8"?>
 <p:sld xmlns:a="http://schemas.openxmlformats.org/drawingml/2006/main" xmlns:r="http://schemas.openxmlformats.org/officeDocument/2006/relationships" xmlns:p="http://schemas.openxmlformats.org/presentationml/2006/main">
   <p:cSld>
     <p:spTree>
@@ -16027,7 +16385,7 @@
             <a:fld id="{2387B7E2-7538-4163-9310-D5E6EE1BC12A}" type="slidenum">
               <a:rPr lang="en-US" smtClean="0"/>
               <a:pPr/>
-              <a:t>66</a:t>
+              <a:t>69</a:t>
             </a:fld>
             <a:endParaRPr lang="en-US"/>
           </a:p>
@@ -16046,7 +16404,191 @@
 </p:sld>
 </file>
 
-<file path=ppt/slides/slide67.xml><?xml version="1.0" encoding="utf-8"?>
+<file path=ppt/slides/slide7.xml><?xml version="1.0" encoding="utf-8"?>
+<p:sld xmlns:a="http://schemas.openxmlformats.org/drawingml/2006/main" xmlns:r="http://schemas.openxmlformats.org/officeDocument/2006/relationships" xmlns:p="http://schemas.openxmlformats.org/presentationml/2006/main">
+  <p:cSld>
+    <p:spTree>
+      <p:nvGrpSpPr>
+        <p:cNvPr id="1" name=""/>
+        <p:cNvGrpSpPr/>
+        <p:nvPr/>
+      </p:nvGrpSpPr>
+      <p:grpSpPr>
+        <a:xfrm>
+          <a:off x="0" y="0"/>
+          <a:ext cx="0" cy="0"/>
+          <a:chOff x="0" y="0"/>
+          <a:chExt cx="0" cy="0"/>
+        </a:xfrm>
+      </p:grpSpPr>
+      <p:sp>
+        <p:nvSpPr>
+          <p:cNvPr id="2" name="Title 1"/>
+          <p:cNvSpPr>
+            <a:spLocks noGrp="1"/>
+          </p:cNvSpPr>
+          <p:nvPr>
+            <p:ph type="title"/>
+          </p:nvPr>
+        </p:nvSpPr>
+        <p:spPr/>
+        <p:txBody>
+          <a:bodyPr>
+            <a:normAutofit fontScale="90000"/>
+          </a:bodyPr>
+          <a:lstStyle/>
+          <a:p>
+            <a:r>
+              <a:rPr lang="en-US" dirty="0" smtClean="0"/>
+              <a:t/>
+            </a:r>
+            <a:br>
+              <a:rPr lang="en-US" dirty="0" smtClean="0"/>
+            </a:br>
+            <a:r>
+              <a:rPr lang="en-US" dirty="0" smtClean="0"/>
+              <a:t>TDD Mantra    </a:t>
+            </a:r>
+            <a:br>
+              <a:rPr lang="en-US" dirty="0" smtClean="0"/>
+            </a:br>
+            <a:endParaRPr lang="en-US" dirty="0"/>
+          </a:p>
+        </p:txBody>
+      </p:sp>
+      <p:sp>
+        <p:nvSpPr>
+          <p:cNvPr id="3" name="Content Placeholder 2"/>
+          <p:cNvSpPr>
+            <a:spLocks noGrp="1"/>
+          </p:cNvSpPr>
+          <p:nvPr>
+            <p:ph idx="1"/>
+          </p:nvPr>
+        </p:nvSpPr>
+        <p:spPr>
+          <a:xfrm>
+            <a:off x="381000" y="1600200"/>
+            <a:ext cx="8534400" cy="4525963"/>
+          </a:xfrm>
+        </p:spPr>
+        <p:txBody>
+          <a:bodyPr/>
+          <a:lstStyle/>
+          <a:p>
+            <a:pPr marL="0" indent="0">
+              <a:buNone/>
+            </a:pPr>
+            <a:r>
+              <a:rPr lang="en-US" dirty="0" smtClean="0">
+                <a:solidFill>
+                  <a:srgbClr val="FF0000"/>
+                </a:solidFill>
+              </a:rPr>
+              <a:t>Red</a:t>
+            </a:r>
+            <a:r>
+              <a:rPr lang="en-US" dirty="0" smtClean="0"/>
+              <a:t> – Write a little test that does not work , and  perhaps does not even compile first.</a:t>
+            </a:r>
+          </a:p>
+          <a:p>
+            <a:pPr marL="0" indent="0">
+              <a:buNone/>
+            </a:pPr>
+            <a:endParaRPr lang="en-US" dirty="0" smtClean="0"/>
+          </a:p>
+          <a:p>
+            <a:pPr marL="0" indent="0">
+              <a:buNone/>
+            </a:pPr>
+            <a:r>
+              <a:rPr lang="en-US" dirty="0" smtClean="0">
+                <a:solidFill>
+                  <a:srgbClr val="00B050"/>
+                </a:solidFill>
+              </a:rPr>
+              <a:t>Green</a:t>
+            </a:r>
+            <a:r>
+              <a:rPr lang="en-US" dirty="0" smtClean="0"/>
+              <a:t> – Make the test work quickly , committing whatever sins necessary in the process.</a:t>
+            </a:r>
+          </a:p>
+          <a:p>
+            <a:pPr marL="0" indent="0">
+              <a:buNone/>
+            </a:pPr>
+            <a:endParaRPr lang="en-US" dirty="0" smtClean="0"/>
+          </a:p>
+          <a:p>
+            <a:pPr marL="0" indent="0">
+              <a:buNone/>
+            </a:pPr>
+            <a:r>
+              <a:rPr lang="en-US" dirty="0" err="1" smtClean="0">
+                <a:solidFill>
+                  <a:schemeClr val="tx2">
+                    <a:lumMod val="60000"/>
+                    <a:lumOff val="40000"/>
+                  </a:schemeClr>
+                </a:solidFill>
+              </a:rPr>
+              <a:t>Refactor</a:t>
+            </a:r>
+            <a:r>
+              <a:rPr lang="en-US" dirty="0" smtClean="0"/>
+              <a:t> – Eliminate all of the duplication created in merely getting the test to work.</a:t>
+            </a:r>
+            <a:endParaRPr lang="en-US" dirty="0"/>
+          </a:p>
+        </p:txBody>
+      </p:sp>
+      <p:sp>
+        <p:nvSpPr>
+          <p:cNvPr id="4" name="Slide Number Placeholder 3"/>
+          <p:cNvSpPr>
+            <a:spLocks noGrp="1"/>
+          </p:cNvSpPr>
+          <p:nvPr>
+            <p:ph type="sldNum" sz="quarter" idx="12"/>
+          </p:nvPr>
+        </p:nvSpPr>
+        <p:spPr/>
+        <p:txBody>
+          <a:bodyPr/>
+          <a:lstStyle/>
+          <a:p>
+            <a:fld id="{2387B7E2-7538-4163-9310-D5E6EE1BC12A}" type="slidenum">
+              <a:rPr lang="en-US" smtClean="0"/>
+              <a:pPr/>
+              <a:t>7</a:t>
+            </a:fld>
+            <a:endParaRPr lang="en-US"/>
+          </a:p>
+        </p:txBody>
+      </p:sp>
+    </p:spTree>
+    <p:extLst>
+      <p:ext uri="{BB962C8B-B14F-4D97-AF65-F5344CB8AC3E}">
+        <p14:creationId xmlns:p14="http://schemas.microsoft.com/office/powerpoint/2010/main" val="3499799547"/>
+      </p:ext>
+    </p:extLst>
+  </p:cSld>
+  <p:clrMapOvr>
+    <a:masterClrMapping/>
+  </p:clrMapOvr>
+  <p:timing>
+    <p:tnLst>
+      <p:par>
+        <p:cTn id="1" dur="indefinite" restart="never" nodeType="tmRoot"/>
+      </p:par>
+    </p:tnLst>
+  </p:timing>
+</p:sld>
+</file>
+
+<file path=ppt/slides/slide70.xml><?xml version="1.0" encoding="utf-8"?>
 <p:sld xmlns:a="http://schemas.openxmlformats.org/drawingml/2006/main" xmlns:r="http://schemas.openxmlformats.org/officeDocument/2006/relationships" xmlns:p="http://schemas.openxmlformats.org/presentationml/2006/main">
   <p:cSld>
     <p:spTree>
@@ -16124,7 +16666,7 @@
             <a:fld id="{2387B7E2-7538-4163-9310-D5E6EE1BC12A}" type="slidenum">
               <a:rPr lang="en-US" smtClean="0"/>
               <a:pPr/>
-              <a:t>67</a:t>
+              <a:t>70</a:t>
             </a:fld>
             <a:endParaRPr lang="en-US"/>
           </a:p>
@@ -16145,7 +16687,7 @@
 </p:sld>
 </file>
 
-<file path=ppt/slides/slide68.xml><?xml version="1.0" encoding="utf-8"?>
+<file path=ppt/slides/slide71.xml><?xml version="1.0" encoding="utf-8"?>
 <p:sld xmlns:a="http://schemas.openxmlformats.org/drawingml/2006/main" xmlns:r="http://schemas.openxmlformats.org/officeDocument/2006/relationships" xmlns:p="http://schemas.openxmlformats.org/presentationml/2006/main">
   <p:cSld>
     <p:spTree>
@@ -16305,7 +16847,7 @@
             <a:fld id="{2387B7E2-7538-4163-9310-D5E6EE1BC12A}" type="slidenum">
               <a:rPr lang="en-US" smtClean="0"/>
               <a:pPr/>
-              <a:t>68</a:t>
+              <a:t>71</a:t>
             </a:fld>
             <a:endParaRPr lang="en-US"/>
           </a:p>
@@ -16326,7 +16868,7 @@
 </p:sld>
 </file>
 
-<file path=ppt/slides/slide69.xml><?xml version="1.0" encoding="utf-8"?>
+<file path=ppt/slides/slide72.xml><?xml version="1.0" encoding="utf-8"?>
 <p:sld xmlns:a="http://schemas.openxmlformats.org/drawingml/2006/main" xmlns:r="http://schemas.openxmlformats.org/officeDocument/2006/relationships" xmlns:p="http://schemas.openxmlformats.org/presentationml/2006/main">
   <p:cSld>
     <p:spTree>
@@ -16411,7 +16953,7 @@
             <a:fld id="{2387B7E2-7538-4163-9310-D5E6EE1BC12A}" type="slidenum">
               <a:rPr lang="en-US" smtClean="0"/>
               <a:pPr/>
-              <a:t>69</a:t>
+              <a:t>72</a:t>
             </a:fld>
             <a:endParaRPr lang="en-US"/>
           </a:p>
@@ -16513,96 +17055,7 @@
 </p:sld>
 </file>
 
-<file path=ppt/slides/slide7.xml><?xml version="1.0" encoding="utf-8"?>
-<p:sld xmlns:a="http://schemas.openxmlformats.org/drawingml/2006/main" xmlns:r="http://schemas.openxmlformats.org/officeDocument/2006/relationships" xmlns:p="http://schemas.openxmlformats.org/presentationml/2006/main">
-  <p:cSld>
-    <p:spTree>
-      <p:nvGrpSpPr>
-        <p:cNvPr id="1" name=""/>
-        <p:cNvGrpSpPr/>
-        <p:nvPr/>
-      </p:nvGrpSpPr>
-      <p:grpSpPr>
-        <a:xfrm>
-          <a:off x="0" y="0"/>
-          <a:ext cx="0" cy="0"/>
-          <a:chOff x="0" y="0"/>
-          <a:chExt cx="0" cy="0"/>
-        </a:xfrm>
-      </p:grpSpPr>
-      <p:sp>
-        <p:nvSpPr>
-          <p:cNvPr id="3" name="Content Placeholder 2"/>
-          <p:cNvSpPr>
-            <a:spLocks noGrp="1"/>
-          </p:cNvSpPr>
-          <p:nvPr>
-            <p:ph idx="1"/>
-          </p:nvPr>
-        </p:nvSpPr>
-        <p:spPr>
-          <a:xfrm>
-            <a:off x="457200" y="2667000"/>
-            <a:ext cx="8229600" cy="1295400"/>
-          </a:xfrm>
-        </p:spPr>
-        <p:txBody>
-          <a:bodyPr/>
-          <a:lstStyle/>
-          <a:p>
-            <a:pPr>
-              <a:buNone/>
-            </a:pPr>
-            <a:r>
-              <a:rPr lang="en-US" dirty="0" smtClean="0"/>
-              <a:t>		Why Test Driven Development</a:t>
-            </a:r>
-          </a:p>
-          <a:p>
-            <a:endParaRPr lang="en-US" dirty="0" smtClean="0"/>
-          </a:p>
-        </p:txBody>
-      </p:sp>
-      <p:sp>
-        <p:nvSpPr>
-          <p:cNvPr id="4" name="Slide Number Placeholder 3"/>
-          <p:cNvSpPr>
-            <a:spLocks noGrp="1"/>
-          </p:cNvSpPr>
-          <p:nvPr>
-            <p:ph type="sldNum" sz="quarter" idx="12"/>
-          </p:nvPr>
-        </p:nvSpPr>
-        <p:spPr/>
-        <p:txBody>
-          <a:bodyPr/>
-          <a:lstStyle/>
-          <a:p>
-            <a:fld id="{2387B7E2-7538-4163-9310-D5E6EE1BC12A}" type="slidenum">
-              <a:rPr lang="en-US" smtClean="0"/>
-              <a:pPr/>
-              <a:t>7</a:t>
-            </a:fld>
-            <a:endParaRPr lang="en-US"/>
-          </a:p>
-        </p:txBody>
-      </p:sp>
-    </p:spTree>
-  </p:cSld>
-  <p:clrMapOvr>
-    <a:masterClrMapping/>
-  </p:clrMapOvr>
-  <p:timing>
-    <p:tnLst>
-      <p:par>
-        <p:cTn id="1" dur="indefinite" restart="never" nodeType="tmRoot"/>
-      </p:par>
-    </p:tnLst>
-  </p:timing>
-</p:sld>
-</file>
-
-<file path=ppt/slides/slide70.xml><?xml version="1.0" encoding="utf-8"?>
+<file path=ppt/slides/slide73.xml><?xml version="1.0" encoding="utf-8"?>
 <p:sld xmlns:a="http://schemas.openxmlformats.org/drawingml/2006/main" xmlns:r="http://schemas.openxmlformats.org/officeDocument/2006/relationships" xmlns:p="http://schemas.openxmlformats.org/presentationml/2006/main">
   <p:cSld>
     <p:spTree>
@@ -16690,7 +17143,7 @@
             <a:fld id="{2387B7E2-7538-4163-9310-D5E6EE1BC12A}" type="slidenum">
               <a:rPr lang="en-US" smtClean="0"/>
               <a:pPr/>
-              <a:t>70</a:t>
+              <a:t>73</a:t>
             </a:fld>
             <a:endParaRPr lang="en-US"/>
           </a:p>
@@ -16730,58 +17183,34 @@
       </p:grpSpPr>
       <p:sp>
         <p:nvSpPr>
-          <p:cNvPr id="2" name="Title 1"/>
-          <p:cNvSpPr>
-            <a:spLocks noGrp="1"/>
-          </p:cNvSpPr>
-          <p:nvPr>
-            <p:ph type="title"/>
-          </p:nvPr>
-        </p:nvSpPr>
-        <p:spPr/>
-        <p:txBody>
-          <a:bodyPr/>
-          <a:lstStyle/>
-          <a:p>
+          <p:cNvPr id="3" name="Content Placeholder 2"/>
+          <p:cNvSpPr>
+            <a:spLocks noGrp="1"/>
+          </p:cNvSpPr>
+          <p:nvPr>
+            <p:ph idx="1"/>
+          </p:nvPr>
+        </p:nvSpPr>
+        <p:spPr>
+          <a:xfrm>
+            <a:off x="457200" y="2667000"/>
+            <a:ext cx="8229600" cy="1295400"/>
+          </a:xfrm>
+        </p:spPr>
+        <p:txBody>
+          <a:bodyPr/>
+          <a:lstStyle/>
+          <a:p>
+            <a:pPr>
+              <a:buNone/>
+            </a:pPr>
             <a:r>
               <a:rPr lang="en-US" dirty="0" smtClean="0"/>
-              <a:t>Building the right feedback loop</a:t>
-            </a:r>
-            <a:endParaRPr lang="en-US" dirty="0"/>
-          </a:p>
-        </p:txBody>
-      </p:sp>
-      <p:sp>
-        <p:nvSpPr>
-          <p:cNvPr id="3" name="Content Placeholder 2"/>
-          <p:cNvSpPr>
-            <a:spLocks noGrp="1"/>
-          </p:cNvSpPr>
-          <p:nvPr>
-            <p:ph idx="1"/>
-          </p:nvPr>
-        </p:nvSpPr>
-        <p:spPr/>
-        <p:txBody>
-          <a:bodyPr>
-            <a:normAutofit/>
-          </a:bodyPr>
-          <a:lstStyle/>
-          <a:p>
-            <a:pPr marL="0" indent="0">
-              <a:buNone/>
-            </a:pPr>
-            <a:r>
-              <a:rPr lang="en-US" dirty="0"/>
-              <a:t>Tests create a feedback loop that informs the developer whether the product is working or not. </a:t>
-            </a:r>
+              <a:t>		Why Test Driven Development</a:t>
+            </a:r>
+          </a:p>
+          <a:p>
             <a:endParaRPr lang="en-US" dirty="0" smtClean="0"/>
-          </a:p>
-          <a:p>
-            <a:pPr marL="0" indent="0">
-              <a:buNone/>
-            </a:pPr>
-            <a:endParaRPr lang="en-US" dirty="0"/>
           </a:p>
         </p:txBody>
       </p:sp>
@@ -16810,11 +17239,6 @@
         </p:txBody>
       </p:sp>
     </p:spTree>
-    <p:extLst>
-      <p:ext uri="{BB962C8B-B14F-4D97-AF65-F5344CB8AC3E}">
-        <p14:creationId xmlns:p14="http://schemas.microsoft.com/office/powerpoint/2010/main" val="3774876887"/>
-      </p:ext>
-    </p:extLst>
   </p:cSld>
   <p:clrMapOvr>
     <a:masterClrMapping/>
@@ -16858,97 +17282,47 @@
         </p:nvSpPr>
         <p:spPr/>
         <p:txBody>
+          <a:bodyPr/>
+          <a:lstStyle/>
+          <a:p>
+            <a:r>
+              <a:rPr lang="en-US" dirty="0" smtClean="0"/>
+              <a:t>Building the right feedback loop</a:t>
+            </a:r>
+            <a:endParaRPr lang="en-US" dirty="0"/>
+          </a:p>
+        </p:txBody>
+      </p:sp>
+      <p:sp>
+        <p:nvSpPr>
+          <p:cNvPr id="3" name="Content Placeholder 2"/>
+          <p:cNvSpPr>
+            <a:spLocks noGrp="1"/>
+          </p:cNvSpPr>
+          <p:nvPr>
+            <p:ph idx="1"/>
+          </p:nvPr>
+        </p:nvSpPr>
+        <p:spPr/>
+        <p:txBody>
           <a:bodyPr>
-            <a:normAutofit fontScale="90000"/>
+            <a:normAutofit/>
           </a:bodyPr>
           <a:lstStyle/>
           <a:p>
+            <a:pPr marL="0" indent="0">
+              <a:buNone/>
+            </a:pPr>
             <a:r>
               <a:rPr lang="en-US" dirty="0"/>
-              <a:t/>
-            </a:r>
-            <a:br>
-              <a:rPr lang="en-US" dirty="0"/>
-            </a:br>
-            <a:endParaRPr lang="en-US" dirty="0"/>
-          </a:p>
-        </p:txBody>
-      </p:sp>
-      <p:sp>
-        <p:nvSpPr>
-          <p:cNvPr id="3" name="Content Placeholder 2"/>
-          <p:cNvSpPr>
-            <a:spLocks noGrp="1"/>
-          </p:cNvSpPr>
-          <p:nvPr>
-            <p:ph idx="1"/>
-          </p:nvPr>
-        </p:nvSpPr>
-        <p:spPr>
-          <a:xfrm>
-            <a:off x="457200" y="838200"/>
-            <a:ext cx="8229600" cy="5287963"/>
-          </a:xfrm>
-        </p:spPr>
-        <p:txBody>
-          <a:bodyPr>
-            <a:normAutofit fontScale="77500" lnSpcReduction="20000"/>
-          </a:bodyPr>
-          <a:lstStyle/>
+              <a:t>Tests create a feedback loop that informs the developer whether the product is working or not. </a:t>
+            </a:r>
+            <a:endParaRPr lang="en-US" dirty="0" smtClean="0"/>
+          </a:p>
           <a:p>
             <a:pPr marL="0" indent="0">
               <a:buNone/>
             </a:pPr>
-            <a:r>
-              <a:rPr lang="en-US" dirty="0"/>
-              <a:t>The ideal feedback loop has several properties</a:t>
-            </a:r>
-            <a:r>
-              <a:rPr lang="en-US" dirty="0" smtClean="0"/>
-              <a:t>:</a:t>
-            </a:r>
-          </a:p>
-          <a:p>
-            <a:pPr marL="0" indent="0">
-              <a:buNone/>
-            </a:pPr>
-            <a:endParaRPr lang="en-US" u="sng" dirty="0" smtClean="0"/>
-          </a:p>
-          <a:p>
-            <a:r>
-              <a:rPr lang="en-US" u="sng" dirty="0" smtClean="0"/>
-              <a:t>It's </a:t>
-            </a:r>
-            <a:r>
-              <a:rPr lang="en-US" u="sng" dirty="0"/>
-              <a:t>fast</a:t>
-            </a:r>
-            <a:r>
-              <a:rPr lang="en-US" dirty="0"/>
-              <a:t>. No developer wants to wait hours or days to find out if their change works. Sometimes the change does not work - nobody is perfect - and the feedback loop needs to run multiple times. A faster feedback loop leads to faster fixes. If the loop is fast enough, developers may even run tests before checking in a change. </a:t>
-            </a:r>
-          </a:p>
-          <a:p>
-            <a:r>
-              <a:rPr lang="en-US" u="sng" dirty="0"/>
-              <a:t>It's reliable</a:t>
-            </a:r>
-            <a:r>
-              <a:rPr lang="en-US" dirty="0"/>
-              <a:t>. No developer wants to spend hours debugging a test, only to find out it was a flaky test. Flaky tests reduce the developer's trust in the test, and as a result flaky tests are often ignored, even when they find real product issues. </a:t>
-            </a:r>
-          </a:p>
-          <a:p>
-            <a:r>
-              <a:rPr lang="en-US" u="sng" dirty="0"/>
-              <a:t>It isolates failures</a:t>
-            </a:r>
-            <a:r>
-              <a:rPr lang="en-US" dirty="0"/>
-              <a:t>. To fix a bug, developers need to find the specific lines of code causing the bug. When a product contains millions of lines of codes, and the bug could be anywhere, it's like trying to find a needle in a haystack. </a:t>
-            </a:r>
-          </a:p>
-          <a:p>
             <a:endParaRPr lang="en-US" dirty="0"/>
           </a:p>
         </p:txBody>
@@ -16980,13 +17354,20 @@
     </p:spTree>
     <p:extLst>
       <p:ext uri="{BB962C8B-B14F-4D97-AF65-F5344CB8AC3E}">
-        <p14:creationId xmlns:p14="http://schemas.microsoft.com/office/powerpoint/2010/main" val="1470752032"/>
+        <p14:creationId xmlns:p14="http://schemas.microsoft.com/office/powerpoint/2010/main" val="3774876887"/>
       </p:ext>
     </p:extLst>
   </p:cSld>
   <p:clrMapOvr>
     <a:masterClrMapping/>
   </p:clrMapOvr>
+  <p:timing>
+    <p:tnLst>
+      <p:par>
+        <p:cTn id="1" dur="indefinite" restart="never" nodeType="tmRoot"/>
+      </p:par>
+    </p:tnLst>
+  </p:timing>
 </p:sld>
 </file>
 
